--- a/Slides/Module 03.1 Trusting TypeScript.pptx
+++ b/Slides/Module 03.1 Trusting TypeScript.pptx
@@ -262,7 +262,7 @@
           <a:p>
             <a:fld id="{7C7E5181-6CF5-45F7-A87A-E0E0B1FD7549}" type="datetimeFigureOut">
               <a:rPr lang="en-US" smtClean="0"/>
-              <a:t>1/4/26</a:t>
+              <a:t>1/7/26</a:t>
             </a:fld>
             <a:endParaRPr lang="en-US"/>
           </a:p>
@@ -2844,7 +2844,7 @@
             </a:r>
             <a:r>
               <a:rPr lang="en-US" dirty="0"/>
-              <a:t>The reality is that different software projects use TypeScript in fundamentally different ways. It’s possible, in most cases, to make choices in a project that make mistakes less likely. In general, the more you TypeScript type to prevent violating a function’s contracts, the faster you’ll find bugs, and the less you’ll need to rely on your integration tests to find issues.</a:t>
+              <a:t>The reality is that different software projects use TypeScript in fundamentally different ways. It’s possible, in most cases, to make choices in a project that make mistakes less likely. In general, the more you utilize TypeScript type to prevent violating a function’s contracts, the faster you’ll find bugs, and the less you’ll need to rely on your integration tests to find issues.</a:t>
             </a:r>
           </a:p>
           <a:p>
@@ -3026,7 +3026,64 @@
           <a:p>
             <a:r>
               <a:rPr lang="en-US" dirty="0"/>
-              <a:t>Here’s a more real version of the initial example, a piece of code from the project codebase. Both the comments and the types are telling us about the function’s preconditions, which help set  the expectations for testing the code.</a:t>
+              <a:t>Here’s a more “real” version of the initial example, a piece of code from the project codebase. Both the comments and the types are telling us about the function’s preconditions, which help set  the expectations for testing the code.</a:t>
+            </a:r>
+          </a:p>
+          <a:p>
+            <a:endParaRPr lang="en-US" dirty="0"/>
+          </a:p>
+          <a:p>
+            <a:r>
+              <a:rPr lang="en-US" dirty="0"/>
+              <a:t>The written contracts in this function’s docstring are saying that the </a:t>
+            </a:r>
+            <a:r>
+              <a:rPr lang="en-US" dirty="0" err="1"/>
+              <a:t>chatId</a:t>
+            </a:r>
+            <a:r>
+              <a:rPr lang="en-US" dirty="0"/>
+              <a:t> input is something that </a:t>
+            </a:r>
+            <a:r>
+              <a:rPr lang="en-US" i="1" dirty="0"/>
+              <a:t>claims</a:t>
+            </a:r>
+            <a:r>
+              <a:rPr lang="en-US" dirty="0"/>
+              <a:t> to be a </a:t>
+            </a:r>
+            <a:r>
+              <a:rPr lang="en-US" dirty="0" err="1"/>
+              <a:t>chatId</a:t>
+            </a:r>
+            <a:r>
+              <a:rPr lang="en-US" dirty="0"/>
+              <a:t>, but it might not </a:t>
+            </a:r>
+            <a:r>
+              <a:rPr lang="en-US" i="1" dirty="0"/>
+              <a:t>actually</a:t>
+            </a:r>
+            <a:r>
+              <a:rPr lang="en-US" dirty="0"/>
+              <a:t> represent a real chat ID. The docstring for the `</a:t>
+            </a:r>
+            <a:r>
+              <a:rPr lang="en-US" dirty="0" err="1"/>
+              <a:t>messageId</a:t>
+            </a:r>
+            <a:r>
+              <a:rPr lang="en-US" dirty="0"/>
+              <a:t>` argument is saying that the </a:t>
+            </a:r>
+            <a:r>
+              <a:rPr lang="en-US" dirty="0" err="1"/>
+              <a:t>messageId</a:t>
+            </a:r>
+            <a:r>
+              <a:rPr lang="en-US" dirty="0"/>
+              <a:t> must be a valid id that corresponds to a message in the database.</a:t>
             </a:r>
           </a:p>
           <a:p>
@@ -3052,49 +3109,34 @@
             </a:pPr>
             <a:r>
               <a:rPr lang="en-US" dirty="0"/>
-              <a:t>The `</a:t>
-            </a:r>
-            <a:r>
-              <a:rPr lang="en-US" dirty="0" err="1"/>
-              <a:t>chatId</a:t>
-            </a:r>
+              <a:t>If we’re writing unit tests based on this documentation, it means we’d definitely want to test this function with a valid chat ID and an invalid chat ID. But we’re requiring that the message ID is valid as a precondition of the function, so if we’re trusting that this function will be called in ways that respect the function’s contracts, we don’t need to test it with a random string message ID that can’t possibly correspond to a message.</a:t>
+            </a:r>
+          </a:p>
+          <a:p>
+            <a:endParaRPr lang="en-US" dirty="0"/>
+          </a:p>
+          <a:p>
             <a:r>
               <a:rPr lang="en-US" dirty="0"/>
-              <a:t>` argument is described as an “ostensible chat ID” — it’s something that </a:t>
-            </a:r>
-            <a:r>
-              <a:rPr lang="en-US" i="1" dirty="0"/>
-              <a:t>claims</a:t>
-            </a:r>
+              <a:t>Which contracts on this function will TypeScript help you enforce? (That you don’t pass a number or null as the chat ID or or message ID) Which contracts will TypeScript give you no help with (that the message ID is valid, and that the user is authenticated). </a:t>
+            </a:r>
+          </a:p>
+          <a:p>
+            <a:endParaRPr lang="en-US" dirty="0"/>
+          </a:p>
+          <a:p>
             <a:r>
               <a:rPr lang="en-US" dirty="0"/>
-              <a:t> to be a </a:t>
-            </a:r>
-            <a:r>
-              <a:rPr lang="en-US" dirty="0" err="1"/>
-              <a:t>chatId</a:t>
-            </a:r>
+              <a:t>It’s valid to say “we never need to write unit test inputs that violate preconditions,” and it is also valid to look at this and say “we can’t possibly trust ourselves and the evolution of our code over time — test calling the function on an invalid message ID, or passing null as the chat ID, anyway!” There’s not a single right answer.</a:t>
+            </a:r>
+          </a:p>
+          <a:p>
+            <a:endParaRPr lang="en-US" dirty="0"/>
+          </a:p>
+          <a:p>
             <a:r>
               <a:rPr lang="en-US" dirty="0"/>
-              <a:t>, but it might not actually represent a real chat ID. We’d definitely want to test this function with a valid chat ID and an invalid chat ID.</a:t>
-            </a:r>
-          </a:p>
-          <a:p>
-            <a:endParaRPr lang="en-US" dirty="0"/>
-          </a:p>
-          <a:p>
-            <a:r>
-              <a:rPr lang="en-US" dirty="0"/>
-              <a:t>TypeScript won’t consistently enforce that we’ll only pass a message ID that’s a string, and not a number or an object or something else — and TypeScript definitely won’t enforce that you only call the function with valid message IDs that correspond to actual messages. But the contracts on this function — but if we’re trusting that this function will be called in ways that respect the function’s contracts, we don’t need to test it with a message ID 4, or with a random string message ID that doesn’t correspond to a message.</a:t>
-            </a:r>
-          </a:p>
-          <a:p>
-            <a:endParaRPr lang="en-US" dirty="0"/>
-          </a:p>
-          <a:p>
-            <a:r>
-              <a:rPr lang="en-US" dirty="0"/>
-              <a:t>But maybe we don’t trust ourselves and the evolution of our code over time, so we want to write the test anyway! There’s not a single right answer. What are the tradeoffs for writing tests that violate the stated preconditions? (One answer: if you write tests that violate the preconditions, that may push you to check for the precondition violation in code. Which means your code is now more slower and more complicated than it had to be!)</a:t>
+              <a:t>What are the drawbacks for writing tests that violate the function’s stated preconditions? (One answer: if you write tests that violate the preconditions, that may push you to check for the precondition violation in code. Which means your code is now more slower and more complicated than it had to be!)</a:t>
             </a:r>
           </a:p>
         </p:txBody>
@@ -3295,7 +3337,7 @@
           <a:p>
             <a:fld id="{5D2A64DE-480B-420F-9649-4F8E696E08E0}" type="datetime1">
               <a:rPr lang="en-US" smtClean="0"/>
-              <a:t>1/4/26</a:t>
+              <a:t>1/7/26</a:t>
             </a:fld>
             <a:endParaRPr lang="en-US"/>
           </a:p>
@@ -3619,7 +3661,7 @@
           <a:p>
             <a:fld id="{EA476A42-A091-4468-A075-64A31BE59948}" type="datetime1">
               <a:rPr lang="en-US" smtClean="0"/>
-              <a:t>1/4/26</a:t>
+              <a:t>1/7/26</a:t>
             </a:fld>
             <a:endParaRPr lang="en-US"/>
           </a:p>
@@ -3817,7 +3859,7 @@
           <a:p>
             <a:fld id="{0D3616D0-8311-4107-9726-6B805E7D05BA}" type="datetime1">
               <a:rPr lang="en-US" smtClean="0"/>
-              <a:t>1/4/26</a:t>
+              <a:t>1/7/26</a:t>
             </a:fld>
             <a:endParaRPr lang="en-US"/>
           </a:p>
@@ -4025,7 +4067,7 @@
           <a:p>
             <a:fld id="{3BC2557A-5C88-417A-A763-5AC779462A5F}" type="datetime1">
               <a:rPr lang="en-US" smtClean="0"/>
-              <a:t>1/4/26</a:t>
+              <a:t>1/7/26</a:t>
             </a:fld>
             <a:endParaRPr lang="en-US"/>
           </a:p>
@@ -4447,7 +4489,7 @@
           <a:p>
             <a:fld id="{07C7BFD4-467E-4EDE-93EA-052F5B39A4E5}" type="datetime1">
               <a:rPr lang="en-US" smtClean="0"/>
-              <a:t>1/4/26</a:t>
+              <a:t>1/7/26</a:t>
             </a:fld>
             <a:endParaRPr lang="en-US"/>
           </a:p>
@@ -4697,7 +4739,7 @@
           <a:p>
             <a:fld id="{07C7BFD4-467E-4EDE-93EA-052F5B39A4E5}" type="datetime1">
               <a:rPr lang="en-US" smtClean="0"/>
-              <a:t>1/4/26</a:t>
+              <a:t>1/7/26</a:t>
             </a:fld>
             <a:endParaRPr lang="en-US"/>
           </a:p>
@@ -4879,7 +4921,7 @@
           <a:p>
             <a:fld id="{109E55A0-C911-4F03-82FC-7E5926047D46}" type="datetime1">
               <a:rPr lang="en-US" smtClean="0"/>
-              <a:t>1/4/26</a:t>
+              <a:t>1/7/26</a:t>
             </a:fld>
             <a:endParaRPr lang="en-US"/>
           </a:p>
@@ -5192,7 +5234,7 @@
           <a:p>
             <a:fld id="{A533CBE2-D5BE-47AC-ADC2-9CDFC1D0CF90}" type="datetime1">
               <a:rPr lang="en-US" smtClean="0"/>
-              <a:t>1/4/26</a:t>
+              <a:t>1/7/26</a:t>
             </a:fld>
             <a:endParaRPr lang="en-US"/>
           </a:p>
@@ -5493,7 +5535,7 @@
           <a:p>
             <a:fld id="{39B7EDB1-CE74-4951-85A2-0B01C2128E28}" type="datetime1">
               <a:rPr lang="en-US" smtClean="0"/>
-              <a:t>1/4/26</a:t>
+              <a:t>1/7/26</a:t>
             </a:fld>
             <a:endParaRPr lang="en-US"/>
           </a:p>
@@ -5941,7 +5983,7 @@
           <a:p>
             <a:fld id="{2BC7EB92-A5C2-4807-A9DC-9EDE6CBFB241}" type="datetime1">
               <a:rPr lang="en-US" smtClean="0"/>
-              <a:t>1/4/26</a:t>
+              <a:t>1/7/26</a:t>
             </a:fld>
             <a:endParaRPr lang="en-US"/>
           </a:p>
@@ -6054,7 +6096,7 @@
           <a:p>
             <a:fld id="{2B7B7EE0-7771-4CD5-9B2B-3550753A54A1}" type="datetime1">
               <a:rPr lang="en-US" smtClean="0"/>
-              <a:t>1/4/26</a:t>
+              <a:t>1/7/26</a:t>
             </a:fld>
             <a:endParaRPr lang="en-US"/>
           </a:p>
@@ -6365,7 +6407,7 @@
           <a:p>
             <a:fld id="{F8B318B3-0E87-4416-A9B8-D891968C2727}" type="datetime1">
               <a:rPr lang="en-US" smtClean="0"/>
-              <a:t>1/4/26</a:t>
+              <a:t>1/7/26</a:t>
             </a:fld>
             <a:endParaRPr lang="en-US"/>
           </a:p>
@@ -6606,7 +6648,7 @@
           <a:p>
             <a:fld id="{54D997E8-DDEE-43F1-8D9B-F8A1E11DE488}" type="datetime1">
               <a:rPr lang="en-US" smtClean="0"/>
-              <a:t>1/4/26</a:t>
+              <a:t>1/7/26</a:t>
             </a:fld>
             <a:endParaRPr lang="en-US"/>
           </a:p>
@@ -7615,7 +7657,7 @@
           <a:lstStyle/>
           <a:p>
             <a:r>
-              <a:rPr lang="en-US" dirty="0">
+              <a:rPr lang="en-US" sz="2000" dirty="0">
                 <a:solidFill>
                   <a:schemeClr val="accent2">
                     <a:lumMod val="50000"/>
@@ -7628,7 +7670,7 @@
               <a:t>curl https://</a:t>
             </a:r>
             <a:r>
-              <a:rPr lang="en-US" dirty="0" err="1">
+              <a:rPr lang="en-US" sz="2000" dirty="0" err="1">
                 <a:solidFill>
                   <a:schemeClr val="accent2">
                     <a:lumMod val="50000"/>
@@ -7641,7 +7683,7 @@
               <a:t>strategy.town</a:t>
             </a:r>
             <a:r>
-              <a:rPr lang="en-US" dirty="0">
+              <a:rPr lang="en-US" sz="2000" dirty="0">
                 <a:solidFill>
                   <a:schemeClr val="accent2">
                     <a:lumMod val="50000"/>
@@ -7654,7 +7696,7 @@
               <a:t>/</a:t>
             </a:r>
             <a:r>
-              <a:rPr lang="en-US" dirty="0" err="1">
+              <a:rPr lang="en-US" sz="2000" dirty="0" err="1">
                 <a:solidFill>
                   <a:schemeClr val="accent2">
                     <a:lumMod val="50000"/>
@@ -7667,7 +7709,7 @@
               <a:t>api</a:t>
             </a:r>
             <a:r>
-              <a:rPr lang="en-US" dirty="0">
+              <a:rPr lang="en-US" sz="2000" dirty="0">
                 <a:solidFill>
                   <a:schemeClr val="accent2">
                     <a:lumMod val="50000"/>
@@ -7680,7 +7722,7 @@
               <a:t>/user/signup -H 'Content-Type: application/</a:t>
             </a:r>
             <a:r>
-              <a:rPr lang="en-US" dirty="0" err="1">
+              <a:rPr lang="en-US" sz="2000" dirty="0" err="1">
                 <a:solidFill>
                   <a:schemeClr val="accent2">
                     <a:lumMod val="50000"/>
@@ -7693,7 +7735,7 @@
               <a:t>json</a:t>
             </a:r>
             <a:r>
-              <a:rPr lang="en-US" dirty="0">
+              <a:rPr lang="en-US" sz="2000" dirty="0">
                 <a:solidFill>
                   <a:schemeClr val="accent2">
                     <a:lumMod val="50000"/>
@@ -7708,7 +7750,7 @@
           </a:p>
           <a:p>
             <a:r>
-              <a:rPr lang="en-US" dirty="0">
+              <a:rPr lang="en-US" sz="2000" dirty="0">
                 <a:solidFill>
                   <a:schemeClr val="accent2">
                     <a:lumMod val="50000"/>
@@ -7721,7 +7763,7 @@
               <a:t>  --data '{ "username": "</a:t>
             </a:r>
             <a:r>
-              <a:rPr lang="en-US" dirty="0" err="1">
+              <a:rPr lang="en-US" sz="2000" dirty="0" err="1">
                 <a:solidFill>
                   <a:schemeClr val="accent2">
                     <a:lumMod val="50000"/>
@@ -7734,7 +7776,7 @@
               <a:t>trugamer</a:t>
             </a:r>
             <a:r>
-              <a:rPr lang="en-US" dirty="0">
+              <a:rPr lang="en-US" sz="2000" dirty="0">
                 <a:solidFill>
                   <a:schemeClr val="accent2">
                     <a:lumMod val="50000"/>
@@ -7964,7 +8006,7 @@
               <a:t>Untrusted Inputs Should Be </a:t>
             </a:r>
             <a:r>
-              <a:rPr lang="en-US" dirty="0">
+              <a:rPr lang="en-US" sz="4000" dirty="0">
                 <a:solidFill>
                   <a:srgbClr val="FF0000"/>
                 </a:solidFill>
@@ -9307,15 +9349,18 @@
           <a:p>
             <a:r>
               <a:rPr lang="en-US" dirty="0"/>
-              <a:t>Untrusted Inputs Should be “</a:t>
+              <a:t>Untrusted Inputs Should be </a:t>
             </a:r>
             <a:r>
               <a:rPr lang="en-US" dirty="0">
-                <a:latin typeface="Menlo" panose="020B0609030804020204" pitchFamily="49" charset="0"/>
-                <a:ea typeface="Menlo" panose="020B0609030804020204" pitchFamily="49" charset="0"/>
-                <a:cs typeface="Menlo" panose="020B0609030804020204" pitchFamily="49" charset="0"/>
-              </a:rPr>
-              <a:t>unknown”</a:t>
+                <a:solidFill>
+                  <a:srgbClr val="FF0000"/>
+                </a:solidFill>
+                <a:latin typeface="Consolas" panose="020B0609020204030204" pitchFamily="49" charset="0"/>
+                <a:ea typeface="Menlo" panose="020B0609030804020204" pitchFamily="49" charset="0"/>
+                <a:cs typeface="Consolas" panose="020B0609020204030204" pitchFamily="49" charset="0"/>
+              </a:rPr>
+              <a:t>unknown</a:t>
             </a:r>
             <a:endParaRPr lang="en-US" dirty="0"/>
           </a:p>
@@ -10598,7 +10643,8 @@
                 <a:solidFill>
                   <a:srgbClr val="AF00DB"/>
                 </a:solidFill>
-                <a:latin typeface="Menlo" panose="020B0609030804020204" pitchFamily="49" charset="0"/>
+                <a:latin typeface="Consolas" panose="020B0609020204030204" pitchFamily="49" charset="0"/>
+                <a:cs typeface="Consolas" panose="020B0609020204030204" pitchFamily="49" charset="0"/>
               </a:rPr>
               <a:t>import</a:t>
             </a:r>
@@ -10607,9 +10653,9 @@
                 <a:solidFill>
                   <a:schemeClr val="tx1"/>
                 </a:solidFill>
-                <a:latin typeface="Menlo" panose="020B0609030804020204" pitchFamily="49" charset="0"/>
-                <a:ea typeface="Menlo" panose="020B0609030804020204" pitchFamily="49" charset="0"/>
-                <a:cs typeface="Menlo" panose="020B0609030804020204" pitchFamily="49" charset="0"/>
+                <a:latin typeface="Consolas" panose="020B0609020204030204" pitchFamily="49" charset="0"/>
+                <a:ea typeface="Menlo" panose="020B0609030804020204" pitchFamily="49" charset="0"/>
+                <a:cs typeface="Consolas" panose="020B0609020204030204" pitchFamily="49" charset="0"/>
               </a:rPr>
               <a:t> { z } </a:t>
             </a:r>
@@ -10618,7 +10664,8 @@
                 <a:solidFill>
                   <a:srgbClr val="AF00DB"/>
                 </a:solidFill>
-                <a:latin typeface="Menlo" panose="020B0609030804020204" pitchFamily="49" charset="0"/>
+                <a:latin typeface="Consolas" panose="020B0609020204030204" pitchFamily="49" charset="0"/>
+                <a:cs typeface="Consolas" panose="020B0609020204030204" pitchFamily="49" charset="0"/>
               </a:rPr>
               <a:t>from</a:t>
             </a:r>
@@ -10627,9 +10674,9 @@
                 <a:solidFill>
                   <a:schemeClr val="tx1"/>
                 </a:solidFill>
-                <a:latin typeface="Menlo" panose="020B0609030804020204" pitchFamily="49" charset="0"/>
-                <a:ea typeface="Menlo" panose="020B0609030804020204" pitchFamily="49" charset="0"/>
-                <a:cs typeface="Menlo" panose="020B0609030804020204" pitchFamily="49" charset="0"/>
+                <a:latin typeface="Consolas" panose="020B0609020204030204" pitchFamily="49" charset="0"/>
+                <a:ea typeface="Menlo" panose="020B0609030804020204" pitchFamily="49" charset="0"/>
+                <a:cs typeface="Consolas" panose="020B0609020204030204" pitchFamily="49" charset="0"/>
               </a:rPr>
               <a:t> </a:t>
             </a:r>
@@ -10640,9 +10687,9 @@
                     <a:lumMod val="50000"/>
                   </a:schemeClr>
                 </a:solidFill>
-                <a:latin typeface="Menlo" panose="020B0609030804020204" pitchFamily="49" charset="0"/>
-                <a:ea typeface="Menlo" panose="020B0609030804020204" pitchFamily="49" charset="0"/>
-                <a:cs typeface="Menlo" panose="020B0609030804020204" pitchFamily="49" charset="0"/>
+                <a:latin typeface="Consolas" panose="020B0609020204030204" pitchFamily="49" charset="0"/>
+                <a:ea typeface="Menlo" panose="020B0609030804020204" pitchFamily="49" charset="0"/>
+                <a:cs typeface="Consolas" panose="020B0609020204030204" pitchFamily="49" charset="0"/>
               </a:rPr>
               <a:t>'</a:t>
             </a:r>
@@ -10653,9 +10700,9 @@
                     <a:lumMod val="50000"/>
                   </a:schemeClr>
                 </a:solidFill>
-                <a:latin typeface="Menlo" panose="020B0609030804020204" pitchFamily="49" charset="0"/>
-                <a:ea typeface="Menlo" panose="020B0609030804020204" pitchFamily="49" charset="0"/>
-                <a:cs typeface="Menlo" panose="020B0609030804020204" pitchFamily="49" charset="0"/>
+                <a:latin typeface="Consolas" panose="020B0609020204030204" pitchFamily="49" charset="0"/>
+                <a:ea typeface="Menlo" panose="020B0609030804020204" pitchFamily="49" charset="0"/>
+                <a:cs typeface="Consolas" panose="020B0609020204030204" pitchFamily="49" charset="0"/>
               </a:rPr>
               <a:t>zod</a:t>
             </a:r>
@@ -10666,9 +10713,9 @@
                     <a:lumMod val="50000"/>
                   </a:schemeClr>
                 </a:solidFill>
-                <a:latin typeface="Menlo" panose="020B0609030804020204" pitchFamily="49" charset="0"/>
-                <a:ea typeface="Menlo" panose="020B0609030804020204" pitchFamily="49" charset="0"/>
-                <a:cs typeface="Menlo" panose="020B0609030804020204" pitchFamily="49" charset="0"/>
+                <a:latin typeface="Consolas" panose="020B0609020204030204" pitchFamily="49" charset="0"/>
+                <a:ea typeface="Menlo" panose="020B0609030804020204" pitchFamily="49" charset="0"/>
+                <a:cs typeface="Consolas" panose="020B0609020204030204" pitchFamily="49" charset="0"/>
               </a:rPr>
               <a:t>'</a:t>
             </a:r>
@@ -10677,9 +10724,9 @@
                 <a:solidFill>
                   <a:schemeClr val="tx1"/>
                 </a:solidFill>
-                <a:latin typeface="Menlo" panose="020B0609030804020204" pitchFamily="49" charset="0"/>
-                <a:ea typeface="Menlo" panose="020B0609030804020204" pitchFamily="49" charset="0"/>
-                <a:cs typeface="Menlo" panose="020B0609030804020204" pitchFamily="49" charset="0"/>
+                <a:latin typeface="Consolas" panose="020B0609020204030204" pitchFamily="49" charset="0"/>
+                <a:ea typeface="Menlo" panose="020B0609030804020204" pitchFamily="49" charset="0"/>
+                <a:cs typeface="Consolas" panose="020B0609020204030204" pitchFamily="49" charset="0"/>
               </a:rPr>
               <a:t>;</a:t>
             </a:r>
@@ -10689,9 +10736,9 @@
               <a:solidFill>
                 <a:schemeClr val="tx1"/>
               </a:solidFill>
-              <a:latin typeface="Menlo" panose="020B0609030804020204" pitchFamily="49" charset="0"/>
+              <a:latin typeface="Consolas" panose="020B0609020204030204" pitchFamily="49" charset="0"/>
               <a:ea typeface="Menlo" panose="020B0609030804020204" pitchFamily="49" charset="0"/>
-              <a:cs typeface="Menlo" panose="020B0609030804020204" pitchFamily="49" charset="0"/>
+              <a:cs typeface="Consolas" panose="020B0609020204030204" pitchFamily="49" charset="0"/>
             </a:endParaRPr>
           </a:p>
           <a:p>
@@ -10700,9 +10747,9 @@
                 <a:solidFill>
                   <a:srgbClr val="002060"/>
                 </a:solidFill>
-                <a:latin typeface="Menlo" panose="020B0609030804020204" pitchFamily="49" charset="0"/>
-                <a:ea typeface="Menlo" panose="020B0609030804020204" pitchFamily="49" charset="0"/>
-                <a:cs typeface="Menlo" panose="020B0609030804020204" pitchFamily="49" charset="0"/>
+                <a:latin typeface="Consolas" panose="020B0609020204030204" pitchFamily="49" charset="0"/>
+                <a:ea typeface="Menlo" panose="020B0609030804020204" pitchFamily="49" charset="0"/>
+                <a:cs typeface="Consolas" panose="020B0609020204030204" pitchFamily="49" charset="0"/>
               </a:rPr>
               <a:t>const</a:t>
             </a:r>
@@ -10711,9 +10758,9 @@
                 <a:solidFill>
                   <a:schemeClr val="tx1"/>
                 </a:solidFill>
-                <a:latin typeface="Menlo" panose="020B0609030804020204" pitchFamily="49" charset="0"/>
-                <a:ea typeface="Menlo" panose="020B0609030804020204" pitchFamily="49" charset="0"/>
-                <a:cs typeface="Menlo" panose="020B0609030804020204" pitchFamily="49" charset="0"/>
+                <a:latin typeface="Consolas" panose="020B0609020204030204" pitchFamily="49" charset="0"/>
+                <a:ea typeface="Menlo" panose="020B0609030804020204" pitchFamily="49" charset="0"/>
+                <a:cs typeface="Consolas" panose="020B0609020204030204" pitchFamily="49" charset="0"/>
               </a:rPr>
               <a:t> </a:t>
             </a:r>
@@ -10724,9 +10771,9 @@
                     <a:lumMod val="75000"/>
                   </a:schemeClr>
                 </a:solidFill>
-                <a:latin typeface="Menlo" panose="020B0609030804020204" pitchFamily="49" charset="0"/>
-                <a:ea typeface="Menlo" panose="020B0609030804020204" pitchFamily="49" charset="0"/>
-                <a:cs typeface="Menlo" panose="020B0609030804020204" pitchFamily="49" charset="0"/>
+                <a:latin typeface="Consolas" panose="020B0609020204030204" pitchFamily="49" charset="0"/>
+                <a:ea typeface="Menlo" panose="020B0609030804020204" pitchFamily="49" charset="0"/>
+                <a:cs typeface="Consolas" panose="020B0609020204030204" pitchFamily="49" charset="0"/>
               </a:rPr>
               <a:t>zAuth</a:t>
             </a:r>
@@ -10735,9 +10782,9 @@
                 <a:solidFill>
                   <a:schemeClr val="tx1"/>
                 </a:solidFill>
-                <a:latin typeface="Menlo" panose="020B0609030804020204" pitchFamily="49" charset="0"/>
-                <a:ea typeface="Menlo" panose="020B0609030804020204" pitchFamily="49" charset="0"/>
-                <a:cs typeface="Menlo" panose="020B0609030804020204" pitchFamily="49" charset="0"/>
+                <a:latin typeface="Consolas" panose="020B0609020204030204" pitchFamily="49" charset="0"/>
+                <a:ea typeface="Menlo" panose="020B0609030804020204" pitchFamily="49" charset="0"/>
+                <a:cs typeface="Consolas" panose="020B0609020204030204" pitchFamily="49" charset="0"/>
               </a:rPr>
               <a:t> = </a:t>
             </a:r>
@@ -10746,9 +10793,9 @@
                 <a:solidFill>
                   <a:schemeClr val="tx1"/>
                 </a:solidFill>
-                <a:latin typeface="Menlo" panose="020B0609030804020204" pitchFamily="49" charset="0"/>
-                <a:ea typeface="Menlo" panose="020B0609030804020204" pitchFamily="49" charset="0"/>
-                <a:cs typeface="Menlo" panose="020B0609030804020204" pitchFamily="49" charset="0"/>
+                <a:latin typeface="Consolas" panose="020B0609020204030204" pitchFamily="49" charset="0"/>
+                <a:ea typeface="Menlo" panose="020B0609030804020204" pitchFamily="49" charset="0"/>
+                <a:cs typeface="Consolas" panose="020B0609020204030204" pitchFamily="49" charset="0"/>
               </a:rPr>
               <a:t>z.</a:t>
             </a:r>
@@ -10759,9 +10806,9 @@
                     <a:lumMod val="50000"/>
                   </a:schemeClr>
                 </a:solidFill>
-                <a:latin typeface="Menlo" panose="020B0609030804020204" pitchFamily="49" charset="0"/>
-                <a:ea typeface="Menlo" panose="020B0609030804020204" pitchFamily="49" charset="0"/>
-                <a:cs typeface="Menlo" panose="020B0609030804020204" pitchFamily="49" charset="0"/>
+                <a:latin typeface="Consolas" panose="020B0609020204030204" pitchFamily="49" charset="0"/>
+                <a:ea typeface="Menlo" panose="020B0609030804020204" pitchFamily="49" charset="0"/>
+                <a:cs typeface="Consolas" panose="020B0609020204030204" pitchFamily="49" charset="0"/>
               </a:rPr>
               <a:t>object</a:t>
             </a:r>
@@ -10770,9 +10817,9 @@
                 <a:solidFill>
                   <a:schemeClr val="tx1"/>
                 </a:solidFill>
-                <a:latin typeface="Menlo" panose="020B0609030804020204" pitchFamily="49" charset="0"/>
-                <a:ea typeface="Menlo" panose="020B0609030804020204" pitchFamily="49" charset="0"/>
-                <a:cs typeface="Menlo" panose="020B0609030804020204" pitchFamily="49" charset="0"/>
+                <a:latin typeface="Consolas" panose="020B0609020204030204" pitchFamily="49" charset="0"/>
+                <a:ea typeface="Menlo" panose="020B0609030804020204" pitchFamily="49" charset="0"/>
+                <a:cs typeface="Consolas" panose="020B0609020204030204" pitchFamily="49" charset="0"/>
               </a:rPr>
               <a:t>({ username: </a:t>
             </a:r>
@@ -10781,9 +10828,9 @@
                 <a:solidFill>
                   <a:schemeClr val="tx1"/>
                 </a:solidFill>
-                <a:latin typeface="Menlo" panose="020B0609030804020204" pitchFamily="49" charset="0"/>
-                <a:ea typeface="Menlo" panose="020B0609030804020204" pitchFamily="49" charset="0"/>
-                <a:cs typeface="Menlo" panose="020B0609030804020204" pitchFamily="49" charset="0"/>
+                <a:latin typeface="Consolas" panose="020B0609020204030204" pitchFamily="49" charset="0"/>
+                <a:ea typeface="Menlo" panose="020B0609030804020204" pitchFamily="49" charset="0"/>
+                <a:cs typeface="Consolas" panose="020B0609020204030204" pitchFamily="49" charset="0"/>
               </a:rPr>
               <a:t>z.</a:t>
             </a:r>
@@ -10794,9 +10841,9 @@
                     <a:lumMod val="50000"/>
                   </a:schemeClr>
                 </a:solidFill>
-                <a:latin typeface="Menlo" panose="020B0609030804020204" pitchFamily="49" charset="0"/>
-                <a:ea typeface="Menlo" panose="020B0609030804020204" pitchFamily="49" charset="0"/>
-                <a:cs typeface="Menlo" panose="020B0609030804020204" pitchFamily="49" charset="0"/>
+                <a:latin typeface="Consolas" panose="020B0609020204030204" pitchFamily="49" charset="0"/>
+                <a:ea typeface="Menlo" panose="020B0609030804020204" pitchFamily="49" charset="0"/>
+                <a:cs typeface="Consolas" panose="020B0609020204030204" pitchFamily="49" charset="0"/>
               </a:rPr>
               <a:t>string</a:t>
             </a:r>
@@ -10805,9 +10852,9 @@
                 <a:solidFill>
                   <a:schemeClr val="tx1"/>
                 </a:solidFill>
-                <a:latin typeface="Menlo" panose="020B0609030804020204" pitchFamily="49" charset="0"/>
-                <a:ea typeface="Menlo" panose="020B0609030804020204" pitchFamily="49" charset="0"/>
-                <a:cs typeface="Menlo" panose="020B0609030804020204" pitchFamily="49" charset="0"/>
+                <a:latin typeface="Consolas" panose="020B0609020204030204" pitchFamily="49" charset="0"/>
+                <a:ea typeface="Menlo" panose="020B0609030804020204" pitchFamily="49" charset="0"/>
+                <a:cs typeface="Consolas" panose="020B0609020204030204" pitchFamily="49" charset="0"/>
               </a:rPr>
               <a:t>(), password: </a:t>
             </a:r>
@@ -10816,9 +10863,9 @@
                 <a:solidFill>
                   <a:schemeClr val="tx1"/>
                 </a:solidFill>
-                <a:latin typeface="Menlo" panose="020B0609030804020204" pitchFamily="49" charset="0"/>
-                <a:ea typeface="Menlo" panose="020B0609030804020204" pitchFamily="49" charset="0"/>
-                <a:cs typeface="Menlo" panose="020B0609030804020204" pitchFamily="49" charset="0"/>
+                <a:latin typeface="Consolas" panose="020B0609020204030204" pitchFamily="49" charset="0"/>
+                <a:ea typeface="Menlo" panose="020B0609030804020204" pitchFamily="49" charset="0"/>
+                <a:cs typeface="Consolas" panose="020B0609020204030204" pitchFamily="49" charset="0"/>
               </a:rPr>
               <a:t>z.</a:t>
             </a:r>
@@ -10829,9 +10876,9 @@
                     <a:lumMod val="50000"/>
                   </a:schemeClr>
                 </a:solidFill>
-                <a:latin typeface="Menlo" panose="020B0609030804020204" pitchFamily="49" charset="0"/>
-                <a:ea typeface="Menlo" panose="020B0609030804020204" pitchFamily="49" charset="0"/>
-                <a:cs typeface="Menlo" panose="020B0609030804020204" pitchFamily="49" charset="0"/>
+                <a:latin typeface="Consolas" panose="020B0609020204030204" pitchFamily="49" charset="0"/>
+                <a:ea typeface="Menlo" panose="020B0609030804020204" pitchFamily="49" charset="0"/>
+                <a:cs typeface="Consolas" panose="020B0609020204030204" pitchFamily="49" charset="0"/>
               </a:rPr>
               <a:t>string</a:t>
             </a:r>
@@ -10840,9 +10887,9 @@
                 <a:solidFill>
                   <a:schemeClr val="tx1"/>
                 </a:solidFill>
-                <a:latin typeface="Menlo" panose="020B0609030804020204" pitchFamily="49" charset="0"/>
-                <a:ea typeface="Menlo" panose="020B0609030804020204" pitchFamily="49" charset="0"/>
-                <a:cs typeface="Menlo" panose="020B0609030804020204" pitchFamily="49" charset="0"/>
+                <a:latin typeface="Consolas" panose="020B0609020204030204" pitchFamily="49" charset="0"/>
+                <a:ea typeface="Menlo" panose="020B0609030804020204" pitchFamily="49" charset="0"/>
+                <a:cs typeface="Consolas" panose="020B0609020204030204" pitchFamily="49" charset="0"/>
               </a:rPr>
               <a:t>() });</a:t>
             </a:r>
@@ -10853,9 +10900,9 @@
                 <a:solidFill>
                   <a:srgbClr val="002060"/>
                 </a:solidFill>
-                <a:latin typeface="Menlo" panose="020B0609030804020204" pitchFamily="49" charset="0"/>
-                <a:ea typeface="Menlo" panose="020B0609030804020204" pitchFamily="49" charset="0"/>
-                <a:cs typeface="Menlo" panose="020B0609030804020204" pitchFamily="49" charset="0"/>
+                <a:latin typeface="Consolas" panose="020B0609020204030204" pitchFamily="49" charset="0"/>
+                <a:ea typeface="Menlo" panose="020B0609030804020204" pitchFamily="49" charset="0"/>
+                <a:cs typeface="Consolas" panose="020B0609020204030204" pitchFamily="49" charset="0"/>
               </a:rPr>
               <a:t>type</a:t>
             </a:r>
@@ -10864,9 +10911,9 @@
                 <a:solidFill>
                   <a:schemeClr val="tx1"/>
                 </a:solidFill>
-                <a:latin typeface="Menlo" panose="020B0609030804020204" pitchFamily="49" charset="0"/>
-                <a:ea typeface="Menlo" panose="020B0609030804020204" pitchFamily="49" charset="0"/>
-                <a:cs typeface="Menlo" panose="020B0609030804020204" pitchFamily="49" charset="0"/>
+                <a:latin typeface="Consolas" panose="020B0609020204030204" pitchFamily="49" charset="0"/>
+                <a:ea typeface="Menlo" panose="020B0609030804020204" pitchFamily="49" charset="0"/>
+                <a:cs typeface="Consolas" panose="020B0609020204030204" pitchFamily="49" charset="0"/>
               </a:rPr>
               <a:t> </a:t>
             </a:r>
@@ -10877,9 +10924,9 @@
                     <a:lumMod val="75000"/>
                   </a:schemeClr>
                 </a:solidFill>
-                <a:latin typeface="Menlo" panose="020B0609030804020204" pitchFamily="49" charset="0"/>
-                <a:ea typeface="Menlo" panose="020B0609030804020204" pitchFamily="49" charset="0"/>
-                <a:cs typeface="Menlo" panose="020B0609030804020204" pitchFamily="49" charset="0"/>
+                <a:latin typeface="Consolas" panose="020B0609020204030204" pitchFamily="49" charset="0"/>
+                <a:ea typeface="Menlo" panose="020B0609030804020204" pitchFamily="49" charset="0"/>
+                <a:cs typeface="Consolas" panose="020B0609020204030204" pitchFamily="49" charset="0"/>
               </a:rPr>
               <a:t>Auth</a:t>
             </a:r>
@@ -10888,9 +10935,9 @@
                 <a:solidFill>
                   <a:schemeClr val="tx1"/>
                 </a:solidFill>
-                <a:latin typeface="Menlo" panose="020B0609030804020204" pitchFamily="49" charset="0"/>
-                <a:ea typeface="Menlo" panose="020B0609030804020204" pitchFamily="49" charset="0"/>
-                <a:cs typeface="Menlo" panose="020B0609030804020204" pitchFamily="49" charset="0"/>
+                <a:latin typeface="Consolas" panose="020B0609020204030204" pitchFamily="49" charset="0"/>
+                <a:ea typeface="Menlo" panose="020B0609030804020204" pitchFamily="49" charset="0"/>
+                <a:cs typeface="Consolas" panose="020B0609020204030204" pitchFamily="49" charset="0"/>
               </a:rPr>
               <a:t> = </a:t>
             </a:r>
@@ -10901,9 +10948,9 @@
                     <a:lumMod val="75000"/>
                   </a:schemeClr>
                 </a:solidFill>
-                <a:latin typeface="Menlo" panose="020B0609030804020204" pitchFamily="49" charset="0"/>
-                <a:ea typeface="Menlo" panose="020B0609030804020204" pitchFamily="49" charset="0"/>
-                <a:cs typeface="Menlo" panose="020B0609030804020204" pitchFamily="49" charset="0"/>
+                <a:latin typeface="Consolas" panose="020B0609020204030204" pitchFamily="49" charset="0"/>
+                <a:ea typeface="Menlo" panose="020B0609030804020204" pitchFamily="49" charset="0"/>
+                <a:cs typeface="Consolas" panose="020B0609020204030204" pitchFamily="49" charset="0"/>
               </a:rPr>
               <a:t>z</a:t>
             </a:r>
@@ -10912,9 +10959,9 @@
                 <a:solidFill>
                   <a:schemeClr val="tx1"/>
                 </a:solidFill>
-                <a:latin typeface="Menlo" panose="020B0609030804020204" pitchFamily="49" charset="0"/>
-                <a:ea typeface="Menlo" panose="020B0609030804020204" pitchFamily="49" charset="0"/>
-                <a:cs typeface="Menlo" panose="020B0609030804020204" pitchFamily="49" charset="0"/>
+                <a:latin typeface="Consolas" panose="020B0609020204030204" pitchFamily="49" charset="0"/>
+                <a:ea typeface="Menlo" panose="020B0609030804020204" pitchFamily="49" charset="0"/>
+                <a:cs typeface="Consolas" panose="020B0609020204030204" pitchFamily="49" charset="0"/>
               </a:rPr>
               <a:t>.</a:t>
             </a:r>
@@ -10925,9 +10972,9 @@
                     <a:lumMod val="75000"/>
                   </a:schemeClr>
                 </a:solidFill>
-                <a:latin typeface="Menlo" panose="020B0609030804020204" pitchFamily="49" charset="0"/>
-                <a:ea typeface="Menlo" panose="020B0609030804020204" pitchFamily="49" charset="0"/>
-                <a:cs typeface="Menlo" panose="020B0609030804020204" pitchFamily="49" charset="0"/>
+                <a:latin typeface="Consolas" panose="020B0609020204030204" pitchFamily="49" charset="0"/>
+                <a:ea typeface="Menlo" panose="020B0609030804020204" pitchFamily="49" charset="0"/>
+                <a:cs typeface="Consolas" panose="020B0609020204030204" pitchFamily="49" charset="0"/>
               </a:rPr>
               <a:t>infer</a:t>
             </a:r>
@@ -10936,9 +10983,9 @@
                 <a:solidFill>
                   <a:schemeClr val="tx1"/>
                 </a:solidFill>
-                <a:latin typeface="Menlo" panose="020B0609030804020204" pitchFamily="49" charset="0"/>
-                <a:ea typeface="Menlo" panose="020B0609030804020204" pitchFamily="49" charset="0"/>
-                <a:cs typeface="Menlo" panose="020B0609030804020204" pitchFamily="49" charset="0"/>
+                <a:latin typeface="Consolas" panose="020B0609020204030204" pitchFamily="49" charset="0"/>
+                <a:ea typeface="Menlo" panose="020B0609030804020204" pitchFamily="49" charset="0"/>
+                <a:cs typeface="Consolas" panose="020B0609020204030204" pitchFamily="49" charset="0"/>
               </a:rPr>
               <a:t>&lt;</a:t>
             </a:r>
@@ -10947,9 +10994,9 @@
                 <a:solidFill>
                   <a:schemeClr val="tx1"/>
                 </a:solidFill>
-                <a:latin typeface="Menlo" panose="020B0609030804020204" pitchFamily="49" charset="0"/>
-                <a:ea typeface="Menlo" panose="020B0609030804020204" pitchFamily="49" charset="0"/>
-                <a:cs typeface="Menlo" panose="020B0609030804020204" pitchFamily="49" charset="0"/>
+                <a:latin typeface="Consolas" panose="020B0609020204030204" pitchFamily="49" charset="0"/>
+                <a:ea typeface="Menlo" panose="020B0609030804020204" pitchFamily="49" charset="0"/>
+                <a:cs typeface="Consolas" panose="020B0609020204030204" pitchFamily="49" charset="0"/>
               </a:rPr>
               <a:t>typeof</a:t>
             </a:r>
@@ -10958,9 +11005,9 @@
                 <a:solidFill>
                   <a:schemeClr val="tx1"/>
                 </a:solidFill>
-                <a:latin typeface="Menlo" panose="020B0609030804020204" pitchFamily="49" charset="0"/>
-                <a:ea typeface="Menlo" panose="020B0609030804020204" pitchFamily="49" charset="0"/>
-                <a:cs typeface="Menlo" panose="020B0609030804020204" pitchFamily="49" charset="0"/>
+                <a:latin typeface="Consolas" panose="020B0609020204030204" pitchFamily="49" charset="0"/>
+                <a:ea typeface="Menlo" panose="020B0609030804020204" pitchFamily="49" charset="0"/>
+                <a:cs typeface="Consolas" panose="020B0609020204030204" pitchFamily="49" charset="0"/>
               </a:rPr>
               <a:t> </a:t>
             </a:r>
@@ -10971,9 +11018,9 @@
                     <a:lumMod val="75000"/>
                   </a:schemeClr>
                 </a:solidFill>
-                <a:latin typeface="Menlo" panose="020B0609030804020204" pitchFamily="49" charset="0"/>
-                <a:ea typeface="Menlo" panose="020B0609030804020204" pitchFamily="49" charset="0"/>
-                <a:cs typeface="Menlo" panose="020B0609030804020204" pitchFamily="49" charset="0"/>
+                <a:latin typeface="Consolas" panose="020B0609020204030204" pitchFamily="49" charset="0"/>
+                <a:ea typeface="Menlo" panose="020B0609030804020204" pitchFamily="49" charset="0"/>
+                <a:cs typeface="Consolas" panose="020B0609020204030204" pitchFamily="49" charset="0"/>
               </a:rPr>
               <a:t>zAuth</a:t>
             </a:r>
@@ -10982,9 +11029,9 @@
                 <a:solidFill>
                   <a:schemeClr val="tx1"/>
                 </a:solidFill>
-                <a:latin typeface="Menlo" panose="020B0609030804020204" pitchFamily="49" charset="0"/>
-                <a:ea typeface="Menlo" panose="020B0609030804020204" pitchFamily="49" charset="0"/>
-                <a:cs typeface="Menlo" panose="020B0609030804020204" pitchFamily="49" charset="0"/>
+                <a:latin typeface="Consolas" panose="020B0609020204030204" pitchFamily="49" charset="0"/>
+                <a:ea typeface="Menlo" panose="020B0609030804020204" pitchFamily="49" charset="0"/>
+                <a:cs typeface="Consolas" panose="020B0609020204030204" pitchFamily="49" charset="0"/>
               </a:rPr>
               <a:t>&gt;;</a:t>
             </a:r>
@@ -10994,9 +11041,9 @@
               <a:solidFill>
                 <a:schemeClr val="tx1"/>
               </a:solidFill>
-              <a:latin typeface="Menlo" panose="020B0609030804020204" pitchFamily="49" charset="0"/>
+              <a:latin typeface="Consolas" panose="020B0609020204030204" pitchFamily="49" charset="0"/>
               <a:ea typeface="Menlo" panose="020B0609030804020204" pitchFamily="49" charset="0"/>
-              <a:cs typeface="Menlo" panose="020B0609030804020204" pitchFamily="49" charset="0"/>
+              <a:cs typeface="Consolas" panose="020B0609020204030204" pitchFamily="49" charset="0"/>
             </a:endParaRPr>
           </a:p>
           <a:p>
@@ -11004,9 +11051,9 @@
               <a:solidFill>
                 <a:schemeClr val="tx1"/>
               </a:solidFill>
-              <a:latin typeface="Menlo" panose="020B0609030804020204" pitchFamily="49" charset="0"/>
+              <a:latin typeface="Consolas" panose="020B0609020204030204" pitchFamily="49" charset="0"/>
               <a:ea typeface="Menlo" panose="020B0609030804020204" pitchFamily="49" charset="0"/>
-              <a:cs typeface="Menlo" panose="020B0609030804020204" pitchFamily="49" charset="0"/>
+              <a:cs typeface="Consolas" panose="020B0609020204030204" pitchFamily="49" charset="0"/>
             </a:endParaRPr>
           </a:p>
           <a:p>
@@ -11014,9 +11061,9 @@
               <a:solidFill>
                 <a:schemeClr val="tx1"/>
               </a:solidFill>
-              <a:latin typeface="Menlo" panose="020B0609030804020204" pitchFamily="49" charset="0"/>
+              <a:latin typeface="Consolas" panose="020B0609020204030204" pitchFamily="49" charset="0"/>
               <a:ea typeface="Menlo" panose="020B0609030804020204" pitchFamily="49" charset="0"/>
-              <a:cs typeface="Menlo" panose="020B0609030804020204" pitchFamily="49" charset="0"/>
+              <a:cs typeface="Consolas" panose="020B0609020204030204" pitchFamily="49" charset="0"/>
             </a:endParaRPr>
           </a:p>
           <a:p>
@@ -11024,9 +11071,9 @@
               <a:solidFill>
                 <a:schemeClr val="tx1"/>
               </a:solidFill>
-              <a:latin typeface="Menlo" panose="020B0609030804020204" pitchFamily="49" charset="0"/>
+              <a:latin typeface="Consolas" panose="020B0609020204030204" pitchFamily="49" charset="0"/>
               <a:ea typeface="Menlo" panose="020B0609030804020204" pitchFamily="49" charset="0"/>
-              <a:cs typeface="Menlo" panose="020B0609030804020204" pitchFamily="49" charset="0"/>
+              <a:cs typeface="Consolas" panose="020B0609020204030204" pitchFamily="49" charset="0"/>
             </a:endParaRPr>
           </a:p>
           <a:p>
@@ -11037,9 +11084,9 @@
                     <a:lumMod val="75000"/>
                   </a:schemeClr>
                 </a:solidFill>
-                <a:latin typeface="Menlo" panose="020B0609030804020204" pitchFamily="49" charset="0"/>
-                <a:ea typeface="Menlo" panose="020B0609030804020204" pitchFamily="49" charset="0"/>
-                <a:cs typeface="Menlo" panose="020B0609030804020204" pitchFamily="49" charset="0"/>
+                <a:latin typeface="Consolas" panose="020B0609020204030204" pitchFamily="49" charset="0"/>
+                <a:ea typeface="Menlo" panose="020B0609030804020204" pitchFamily="49" charset="0"/>
+                <a:cs typeface="Consolas" panose="020B0609020204030204" pitchFamily="49" charset="0"/>
               </a:rPr>
               <a:t>// { success: false }</a:t>
             </a:r>
@@ -11050,9 +11097,9 @@
                 <a:solidFill>
                   <a:schemeClr val="tx1"/>
                 </a:solidFill>
-                <a:latin typeface="Menlo" panose="020B0609030804020204" pitchFamily="49" charset="0"/>
-                <a:ea typeface="Menlo" panose="020B0609030804020204" pitchFamily="49" charset="0"/>
-                <a:cs typeface="Menlo" panose="020B0609030804020204" pitchFamily="49" charset="0"/>
+                <a:latin typeface="Consolas" panose="020B0609020204030204" pitchFamily="49" charset="0"/>
+                <a:ea typeface="Menlo" panose="020B0609030804020204" pitchFamily="49" charset="0"/>
+                <a:cs typeface="Consolas" panose="020B0609020204030204" pitchFamily="49" charset="0"/>
               </a:rPr>
               <a:t>console.log</a:t>
             </a:r>
@@ -11061,9 +11108,9 @@
                 <a:solidFill>
                   <a:schemeClr val="tx1"/>
                 </a:solidFill>
-                <a:latin typeface="Menlo" panose="020B0609030804020204" pitchFamily="49" charset="0"/>
-                <a:ea typeface="Menlo" panose="020B0609030804020204" pitchFamily="49" charset="0"/>
-                <a:cs typeface="Menlo" panose="020B0609030804020204" pitchFamily="49" charset="0"/>
+                <a:latin typeface="Consolas" panose="020B0609020204030204" pitchFamily="49" charset="0"/>
+                <a:ea typeface="Menlo" panose="020B0609030804020204" pitchFamily="49" charset="0"/>
+                <a:cs typeface="Consolas" panose="020B0609020204030204" pitchFamily="49" charset="0"/>
               </a:rPr>
               <a:t>(</a:t>
             </a:r>
@@ -11074,9 +11121,9 @@
                     <a:lumMod val="75000"/>
                   </a:schemeClr>
                 </a:solidFill>
-                <a:latin typeface="Menlo" panose="020B0609030804020204" pitchFamily="49" charset="0"/>
-                <a:ea typeface="Menlo" panose="020B0609030804020204" pitchFamily="49" charset="0"/>
-                <a:cs typeface="Menlo" panose="020B0609030804020204" pitchFamily="49" charset="0"/>
+                <a:latin typeface="Consolas" panose="020B0609020204030204" pitchFamily="49" charset="0"/>
+                <a:ea typeface="Menlo" panose="020B0609030804020204" pitchFamily="49" charset="0"/>
+                <a:cs typeface="Consolas" panose="020B0609020204030204" pitchFamily="49" charset="0"/>
               </a:rPr>
               <a:t>zAuth</a:t>
             </a:r>
@@ -11085,9 +11132,9 @@
                 <a:solidFill>
                   <a:schemeClr val="tx1"/>
                 </a:solidFill>
-                <a:latin typeface="Menlo" panose="020B0609030804020204" pitchFamily="49" charset="0"/>
-                <a:ea typeface="Menlo" panose="020B0609030804020204" pitchFamily="49" charset="0"/>
-                <a:cs typeface="Menlo" panose="020B0609030804020204" pitchFamily="49" charset="0"/>
+                <a:latin typeface="Consolas" panose="020B0609020204030204" pitchFamily="49" charset="0"/>
+                <a:ea typeface="Menlo" panose="020B0609030804020204" pitchFamily="49" charset="0"/>
+                <a:cs typeface="Consolas" panose="020B0609020204030204" pitchFamily="49" charset="0"/>
               </a:rPr>
               <a:t>.</a:t>
             </a:r>
@@ -11098,9 +11145,9 @@
                     <a:lumMod val="50000"/>
                   </a:schemeClr>
                 </a:solidFill>
-                <a:latin typeface="Menlo" panose="020B0609030804020204" pitchFamily="49" charset="0"/>
-                <a:ea typeface="Menlo" panose="020B0609030804020204" pitchFamily="49" charset="0"/>
-                <a:cs typeface="Menlo" panose="020B0609030804020204" pitchFamily="49" charset="0"/>
+                <a:latin typeface="Consolas" panose="020B0609020204030204" pitchFamily="49" charset="0"/>
+                <a:ea typeface="Menlo" panose="020B0609030804020204" pitchFamily="49" charset="0"/>
+                <a:cs typeface="Consolas" panose="020B0609020204030204" pitchFamily="49" charset="0"/>
               </a:rPr>
               <a:t>safeParse</a:t>
             </a:r>
@@ -11109,9 +11156,9 @@
                 <a:solidFill>
                   <a:schemeClr val="tx1"/>
                 </a:solidFill>
-                <a:latin typeface="Menlo" panose="020B0609030804020204" pitchFamily="49" charset="0"/>
-                <a:ea typeface="Menlo" panose="020B0609030804020204" pitchFamily="49" charset="0"/>
-                <a:cs typeface="Menlo" panose="020B0609030804020204" pitchFamily="49" charset="0"/>
+                <a:latin typeface="Consolas" panose="020B0609020204030204" pitchFamily="49" charset="0"/>
+                <a:ea typeface="Menlo" panose="020B0609030804020204" pitchFamily="49" charset="0"/>
+                <a:cs typeface="Consolas" panose="020B0609020204030204" pitchFamily="49" charset="0"/>
               </a:rPr>
               <a:t>({ username: 4, password: null }))</a:t>
             </a:r>
@@ -11124,9 +11171,9 @@
                     <a:lumMod val="75000"/>
                   </a:schemeClr>
                 </a:solidFill>
-                <a:latin typeface="Menlo" panose="020B0609030804020204" pitchFamily="49" charset="0"/>
-                <a:ea typeface="Menlo" panose="020B0609030804020204" pitchFamily="49" charset="0"/>
-                <a:cs typeface="Menlo" panose="020B0609030804020204" pitchFamily="49" charset="0"/>
+                <a:latin typeface="Consolas" panose="020B0609020204030204" pitchFamily="49" charset="0"/>
+                <a:ea typeface="Menlo" panose="020B0609030804020204" pitchFamily="49" charset="0"/>
+                <a:cs typeface="Consolas" panose="020B0609020204030204" pitchFamily="49" charset="0"/>
               </a:rPr>
               <a:t>// { success: true, data: { username: "", password: "" } }</a:t>
             </a:r>
@@ -11137,9 +11184,9 @@
                 <a:solidFill>
                   <a:schemeClr val="tx1"/>
                 </a:solidFill>
-                <a:latin typeface="Menlo" panose="020B0609030804020204" pitchFamily="49" charset="0"/>
-                <a:ea typeface="Menlo" panose="020B0609030804020204" pitchFamily="49" charset="0"/>
-                <a:cs typeface="Menlo" panose="020B0609030804020204" pitchFamily="49" charset="0"/>
+                <a:latin typeface="Consolas" panose="020B0609020204030204" pitchFamily="49" charset="0"/>
+                <a:ea typeface="Menlo" panose="020B0609030804020204" pitchFamily="49" charset="0"/>
+                <a:cs typeface="Consolas" panose="020B0609020204030204" pitchFamily="49" charset="0"/>
               </a:rPr>
               <a:t>console.log</a:t>
             </a:r>
@@ -11148,9 +11195,9 @@
                 <a:solidFill>
                   <a:schemeClr val="tx1"/>
                 </a:solidFill>
-                <a:latin typeface="Menlo" panose="020B0609030804020204" pitchFamily="49" charset="0"/>
-                <a:ea typeface="Menlo" panose="020B0609030804020204" pitchFamily="49" charset="0"/>
-                <a:cs typeface="Menlo" panose="020B0609030804020204" pitchFamily="49" charset="0"/>
+                <a:latin typeface="Consolas" panose="020B0609020204030204" pitchFamily="49" charset="0"/>
+                <a:ea typeface="Menlo" panose="020B0609030804020204" pitchFamily="49" charset="0"/>
+                <a:cs typeface="Consolas" panose="020B0609020204030204" pitchFamily="49" charset="0"/>
               </a:rPr>
               <a:t>(</a:t>
             </a:r>
@@ -11161,9 +11208,9 @@
                     <a:lumMod val="75000"/>
                   </a:schemeClr>
                 </a:solidFill>
-                <a:latin typeface="Menlo" panose="020B0609030804020204" pitchFamily="49" charset="0"/>
-                <a:ea typeface="Menlo" panose="020B0609030804020204" pitchFamily="49" charset="0"/>
-                <a:cs typeface="Menlo" panose="020B0609030804020204" pitchFamily="49" charset="0"/>
+                <a:latin typeface="Consolas" panose="020B0609020204030204" pitchFamily="49" charset="0"/>
+                <a:ea typeface="Menlo" panose="020B0609030804020204" pitchFamily="49" charset="0"/>
+                <a:cs typeface="Consolas" panose="020B0609020204030204" pitchFamily="49" charset="0"/>
               </a:rPr>
               <a:t>zAuth</a:t>
             </a:r>
@@ -11172,9 +11219,9 @@
                 <a:solidFill>
                   <a:schemeClr val="tx1"/>
                 </a:solidFill>
-                <a:latin typeface="Menlo" panose="020B0609030804020204" pitchFamily="49" charset="0"/>
-                <a:ea typeface="Menlo" panose="020B0609030804020204" pitchFamily="49" charset="0"/>
-                <a:cs typeface="Menlo" panose="020B0609030804020204" pitchFamily="49" charset="0"/>
+                <a:latin typeface="Consolas" panose="020B0609020204030204" pitchFamily="49" charset="0"/>
+                <a:ea typeface="Menlo" panose="020B0609030804020204" pitchFamily="49" charset="0"/>
+                <a:cs typeface="Consolas" panose="020B0609020204030204" pitchFamily="49" charset="0"/>
               </a:rPr>
               <a:t>.</a:t>
             </a:r>
@@ -11185,9 +11232,9 @@
                     <a:lumMod val="50000"/>
                   </a:schemeClr>
                 </a:solidFill>
-                <a:latin typeface="Menlo" panose="020B0609030804020204" pitchFamily="49" charset="0"/>
-                <a:ea typeface="Menlo" panose="020B0609030804020204" pitchFamily="49" charset="0"/>
-                <a:cs typeface="Menlo" panose="020B0609030804020204" pitchFamily="49" charset="0"/>
+                <a:latin typeface="Consolas" panose="020B0609020204030204" pitchFamily="49" charset="0"/>
+                <a:ea typeface="Menlo" panose="020B0609030804020204" pitchFamily="49" charset="0"/>
+                <a:cs typeface="Consolas" panose="020B0609020204030204" pitchFamily="49" charset="0"/>
               </a:rPr>
               <a:t>safeParse</a:t>
             </a:r>
@@ -11196,9 +11243,9 @@
                 <a:solidFill>
                   <a:schemeClr val="tx1"/>
                 </a:solidFill>
-                <a:latin typeface="Menlo" panose="020B0609030804020204" pitchFamily="49" charset="0"/>
-                <a:ea typeface="Menlo" panose="020B0609030804020204" pitchFamily="49" charset="0"/>
-                <a:cs typeface="Menlo" panose="020B0609030804020204" pitchFamily="49" charset="0"/>
+                <a:latin typeface="Consolas" panose="020B0609020204030204" pitchFamily="49" charset="0"/>
+                <a:ea typeface="Menlo" panose="020B0609030804020204" pitchFamily="49" charset="0"/>
+                <a:cs typeface="Consolas" panose="020B0609020204030204" pitchFamily="49" charset="0"/>
               </a:rPr>
               <a:t>({ username: "", password: "" })) </a:t>
             </a:r>
@@ -11214,7 +11261,8 @@
                 <a:srgbClr val="3B3B3B"/>
               </a:solidFill>
               <a:effectLst/>
-              <a:latin typeface="Menlo" panose="020B0609030804020204" pitchFamily="49" charset="0"/>
+              <a:latin typeface="Consolas" panose="020B0609020204030204" pitchFamily="49" charset="0"/>
+              <a:cs typeface="Consolas" panose="020B0609020204030204" pitchFamily="49" charset="0"/>
             </a:endParaRPr>
           </a:p>
         </p:txBody>
@@ -11973,7 +12021,7 @@
               </a:spcBef>
               <a:buNone/>
             </a:pPr>
-            <a:endParaRPr lang="en-US" sz="1800" dirty="0">
+            <a:endParaRPr lang="en-US" sz="2000" dirty="0">
               <a:solidFill>
                 <a:srgbClr val="AF00DB"/>
               </a:solidFill>
@@ -11989,7 +12037,7 @@
               <a:buNone/>
             </a:pPr>
             <a:r>
-              <a:rPr lang="en-US" sz="1800" dirty="0">
+              <a:rPr lang="en-US" sz="2000" dirty="0">
                 <a:solidFill>
                   <a:srgbClr val="AF00DB"/>
                 </a:solidFill>
@@ -11999,7 +12047,7 @@
               <a:t>import</a:t>
             </a:r>
             <a:r>
-              <a:rPr lang="en-US" sz="1800" dirty="0">
+              <a:rPr lang="en-US" sz="2000" dirty="0">
                 <a:latin typeface="Consolas" panose="020B0609020204030204" pitchFamily="49" charset="0"/>
                 <a:ea typeface="Menlo" panose="020B0609030804020204" pitchFamily="49" charset="0"/>
                 <a:cs typeface="Consolas" panose="020B0609020204030204" pitchFamily="49" charset="0"/>
@@ -12007,7 +12055,7 @@
               <a:t> express </a:t>
             </a:r>
             <a:r>
-              <a:rPr lang="en-US" sz="1800" dirty="0">
+              <a:rPr lang="en-US" sz="2000" dirty="0">
                 <a:solidFill>
                   <a:srgbClr val="AF00DB"/>
                 </a:solidFill>
@@ -12017,7 +12065,7 @@
               <a:t>from</a:t>
             </a:r>
             <a:r>
-              <a:rPr lang="en-US" sz="1800" dirty="0">
+              <a:rPr lang="en-US" sz="2000" dirty="0">
                 <a:latin typeface="Consolas" panose="020B0609020204030204" pitchFamily="49" charset="0"/>
                 <a:ea typeface="Menlo" panose="020B0609030804020204" pitchFamily="49" charset="0"/>
                 <a:cs typeface="Consolas" panose="020B0609020204030204" pitchFamily="49" charset="0"/>
@@ -12025,7 +12073,7 @@
               <a:t> </a:t>
             </a:r>
             <a:r>
-              <a:rPr lang="en-US" sz="1800" dirty="0">
+              <a:rPr lang="en-US" sz="2000" dirty="0">
                 <a:solidFill>
                   <a:srgbClr val="C00000"/>
                 </a:solidFill>
@@ -12036,7 +12084,7 @@
               <a:t>'express'</a:t>
             </a:r>
             <a:r>
-              <a:rPr lang="en-US" sz="1800" dirty="0">
+              <a:rPr lang="en-US" sz="2000" dirty="0">
                 <a:latin typeface="Consolas" panose="020B0609020204030204" pitchFamily="49" charset="0"/>
                 <a:ea typeface="Menlo" panose="020B0609030804020204" pitchFamily="49" charset="0"/>
                 <a:cs typeface="Consolas" panose="020B0609020204030204" pitchFamily="49" charset="0"/>
@@ -12052,7 +12100,7 @@
               <a:buNone/>
             </a:pPr>
             <a:r>
-              <a:rPr lang="en-US" sz="1800" dirty="0">
+              <a:rPr lang="en-US" sz="2000" dirty="0">
                 <a:solidFill>
                   <a:srgbClr val="002060"/>
                 </a:solidFill>
@@ -12063,7 +12111,7 @@
               <a:t>const app </a:t>
             </a:r>
             <a:r>
-              <a:rPr lang="en-US" sz="1800" dirty="0">
+              <a:rPr lang="en-US" sz="2000" dirty="0">
                 <a:latin typeface="Consolas" panose="020B0609020204030204" pitchFamily="49" charset="0"/>
                 <a:ea typeface="Menlo" panose="020B0609030804020204" pitchFamily="49" charset="0"/>
                 <a:cs typeface="Consolas" panose="020B0609020204030204" pitchFamily="49" charset="0"/>
@@ -12071,7 +12119,7 @@
               <a:t>= </a:t>
             </a:r>
             <a:r>
-              <a:rPr lang="en-US" sz="1800" dirty="0">
+              <a:rPr lang="en-US" sz="2000" dirty="0">
                 <a:solidFill>
                   <a:schemeClr val="accent4">
                     <a:lumMod val="50000"/>
@@ -12084,7 +12132,7 @@
               <a:t>express</a:t>
             </a:r>
             <a:r>
-              <a:rPr lang="en-US" sz="1800" dirty="0">
+              <a:rPr lang="en-US" sz="2000" dirty="0">
                 <a:latin typeface="Consolas" panose="020B0609020204030204" pitchFamily="49" charset="0"/>
                 <a:ea typeface="Menlo" panose="020B0609030804020204" pitchFamily="49" charset="0"/>
                 <a:cs typeface="Consolas" panose="020B0609020204030204" pitchFamily="49" charset="0"/>
@@ -12100,7 +12148,7 @@
               <a:buNone/>
             </a:pPr>
             <a:r>
-              <a:rPr lang="en-US" sz="1800" dirty="0" err="1">
+              <a:rPr lang="en-US" sz="2000" dirty="0" err="1">
                 <a:solidFill>
                   <a:srgbClr val="002060"/>
                 </a:solidFill>
@@ -12111,7 +12159,7 @@
               <a:t>app</a:t>
             </a:r>
             <a:r>
-              <a:rPr lang="en-US" sz="1800" dirty="0" err="1">
+              <a:rPr lang="en-US" sz="2000" dirty="0" err="1">
                 <a:latin typeface="Consolas" panose="020B0609020204030204" pitchFamily="49" charset="0"/>
                 <a:ea typeface="Menlo" panose="020B0609030804020204" pitchFamily="49" charset="0"/>
                 <a:cs typeface="Consolas" panose="020B0609020204030204" pitchFamily="49" charset="0"/>
@@ -12119,7 +12167,7 @@
               <a:t>.</a:t>
             </a:r>
             <a:r>
-              <a:rPr lang="en-US" sz="1800" dirty="0" err="1">
+              <a:rPr lang="en-US" sz="2000" dirty="0" err="1">
                 <a:solidFill>
                   <a:schemeClr val="accent4">
                     <a:lumMod val="50000"/>
@@ -12132,7 +12180,7 @@
               <a:t>use</a:t>
             </a:r>
             <a:r>
-              <a:rPr lang="en-US" sz="1800" dirty="0">
+              <a:rPr lang="en-US" sz="2000" dirty="0">
                 <a:latin typeface="Consolas" panose="020B0609020204030204" pitchFamily="49" charset="0"/>
                 <a:ea typeface="Menlo" panose="020B0609030804020204" pitchFamily="49" charset="0"/>
                 <a:cs typeface="Consolas" panose="020B0609020204030204" pitchFamily="49" charset="0"/>
@@ -12140,7 +12188,7 @@
               <a:t>(</a:t>
             </a:r>
             <a:r>
-              <a:rPr lang="en-US" sz="1800" dirty="0" err="1">
+              <a:rPr lang="en-US" sz="2000" dirty="0" err="1">
                 <a:solidFill>
                   <a:srgbClr val="002060"/>
                 </a:solidFill>
@@ -12151,7 +12199,7 @@
               <a:t>express</a:t>
             </a:r>
             <a:r>
-              <a:rPr lang="en-US" sz="1800" dirty="0" err="1">
+              <a:rPr lang="en-US" sz="2000" dirty="0" err="1">
                 <a:latin typeface="Consolas" panose="020B0609020204030204" pitchFamily="49" charset="0"/>
                 <a:ea typeface="Menlo" panose="020B0609030804020204" pitchFamily="49" charset="0"/>
                 <a:cs typeface="Consolas" panose="020B0609020204030204" pitchFamily="49" charset="0"/>
@@ -12159,7 +12207,7 @@
               <a:t>.</a:t>
             </a:r>
             <a:r>
-              <a:rPr lang="en-US" sz="1800" dirty="0" err="1">
+              <a:rPr lang="en-US" sz="2000" dirty="0" err="1">
                 <a:solidFill>
                   <a:schemeClr val="accent4">
                     <a:lumMod val="50000"/>
@@ -12172,7 +12220,7 @@
               <a:t>json</a:t>
             </a:r>
             <a:r>
-              <a:rPr lang="en-US" sz="1800" dirty="0">
+              <a:rPr lang="en-US" sz="2000" dirty="0">
                 <a:latin typeface="Consolas" panose="020B0609020204030204" pitchFamily="49" charset="0"/>
                 <a:ea typeface="Menlo" panose="020B0609030804020204" pitchFamily="49" charset="0"/>
                 <a:cs typeface="Consolas" panose="020B0609020204030204" pitchFamily="49" charset="0"/>
@@ -12180,13 +12228,13 @@
               <a:t>());</a:t>
             </a:r>
             <a:br>
-              <a:rPr lang="en-US" sz="1800" dirty="0">
+              <a:rPr lang="en-US" sz="2000" dirty="0">
                 <a:latin typeface="Consolas" panose="020B0609020204030204" pitchFamily="49" charset="0"/>
                 <a:ea typeface="Menlo" panose="020B0609030804020204" pitchFamily="49" charset="0"/>
                 <a:cs typeface="Consolas" panose="020B0609020204030204" pitchFamily="49" charset="0"/>
               </a:rPr>
             </a:br>
-            <a:endParaRPr lang="en-US" sz="1800" dirty="0">
+            <a:endParaRPr lang="en-US" sz="2000" dirty="0">
               <a:latin typeface="Consolas" panose="020B0609020204030204" pitchFamily="49" charset="0"/>
               <a:ea typeface="Menlo" panose="020B0609030804020204" pitchFamily="49" charset="0"/>
               <a:cs typeface="Consolas" panose="020B0609020204030204" pitchFamily="49" charset="0"/>
@@ -12200,7 +12248,7 @@
               <a:buNone/>
             </a:pPr>
             <a:r>
-              <a:rPr lang="en-US" sz="1800" dirty="0">
+              <a:rPr lang="en-US" sz="2000" dirty="0">
                 <a:solidFill>
                   <a:srgbClr val="002060"/>
                 </a:solidFill>
@@ -12211,7 +12259,7 @@
               <a:t>type</a:t>
             </a:r>
             <a:r>
-              <a:rPr lang="en-US" sz="1800" dirty="0">
+              <a:rPr lang="en-US" sz="2000" dirty="0">
                 <a:latin typeface="Consolas" panose="020B0609020204030204" pitchFamily="49" charset="0"/>
                 <a:ea typeface="Menlo" panose="020B0609030804020204" pitchFamily="49" charset="0"/>
                 <a:cs typeface="Consolas" panose="020B0609020204030204" pitchFamily="49" charset="0"/>
@@ -12219,7 +12267,7 @@
               <a:t> </a:t>
             </a:r>
             <a:r>
-              <a:rPr lang="en-US" sz="1800" dirty="0">
+              <a:rPr lang="en-US" sz="2000" dirty="0">
                 <a:solidFill>
                   <a:srgbClr val="0070C0"/>
                 </a:solidFill>
@@ -12230,7 +12278,7 @@
               <a:t>Auth</a:t>
             </a:r>
             <a:r>
-              <a:rPr lang="en-US" sz="1800" dirty="0">
+              <a:rPr lang="en-US" sz="2000" dirty="0">
                 <a:latin typeface="Consolas" panose="020B0609020204030204" pitchFamily="49" charset="0"/>
                 <a:ea typeface="Menlo" panose="020B0609030804020204" pitchFamily="49" charset="0"/>
                 <a:cs typeface="Consolas" panose="020B0609020204030204" pitchFamily="49" charset="0"/>
@@ -12238,7 +12286,7 @@
               <a:t> = { </a:t>
             </a:r>
             <a:r>
-              <a:rPr lang="en-US" sz="1800" dirty="0">
+              <a:rPr lang="en-US" sz="2000" dirty="0">
                 <a:solidFill>
                   <a:srgbClr val="002060"/>
                 </a:solidFill>
@@ -12249,7 +12297,7 @@
               <a:t>username</a:t>
             </a:r>
             <a:r>
-              <a:rPr lang="en-US" sz="1800" dirty="0">
+              <a:rPr lang="en-US" sz="2000" dirty="0">
                 <a:latin typeface="Consolas" panose="020B0609020204030204" pitchFamily="49" charset="0"/>
                 <a:ea typeface="Menlo" panose="020B0609030804020204" pitchFamily="49" charset="0"/>
                 <a:cs typeface="Consolas" panose="020B0609020204030204" pitchFamily="49" charset="0"/>
@@ -12257,7 +12305,7 @@
               <a:t>: </a:t>
             </a:r>
             <a:r>
-              <a:rPr lang="en-US" sz="1800" dirty="0">
+              <a:rPr lang="en-US" sz="2000" dirty="0">
                 <a:solidFill>
                   <a:srgbClr val="0070C0"/>
                 </a:solidFill>
@@ -12268,7 +12316,7 @@
               <a:t>string</a:t>
             </a:r>
             <a:r>
-              <a:rPr lang="en-US" sz="1800" dirty="0">
+              <a:rPr lang="en-US" sz="2000" dirty="0">
                 <a:latin typeface="Consolas" panose="020B0609020204030204" pitchFamily="49" charset="0"/>
                 <a:ea typeface="Menlo" panose="020B0609030804020204" pitchFamily="49" charset="0"/>
                 <a:cs typeface="Consolas" panose="020B0609020204030204" pitchFamily="49" charset="0"/>
@@ -12276,7 +12324,7 @@
               <a:t>; </a:t>
             </a:r>
             <a:r>
-              <a:rPr lang="en-US" sz="1800" dirty="0">
+              <a:rPr lang="en-US" sz="2000" dirty="0">
                 <a:solidFill>
                   <a:srgbClr val="002060"/>
                 </a:solidFill>
@@ -12287,7 +12335,7 @@
               <a:t>password</a:t>
             </a:r>
             <a:r>
-              <a:rPr lang="en-US" sz="1800" dirty="0">
+              <a:rPr lang="en-US" sz="2000" dirty="0">
                 <a:latin typeface="Consolas" panose="020B0609020204030204" pitchFamily="49" charset="0"/>
                 <a:ea typeface="Menlo" panose="020B0609030804020204" pitchFamily="49" charset="0"/>
                 <a:cs typeface="Consolas" panose="020B0609020204030204" pitchFamily="49" charset="0"/>
@@ -12295,7 +12343,7 @@
               <a:t>: </a:t>
             </a:r>
             <a:r>
-              <a:rPr lang="en-US" sz="1800" dirty="0">
+              <a:rPr lang="en-US" sz="2000" dirty="0">
                 <a:solidFill>
                   <a:srgbClr val="0070C0"/>
                 </a:solidFill>
@@ -12306,7 +12354,7 @@
               <a:t>string</a:t>
             </a:r>
             <a:r>
-              <a:rPr lang="en-US" sz="1800" dirty="0">
+              <a:rPr lang="en-US" sz="2000" dirty="0">
                 <a:latin typeface="Consolas" panose="020B0609020204030204" pitchFamily="49" charset="0"/>
                 <a:ea typeface="Menlo" panose="020B0609030804020204" pitchFamily="49" charset="0"/>
                 <a:cs typeface="Consolas" panose="020B0609020204030204" pitchFamily="49" charset="0"/>
@@ -12322,7 +12370,7 @@
               <a:buNone/>
             </a:pPr>
             <a:r>
-              <a:rPr lang="en-US" sz="1800" dirty="0" err="1">
+              <a:rPr lang="en-US" sz="2000" dirty="0" err="1">
                 <a:solidFill>
                   <a:srgbClr val="002060"/>
                 </a:solidFill>
@@ -12333,7 +12381,7 @@
               <a:t>app</a:t>
             </a:r>
             <a:r>
-              <a:rPr lang="en-US" sz="1800" dirty="0" err="1">
+              <a:rPr lang="en-US" sz="2000" dirty="0" err="1">
                 <a:latin typeface="Consolas" panose="020B0609020204030204" pitchFamily="49" charset="0"/>
                 <a:ea typeface="Menlo" panose="020B0609030804020204" pitchFamily="49" charset="0"/>
                 <a:cs typeface="Consolas" panose="020B0609020204030204" pitchFamily="49" charset="0"/>
@@ -12341,7 +12389,7 @@
               <a:t>.</a:t>
             </a:r>
             <a:r>
-              <a:rPr lang="en-US" sz="1800" dirty="0" err="1">
+              <a:rPr lang="en-US" sz="2000" dirty="0" err="1">
                 <a:solidFill>
                   <a:schemeClr val="accent4">
                     <a:lumMod val="50000"/>
@@ -12354,7 +12402,7 @@
               <a:t>post</a:t>
             </a:r>
             <a:r>
-              <a:rPr lang="en-US" sz="1800" dirty="0">
+              <a:rPr lang="en-US" sz="2000" dirty="0">
                 <a:latin typeface="Consolas" panose="020B0609020204030204" pitchFamily="49" charset="0"/>
                 <a:ea typeface="Menlo" panose="020B0609030804020204" pitchFamily="49" charset="0"/>
                 <a:cs typeface="Consolas" panose="020B0609020204030204" pitchFamily="49" charset="0"/>
@@ -12362,7 +12410,7 @@
               <a:t>(</a:t>
             </a:r>
             <a:r>
-              <a:rPr lang="en-US" sz="1800" dirty="0">
+              <a:rPr lang="en-US" sz="2000" dirty="0">
                 <a:solidFill>
                   <a:srgbClr val="C00000"/>
                 </a:solidFill>
@@ -12373,7 +12421,7 @@
               <a:t>'/'</a:t>
             </a:r>
             <a:r>
-              <a:rPr lang="en-US" sz="1800" dirty="0">
+              <a:rPr lang="en-US" sz="2000" dirty="0">
                 <a:latin typeface="Consolas" panose="020B0609020204030204" pitchFamily="49" charset="0"/>
                 <a:ea typeface="Menlo" panose="020B0609030804020204" pitchFamily="49" charset="0"/>
                 <a:cs typeface="Consolas" panose="020B0609020204030204" pitchFamily="49" charset="0"/>
@@ -12381,7 +12429,7 @@
               <a:t>, (</a:t>
             </a:r>
             <a:r>
-              <a:rPr lang="en-US" sz="1800" dirty="0">
+              <a:rPr lang="en-US" sz="2000" dirty="0">
                 <a:solidFill>
                   <a:srgbClr val="002060"/>
                 </a:solidFill>
@@ -12392,7 +12440,7 @@
               <a:t>req</a:t>
             </a:r>
             <a:r>
-              <a:rPr lang="en-US" sz="1800" dirty="0">
+              <a:rPr lang="en-US" sz="2000" dirty="0">
                 <a:latin typeface="Consolas" panose="020B0609020204030204" pitchFamily="49" charset="0"/>
                 <a:ea typeface="Menlo" panose="020B0609030804020204" pitchFamily="49" charset="0"/>
                 <a:cs typeface="Consolas" panose="020B0609020204030204" pitchFamily="49" charset="0"/>
@@ -12400,7 +12448,7 @@
               <a:t>, </a:t>
             </a:r>
             <a:r>
-              <a:rPr lang="en-US" sz="1800" dirty="0">
+              <a:rPr lang="en-US" sz="2000" dirty="0">
                 <a:solidFill>
                   <a:srgbClr val="002060"/>
                 </a:solidFill>
@@ -12411,7 +12459,7 @@
               <a:t>res</a:t>
             </a:r>
             <a:r>
-              <a:rPr lang="en-US" sz="1800" dirty="0">
+              <a:rPr lang="en-US" sz="2000" dirty="0">
                 <a:latin typeface="Consolas" panose="020B0609020204030204" pitchFamily="49" charset="0"/>
                 <a:ea typeface="Menlo" panose="020B0609030804020204" pitchFamily="49" charset="0"/>
                 <a:cs typeface="Consolas" panose="020B0609020204030204" pitchFamily="49" charset="0"/>
@@ -12427,7 +12475,7 @@
               <a:buNone/>
             </a:pPr>
             <a:r>
-              <a:rPr lang="en-US" sz="1800" dirty="0">
+              <a:rPr lang="en-US" sz="2000" dirty="0">
                 <a:latin typeface="Consolas" panose="020B0609020204030204" pitchFamily="49" charset="0"/>
                 <a:ea typeface="Menlo" panose="020B0609030804020204" pitchFamily="49" charset="0"/>
                 <a:cs typeface="Consolas" panose="020B0609020204030204" pitchFamily="49" charset="0"/>
@@ -12435,7 +12483,7 @@
               <a:t>  </a:t>
             </a:r>
             <a:r>
-              <a:rPr lang="en-US" sz="1800" dirty="0">
+              <a:rPr lang="en-US" sz="2000" dirty="0">
                 <a:solidFill>
                   <a:srgbClr val="002060"/>
                 </a:solidFill>
@@ -12446,7 +12494,7 @@
               <a:t>const</a:t>
             </a:r>
             <a:r>
-              <a:rPr lang="en-US" sz="1800" dirty="0">
+              <a:rPr lang="en-US" sz="2000" dirty="0">
                 <a:latin typeface="Consolas" panose="020B0609020204030204" pitchFamily="49" charset="0"/>
                 <a:ea typeface="Menlo" panose="020B0609030804020204" pitchFamily="49" charset="0"/>
                 <a:cs typeface="Consolas" panose="020B0609020204030204" pitchFamily="49" charset="0"/>
@@ -12454,7 +12502,7 @@
               <a:t> </a:t>
             </a:r>
             <a:r>
-              <a:rPr lang="en-US" sz="1800" dirty="0">
+              <a:rPr lang="en-US" sz="2000" dirty="0">
                 <a:solidFill>
                   <a:srgbClr val="0070C0"/>
                 </a:solidFill>
@@ -12465,7 +12513,7 @@
               <a:t>auth</a:t>
             </a:r>
             <a:r>
-              <a:rPr lang="en-US" sz="1800" dirty="0">
+              <a:rPr lang="en-US" sz="2000" dirty="0">
                 <a:latin typeface="Consolas" panose="020B0609020204030204" pitchFamily="49" charset="0"/>
                 <a:ea typeface="Menlo" panose="020B0609030804020204" pitchFamily="49" charset="0"/>
                 <a:cs typeface="Consolas" panose="020B0609020204030204" pitchFamily="49" charset="0"/>
@@ -12473,7 +12521,7 @@
               <a:t>: </a:t>
             </a:r>
             <a:r>
-              <a:rPr lang="en-US" sz="1800" dirty="0">
+              <a:rPr lang="en-US" sz="2000" dirty="0">
                 <a:solidFill>
                   <a:srgbClr val="0070C0"/>
                 </a:solidFill>
@@ -12484,7 +12532,7 @@
               <a:t>Auth</a:t>
             </a:r>
             <a:r>
-              <a:rPr lang="en-US" sz="1800" dirty="0">
+              <a:rPr lang="en-US" sz="2000" dirty="0">
                 <a:latin typeface="Consolas" panose="020B0609020204030204" pitchFamily="49" charset="0"/>
                 <a:ea typeface="Menlo" panose="020B0609030804020204" pitchFamily="49" charset="0"/>
                 <a:cs typeface="Consolas" panose="020B0609020204030204" pitchFamily="49" charset="0"/>
@@ -12492,7 +12540,7 @@
               <a:t> = </a:t>
             </a:r>
             <a:r>
-              <a:rPr lang="en-US" sz="1800" dirty="0" err="1">
+              <a:rPr lang="en-US" sz="2000" dirty="0" err="1">
                 <a:solidFill>
                   <a:srgbClr val="002060"/>
                 </a:solidFill>
@@ -12503,7 +12551,7 @@
               <a:t>req.body</a:t>
             </a:r>
             <a:r>
-              <a:rPr lang="en-US" sz="1800" dirty="0">
+              <a:rPr lang="en-US" sz="2000" dirty="0">
                 <a:latin typeface="Consolas" panose="020B0609020204030204" pitchFamily="49" charset="0"/>
                 <a:ea typeface="Menlo" panose="020B0609030804020204" pitchFamily="49" charset="0"/>
                 <a:cs typeface="Consolas" panose="020B0609020204030204" pitchFamily="49" charset="0"/>
@@ -12518,7 +12566,7 @@
               </a:spcBef>
               <a:buNone/>
             </a:pPr>
-            <a:endParaRPr lang="en-US" sz="1800" dirty="0">
+            <a:endParaRPr lang="en-US" sz="2000" dirty="0">
               <a:latin typeface="Consolas" panose="020B0609020204030204" pitchFamily="49" charset="0"/>
               <a:ea typeface="Menlo" panose="020B0609030804020204" pitchFamily="49" charset="0"/>
               <a:cs typeface="Consolas" panose="020B0609020204030204" pitchFamily="49" charset="0"/>
@@ -12532,7 +12580,7 @@
               <a:buNone/>
             </a:pPr>
             <a:r>
-              <a:rPr lang="en-US" sz="1800" dirty="0">
+              <a:rPr lang="en-US" sz="2000" dirty="0">
                 <a:latin typeface="Consolas" panose="020B0609020204030204" pitchFamily="49" charset="0"/>
                 <a:ea typeface="Menlo" panose="020B0609030804020204" pitchFamily="49" charset="0"/>
                 <a:cs typeface="Consolas" panose="020B0609020204030204" pitchFamily="49" charset="0"/>
@@ -12540,14 +12588,14 @@
               <a:t>  </a:t>
             </a:r>
             <a:br>
-              <a:rPr lang="en-US" sz="1800" dirty="0">
+              <a:rPr lang="en-US" sz="2000" dirty="0">
                 <a:latin typeface="Consolas" panose="020B0609020204030204" pitchFamily="49" charset="0"/>
                 <a:ea typeface="Menlo" panose="020B0609030804020204" pitchFamily="49" charset="0"/>
                 <a:cs typeface="Consolas" panose="020B0609020204030204" pitchFamily="49" charset="0"/>
               </a:rPr>
             </a:br>
             <a:r>
-              <a:rPr lang="en-US" sz="1800" dirty="0">
+              <a:rPr lang="en-US" sz="2000" dirty="0">
                 <a:latin typeface="Consolas" panose="020B0609020204030204" pitchFamily="49" charset="0"/>
                 <a:ea typeface="Menlo" panose="020B0609030804020204" pitchFamily="49" charset="0"/>
                 <a:cs typeface="Consolas" panose="020B0609020204030204" pitchFamily="49" charset="0"/>
@@ -12555,7 +12603,7 @@
               <a:t>  </a:t>
             </a:r>
             <a:r>
-              <a:rPr lang="en-US" sz="1800" dirty="0">
+              <a:rPr lang="en-US" sz="2000" dirty="0">
                 <a:solidFill>
                   <a:srgbClr val="AF00DB"/>
                 </a:solidFill>
@@ -12565,7 +12613,7 @@
               <a:t>if</a:t>
             </a:r>
             <a:r>
-              <a:rPr lang="en-US" sz="1800" dirty="0">
+              <a:rPr lang="en-US" sz="2000" dirty="0">
                 <a:latin typeface="Consolas" panose="020B0609020204030204" pitchFamily="49" charset="0"/>
                 <a:ea typeface="Menlo" panose="020B0609030804020204" pitchFamily="49" charset="0"/>
                 <a:cs typeface="Consolas" panose="020B0609020204030204" pitchFamily="49" charset="0"/>
@@ -12573,7 +12621,7 @@
               <a:t> (</a:t>
             </a:r>
             <a:r>
-              <a:rPr lang="en-US" sz="1800" dirty="0" err="1">
+              <a:rPr lang="en-US" sz="2000" dirty="0" err="1">
                 <a:solidFill>
                   <a:srgbClr val="002060"/>
                 </a:solidFill>
@@ -12584,7 +12632,7 @@
               <a:t>auth.password</a:t>
             </a:r>
             <a:r>
-              <a:rPr lang="en-US" sz="1800" dirty="0">
+              <a:rPr lang="en-US" sz="2000" dirty="0">
                 <a:solidFill>
                   <a:srgbClr val="002060"/>
                 </a:solidFill>
@@ -12595,7 +12643,7 @@
               <a:t> </a:t>
             </a:r>
             <a:r>
-              <a:rPr lang="en-US" sz="1800" dirty="0">
+              <a:rPr lang="en-US" sz="2000" dirty="0">
                 <a:latin typeface="Consolas" panose="020B0609020204030204" pitchFamily="49" charset="0"/>
                 <a:ea typeface="Menlo" panose="020B0609030804020204" pitchFamily="49" charset="0"/>
                 <a:cs typeface="Consolas" panose="020B0609020204030204" pitchFamily="49" charset="0"/>
@@ -12603,7 +12651,7 @@
               <a:t>!== </a:t>
             </a:r>
             <a:r>
-              <a:rPr lang="en-US" sz="1800" dirty="0">
+              <a:rPr lang="en-US" sz="2000" dirty="0">
                 <a:solidFill>
                   <a:srgbClr val="C00000"/>
                 </a:solidFill>
@@ -12614,7 +12662,7 @@
               <a:t>'secret'</a:t>
             </a:r>
             <a:r>
-              <a:rPr lang="en-US" sz="1800" dirty="0">
+              <a:rPr lang="en-US" sz="2000" dirty="0">
                 <a:latin typeface="Consolas" panose="020B0609020204030204" pitchFamily="49" charset="0"/>
                 <a:ea typeface="Menlo" panose="020B0609030804020204" pitchFamily="49" charset="0"/>
                 <a:cs typeface="Consolas" panose="020B0609020204030204" pitchFamily="49" charset="0"/>
@@ -12630,7 +12678,7 @@
               <a:buNone/>
             </a:pPr>
             <a:r>
-              <a:rPr lang="en-US" sz="1800" dirty="0">
+              <a:rPr lang="en-US" sz="2000" dirty="0">
                 <a:latin typeface="Consolas" panose="020B0609020204030204" pitchFamily="49" charset="0"/>
                 <a:ea typeface="Menlo" panose="020B0609030804020204" pitchFamily="49" charset="0"/>
                 <a:cs typeface="Consolas" panose="020B0609020204030204" pitchFamily="49" charset="0"/>
@@ -12638,7 +12686,7 @@
               <a:t>    </a:t>
             </a:r>
             <a:r>
-              <a:rPr lang="en-US" sz="1800" dirty="0" err="1">
+              <a:rPr lang="en-US" sz="2000" dirty="0" err="1">
                 <a:solidFill>
                   <a:srgbClr val="002060"/>
                 </a:solidFill>
@@ -12649,7 +12697,7 @@
               <a:t>res</a:t>
             </a:r>
             <a:r>
-              <a:rPr lang="en-US" sz="1800" dirty="0" err="1">
+              <a:rPr lang="en-US" sz="2000" dirty="0" err="1">
                 <a:latin typeface="Consolas" panose="020B0609020204030204" pitchFamily="49" charset="0"/>
                 <a:ea typeface="Menlo" panose="020B0609030804020204" pitchFamily="49" charset="0"/>
                 <a:cs typeface="Consolas" panose="020B0609020204030204" pitchFamily="49" charset="0"/>
@@ -12657,7 +12705,7 @@
               <a:t>.</a:t>
             </a:r>
             <a:r>
-              <a:rPr lang="en-US" sz="1800" dirty="0" err="1">
+              <a:rPr lang="en-US" sz="2000" dirty="0" err="1">
                 <a:solidFill>
                   <a:schemeClr val="accent4">
                     <a:lumMod val="50000"/>
@@ -12670,7 +12718,7 @@
               <a:t>status</a:t>
             </a:r>
             <a:r>
-              <a:rPr lang="en-US" sz="1800" dirty="0">
+              <a:rPr lang="en-US" sz="2000" dirty="0">
                 <a:latin typeface="Consolas" panose="020B0609020204030204" pitchFamily="49" charset="0"/>
                 <a:ea typeface="Menlo" panose="020B0609030804020204" pitchFamily="49" charset="0"/>
                 <a:cs typeface="Consolas" panose="020B0609020204030204" pitchFamily="49" charset="0"/>
@@ -12678,7 +12726,7 @@
               <a:t>(</a:t>
             </a:r>
             <a:r>
-              <a:rPr lang="en-US" sz="1800" dirty="0">
+              <a:rPr lang="en-US" sz="2000" dirty="0">
                 <a:solidFill>
                   <a:srgbClr val="0070C0"/>
                 </a:solidFill>
@@ -12689,7 +12737,7 @@
               <a:t>403</a:t>
             </a:r>
             <a:r>
-              <a:rPr lang="en-US" sz="1800" dirty="0">
+              <a:rPr lang="en-US" sz="2000" dirty="0">
                 <a:latin typeface="Consolas" panose="020B0609020204030204" pitchFamily="49" charset="0"/>
                 <a:ea typeface="Menlo" panose="020B0609030804020204" pitchFamily="49" charset="0"/>
                 <a:cs typeface="Consolas" panose="020B0609020204030204" pitchFamily="49" charset="0"/>
@@ -12697,7 +12745,7 @@
               <a:t>).</a:t>
             </a:r>
             <a:r>
-              <a:rPr lang="en-US" sz="1800" dirty="0">
+              <a:rPr lang="en-US" sz="2000" dirty="0">
                 <a:solidFill>
                   <a:schemeClr val="accent4">
                     <a:lumMod val="50000"/>
@@ -12710,7 +12758,7 @@
               <a:t>send</a:t>
             </a:r>
             <a:r>
-              <a:rPr lang="en-US" sz="1800" dirty="0">
+              <a:rPr lang="en-US" sz="2000" dirty="0">
                 <a:latin typeface="Consolas" panose="020B0609020204030204" pitchFamily="49" charset="0"/>
                 <a:ea typeface="Menlo" panose="020B0609030804020204" pitchFamily="49" charset="0"/>
                 <a:cs typeface="Consolas" panose="020B0609020204030204" pitchFamily="49" charset="0"/>
@@ -12718,7 +12766,7 @@
               <a:t>({ error: </a:t>
             </a:r>
             <a:r>
-              <a:rPr lang="en-US" sz="1800" dirty="0">
+              <a:rPr lang="en-US" sz="2000" dirty="0">
                 <a:solidFill>
                   <a:srgbClr val="C00000"/>
                 </a:solidFill>
@@ -12729,7 +12777,7 @@
               <a:t>'Wrong password' </a:t>
             </a:r>
             <a:r>
-              <a:rPr lang="en-US" sz="1800" dirty="0">
+              <a:rPr lang="en-US" sz="2000" dirty="0">
                 <a:latin typeface="Consolas" panose="020B0609020204030204" pitchFamily="49" charset="0"/>
                 <a:ea typeface="Menlo" panose="020B0609030804020204" pitchFamily="49" charset="0"/>
                 <a:cs typeface="Consolas" panose="020B0609020204030204" pitchFamily="49" charset="0"/>
@@ -12745,7 +12793,7 @@
               <a:buNone/>
             </a:pPr>
             <a:r>
-              <a:rPr lang="en-US" sz="1800" dirty="0">
+              <a:rPr lang="en-US" sz="2000" dirty="0">
                 <a:latin typeface="Consolas" panose="020B0609020204030204" pitchFamily="49" charset="0"/>
                 <a:ea typeface="Menlo" panose="020B0609030804020204" pitchFamily="49" charset="0"/>
                 <a:cs typeface="Consolas" panose="020B0609020204030204" pitchFamily="49" charset="0"/>
@@ -12753,7 +12801,7 @@
               <a:t>  } </a:t>
             </a:r>
             <a:r>
-              <a:rPr lang="en-US" sz="1800" dirty="0">
+              <a:rPr lang="en-US" sz="2000" dirty="0">
                 <a:solidFill>
                   <a:srgbClr val="AF00DB"/>
                 </a:solidFill>
@@ -12763,7 +12811,7 @@
               <a:t>else</a:t>
             </a:r>
             <a:r>
-              <a:rPr lang="en-US" sz="1800" dirty="0">
+              <a:rPr lang="en-US" sz="2000" dirty="0">
                 <a:latin typeface="Consolas" panose="020B0609020204030204" pitchFamily="49" charset="0"/>
                 <a:ea typeface="Menlo" panose="020B0609030804020204" pitchFamily="49" charset="0"/>
                 <a:cs typeface="Consolas" panose="020B0609020204030204" pitchFamily="49" charset="0"/>
@@ -12779,7 +12827,7 @@
               <a:buNone/>
             </a:pPr>
             <a:r>
-              <a:rPr lang="en-US" sz="1800" dirty="0">
+              <a:rPr lang="en-US" sz="2000" dirty="0">
                 <a:latin typeface="Consolas" panose="020B0609020204030204" pitchFamily="49" charset="0"/>
                 <a:ea typeface="Menlo" panose="020B0609030804020204" pitchFamily="49" charset="0"/>
                 <a:cs typeface="Consolas" panose="020B0609020204030204" pitchFamily="49" charset="0"/>
@@ -12787,7 +12835,7 @@
               <a:t>    </a:t>
             </a:r>
             <a:r>
-              <a:rPr lang="en-US" sz="1800" dirty="0" err="1">
+              <a:rPr lang="en-US" sz="2000" dirty="0" err="1">
                 <a:solidFill>
                   <a:srgbClr val="002060"/>
                 </a:solidFill>
@@ -12798,7 +12846,7 @@
               <a:t>res</a:t>
             </a:r>
             <a:r>
-              <a:rPr lang="en-US" sz="1800" dirty="0" err="1">
+              <a:rPr lang="en-US" sz="2000" dirty="0" err="1">
                 <a:latin typeface="Consolas" panose="020B0609020204030204" pitchFamily="49" charset="0"/>
                 <a:ea typeface="Menlo" panose="020B0609030804020204" pitchFamily="49" charset="0"/>
                 <a:cs typeface="Consolas" panose="020B0609020204030204" pitchFamily="49" charset="0"/>
@@ -12806,7 +12854,7 @@
               <a:t>.</a:t>
             </a:r>
             <a:r>
-              <a:rPr lang="en-US" sz="1800" dirty="0" err="1">
+              <a:rPr lang="en-US" sz="2000" dirty="0" err="1">
                 <a:solidFill>
                   <a:schemeClr val="accent4">
                     <a:lumMod val="50000"/>
@@ -12819,7 +12867,7 @@
               <a:t>send</a:t>
             </a:r>
             <a:r>
-              <a:rPr lang="en-US" sz="1800" dirty="0">
+              <a:rPr lang="en-US" sz="2000" dirty="0">
                 <a:latin typeface="Consolas" panose="020B0609020204030204" pitchFamily="49" charset="0"/>
                 <a:ea typeface="Menlo" panose="020B0609030804020204" pitchFamily="49" charset="0"/>
                 <a:cs typeface="Consolas" panose="020B0609020204030204" pitchFamily="49" charset="0"/>
@@ -12827,7 +12875,7 @@
               <a:t>({ </a:t>
             </a:r>
             <a:r>
-              <a:rPr lang="en-US" sz="1800" dirty="0">
+              <a:rPr lang="en-US" sz="2000" dirty="0">
                 <a:solidFill>
                   <a:srgbClr val="002060"/>
                 </a:solidFill>
@@ -12838,7 +12886,7 @@
               <a:t>message</a:t>
             </a:r>
             <a:r>
-              <a:rPr lang="en-US" sz="1800" dirty="0">
+              <a:rPr lang="en-US" sz="2000" dirty="0">
                 <a:latin typeface="Consolas" panose="020B0609020204030204" pitchFamily="49" charset="0"/>
                 <a:ea typeface="Menlo" panose="020B0609030804020204" pitchFamily="49" charset="0"/>
                 <a:cs typeface="Consolas" panose="020B0609020204030204" pitchFamily="49" charset="0"/>
@@ -12846,7 +12894,7 @@
               <a:t>: </a:t>
             </a:r>
             <a:r>
-              <a:rPr lang="en-US" sz="1800" dirty="0">
+              <a:rPr lang="en-US" sz="2000" dirty="0">
                 <a:solidFill>
                   <a:srgbClr val="C00000"/>
                 </a:solidFill>
@@ -12857,7 +12905,7 @@
               <a:t>`WELCOME,</a:t>
             </a:r>
             <a:r>
-              <a:rPr lang="en-US" sz="1800" dirty="0">
+              <a:rPr lang="en-US" sz="2000" dirty="0">
                 <a:latin typeface="Consolas" panose="020B0609020204030204" pitchFamily="49" charset="0"/>
                 <a:ea typeface="Menlo" panose="020B0609030804020204" pitchFamily="49" charset="0"/>
                 <a:cs typeface="Consolas" panose="020B0609020204030204" pitchFamily="49" charset="0"/>
@@ -12865,7 +12913,7 @@
               <a:t>${</a:t>
             </a:r>
             <a:r>
-              <a:rPr lang="en-US" sz="1800" dirty="0" err="1">
+              <a:rPr lang="en-US" sz="2000" dirty="0" err="1">
                 <a:solidFill>
                   <a:srgbClr val="002060"/>
                 </a:solidFill>
@@ -12876,7 +12924,7 @@
               <a:t>auth</a:t>
             </a:r>
             <a:r>
-              <a:rPr lang="en-US" sz="1800" dirty="0" err="1">
+              <a:rPr lang="en-US" sz="2000" dirty="0" err="1">
                 <a:latin typeface="Consolas" panose="020B0609020204030204" pitchFamily="49" charset="0"/>
                 <a:ea typeface="Menlo" panose="020B0609030804020204" pitchFamily="49" charset="0"/>
                 <a:cs typeface="Consolas" panose="020B0609020204030204" pitchFamily="49" charset="0"/>
@@ -12884,7 +12932,7 @@
               <a:t>.</a:t>
             </a:r>
             <a:r>
-              <a:rPr lang="en-US" sz="1800" dirty="0" err="1">
+              <a:rPr lang="en-US" sz="2000" dirty="0" err="1">
                 <a:solidFill>
                   <a:srgbClr val="002060"/>
                 </a:solidFill>
@@ -12895,7 +12943,7 @@
               <a:t>username</a:t>
             </a:r>
             <a:r>
-              <a:rPr lang="en-US" sz="1800" dirty="0" err="1">
+              <a:rPr lang="en-US" sz="2000" dirty="0" err="1">
                 <a:latin typeface="Consolas" panose="020B0609020204030204" pitchFamily="49" charset="0"/>
                 <a:ea typeface="Menlo" panose="020B0609030804020204" pitchFamily="49" charset="0"/>
                 <a:cs typeface="Consolas" panose="020B0609020204030204" pitchFamily="49" charset="0"/>
@@ -12903,7 +12951,7 @@
               <a:t>.</a:t>
             </a:r>
             <a:r>
-              <a:rPr lang="en-US" sz="1800" dirty="0" err="1">
+              <a:rPr lang="en-US" sz="2000" dirty="0" err="1">
                 <a:solidFill>
                   <a:schemeClr val="accent4">
                     <a:lumMod val="50000"/>
@@ -12916,7 +12964,7 @@
               <a:t>toUpperCase</a:t>
             </a:r>
             <a:r>
-              <a:rPr lang="en-US" sz="1800" dirty="0">
+              <a:rPr lang="en-US" sz="2000" dirty="0">
                 <a:latin typeface="Consolas" panose="020B0609020204030204" pitchFamily="49" charset="0"/>
                 <a:ea typeface="Menlo" panose="020B0609030804020204" pitchFamily="49" charset="0"/>
                 <a:cs typeface="Consolas" panose="020B0609020204030204" pitchFamily="49" charset="0"/>
@@ -12924,7 +12972,7 @@
               <a:t>()}</a:t>
             </a:r>
             <a:r>
-              <a:rPr lang="en-US" sz="1800" dirty="0">
+              <a:rPr lang="en-US" sz="2000" dirty="0">
                 <a:solidFill>
                   <a:srgbClr val="C00000"/>
                 </a:solidFill>
@@ -12935,7 +12983,7 @@
               <a:t>`</a:t>
             </a:r>
             <a:r>
-              <a:rPr lang="en-US" sz="1800" dirty="0">
+              <a:rPr lang="en-US" sz="2000" dirty="0">
                 <a:latin typeface="Consolas" panose="020B0609020204030204" pitchFamily="49" charset="0"/>
                 <a:ea typeface="Menlo" panose="020B0609030804020204" pitchFamily="49" charset="0"/>
                 <a:cs typeface="Consolas" panose="020B0609020204030204" pitchFamily="49" charset="0"/>
@@ -12951,7 +12999,7 @@
               <a:buNone/>
             </a:pPr>
             <a:r>
-              <a:rPr lang="en-US" sz="1800" dirty="0">
+              <a:rPr lang="en-US" sz="2000" dirty="0">
                 <a:latin typeface="Consolas" panose="020B0609020204030204" pitchFamily="49" charset="0"/>
                 <a:ea typeface="Menlo" panose="020B0609030804020204" pitchFamily="49" charset="0"/>
                 <a:cs typeface="Consolas" panose="020B0609020204030204" pitchFamily="49" charset="0"/>
@@ -12967,7 +13015,7 @@
               <a:buNone/>
             </a:pPr>
             <a:r>
-              <a:rPr lang="en-US" sz="1800" dirty="0">
+              <a:rPr lang="en-US" sz="2000" dirty="0">
                 <a:latin typeface="Consolas" panose="020B0609020204030204" pitchFamily="49" charset="0"/>
                 <a:ea typeface="Menlo" panose="020B0609030804020204" pitchFamily="49" charset="0"/>
                 <a:cs typeface="Consolas" panose="020B0609020204030204" pitchFamily="49" charset="0"/>
@@ -12982,21 +13030,8 @@
               </a:spcBef>
               <a:buNone/>
             </a:pPr>
-            <a:endParaRPr lang="en-US" sz="1800" dirty="0">
-              <a:latin typeface="Consolas" panose="020B0609020204030204" pitchFamily="49" charset="0"/>
-              <a:ea typeface="Menlo" panose="020B0609030804020204" pitchFamily="49" charset="0"/>
-              <a:cs typeface="Consolas" panose="020B0609020204030204" pitchFamily="49" charset="0"/>
-            </a:endParaRPr>
-          </a:p>
-          <a:p>
-            <a:pPr marL="0" indent="0">
-              <a:spcBef>
-                <a:spcPts val="0"/>
-              </a:spcBef>
-              <a:buNone/>
-            </a:pPr>
-            <a:r>
-              <a:rPr lang="en-US" sz="1800" dirty="0" err="1">
+            <a:r>
+              <a:rPr lang="en-US" sz="2000" dirty="0" err="1">
                 <a:solidFill>
                   <a:srgbClr val="002060"/>
                 </a:solidFill>
@@ -13007,7 +13042,7 @@
               <a:t>app</a:t>
             </a:r>
             <a:r>
-              <a:rPr lang="en-US" sz="1800" dirty="0" err="1">
+              <a:rPr lang="en-US" sz="2000" dirty="0" err="1">
                 <a:latin typeface="Consolas" panose="020B0609020204030204" pitchFamily="49" charset="0"/>
                 <a:ea typeface="Menlo" panose="020B0609030804020204" pitchFamily="49" charset="0"/>
                 <a:cs typeface="Consolas" panose="020B0609020204030204" pitchFamily="49" charset="0"/>
@@ -13015,7 +13050,7 @@
               <a:t>.</a:t>
             </a:r>
             <a:r>
-              <a:rPr lang="en-US" sz="1800" dirty="0" err="1">
+              <a:rPr lang="en-US" sz="2000" dirty="0" err="1">
                 <a:solidFill>
                   <a:schemeClr val="accent4">
                     <a:lumMod val="50000"/>
@@ -13028,7 +13063,7 @@
               <a:t>listen</a:t>
             </a:r>
             <a:r>
-              <a:rPr lang="en-US" sz="1800" dirty="0">
+              <a:rPr lang="en-US" sz="2000" dirty="0">
                 <a:latin typeface="Consolas" panose="020B0609020204030204" pitchFamily="49" charset="0"/>
                 <a:ea typeface="Menlo" panose="020B0609030804020204" pitchFamily="49" charset="0"/>
                 <a:cs typeface="Consolas" panose="020B0609020204030204" pitchFamily="49" charset="0"/>
@@ -13036,7 +13071,7 @@
               <a:t>(</a:t>
             </a:r>
             <a:r>
-              <a:rPr lang="en-US" sz="1800" dirty="0">
+              <a:rPr lang="en-US" sz="2000" dirty="0">
                 <a:solidFill>
                   <a:srgbClr val="0070C0"/>
                 </a:solidFill>
@@ -13047,7 +13082,7 @@
               <a:t>8000</a:t>
             </a:r>
             <a:r>
-              <a:rPr lang="en-US" sz="1800" dirty="0">
+              <a:rPr lang="en-US" sz="2000" dirty="0">
                 <a:latin typeface="Consolas" panose="020B0609020204030204" pitchFamily="49" charset="0"/>
                 <a:ea typeface="Menlo" panose="020B0609030804020204" pitchFamily="49" charset="0"/>
                 <a:cs typeface="Consolas" panose="020B0609020204030204" pitchFamily="49" charset="0"/>
@@ -13055,7 +13090,7 @@
               <a:t>, () =&gt; </a:t>
             </a:r>
             <a:r>
-              <a:rPr lang="en-US" sz="1800" dirty="0" err="1">
+              <a:rPr lang="en-US" sz="2000" dirty="0" err="1">
                 <a:solidFill>
                   <a:srgbClr val="002060"/>
                 </a:solidFill>
@@ -13066,7 +13101,7 @@
               <a:t>console</a:t>
             </a:r>
             <a:r>
-              <a:rPr lang="en-US" sz="1800" dirty="0" err="1">
+              <a:rPr lang="en-US" sz="2000" dirty="0" err="1">
                 <a:latin typeface="Consolas" panose="020B0609020204030204" pitchFamily="49" charset="0"/>
                 <a:ea typeface="Menlo" panose="020B0609030804020204" pitchFamily="49" charset="0"/>
                 <a:cs typeface="Consolas" panose="020B0609020204030204" pitchFamily="49" charset="0"/>
@@ -13074,7 +13109,7 @@
               <a:t>.</a:t>
             </a:r>
             <a:r>
-              <a:rPr lang="en-US" sz="1800" dirty="0" err="1">
+              <a:rPr lang="en-US" sz="2000" dirty="0" err="1">
                 <a:solidFill>
                   <a:schemeClr val="accent4">
                     <a:lumMod val="50000"/>
@@ -13087,7 +13122,7 @@
               <a:t>log</a:t>
             </a:r>
             <a:r>
-              <a:rPr lang="en-US" sz="1800" dirty="0">
+              <a:rPr lang="en-US" sz="2000" dirty="0">
                 <a:latin typeface="Consolas" panose="020B0609020204030204" pitchFamily="49" charset="0"/>
                 <a:ea typeface="Menlo" panose="020B0609030804020204" pitchFamily="49" charset="0"/>
                 <a:cs typeface="Consolas" panose="020B0609020204030204" pitchFamily="49" charset="0"/>
@@ -13095,7 +13130,7 @@
               <a:t>(</a:t>
             </a:r>
             <a:r>
-              <a:rPr lang="en-US" sz="1800" dirty="0">
+              <a:rPr lang="en-US" sz="2000" dirty="0">
                 <a:solidFill>
                   <a:srgbClr val="C00000"/>
                 </a:solidFill>
@@ -13106,7 +13141,7 @@
               <a:t>`Listening on port 8000`</a:t>
             </a:r>
             <a:r>
-              <a:rPr lang="en-US" sz="1800" dirty="0">
+              <a:rPr lang="en-US" sz="2000" dirty="0">
                 <a:latin typeface="Consolas" panose="020B0609020204030204" pitchFamily="49" charset="0"/>
                 <a:ea typeface="Menlo" panose="020B0609030804020204" pitchFamily="49" charset="0"/>
                 <a:cs typeface="Consolas" panose="020B0609020204030204" pitchFamily="49" charset="0"/>
@@ -13122,13 +13157,13 @@
               <a:buNone/>
             </a:pPr>
             <a:br>
-              <a:rPr lang="en-US" sz="1800" dirty="0">
+              <a:rPr lang="en-US" sz="2000" dirty="0">
                 <a:latin typeface="Consolas" panose="020B0609020204030204" pitchFamily="49" charset="0"/>
                 <a:ea typeface="Menlo" panose="020B0609030804020204" pitchFamily="49" charset="0"/>
                 <a:cs typeface="Consolas" panose="020B0609020204030204" pitchFamily="49" charset="0"/>
               </a:rPr>
             </a:br>
-            <a:endParaRPr lang="en-US" sz="1800" dirty="0">
+            <a:endParaRPr lang="en-US" sz="2000" dirty="0">
               <a:latin typeface="Consolas" panose="020B0609020204030204" pitchFamily="49" charset="0"/>
               <a:ea typeface="Menlo" panose="020B0609030804020204" pitchFamily="49" charset="0"/>
               <a:cs typeface="Consolas" panose="020B0609020204030204" pitchFamily="49" charset="0"/>
@@ -13144,7 +13179,7 @@
               </a:spcBef>
               <a:buNone/>
             </a:pPr>
-            <a:endParaRPr lang="en-US" sz="1800" dirty="0">
+            <a:endParaRPr lang="en-US" sz="2000" dirty="0">
               <a:solidFill>
                 <a:srgbClr val="3B3B3B"/>
               </a:solidFill>
@@ -13160,7 +13195,7 @@
               </a:spcBef>
               <a:buNone/>
             </a:pPr>
-            <a:endParaRPr lang="en-US" sz="1800" dirty="0">
+            <a:endParaRPr lang="en-US" sz="2000" dirty="0">
               <a:latin typeface="Consolas" panose="020B0609020204030204" pitchFamily="49" charset="0"/>
               <a:ea typeface="Menlo" panose="020B0609030804020204" pitchFamily="49" charset="0"/>
               <a:cs typeface="Consolas" panose="020B0609020204030204" pitchFamily="49" charset="0"/>
@@ -14078,7 +14113,7 @@
               </a:spcBef>
               <a:buNone/>
             </a:pPr>
-            <a:endParaRPr lang="en-US" sz="1800" dirty="0">
+            <a:endParaRPr lang="en-US" sz="2000" dirty="0">
               <a:solidFill>
                 <a:srgbClr val="AF00DB"/>
               </a:solidFill>
@@ -14094,7 +14129,7 @@
               <a:buNone/>
             </a:pPr>
             <a:r>
-              <a:rPr lang="en-US" sz="1800" dirty="0">
+              <a:rPr lang="en-US" sz="2000" dirty="0">
                 <a:solidFill>
                   <a:srgbClr val="AF00DB"/>
                 </a:solidFill>
@@ -14104,7 +14139,7 @@
               <a:t>import</a:t>
             </a:r>
             <a:r>
-              <a:rPr lang="en-US" sz="1800" dirty="0">
+              <a:rPr lang="en-US" sz="2000" dirty="0">
                 <a:latin typeface="Consolas" panose="020B0609020204030204" pitchFamily="49" charset="0"/>
                 <a:ea typeface="Menlo" panose="020B0609030804020204" pitchFamily="49" charset="0"/>
                 <a:cs typeface="Consolas" panose="020B0609020204030204" pitchFamily="49" charset="0"/>
@@ -14112,7 +14147,7 @@
               <a:t> express </a:t>
             </a:r>
             <a:r>
-              <a:rPr lang="en-US" sz="1800" dirty="0">
+              <a:rPr lang="en-US" sz="2000" dirty="0">
                 <a:solidFill>
                   <a:srgbClr val="AF00DB"/>
                 </a:solidFill>
@@ -14122,7 +14157,7 @@
               <a:t>from</a:t>
             </a:r>
             <a:r>
-              <a:rPr lang="en-US" sz="1800" dirty="0">
+              <a:rPr lang="en-US" sz="2000" dirty="0">
                 <a:latin typeface="Consolas" panose="020B0609020204030204" pitchFamily="49" charset="0"/>
                 <a:ea typeface="Menlo" panose="020B0609030804020204" pitchFamily="49" charset="0"/>
                 <a:cs typeface="Consolas" panose="020B0609020204030204" pitchFamily="49" charset="0"/>
@@ -14130,7 +14165,7 @@
               <a:t> </a:t>
             </a:r>
             <a:r>
-              <a:rPr lang="en-US" sz="1800" dirty="0">
+              <a:rPr lang="en-US" sz="2000" dirty="0">
                 <a:solidFill>
                   <a:srgbClr val="C00000"/>
                 </a:solidFill>
@@ -14141,7 +14176,7 @@
               <a:t>'express'</a:t>
             </a:r>
             <a:r>
-              <a:rPr lang="en-US" sz="1800" dirty="0">
+              <a:rPr lang="en-US" sz="2000" dirty="0">
                 <a:latin typeface="Consolas" panose="020B0609020204030204" pitchFamily="49" charset="0"/>
                 <a:ea typeface="Menlo" panose="020B0609030804020204" pitchFamily="49" charset="0"/>
                 <a:cs typeface="Consolas" panose="020B0609020204030204" pitchFamily="49" charset="0"/>
@@ -14157,7 +14192,7 @@
               <a:buNone/>
             </a:pPr>
             <a:r>
-              <a:rPr lang="en-US" sz="1800" dirty="0">
+              <a:rPr lang="en-US" sz="2000" dirty="0">
                 <a:solidFill>
                   <a:srgbClr val="002060"/>
                 </a:solidFill>
@@ -14168,7 +14203,7 @@
               <a:t>const app </a:t>
             </a:r>
             <a:r>
-              <a:rPr lang="en-US" sz="1800" dirty="0">
+              <a:rPr lang="en-US" sz="2000" dirty="0">
                 <a:latin typeface="Consolas" panose="020B0609020204030204" pitchFamily="49" charset="0"/>
                 <a:ea typeface="Menlo" panose="020B0609030804020204" pitchFamily="49" charset="0"/>
                 <a:cs typeface="Consolas" panose="020B0609020204030204" pitchFamily="49" charset="0"/>
@@ -14176,7 +14211,7 @@
               <a:t>= </a:t>
             </a:r>
             <a:r>
-              <a:rPr lang="en-US" sz="1800" dirty="0">
+              <a:rPr lang="en-US" sz="2000" dirty="0">
                 <a:solidFill>
                   <a:schemeClr val="accent4">
                     <a:lumMod val="50000"/>
@@ -14189,7 +14224,7 @@
               <a:t>express</a:t>
             </a:r>
             <a:r>
-              <a:rPr lang="en-US" sz="1800" dirty="0">
+              <a:rPr lang="en-US" sz="2000" dirty="0">
                 <a:latin typeface="Consolas" panose="020B0609020204030204" pitchFamily="49" charset="0"/>
                 <a:ea typeface="Menlo" panose="020B0609030804020204" pitchFamily="49" charset="0"/>
                 <a:cs typeface="Consolas" panose="020B0609020204030204" pitchFamily="49" charset="0"/>
@@ -14205,7 +14240,7 @@
               <a:buNone/>
             </a:pPr>
             <a:r>
-              <a:rPr lang="en-US" sz="1800" dirty="0" err="1">
+              <a:rPr lang="en-US" sz="2000" dirty="0" err="1">
                 <a:solidFill>
                   <a:srgbClr val="002060"/>
                 </a:solidFill>
@@ -14216,7 +14251,7 @@
               <a:t>app</a:t>
             </a:r>
             <a:r>
-              <a:rPr lang="en-US" sz="1800" dirty="0" err="1">
+              <a:rPr lang="en-US" sz="2000" dirty="0" err="1">
                 <a:latin typeface="Consolas" panose="020B0609020204030204" pitchFamily="49" charset="0"/>
                 <a:ea typeface="Menlo" panose="020B0609030804020204" pitchFamily="49" charset="0"/>
                 <a:cs typeface="Consolas" panose="020B0609020204030204" pitchFamily="49" charset="0"/>
@@ -14224,7 +14259,7 @@
               <a:t>.</a:t>
             </a:r>
             <a:r>
-              <a:rPr lang="en-US" sz="1800" dirty="0" err="1">
+              <a:rPr lang="en-US" sz="2000" dirty="0" err="1">
                 <a:solidFill>
                   <a:schemeClr val="accent4">
                     <a:lumMod val="50000"/>
@@ -14237,7 +14272,7 @@
               <a:t>use</a:t>
             </a:r>
             <a:r>
-              <a:rPr lang="en-US" sz="1800" dirty="0">
+              <a:rPr lang="en-US" sz="2000" dirty="0">
                 <a:latin typeface="Consolas" panose="020B0609020204030204" pitchFamily="49" charset="0"/>
                 <a:ea typeface="Menlo" panose="020B0609030804020204" pitchFamily="49" charset="0"/>
                 <a:cs typeface="Consolas" panose="020B0609020204030204" pitchFamily="49" charset="0"/>
@@ -14245,7 +14280,7 @@
               <a:t>(</a:t>
             </a:r>
             <a:r>
-              <a:rPr lang="en-US" sz="1800" dirty="0" err="1">
+              <a:rPr lang="en-US" sz="2000" dirty="0" err="1">
                 <a:solidFill>
                   <a:srgbClr val="002060"/>
                 </a:solidFill>
@@ -14256,7 +14291,7 @@
               <a:t>express</a:t>
             </a:r>
             <a:r>
-              <a:rPr lang="en-US" sz="1800" dirty="0" err="1">
+              <a:rPr lang="en-US" sz="2000" dirty="0" err="1">
                 <a:latin typeface="Consolas" panose="020B0609020204030204" pitchFamily="49" charset="0"/>
                 <a:ea typeface="Menlo" panose="020B0609030804020204" pitchFamily="49" charset="0"/>
                 <a:cs typeface="Consolas" panose="020B0609020204030204" pitchFamily="49" charset="0"/>
@@ -14264,7 +14299,7 @@
               <a:t>.</a:t>
             </a:r>
             <a:r>
-              <a:rPr lang="en-US" sz="1800" dirty="0" err="1">
+              <a:rPr lang="en-US" sz="2000" dirty="0" err="1">
                 <a:solidFill>
                   <a:schemeClr val="accent4">
                     <a:lumMod val="50000"/>
@@ -14277,7 +14312,7 @@
               <a:t>json</a:t>
             </a:r>
             <a:r>
-              <a:rPr lang="en-US" sz="1800" dirty="0">
+              <a:rPr lang="en-US" sz="2000" dirty="0">
                 <a:latin typeface="Consolas" panose="020B0609020204030204" pitchFamily="49" charset="0"/>
                 <a:ea typeface="Menlo" panose="020B0609030804020204" pitchFamily="49" charset="0"/>
                 <a:cs typeface="Consolas" panose="020B0609020204030204" pitchFamily="49" charset="0"/>
@@ -14285,13 +14320,13 @@
               <a:t>());</a:t>
             </a:r>
             <a:br>
-              <a:rPr lang="en-US" sz="1800" dirty="0">
+              <a:rPr lang="en-US" sz="2000" dirty="0">
                 <a:latin typeface="Consolas" panose="020B0609020204030204" pitchFamily="49" charset="0"/>
                 <a:ea typeface="Menlo" panose="020B0609030804020204" pitchFamily="49" charset="0"/>
                 <a:cs typeface="Consolas" panose="020B0609020204030204" pitchFamily="49" charset="0"/>
               </a:rPr>
             </a:br>
-            <a:endParaRPr lang="en-US" sz="1800" dirty="0">
+            <a:endParaRPr lang="en-US" sz="2000" dirty="0">
               <a:latin typeface="Consolas" panose="020B0609020204030204" pitchFamily="49" charset="0"/>
               <a:ea typeface="Menlo" panose="020B0609030804020204" pitchFamily="49" charset="0"/>
               <a:cs typeface="Consolas" panose="020B0609020204030204" pitchFamily="49" charset="0"/>
@@ -14305,7 +14340,7 @@
               <a:buNone/>
             </a:pPr>
             <a:r>
-              <a:rPr lang="en-US" sz="1800" dirty="0">
+              <a:rPr lang="en-US" sz="2000" dirty="0">
                 <a:solidFill>
                   <a:srgbClr val="002060"/>
                 </a:solidFill>
@@ -14316,7 +14351,7 @@
               <a:t>type</a:t>
             </a:r>
             <a:r>
-              <a:rPr lang="en-US" sz="1800" dirty="0">
+              <a:rPr lang="en-US" sz="2000" dirty="0">
                 <a:latin typeface="Consolas" panose="020B0609020204030204" pitchFamily="49" charset="0"/>
                 <a:ea typeface="Menlo" panose="020B0609030804020204" pitchFamily="49" charset="0"/>
                 <a:cs typeface="Consolas" panose="020B0609020204030204" pitchFamily="49" charset="0"/>
@@ -14324,7 +14359,7 @@
               <a:t> </a:t>
             </a:r>
             <a:r>
-              <a:rPr lang="en-US" sz="1800" dirty="0">
+              <a:rPr lang="en-US" sz="2000" dirty="0">
                 <a:solidFill>
                   <a:srgbClr val="0070C0"/>
                 </a:solidFill>
@@ -14335,7 +14370,7 @@
               <a:t>Auth</a:t>
             </a:r>
             <a:r>
-              <a:rPr lang="en-US" sz="1800" dirty="0">
+              <a:rPr lang="en-US" sz="2000" dirty="0">
                 <a:latin typeface="Consolas" panose="020B0609020204030204" pitchFamily="49" charset="0"/>
                 <a:ea typeface="Menlo" panose="020B0609030804020204" pitchFamily="49" charset="0"/>
                 <a:cs typeface="Consolas" panose="020B0609020204030204" pitchFamily="49" charset="0"/>
@@ -14343,7 +14378,7 @@
               <a:t> = { </a:t>
             </a:r>
             <a:r>
-              <a:rPr lang="en-US" sz="1800" dirty="0">
+              <a:rPr lang="en-US" sz="2000" dirty="0">
                 <a:solidFill>
                   <a:srgbClr val="002060"/>
                 </a:solidFill>
@@ -14354,7 +14389,7 @@
               <a:t>username</a:t>
             </a:r>
             <a:r>
-              <a:rPr lang="en-US" sz="1800" dirty="0">
+              <a:rPr lang="en-US" sz="2000" dirty="0">
                 <a:latin typeface="Consolas" panose="020B0609020204030204" pitchFamily="49" charset="0"/>
                 <a:ea typeface="Menlo" panose="020B0609030804020204" pitchFamily="49" charset="0"/>
                 <a:cs typeface="Consolas" panose="020B0609020204030204" pitchFamily="49" charset="0"/>
@@ -14362,7 +14397,7 @@
               <a:t>: </a:t>
             </a:r>
             <a:r>
-              <a:rPr lang="en-US" sz="1800" dirty="0">
+              <a:rPr lang="en-US" sz="2000" dirty="0">
                 <a:solidFill>
                   <a:srgbClr val="0070C0"/>
                 </a:solidFill>
@@ -14373,7 +14408,7 @@
               <a:t>string</a:t>
             </a:r>
             <a:r>
-              <a:rPr lang="en-US" sz="1800" dirty="0">
+              <a:rPr lang="en-US" sz="2000" dirty="0">
                 <a:latin typeface="Consolas" panose="020B0609020204030204" pitchFamily="49" charset="0"/>
                 <a:ea typeface="Menlo" panose="020B0609030804020204" pitchFamily="49" charset="0"/>
                 <a:cs typeface="Consolas" panose="020B0609020204030204" pitchFamily="49" charset="0"/>
@@ -14381,7 +14416,7 @@
               <a:t>; </a:t>
             </a:r>
             <a:r>
-              <a:rPr lang="en-US" sz="1800" dirty="0">
+              <a:rPr lang="en-US" sz="2000" dirty="0">
                 <a:solidFill>
                   <a:srgbClr val="002060"/>
                 </a:solidFill>
@@ -14392,7 +14427,7 @@
               <a:t>password</a:t>
             </a:r>
             <a:r>
-              <a:rPr lang="en-US" sz="1800" dirty="0">
+              <a:rPr lang="en-US" sz="2000" dirty="0">
                 <a:latin typeface="Consolas" panose="020B0609020204030204" pitchFamily="49" charset="0"/>
                 <a:ea typeface="Menlo" panose="020B0609030804020204" pitchFamily="49" charset="0"/>
                 <a:cs typeface="Consolas" panose="020B0609020204030204" pitchFamily="49" charset="0"/>
@@ -14400,7 +14435,7 @@
               <a:t>: </a:t>
             </a:r>
             <a:r>
-              <a:rPr lang="en-US" sz="1800" dirty="0">
+              <a:rPr lang="en-US" sz="2000" dirty="0">
                 <a:solidFill>
                   <a:srgbClr val="0070C0"/>
                 </a:solidFill>
@@ -14411,7 +14446,7 @@
               <a:t>string</a:t>
             </a:r>
             <a:r>
-              <a:rPr lang="en-US" sz="1800" dirty="0">
+              <a:rPr lang="en-US" sz="2000" dirty="0">
                 <a:latin typeface="Consolas" panose="020B0609020204030204" pitchFamily="49" charset="0"/>
                 <a:ea typeface="Menlo" panose="020B0609030804020204" pitchFamily="49" charset="0"/>
                 <a:cs typeface="Consolas" panose="020B0609020204030204" pitchFamily="49" charset="0"/>
@@ -14427,7 +14462,7 @@
               <a:buNone/>
             </a:pPr>
             <a:r>
-              <a:rPr lang="en-US" sz="1800" dirty="0" err="1">
+              <a:rPr lang="en-US" sz="2000" dirty="0" err="1">
                 <a:solidFill>
                   <a:srgbClr val="002060"/>
                 </a:solidFill>
@@ -14438,7 +14473,7 @@
               <a:t>app</a:t>
             </a:r>
             <a:r>
-              <a:rPr lang="en-US" sz="1800" dirty="0" err="1">
+              <a:rPr lang="en-US" sz="2000" dirty="0" err="1">
                 <a:latin typeface="Consolas" panose="020B0609020204030204" pitchFamily="49" charset="0"/>
                 <a:ea typeface="Menlo" panose="020B0609030804020204" pitchFamily="49" charset="0"/>
                 <a:cs typeface="Consolas" panose="020B0609020204030204" pitchFamily="49" charset="0"/>
@@ -14446,7 +14481,7 @@
               <a:t>.</a:t>
             </a:r>
             <a:r>
-              <a:rPr lang="en-US" sz="1800" dirty="0" err="1">
+              <a:rPr lang="en-US" sz="2000" dirty="0" err="1">
                 <a:solidFill>
                   <a:schemeClr val="accent4">
                     <a:lumMod val="50000"/>
@@ -14459,7 +14494,7 @@
               <a:t>post</a:t>
             </a:r>
             <a:r>
-              <a:rPr lang="en-US" sz="1800" dirty="0">
+              <a:rPr lang="en-US" sz="2000" dirty="0">
                 <a:latin typeface="Consolas" panose="020B0609020204030204" pitchFamily="49" charset="0"/>
                 <a:ea typeface="Menlo" panose="020B0609030804020204" pitchFamily="49" charset="0"/>
                 <a:cs typeface="Consolas" panose="020B0609020204030204" pitchFamily="49" charset="0"/>
@@ -14467,7 +14502,7 @@
               <a:t>(</a:t>
             </a:r>
             <a:r>
-              <a:rPr lang="en-US" sz="1800" dirty="0">
+              <a:rPr lang="en-US" sz="2000" dirty="0">
                 <a:solidFill>
                   <a:srgbClr val="C00000"/>
                 </a:solidFill>
@@ -14478,7 +14513,7 @@
               <a:t>'/'</a:t>
             </a:r>
             <a:r>
-              <a:rPr lang="en-US" sz="1800" dirty="0">
+              <a:rPr lang="en-US" sz="2000" dirty="0">
                 <a:latin typeface="Consolas" panose="020B0609020204030204" pitchFamily="49" charset="0"/>
                 <a:ea typeface="Menlo" panose="020B0609030804020204" pitchFamily="49" charset="0"/>
                 <a:cs typeface="Consolas" panose="020B0609020204030204" pitchFamily="49" charset="0"/>
@@ -14486,7 +14521,7 @@
               <a:t>, (</a:t>
             </a:r>
             <a:r>
-              <a:rPr lang="en-US" sz="1800" dirty="0">
+              <a:rPr lang="en-US" sz="2000" dirty="0">
                 <a:solidFill>
                   <a:srgbClr val="002060"/>
                 </a:solidFill>
@@ -14497,7 +14532,7 @@
               <a:t>req</a:t>
             </a:r>
             <a:r>
-              <a:rPr lang="en-US" sz="1800" dirty="0">
+              <a:rPr lang="en-US" sz="2000" dirty="0">
                 <a:latin typeface="Consolas" panose="020B0609020204030204" pitchFamily="49" charset="0"/>
                 <a:ea typeface="Menlo" panose="020B0609030804020204" pitchFamily="49" charset="0"/>
                 <a:cs typeface="Consolas" panose="020B0609020204030204" pitchFamily="49" charset="0"/>
@@ -14505,7 +14540,7 @@
               <a:t>, </a:t>
             </a:r>
             <a:r>
-              <a:rPr lang="en-US" sz="1800" dirty="0">
+              <a:rPr lang="en-US" sz="2000" dirty="0">
                 <a:solidFill>
                   <a:srgbClr val="002060"/>
                 </a:solidFill>
@@ -14516,7 +14551,7 @@
               <a:t>res</a:t>
             </a:r>
             <a:r>
-              <a:rPr lang="en-US" sz="1800" dirty="0">
+              <a:rPr lang="en-US" sz="2000" dirty="0">
                 <a:latin typeface="Consolas" panose="020B0609020204030204" pitchFamily="49" charset="0"/>
                 <a:ea typeface="Menlo" panose="020B0609030804020204" pitchFamily="49" charset="0"/>
                 <a:cs typeface="Consolas" panose="020B0609020204030204" pitchFamily="49" charset="0"/>
@@ -14532,7 +14567,7 @@
               <a:buNone/>
             </a:pPr>
             <a:r>
-              <a:rPr lang="en-US" sz="1800" dirty="0">
+              <a:rPr lang="en-US" sz="2000" dirty="0">
                 <a:latin typeface="Consolas" panose="020B0609020204030204" pitchFamily="49" charset="0"/>
                 <a:ea typeface="Menlo" panose="020B0609030804020204" pitchFamily="49" charset="0"/>
                 <a:cs typeface="Consolas" panose="020B0609020204030204" pitchFamily="49" charset="0"/>
@@ -14540,7 +14575,7 @@
               <a:t>  </a:t>
             </a:r>
             <a:r>
-              <a:rPr lang="en-US" sz="1800" dirty="0">
+              <a:rPr lang="en-US" sz="2000" dirty="0">
                 <a:solidFill>
                   <a:srgbClr val="002060"/>
                 </a:solidFill>
@@ -14551,7 +14586,7 @@
               <a:t>const</a:t>
             </a:r>
             <a:r>
-              <a:rPr lang="en-US" sz="1800" dirty="0">
+              <a:rPr lang="en-US" sz="2000" dirty="0">
                 <a:latin typeface="Consolas" panose="020B0609020204030204" pitchFamily="49" charset="0"/>
                 <a:ea typeface="Menlo" panose="020B0609030804020204" pitchFamily="49" charset="0"/>
                 <a:cs typeface="Consolas" panose="020B0609020204030204" pitchFamily="49" charset="0"/>
@@ -14559,7 +14594,7 @@
               <a:t> </a:t>
             </a:r>
             <a:r>
-              <a:rPr lang="en-US" sz="1800" dirty="0">
+              <a:rPr lang="en-US" sz="2000" dirty="0">
                 <a:solidFill>
                   <a:srgbClr val="0070C0"/>
                 </a:solidFill>
@@ -14570,7 +14605,7 @@
               <a:t>auth</a:t>
             </a:r>
             <a:r>
-              <a:rPr lang="en-US" sz="1800" dirty="0">
+              <a:rPr lang="en-US" sz="2000" dirty="0">
                 <a:latin typeface="Consolas" panose="020B0609020204030204" pitchFamily="49" charset="0"/>
                 <a:ea typeface="Menlo" panose="020B0609030804020204" pitchFamily="49" charset="0"/>
                 <a:cs typeface="Consolas" panose="020B0609020204030204" pitchFamily="49" charset="0"/>
@@ -14578,7 +14613,7 @@
               <a:t>: </a:t>
             </a:r>
             <a:r>
-              <a:rPr lang="en-US" sz="1800" dirty="0">
+              <a:rPr lang="en-US" sz="2000" dirty="0">
                 <a:solidFill>
                   <a:srgbClr val="0070C0"/>
                 </a:solidFill>
@@ -14589,7 +14624,7 @@
               <a:t>Auth</a:t>
             </a:r>
             <a:r>
-              <a:rPr lang="en-US" sz="1800" dirty="0">
+              <a:rPr lang="en-US" sz="2000" dirty="0">
                 <a:latin typeface="Consolas" panose="020B0609020204030204" pitchFamily="49" charset="0"/>
                 <a:ea typeface="Menlo" panose="020B0609030804020204" pitchFamily="49" charset="0"/>
                 <a:cs typeface="Consolas" panose="020B0609020204030204" pitchFamily="49" charset="0"/>
@@ -14597,7 +14632,7 @@
               <a:t> = </a:t>
             </a:r>
             <a:r>
-              <a:rPr lang="en-US" sz="1800" dirty="0" err="1">
+              <a:rPr lang="en-US" sz="2000" dirty="0" err="1">
                 <a:solidFill>
                   <a:srgbClr val="002060"/>
                 </a:solidFill>
@@ -14608,7 +14643,7 @@
               <a:t>req.body</a:t>
             </a:r>
             <a:r>
-              <a:rPr lang="en-US" sz="1800" dirty="0">
+              <a:rPr lang="en-US" sz="2000" dirty="0">
                 <a:latin typeface="Consolas" panose="020B0609020204030204" pitchFamily="49" charset="0"/>
                 <a:ea typeface="Menlo" panose="020B0609030804020204" pitchFamily="49" charset="0"/>
                 <a:cs typeface="Consolas" panose="020B0609020204030204" pitchFamily="49" charset="0"/>
@@ -14623,7 +14658,7 @@
               </a:spcBef>
               <a:buNone/>
             </a:pPr>
-            <a:endParaRPr lang="en-US" sz="1800" dirty="0">
+            <a:endParaRPr lang="en-US" sz="2000" dirty="0">
               <a:latin typeface="Consolas" panose="020B0609020204030204" pitchFamily="49" charset="0"/>
               <a:ea typeface="Menlo" panose="020B0609030804020204" pitchFamily="49" charset="0"/>
               <a:cs typeface="Consolas" panose="020B0609020204030204" pitchFamily="49" charset="0"/>
@@ -14637,14 +14672,14 @@
               <a:buNone/>
             </a:pPr>
             <a:br>
-              <a:rPr lang="en-US" sz="1800" dirty="0">
+              <a:rPr lang="en-US" sz="2000" dirty="0">
                 <a:latin typeface="Consolas" panose="020B0609020204030204" pitchFamily="49" charset="0"/>
                 <a:ea typeface="Menlo" panose="020B0609030804020204" pitchFamily="49" charset="0"/>
                 <a:cs typeface="Consolas" panose="020B0609020204030204" pitchFamily="49" charset="0"/>
               </a:rPr>
             </a:br>
             <a:r>
-              <a:rPr lang="en-US" sz="1800" dirty="0">
+              <a:rPr lang="en-US" sz="2000" dirty="0">
                 <a:latin typeface="Consolas" panose="020B0609020204030204" pitchFamily="49" charset="0"/>
                 <a:ea typeface="Menlo" panose="020B0609030804020204" pitchFamily="49" charset="0"/>
                 <a:cs typeface="Consolas" panose="020B0609020204030204" pitchFamily="49" charset="0"/>
@@ -14652,7 +14687,7 @@
               <a:t>  </a:t>
             </a:r>
             <a:r>
-              <a:rPr lang="en-US" sz="1800" dirty="0">
+              <a:rPr lang="en-US" sz="2000" dirty="0">
                 <a:solidFill>
                   <a:srgbClr val="AF00DB"/>
                 </a:solidFill>
@@ -14662,7 +14697,7 @@
               <a:t>if</a:t>
             </a:r>
             <a:r>
-              <a:rPr lang="en-US" sz="1800" dirty="0">
+              <a:rPr lang="en-US" sz="2000" dirty="0">
                 <a:latin typeface="Consolas" panose="020B0609020204030204" pitchFamily="49" charset="0"/>
                 <a:ea typeface="Menlo" panose="020B0609030804020204" pitchFamily="49" charset="0"/>
                 <a:cs typeface="Consolas" panose="020B0609020204030204" pitchFamily="49" charset="0"/>
@@ -14670,7 +14705,7 @@
               <a:t> (</a:t>
             </a:r>
             <a:r>
-              <a:rPr lang="en-US" sz="1800" dirty="0" err="1">
+              <a:rPr lang="en-US" sz="2000" dirty="0" err="1">
                 <a:solidFill>
                   <a:srgbClr val="002060"/>
                 </a:solidFill>
@@ -14681,7 +14716,7 @@
               <a:t>auth.password</a:t>
             </a:r>
             <a:r>
-              <a:rPr lang="en-US" sz="1800" dirty="0">
+              <a:rPr lang="en-US" sz="2000" dirty="0">
                 <a:solidFill>
                   <a:srgbClr val="002060"/>
                 </a:solidFill>
@@ -14692,7 +14727,7 @@
               <a:t> </a:t>
             </a:r>
             <a:r>
-              <a:rPr lang="en-US" sz="1800" dirty="0">
+              <a:rPr lang="en-US" sz="2000" dirty="0">
                 <a:latin typeface="Consolas" panose="020B0609020204030204" pitchFamily="49" charset="0"/>
                 <a:ea typeface="Menlo" panose="020B0609030804020204" pitchFamily="49" charset="0"/>
                 <a:cs typeface="Consolas" panose="020B0609020204030204" pitchFamily="49" charset="0"/>
@@ -14700,7 +14735,7 @@
               <a:t>!== </a:t>
             </a:r>
             <a:r>
-              <a:rPr lang="en-US" sz="1800" dirty="0">
+              <a:rPr lang="en-US" sz="2000" dirty="0">
                 <a:solidFill>
                   <a:srgbClr val="C00000"/>
                 </a:solidFill>
@@ -14711,7 +14746,7 @@
               <a:t>'secret'</a:t>
             </a:r>
             <a:r>
-              <a:rPr lang="en-US" sz="1800" dirty="0">
+              <a:rPr lang="en-US" sz="2000" dirty="0">
                 <a:latin typeface="Consolas" panose="020B0609020204030204" pitchFamily="49" charset="0"/>
                 <a:ea typeface="Menlo" panose="020B0609030804020204" pitchFamily="49" charset="0"/>
                 <a:cs typeface="Consolas" panose="020B0609020204030204" pitchFamily="49" charset="0"/>
@@ -14727,7 +14762,7 @@
               <a:buNone/>
             </a:pPr>
             <a:r>
-              <a:rPr lang="en-US" sz="1800" dirty="0">
+              <a:rPr lang="en-US" sz="2000" dirty="0">
                 <a:latin typeface="Consolas" panose="020B0609020204030204" pitchFamily="49" charset="0"/>
                 <a:ea typeface="Menlo" panose="020B0609030804020204" pitchFamily="49" charset="0"/>
                 <a:cs typeface="Consolas" panose="020B0609020204030204" pitchFamily="49" charset="0"/>
@@ -14735,7 +14770,7 @@
               <a:t>    </a:t>
             </a:r>
             <a:r>
-              <a:rPr lang="en-US" sz="1800" dirty="0" err="1">
+              <a:rPr lang="en-US" sz="2000" dirty="0" err="1">
                 <a:solidFill>
                   <a:srgbClr val="002060"/>
                 </a:solidFill>
@@ -14746,7 +14781,7 @@
               <a:t>res</a:t>
             </a:r>
             <a:r>
-              <a:rPr lang="en-US" sz="1800" dirty="0" err="1">
+              <a:rPr lang="en-US" sz="2000" dirty="0" err="1">
                 <a:latin typeface="Consolas" panose="020B0609020204030204" pitchFamily="49" charset="0"/>
                 <a:ea typeface="Menlo" panose="020B0609030804020204" pitchFamily="49" charset="0"/>
                 <a:cs typeface="Consolas" panose="020B0609020204030204" pitchFamily="49" charset="0"/>
@@ -14754,7 +14789,7 @@
               <a:t>.</a:t>
             </a:r>
             <a:r>
-              <a:rPr lang="en-US" sz="1800" dirty="0" err="1">
+              <a:rPr lang="en-US" sz="2000" dirty="0" err="1">
                 <a:solidFill>
                   <a:schemeClr val="accent4">
                     <a:lumMod val="50000"/>
@@ -14767,7 +14802,7 @@
               <a:t>status</a:t>
             </a:r>
             <a:r>
-              <a:rPr lang="en-US" sz="1800" dirty="0">
+              <a:rPr lang="en-US" sz="2000" dirty="0">
                 <a:latin typeface="Consolas" panose="020B0609020204030204" pitchFamily="49" charset="0"/>
                 <a:ea typeface="Menlo" panose="020B0609030804020204" pitchFamily="49" charset="0"/>
                 <a:cs typeface="Consolas" panose="020B0609020204030204" pitchFamily="49" charset="0"/>
@@ -14775,7 +14810,7 @@
               <a:t>(</a:t>
             </a:r>
             <a:r>
-              <a:rPr lang="en-US" sz="1800" dirty="0">
+              <a:rPr lang="en-US" sz="2000" dirty="0">
                 <a:solidFill>
                   <a:srgbClr val="0070C0"/>
                 </a:solidFill>
@@ -14786,7 +14821,7 @@
               <a:t>403</a:t>
             </a:r>
             <a:r>
-              <a:rPr lang="en-US" sz="1800" dirty="0">
+              <a:rPr lang="en-US" sz="2000" dirty="0">
                 <a:latin typeface="Consolas" panose="020B0609020204030204" pitchFamily="49" charset="0"/>
                 <a:ea typeface="Menlo" panose="020B0609030804020204" pitchFamily="49" charset="0"/>
                 <a:cs typeface="Consolas" panose="020B0609020204030204" pitchFamily="49" charset="0"/>
@@ -14794,7 +14829,7 @@
               <a:t>).</a:t>
             </a:r>
             <a:r>
-              <a:rPr lang="en-US" sz="1800" dirty="0">
+              <a:rPr lang="en-US" sz="2000" dirty="0">
                 <a:solidFill>
                   <a:schemeClr val="accent4">
                     <a:lumMod val="50000"/>
@@ -14807,7 +14842,7 @@
               <a:t>send</a:t>
             </a:r>
             <a:r>
-              <a:rPr lang="en-US" sz="1800" dirty="0">
+              <a:rPr lang="en-US" sz="2000" dirty="0">
                 <a:latin typeface="Consolas" panose="020B0609020204030204" pitchFamily="49" charset="0"/>
                 <a:ea typeface="Menlo" panose="020B0609030804020204" pitchFamily="49" charset="0"/>
                 <a:cs typeface="Consolas" panose="020B0609020204030204" pitchFamily="49" charset="0"/>
@@ -14815,7 +14850,7 @@
               <a:t>({ error: </a:t>
             </a:r>
             <a:r>
-              <a:rPr lang="en-US" sz="1800" dirty="0">
+              <a:rPr lang="en-US" sz="2000" dirty="0">
                 <a:solidFill>
                   <a:srgbClr val="C00000"/>
                 </a:solidFill>
@@ -14826,7 +14861,7 @@
               <a:t>'Wrong password' </a:t>
             </a:r>
             <a:r>
-              <a:rPr lang="en-US" sz="1800" dirty="0">
+              <a:rPr lang="en-US" sz="2000" dirty="0">
                 <a:latin typeface="Consolas" panose="020B0609020204030204" pitchFamily="49" charset="0"/>
                 <a:ea typeface="Menlo" panose="020B0609030804020204" pitchFamily="49" charset="0"/>
                 <a:cs typeface="Consolas" panose="020B0609020204030204" pitchFamily="49" charset="0"/>
@@ -14842,7 +14877,7 @@
               <a:buNone/>
             </a:pPr>
             <a:r>
-              <a:rPr lang="en-US" sz="1800" dirty="0">
+              <a:rPr lang="en-US" sz="2000" dirty="0">
                 <a:latin typeface="Consolas" panose="020B0609020204030204" pitchFamily="49" charset="0"/>
                 <a:ea typeface="Menlo" panose="020B0609030804020204" pitchFamily="49" charset="0"/>
                 <a:cs typeface="Consolas" panose="020B0609020204030204" pitchFamily="49" charset="0"/>
@@ -14850,7 +14885,7 @@
               <a:t>  } </a:t>
             </a:r>
             <a:r>
-              <a:rPr lang="en-US" sz="1800" dirty="0">
+              <a:rPr lang="en-US" sz="2000" dirty="0">
                 <a:solidFill>
                   <a:srgbClr val="AF00DB"/>
                 </a:solidFill>
@@ -14860,7 +14895,7 @@
               <a:t>else</a:t>
             </a:r>
             <a:r>
-              <a:rPr lang="en-US" sz="1800" dirty="0">
+              <a:rPr lang="en-US" sz="2000" dirty="0">
                 <a:latin typeface="Consolas" panose="020B0609020204030204" pitchFamily="49" charset="0"/>
                 <a:ea typeface="Menlo" panose="020B0609030804020204" pitchFamily="49" charset="0"/>
                 <a:cs typeface="Consolas" panose="020B0609020204030204" pitchFamily="49" charset="0"/>
@@ -14876,7 +14911,7 @@
               <a:buNone/>
             </a:pPr>
             <a:r>
-              <a:rPr lang="en-US" sz="1800" dirty="0">
+              <a:rPr lang="en-US" sz="2000" dirty="0">
                 <a:latin typeface="Consolas" panose="020B0609020204030204" pitchFamily="49" charset="0"/>
                 <a:ea typeface="Menlo" panose="020B0609030804020204" pitchFamily="49" charset="0"/>
                 <a:cs typeface="Consolas" panose="020B0609020204030204" pitchFamily="49" charset="0"/>
@@ -14884,7 +14919,7 @@
               <a:t>    </a:t>
             </a:r>
             <a:r>
-              <a:rPr lang="en-US" sz="1800" dirty="0" err="1">
+              <a:rPr lang="en-US" sz="2000" dirty="0" err="1">
                 <a:solidFill>
                   <a:srgbClr val="002060"/>
                 </a:solidFill>
@@ -14895,7 +14930,7 @@
               <a:t>res</a:t>
             </a:r>
             <a:r>
-              <a:rPr lang="en-US" sz="1800" dirty="0" err="1">
+              <a:rPr lang="en-US" sz="2000" dirty="0" err="1">
                 <a:latin typeface="Consolas" panose="020B0609020204030204" pitchFamily="49" charset="0"/>
                 <a:ea typeface="Menlo" panose="020B0609030804020204" pitchFamily="49" charset="0"/>
                 <a:cs typeface="Consolas" panose="020B0609020204030204" pitchFamily="49" charset="0"/>
@@ -14903,7 +14938,7 @@
               <a:t>.</a:t>
             </a:r>
             <a:r>
-              <a:rPr lang="en-US" sz="1800" dirty="0" err="1">
+              <a:rPr lang="en-US" sz="2000" dirty="0" err="1">
                 <a:solidFill>
                   <a:schemeClr val="accent4">
                     <a:lumMod val="50000"/>
@@ -14916,7 +14951,7 @@
               <a:t>send</a:t>
             </a:r>
             <a:r>
-              <a:rPr lang="en-US" sz="1800" dirty="0">
+              <a:rPr lang="en-US" sz="2000" dirty="0">
                 <a:latin typeface="Consolas" panose="020B0609020204030204" pitchFamily="49" charset="0"/>
                 <a:ea typeface="Menlo" panose="020B0609030804020204" pitchFamily="49" charset="0"/>
                 <a:cs typeface="Consolas" panose="020B0609020204030204" pitchFamily="49" charset="0"/>
@@ -14924,7 +14959,7 @@
               <a:t>({ </a:t>
             </a:r>
             <a:r>
-              <a:rPr lang="en-US" sz="1800" dirty="0">
+              <a:rPr lang="en-US" sz="2000" dirty="0">
                 <a:solidFill>
                   <a:srgbClr val="002060"/>
                 </a:solidFill>
@@ -14935,7 +14970,7 @@
               <a:t>message</a:t>
             </a:r>
             <a:r>
-              <a:rPr lang="en-US" sz="1800" dirty="0">
+              <a:rPr lang="en-US" sz="2000" dirty="0">
                 <a:latin typeface="Consolas" panose="020B0609020204030204" pitchFamily="49" charset="0"/>
                 <a:ea typeface="Menlo" panose="020B0609030804020204" pitchFamily="49" charset="0"/>
                 <a:cs typeface="Consolas" panose="020B0609020204030204" pitchFamily="49" charset="0"/>
@@ -14943,7 +14978,7 @@
               <a:t>: </a:t>
             </a:r>
             <a:r>
-              <a:rPr lang="en-US" sz="1800" dirty="0">
+              <a:rPr lang="en-US" sz="2000" dirty="0">
                 <a:solidFill>
                   <a:srgbClr val="C00000"/>
                 </a:solidFill>
@@ -14954,7 +14989,7 @@
               <a:t>`WELCOME,</a:t>
             </a:r>
             <a:r>
-              <a:rPr lang="en-US" sz="1800" dirty="0">
+              <a:rPr lang="en-US" sz="2000" dirty="0">
                 <a:latin typeface="Consolas" panose="020B0609020204030204" pitchFamily="49" charset="0"/>
                 <a:ea typeface="Menlo" panose="020B0609030804020204" pitchFamily="49" charset="0"/>
                 <a:cs typeface="Consolas" panose="020B0609020204030204" pitchFamily="49" charset="0"/>
@@ -14962,7 +14997,7 @@
               <a:t>${</a:t>
             </a:r>
             <a:r>
-              <a:rPr lang="en-US" sz="1800" dirty="0" err="1">
+              <a:rPr lang="en-US" sz="2000" dirty="0" err="1">
                 <a:solidFill>
                   <a:srgbClr val="002060"/>
                 </a:solidFill>
@@ -14973,7 +15008,7 @@
               <a:t>auth</a:t>
             </a:r>
             <a:r>
-              <a:rPr lang="en-US" sz="1800" dirty="0" err="1">
+              <a:rPr lang="en-US" sz="2000" dirty="0" err="1">
                 <a:latin typeface="Consolas" panose="020B0609020204030204" pitchFamily="49" charset="0"/>
                 <a:ea typeface="Menlo" panose="020B0609030804020204" pitchFamily="49" charset="0"/>
                 <a:cs typeface="Consolas" panose="020B0609020204030204" pitchFamily="49" charset="0"/>
@@ -14981,7 +15016,7 @@
               <a:t>.</a:t>
             </a:r>
             <a:r>
-              <a:rPr lang="en-US" sz="1800" dirty="0" err="1">
+              <a:rPr lang="en-US" sz="2000" dirty="0" err="1">
                 <a:solidFill>
                   <a:srgbClr val="002060"/>
                 </a:solidFill>
@@ -14992,7 +15027,7 @@
               <a:t>username</a:t>
             </a:r>
             <a:r>
-              <a:rPr lang="en-US" sz="1800" dirty="0" err="1">
+              <a:rPr lang="en-US" sz="2000" dirty="0" err="1">
                 <a:latin typeface="Consolas" panose="020B0609020204030204" pitchFamily="49" charset="0"/>
                 <a:ea typeface="Menlo" panose="020B0609030804020204" pitchFamily="49" charset="0"/>
                 <a:cs typeface="Consolas" panose="020B0609020204030204" pitchFamily="49" charset="0"/>
@@ -15000,7 +15035,7 @@
               <a:t>.</a:t>
             </a:r>
             <a:r>
-              <a:rPr lang="en-US" sz="1800" dirty="0" err="1">
+              <a:rPr lang="en-US" sz="2000" dirty="0" err="1">
                 <a:solidFill>
                   <a:schemeClr val="accent4">
                     <a:lumMod val="50000"/>
@@ -15013,7 +15048,7 @@
               <a:t>toUpperCase</a:t>
             </a:r>
             <a:r>
-              <a:rPr lang="en-US" sz="1800" dirty="0">
+              <a:rPr lang="en-US" sz="2000" dirty="0">
                 <a:latin typeface="Consolas" panose="020B0609020204030204" pitchFamily="49" charset="0"/>
                 <a:ea typeface="Menlo" panose="020B0609030804020204" pitchFamily="49" charset="0"/>
                 <a:cs typeface="Consolas" panose="020B0609020204030204" pitchFamily="49" charset="0"/>
@@ -15021,7 +15056,7 @@
               <a:t>()}</a:t>
             </a:r>
             <a:r>
-              <a:rPr lang="en-US" sz="1800" dirty="0">
+              <a:rPr lang="en-US" sz="2000" dirty="0">
                 <a:solidFill>
                   <a:srgbClr val="C00000"/>
                 </a:solidFill>
@@ -15032,7 +15067,7 @@
               <a:t>`</a:t>
             </a:r>
             <a:r>
-              <a:rPr lang="en-US" sz="1800" dirty="0">
+              <a:rPr lang="en-US" sz="2000" dirty="0">
                 <a:latin typeface="Consolas" panose="020B0609020204030204" pitchFamily="49" charset="0"/>
                 <a:ea typeface="Menlo" panose="020B0609030804020204" pitchFamily="49" charset="0"/>
                 <a:cs typeface="Consolas" panose="020B0609020204030204" pitchFamily="49" charset="0"/>
@@ -15048,7 +15083,7 @@
               <a:buNone/>
             </a:pPr>
             <a:r>
-              <a:rPr lang="en-US" sz="1800" dirty="0">
+              <a:rPr lang="en-US" sz="2000" dirty="0">
                 <a:latin typeface="Consolas" panose="020B0609020204030204" pitchFamily="49" charset="0"/>
                 <a:ea typeface="Menlo" panose="020B0609030804020204" pitchFamily="49" charset="0"/>
                 <a:cs typeface="Consolas" panose="020B0609020204030204" pitchFamily="49" charset="0"/>
@@ -15064,7 +15099,7 @@
               <a:buNone/>
             </a:pPr>
             <a:r>
-              <a:rPr lang="en-US" sz="1800" dirty="0">
+              <a:rPr lang="en-US" sz="2000" dirty="0">
                 <a:latin typeface="Consolas" panose="020B0609020204030204" pitchFamily="49" charset="0"/>
                 <a:ea typeface="Menlo" panose="020B0609030804020204" pitchFamily="49" charset="0"/>
                 <a:cs typeface="Consolas" panose="020B0609020204030204" pitchFamily="49" charset="0"/>
@@ -15079,21 +15114,8 @@
               </a:spcBef>
               <a:buNone/>
             </a:pPr>
-            <a:endParaRPr lang="en-US" sz="1800" dirty="0">
-              <a:latin typeface="Consolas" panose="020B0609020204030204" pitchFamily="49" charset="0"/>
-              <a:ea typeface="Menlo" panose="020B0609030804020204" pitchFamily="49" charset="0"/>
-              <a:cs typeface="Consolas" panose="020B0609020204030204" pitchFamily="49" charset="0"/>
-            </a:endParaRPr>
-          </a:p>
-          <a:p>
-            <a:pPr marL="0" indent="0">
-              <a:spcBef>
-                <a:spcPts val="0"/>
-              </a:spcBef>
-              <a:buNone/>
-            </a:pPr>
-            <a:r>
-              <a:rPr lang="en-US" sz="1800" dirty="0" err="1">
+            <a:r>
+              <a:rPr lang="en-US" sz="2000" dirty="0" err="1">
                 <a:solidFill>
                   <a:srgbClr val="002060"/>
                 </a:solidFill>
@@ -15104,7 +15126,7 @@
               <a:t>app</a:t>
             </a:r>
             <a:r>
-              <a:rPr lang="en-US" sz="1800" dirty="0" err="1">
+              <a:rPr lang="en-US" sz="2000" dirty="0" err="1">
                 <a:latin typeface="Consolas" panose="020B0609020204030204" pitchFamily="49" charset="0"/>
                 <a:ea typeface="Menlo" panose="020B0609030804020204" pitchFamily="49" charset="0"/>
                 <a:cs typeface="Consolas" panose="020B0609020204030204" pitchFamily="49" charset="0"/>
@@ -15112,7 +15134,7 @@
               <a:t>.</a:t>
             </a:r>
             <a:r>
-              <a:rPr lang="en-US" sz="1800" dirty="0" err="1">
+              <a:rPr lang="en-US" sz="2000" dirty="0" err="1">
                 <a:solidFill>
                   <a:schemeClr val="accent4">
                     <a:lumMod val="50000"/>
@@ -15125,7 +15147,7 @@
               <a:t>listen</a:t>
             </a:r>
             <a:r>
-              <a:rPr lang="en-US" sz="1800" dirty="0">
+              <a:rPr lang="en-US" sz="2000" dirty="0">
                 <a:latin typeface="Consolas" panose="020B0609020204030204" pitchFamily="49" charset="0"/>
                 <a:ea typeface="Menlo" panose="020B0609030804020204" pitchFamily="49" charset="0"/>
                 <a:cs typeface="Consolas" panose="020B0609020204030204" pitchFamily="49" charset="0"/>
@@ -15133,7 +15155,7 @@
               <a:t>(</a:t>
             </a:r>
             <a:r>
-              <a:rPr lang="en-US" sz="1800" dirty="0">
+              <a:rPr lang="en-US" sz="2000" dirty="0">
                 <a:solidFill>
                   <a:srgbClr val="0070C0"/>
                 </a:solidFill>
@@ -15144,7 +15166,7 @@
               <a:t>8000</a:t>
             </a:r>
             <a:r>
-              <a:rPr lang="en-US" sz="1800" dirty="0">
+              <a:rPr lang="en-US" sz="2000" dirty="0">
                 <a:latin typeface="Consolas" panose="020B0609020204030204" pitchFamily="49" charset="0"/>
                 <a:ea typeface="Menlo" panose="020B0609030804020204" pitchFamily="49" charset="0"/>
                 <a:cs typeface="Consolas" panose="020B0609020204030204" pitchFamily="49" charset="0"/>
@@ -15152,7 +15174,7 @@
               <a:t>, () =&gt; </a:t>
             </a:r>
             <a:r>
-              <a:rPr lang="en-US" sz="1800" dirty="0" err="1">
+              <a:rPr lang="en-US" sz="2000" dirty="0" err="1">
                 <a:solidFill>
                   <a:srgbClr val="002060"/>
                 </a:solidFill>
@@ -15163,7 +15185,7 @@
               <a:t>console</a:t>
             </a:r>
             <a:r>
-              <a:rPr lang="en-US" sz="1800" dirty="0" err="1">
+              <a:rPr lang="en-US" sz="2000" dirty="0" err="1">
                 <a:latin typeface="Consolas" panose="020B0609020204030204" pitchFamily="49" charset="0"/>
                 <a:ea typeface="Menlo" panose="020B0609030804020204" pitchFamily="49" charset="0"/>
                 <a:cs typeface="Consolas" panose="020B0609020204030204" pitchFamily="49" charset="0"/>
@@ -15171,7 +15193,7 @@
               <a:t>.</a:t>
             </a:r>
             <a:r>
-              <a:rPr lang="en-US" sz="1800" dirty="0" err="1">
+              <a:rPr lang="en-US" sz="2000" dirty="0" err="1">
                 <a:solidFill>
                   <a:schemeClr val="accent4">
                     <a:lumMod val="50000"/>
@@ -15184,7 +15206,7 @@
               <a:t>log</a:t>
             </a:r>
             <a:r>
-              <a:rPr lang="en-US" sz="1800" dirty="0">
+              <a:rPr lang="en-US" sz="2000" dirty="0">
                 <a:latin typeface="Consolas" panose="020B0609020204030204" pitchFamily="49" charset="0"/>
                 <a:ea typeface="Menlo" panose="020B0609030804020204" pitchFamily="49" charset="0"/>
                 <a:cs typeface="Consolas" panose="020B0609020204030204" pitchFamily="49" charset="0"/>
@@ -15192,7 +15214,7 @@
               <a:t>(</a:t>
             </a:r>
             <a:r>
-              <a:rPr lang="en-US" sz="1800" dirty="0">
+              <a:rPr lang="en-US" sz="2000" dirty="0">
                 <a:solidFill>
                   <a:srgbClr val="C00000"/>
                 </a:solidFill>
@@ -15203,7 +15225,7 @@
               <a:t>`Listening on port 8000`</a:t>
             </a:r>
             <a:r>
-              <a:rPr lang="en-US" sz="1800" dirty="0">
+              <a:rPr lang="en-US" sz="2000" dirty="0">
                 <a:latin typeface="Consolas" panose="020B0609020204030204" pitchFamily="49" charset="0"/>
                 <a:ea typeface="Menlo" panose="020B0609030804020204" pitchFamily="49" charset="0"/>
                 <a:cs typeface="Consolas" panose="020B0609020204030204" pitchFamily="49" charset="0"/>
@@ -15219,13 +15241,13 @@
               <a:buNone/>
             </a:pPr>
             <a:br>
-              <a:rPr lang="en-US" sz="1800" dirty="0">
+              <a:rPr lang="en-US" sz="2000" dirty="0">
                 <a:latin typeface="Consolas" panose="020B0609020204030204" pitchFamily="49" charset="0"/>
                 <a:ea typeface="Menlo" panose="020B0609030804020204" pitchFamily="49" charset="0"/>
                 <a:cs typeface="Consolas" panose="020B0609020204030204" pitchFamily="49" charset="0"/>
               </a:rPr>
             </a:br>
-            <a:endParaRPr lang="en-US" sz="1800" dirty="0">
+            <a:endParaRPr lang="en-US" sz="2000" dirty="0">
               <a:latin typeface="Consolas" panose="020B0609020204030204" pitchFamily="49" charset="0"/>
               <a:ea typeface="Menlo" panose="020B0609030804020204" pitchFamily="49" charset="0"/>
               <a:cs typeface="Consolas" panose="020B0609020204030204" pitchFamily="49" charset="0"/>
@@ -15241,7 +15263,7 @@
               </a:spcBef>
               <a:buNone/>
             </a:pPr>
-            <a:endParaRPr lang="en-US" sz="1800" dirty="0">
+            <a:endParaRPr lang="en-US" sz="2000" dirty="0">
               <a:solidFill>
                 <a:srgbClr val="3B3B3B"/>
               </a:solidFill>
@@ -15257,7 +15279,7 @@
               </a:spcBef>
               <a:buNone/>
             </a:pPr>
-            <a:endParaRPr lang="en-US" sz="1800" dirty="0">
+            <a:endParaRPr lang="en-US" sz="2000" dirty="0">
               <a:latin typeface="Consolas" panose="020B0609020204030204" pitchFamily="49" charset="0"/>
               <a:ea typeface="Menlo" panose="020B0609030804020204" pitchFamily="49" charset="0"/>
               <a:cs typeface="Consolas" panose="020B0609020204030204" pitchFamily="49" charset="0"/>
@@ -15961,7 +15983,7 @@
               <a:buNone/>
             </a:pPr>
             <a:r>
-              <a:rPr lang="en-US" sz="1800" dirty="0">
+              <a:rPr lang="en-US" sz="2000" dirty="0">
                 <a:solidFill>
                   <a:srgbClr val="AF00DB"/>
                 </a:solidFill>
@@ -15975,7 +15997,7 @@
               <a:t>import</a:t>
             </a:r>
             <a:r>
-              <a:rPr lang="en-US" sz="1800" dirty="0">
+              <a:rPr lang="en-US" sz="2000" dirty="0">
                 <a:highlight>
                   <a:srgbClr val="FFFF00"/>
                 </a:highlight>
@@ -15986,7 +16008,7 @@
               <a:t> { z } </a:t>
             </a:r>
             <a:r>
-              <a:rPr lang="en-US" sz="1800" dirty="0">
+              <a:rPr lang="en-US" sz="2000" dirty="0">
                 <a:solidFill>
                   <a:srgbClr val="AF00DB"/>
                 </a:solidFill>
@@ -16000,7 +16022,7 @@
               <a:t>from</a:t>
             </a:r>
             <a:r>
-              <a:rPr lang="en-US" sz="1800" dirty="0">
+              <a:rPr lang="en-US" sz="2000" dirty="0">
                 <a:highlight>
                   <a:srgbClr val="FFFF00"/>
                 </a:highlight>
@@ -16011,7 +16033,7 @@
               <a:t> </a:t>
             </a:r>
             <a:r>
-              <a:rPr lang="en-US" sz="1800" dirty="0">
+              <a:rPr lang="en-US" sz="2000" dirty="0">
                 <a:solidFill>
                   <a:srgbClr val="C00000"/>
                 </a:solidFill>
@@ -16025,7 +16047,7 @@
               <a:t>'</a:t>
             </a:r>
             <a:r>
-              <a:rPr lang="en-US" sz="1800" dirty="0" err="1">
+              <a:rPr lang="en-US" sz="2000" dirty="0" err="1">
                 <a:solidFill>
                   <a:srgbClr val="C00000"/>
                 </a:solidFill>
@@ -16039,7 +16061,7 @@
               <a:t>zod</a:t>
             </a:r>
             <a:r>
-              <a:rPr lang="en-US" sz="1800" dirty="0">
+              <a:rPr lang="en-US" sz="2000" dirty="0">
                 <a:solidFill>
                   <a:srgbClr val="C00000"/>
                 </a:solidFill>
@@ -16053,7 +16075,7 @@
               <a:t>'</a:t>
             </a:r>
             <a:r>
-              <a:rPr lang="en-US" sz="1800" dirty="0">
+              <a:rPr lang="en-US" sz="2000" dirty="0">
                 <a:highlight>
                   <a:srgbClr val="FFFF00"/>
                 </a:highlight>
@@ -16063,7 +16085,7 @@
               </a:rPr>
               <a:t>;</a:t>
             </a:r>
-            <a:endParaRPr lang="en-US" sz="1800" dirty="0">
+            <a:endParaRPr lang="en-US" sz="2000" dirty="0">
               <a:solidFill>
                 <a:srgbClr val="AF00DB"/>
               </a:solidFill>
@@ -16083,7 +16105,7 @@
               <a:buNone/>
             </a:pPr>
             <a:r>
-              <a:rPr lang="en-US" sz="1800" dirty="0">
+              <a:rPr lang="en-US" sz="2000" dirty="0">
                 <a:solidFill>
                   <a:srgbClr val="AF00DB"/>
                 </a:solidFill>
@@ -16094,7 +16116,7 @@
               <a:t>import</a:t>
             </a:r>
             <a:r>
-              <a:rPr lang="en-US" sz="1800" dirty="0">
+              <a:rPr lang="en-US" sz="2000" dirty="0">
                 <a:latin typeface="Consolas" panose="020B0609020204030204" pitchFamily="49" charset="0"/>
                 <a:ea typeface="Menlo" panose="020B0609030804020204" pitchFamily="49" charset="0"/>
                 <a:cs typeface="Consolas" panose="020B0609020204030204" pitchFamily="49" charset="0"/>
@@ -16102,7 +16124,7 @@
               <a:t> express </a:t>
             </a:r>
             <a:r>
-              <a:rPr lang="en-US" sz="1800" dirty="0">
+              <a:rPr lang="en-US" sz="2000" dirty="0">
                 <a:solidFill>
                   <a:srgbClr val="AF00DB"/>
                 </a:solidFill>
@@ -16113,7 +16135,7 @@
               <a:t>from</a:t>
             </a:r>
             <a:r>
-              <a:rPr lang="en-US" sz="1800" dirty="0">
+              <a:rPr lang="en-US" sz="2000" dirty="0">
                 <a:latin typeface="Consolas" panose="020B0609020204030204" pitchFamily="49" charset="0"/>
                 <a:ea typeface="Menlo" panose="020B0609030804020204" pitchFamily="49" charset="0"/>
                 <a:cs typeface="Consolas" panose="020B0609020204030204" pitchFamily="49" charset="0"/>
@@ -16121,7 +16143,7 @@
               <a:t> </a:t>
             </a:r>
             <a:r>
-              <a:rPr lang="en-US" sz="1800" dirty="0">
+              <a:rPr lang="en-US" sz="2000" dirty="0">
                 <a:solidFill>
                   <a:srgbClr val="C00000"/>
                 </a:solidFill>
@@ -16132,7 +16154,7 @@
               <a:t>'express'</a:t>
             </a:r>
             <a:r>
-              <a:rPr lang="en-US" sz="1800" dirty="0">
+              <a:rPr lang="en-US" sz="2000" dirty="0">
                 <a:latin typeface="Consolas" panose="020B0609020204030204" pitchFamily="49" charset="0"/>
                 <a:ea typeface="Menlo" panose="020B0609030804020204" pitchFamily="49" charset="0"/>
                 <a:cs typeface="Consolas" panose="020B0609020204030204" pitchFamily="49" charset="0"/>
@@ -16148,7 +16170,7 @@
               <a:buNone/>
             </a:pPr>
             <a:r>
-              <a:rPr lang="en-US" sz="1800" dirty="0">
+              <a:rPr lang="en-US" sz="2000" dirty="0">
                 <a:solidFill>
                   <a:srgbClr val="002060"/>
                 </a:solidFill>
@@ -16159,7 +16181,7 @@
               <a:t>const app </a:t>
             </a:r>
             <a:r>
-              <a:rPr lang="en-US" sz="1800" dirty="0">
+              <a:rPr lang="en-US" sz="2000" dirty="0">
                 <a:latin typeface="Consolas" panose="020B0609020204030204" pitchFamily="49" charset="0"/>
                 <a:ea typeface="Menlo" panose="020B0609030804020204" pitchFamily="49" charset="0"/>
                 <a:cs typeface="Consolas" panose="020B0609020204030204" pitchFamily="49" charset="0"/>
@@ -16167,7 +16189,7 @@
               <a:t>= </a:t>
             </a:r>
             <a:r>
-              <a:rPr lang="en-US" sz="1800" dirty="0">
+              <a:rPr lang="en-US" sz="2000" dirty="0">
                 <a:solidFill>
                   <a:schemeClr val="accent4">
                     <a:lumMod val="50000"/>
@@ -16180,7 +16202,7 @@
               <a:t>express</a:t>
             </a:r>
             <a:r>
-              <a:rPr lang="en-US" sz="1800" dirty="0">
+              <a:rPr lang="en-US" sz="2000" dirty="0">
                 <a:latin typeface="Consolas" panose="020B0609020204030204" pitchFamily="49" charset="0"/>
                 <a:ea typeface="Menlo" panose="020B0609030804020204" pitchFamily="49" charset="0"/>
                 <a:cs typeface="Consolas" panose="020B0609020204030204" pitchFamily="49" charset="0"/>
@@ -16196,7 +16218,7 @@
               <a:buNone/>
             </a:pPr>
             <a:r>
-              <a:rPr lang="en-US" sz="1800" dirty="0" err="1">
+              <a:rPr lang="en-US" sz="2000" dirty="0" err="1">
                 <a:solidFill>
                   <a:srgbClr val="002060"/>
                 </a:solidFill>
@@ -16207,7 +16229,7 @@
               <a:t>app</a:t>
             </a:r>
             <a:r>
-              <a:rPr lang="en-US" sz="1800" dirty="0" err="1">
+              <a:rPr lang="en-US" sz="2000" dirty="0" err="1">
                 <a:latin typeface="Consolas" panose="020B0609020204030204" pitchFamily="49" charset="0"/>
                 <a:ea typeface="Menlo" panose="020B0609030804020204" pitchFamily="49" charset="0"/>
                 <a:cs typeface="Consolas" panose="020B0609020204030204" pitchFamily="49" charset="0"/>
@@ -16215,7 +16237,7 @@
               <a:t>.</a:t>
             </a:r>
             <a:r>
-              <a:rPr lang="en-US" sz="1800" dirty="0" err="1">
+              <a:rPr lang="en-US" sz="2000" dirty="0" err="1">
                 <a:solidFill>
                   <a:schemeClr val="accent4">
                     <a:lumMod val="50000"/>
@@ -16228,7 +16250,7 @@
               <a:t>use</a:t>
             </a:r>
             <a:r>
-              <a:rPr lang="en-US" sz="1800" dirty="0">
+              <a:rPr lang="en-US" sz="2000" dirty="0">
                 <a:latin typeface="Consolas" panose="020B0609020204030204" pitchFamily="49" charset="0"/>
                 <a:ea typeface="Menlo" panose="020B0609030804020204" pitchFamily="49" charset="0"/>
                 <a:cs typeface="Consolas" panose="020B0609020204030204" pitchFamily="49" charset="0"/>
@@ -16236,7 +16258,7 @@
               <a:t>(</a:t>
             </a:r>
             <a:r>
-              <a:rPr lang="en-US" sz="1800" dirty="0" err="1">
+              <a:rPr lang="en-US" sz="2000" dirty="0" err="1">
                 <a:solidFill>
                   <a:srgbClr val="002060"/>
                 </a:solidFill>
@@ -16247,7 +16269,7 @@
               <a:t>express</a:t>
             </a:r>
             <a:r>
-              <a:rPr lang="en-US" sz="1800" dirty="0" err="1">
+              <a:rPr lang="en-US" sz="2000" dirty="0" err="1">
                 <a:latin typeface="Consolas" panose="020B0609020204030204" pitchFamily="49" charset="0"/>
                 <a:ea typeface="Menlo" panose="020B0609030804020204" pitchFamily="49" charset="0"/>
                 <a:cs typeface="Consolas" panose="020B0609020204030204" pitchFamily="49" charset="0"/>
@@ -16255,7 +16277,7 @@
               <a:t>.</a:t>
             </a:r>
             <a:r>
-              <a:rPr lang="en-US" sz="1800" dirty="0" err="1">
+              <a:rPr lang="en-US" sz="2000" dirty="0" err="1">
                 <a:solidFill>
                   <a:schemeClr val="accent4">
                     <a:lumMod val="50000"/>
@@ -16268,7 +16290,7 @@
               <a:t>json</a:t>
             </a:r>
             <a:r>
-              <a:rPr lang="en-US" sz="1800" dirty="0">
+              <a:rPr lang="en-US" sz="2000" dirty="0">
                 <a:latin typeface="Consolas" panose="020B0609020204030204" pitchFamily="49" charset="0"/>
                 <a:ea typeface="Menlo" panose="020B0609030804020204" pitchFamily="49" charset="0"/>
                 <a:cs typeface="Consolas" panose="020B0609020204030204" pitchFamily="49" charset="0"/>
@@ -16276,7 +16298,7 @@
               <a:t>());</a:t>
             </a:r>
             <a:br>
-              <a:rPr lang="en-US" sz="1800" dirty="0">
+              <a:rPr lang="en-US" sz="2000" dirty="0">
                 <a:solidFill>
                   <a:schemeClr val="bg1">
                     <a:lumMod val="65000"/>
@@ -16287,7 +16309,7 @@
                 <a:cs typeface="Consolas" panose="020B0609020204030204" pitchFamily="49" charset="0"/>
               </a:rPr>
             </a:br>
-            <a:endParaRPr lang="en-US" sz="1800" dirty="0">
+            <a:endParaRPr lang="en-US" sz="2000" dirty="0">
               <a:solidFill>
                 <a:schemeClr val="bg1">
                   <a:lumMod val="65000"/>
@@ -16306,7 +16328,7 @@
               <a:buNone/>
             </a:pPr>
             <a:r>
-              <a:rPr lang="en-US" sz="1800" dirty="0">
+              <a:rPr lang="en-US" sz="2000" dirty="0">
                 <a:solidFill>
                   <a:srgbClr val="002060"/>
                 </a:solidFill>
@@ -16320,7 +16342,7 @@
               <a:t>const</a:t>
             </a:r>
             <a:r>
-              <a:rPr lang="en-US" sz="1800" dirty="0">
+              <a:rPr lang="en-US" sz="2000" dirty="0">
                 <a:highlight>
                   <a:srgbClr val="FFFF00"/>
                 </a:highlight>
@@ -16331,7 +16353,7 @@
               <a:t> </a:t>
             </a:r>
             <a:r>
-              <a:rPr lang="en-US" sz="1800" dirty="0" err="1">
+              <a:rPr lang="en-US" sz="2000" dirty="0" err="1">
                 <a:solidFill>
                   <a:srgbClr val="0070C0"/>
                 </a:solidFill>
@@ -16345,7 +16367,7 @@
               <a:t>zAuth</a:t>
             </a:r>
             <a:r>
-              <a:rPr lang="en-US" sz="1800" dirty="0">
+              <a:rPr lang="en-US" sz="2000" dirty="0">
                 <a:highlight>
                   <a:srgbClr val="FFFF00"/>
                 </a:highlight>
@@ -16356,7 +16378,7 @@
               <a:t> = </a:t>
             </a:r>
             <a:r>
-              <a:rPr lang="en-US" sz="1800" dirty="0" err="1">
+              <a:rPr lang="en-US" sz="2000" dirty="0" err="1">
                 <a:highlight>
                   <a:srgbClr val="FFFF00"/>
                 </a:highlight>
@@ -16367,7 +16389,7 @@
               <a:t>z.</a:t>
             </a:r>
             <a:r>
-              <a:rPr lang="en-US" sz="1800" dirty="0" err="1">
+              <a:rPr lang="en-US" sz="2000" dirty="0" err="1">
                 <a:solidFill>
                   <a:schemeClr val="accent4">
                     <a:lumMod val="50000"/>
@@ -16383,7 +16405,7 @@
               <a:t>object</a:t>
             </a:r>
             <a:r>
-              <a:rPr lang="en-US" sz="1800" dirty="0">
+              <a:rPr lang="en-US" sz="2000" dirty="0">
                 <a:highlight>
                   <a:srgbClr val="FFFF00"/>
                 </a:highlight>
@@ -16394,7 +16416,7 @@
               <a:t>({ </a:t>
             </a:r>
             <a:r>
-              <a:rPr lang="en-US" sz="1800" dirty="0">
+              <a:rPr lang="en-US" sz="2000" dirty="0">
                 <a:solidFill>
                   <a:srgbClr val="002060"/>
                 </a:solidFill>
@@ -16408,7 +16430,7 @@
               <a:t>username</a:t>
             </a:r>
             <a:r>
-              <a:rPr lang="en-US" sz="1800" dirty="0">
+              <a:rPr lang="en-US" sz="2000" dirty="0">
                 <a:highlight>
                   <a:srgbClr val="FFFF00"/>
                 </a:highlight>
@@ -16419,7 +16441,7 @@
               <a:t>: </a:t>
             </a:r>
             <a:r>
-              <a:rPr lang="en-US" sz="1800" dirty="0" err="1">
+              <a:rPr lang="en-US" sz="2000" dirty="0" err="1">
                 <a:highlight>
                   <a:srgbClr val="FFFF00"/>
                 </a:highlight>
@@ -16430,7 +16452,7 @@
               <a:t>z.</a:t>
             </a:r>
             <a:r>
-              <a:rPr lang="en-US" sz="1800" dirty="0" err="1">
+              <a:rPr lang="en-US" sz="2000" dirty="0" err="1">
                 <a:solidFill>
                   <a:schemeClr val="accent4">
                     <a:lumMod val="50000"/>
@@ -16446,7 +16468,7 @@
               <a:t>string</a:t>
             </a:r>
             <a:r>
-              <a:rPr lang="en-US" sz="1800" dirty="0">
+              <a:rPr lang="en-US" sz="2000" dirty="0">
                 <a:solidFill>
                   <a:srgbClr val="0070C0"/>
                 </a:solidFill>
@@ -16460,7 +16482,7 @@
               <a:t>()</a:t>
             </a:r>
             <a:r>
-              <a:rPr lang="en-US" sz="1800" dirty="0">
+              <a:rPr lang="en-US" sz="2000" dirty="0">
                 <a:highlight>
                   <a:srgbClr val="FFFF00"/>
                 </a:highlight>
@@ -16471,7 +16493,7 @@
               <a:t>; </a:t>
             </a:r>
             <a:r>
-              <a:rPr lang="en-US" sz="1800" dirty="0">
+              <a:rPr lang="en-US" sz="2000" dirty="0">
                 <a:solidFill>
                   <a:srgbClr val="002060"/>
                 </a:solidFill>
@@ -16485,7 +16507,7 @@
               <a:t>password</a:t>
             </a:r>
             <a:r>
-              <a:rPr lang="en-US" sz="1800" dirty="0">
+              <a:rPr lang="en-US" sz="2000" dirty="0">
                 <a:highlight>
                   <a:srgbClr val="FFFF00"/>
                 </a:highlight>
@@ -16496,7 +16518,7 @@
               <a:t>: </a:t>
             </a:r>
             <a:r>
-              <a:rPr lang="en-US" sz="1800" dirty="0" err="1">
+              <a:rPr lang="en-US" sz="2000" dirty="0" err="1">
                 <a:highlight>
                   <a:srgbClr val="FFFF00"/>
                 </a:highlight>
@@ -16507,7 +16529,7 @@
               <a:t>z.</a:t>
             </a:r>
             <a:r>
-              <a:rPr lang="en-US" sz="1800" dirty="0" err="1">
+              <a:rPr lang="en-US" sz="2000" dirty="0" err="1">
                 <a:solidFill>
                   <a:schemeClr val="accent4">
                     <a:lumMod val="50000"/>
@@ -16523,7 +16545,7 @@
               <a:t>string</a:t>
             </a:r>
             <a:r>
-              <a:rPr lang="en-US" sz="1800" dirty="0">
+              <a:rPr lang="en-US" sz="2000" dirty="0">
                 <a:solidFill>
                   <a:srgbClr val="0070C0"/>
                 </a:solidFill>
@@ -16537,7 +16559,7 @@
               <a:t>()</a:t>
             </a:r>
             <a:r>
-              <a:rPr lang="en-US" sz="1800" dirty="0">
+              <a:rPr lang="en-US" sz="2000" dirty="0">
                 <a:highlight>
                   <a:srgbClr val="FFFF00"/>
                 </a:highlight>
@@ -16556,7 +16578,7 @@
               <a:buNone/>
             </a:pPr>
             <a:r>
-              <a:rPr lang="en-US" sz="1800" dirty="0" err="1">
+              <a:rPr lang="en-US" sz="2000" dirty="0" err="1">
                 <a:solidFill>
                   <a:srgbClr val="002060"/>
                 </a:solidFill>
@@ -16567,7 +16589,7 @@
               <a:t>app</a:t>
             </a:r>
             <a:r>
-              <a:rPr lang="en-US" sz="1800" dirty="0" err="1">
+              <a:rPr lang="en-US" sz="2000" dirty="0" err="1">
                 <a:latin typeface="Consolas" panose="020B0609020204030204" pitchFamily="49" charset="0"/>
                 <a:ea typeface="Menlo" panose="020B0609030804020204" pitchFamily="49" charset="0"/>
                 <a:cs typeface="Consolas" panose="020B0609020204030204" pitchFamily="49" charset="0"/>
@@ -16575,7 +16597,7 @@
               <a:t>.</a:t>
             </a:r>
             <a:r>
-              <a:rPr lang="en-US" sz="1800" dirty="0" err="1">
+              <a:rPr lang="en-US" sz="2000" dirty="0" err="1">
                 <a:solidFill>
                   <a:schemeClr val="accent4">
                     <a:lumMod val="50000"/>
@@ -16588,7 +16610,7 @@
               <a:t>post</a:t>
             </a:r>
             <a:r>
-              <a:rPr lang="en-US" sz="1800" dirty="0">
+              <a:rPr lang="en-US" sz="2000" dirty="0">
                 <a:latin typeface="Consolas" panose="020B0609020204030204" pitchFamily="49" charset="0"/>
                 <a:ea typeface="Menlo" panose="020B0609030804020204" pitchFamily="49" charset="0"/>
                 <a:cs typeface="Consolas" panose="020B0609020204030204" pitchFamily="49" charset="0"/>
@@ -16596,7 +16618,7 @@
               <a:t>(</a:t>
             </a:r>
             <a:r>
-              <a:rPr lang="en-US" sz="1800" dirty="0">
+              <a:rPr lang="en-US" sz="2000" dirty="0">
                 <a:solidFill>
                   <a:srgbClr val="C00000"/>
                 </a:solidFill>
@@ -16607,7 +16629,7 @@
               <a:t>'/'</a:t>
             </a:r>
             <a:r>
-              <a:rPr lang="en-US" sz="1800" dirty="0">
+              <a:rPr lang="en-US" sz="2000" dirty="0">
                 <a:latin typeface="Consolas" panose="020B0609020204030204" pitchFamily="49" charset="0"/>
                 <a:ea typeface="Menlo" panose="020B0609030804020204" pitchFamily="49" charset="0"/>
                 <a:cs typeface="Consolas" panose="020B0609020204030204" pitchFamily="49" charset="0"/>
@@ -16615,7 +16637,7 @@
               <a:t>, (</a:t>
             </a:r>
             <a:r>
-              <a:rPr lang="en-US" sz="1800" dirty="0">
+              <a:rPr lang="en-US" sz="2000" dirty="0">
                 <a:solidFill>
                   <a:srgbClr val="002060"/>
                 </a:solidFill>
@@ -16626,7 +16648,7 @@
               <a:t>req</a:t>
             </a:r>
             <a:r>
-              <a:rPr lang="en-US" sz="1800" dirty="0">
+              <a:rPr lang="en-US" sz="2000" dirty="0">
                 <a:latin typeface="Consolas" panose="020B0609020204030204" pitchFamily="49" charset="0"/>
                 <a:ea typeface="Menlo" panose="020B0609030804020204" pitchFamily="49" charset="0"/>
                 <a:cs typeface="Consolas" panose="020B0609020204030204" pitchFamily="49" charset="0"/>
@@ -16634,7 +16656,7 @@
               <a:t>, </a:t>
             </a:r>
             <a:r>
-              <a:rPr lang="en-US" sz="1800" dirty="0">
+              <a:rPr lang="en-US" sz="2000" dirty="0">
                 <a:solidFill>
                   <a:srgbClr val="002060"/>
                 </a:solidFill>
@@ -16645,7 +16667,7 @@
               <a:t>res</a:t>
             </a:r>
             <a:r>
-              <a:rPr lang="en-US" sz="1800" dirty="0">
+              <a:rPr lang="en-US" sz="2000" dirty="0">
                 <a:latin typeface="Consolas" panose="020B0609020204030204" pitchFamily="49" charset="0"/>
                 <a:ea typeface="Menlo" panose="020B0609030804020204" pitchFamily="49" charset="0"/>
                 <a:cs typeface="Consolas" panose="020B0609020204030204" pitchFamily="49" charset="0"/>
@@ -16661,7 +16683,7 @@
               <a:buNone/>
             </a:pPr>
             <a:r>
-              <a:rPr lang="en-US" sz="1800" dirty="0">
+              <a:rPr lang="en-US" sz="2000" dirty="0">
                 <a:highlight>
                   <a:srgbClr val="FFFF00"/>
                 </a:highlight>
@@ -16672,7 +16694,7 @@
               <a:t>  </a:t>
             </a:r>
             <a:r>
-              <a:rPr lang="en-US" sz="1800" dirty="0">
+              <a:rPr lang="en-US" sz="2000" dirty="0">
                 <a:solidFill>
                   <a:srgbClr val="002060"/>
                 </a:solidFill>
@@ -16686,7 +16708,7 @@
               <a:t>const</a:t>
             </a:r>
             <a:r>
-              <a:rPr lang="en-US" sz="1800" dirty="0">
+              <a:rPr lang="en-US" sz="2000" dirty="0">
                 <a:highlight>
                   <a:srgbClr val="FFFF00"/>
                 </a:highlight>
@@ -16697,7 +16719,7 @@
               <a:t> </a:t>
             </a:r>
             <a:r>
-              <a:rPr lang="en-US" sz="1800" dirty="0">
+              <a:rPr lang="en-US" sz="2000" dirty="0">
                 <a:solidFill>
                   <a:srgbClr val="0070C0"/>
                 </a:solidFill>
@@ -16711,7 +16733,7 @@
               <a:t>auth </a:t>
             </a:r>
             <a:r>
-              <a:rPr lang="en-US" sz="1800" dirty="0">
+              <a:rPr lang="en-US" sz="2000" dirty="0">
                 <a:highlight>
                   <a:srgbClr val="FFFF00"/>
                 </a:highlight>
@@ -16722,7 +16744,7 @@
               <a:t>= </a:t>
             </a:r>
             <a:r>
-              <a:rPr lang="en-US" sz="1800" dirty="0" err="1">
+              <a:rPr lang="en-US" sz="2000" dirty="0" err="1">
                 <a:solidFill>
                   <a:srgbClr val="002060"/>
                 </a:solidFill>
@@ -16736,7 +16758,7 @@
               <a:t>zAuth</a:t>
             </a:r>
             <a:r>
-              <a:rPr lang="en-US" sz="1800" dirty="0" err="1">
+              <a:rPr lang="en-US" sz="2000" dirty="0" err="1">
                 <a:highlight>
                   <a:srgbClr val="FFFF00"/>
                 </a:highlight>
@@ -16747,7 +16769,7 @@
               <a:t>.</a:t>
             </a:r>
             <a:r>
-              <a:rPr lang="en-US" sz="1800" dirty="0" err="1">
+              <a:rPr lang="en-US" sz="2000" dirty="0" err="1">
                 <a:solidFill>
                   <a:schemeClr val="accent4">
                     <a:lumMod val="50000"/>
@@ -16763,7 +16785,7 @@
               <a:t>safeParse</a:t>
             </a:r>
             <a:r>
-              <a:rPr lang="en-US" sz="1800" dirty="0">
+              <a:rPr lang="en-US" sz="2000" dirty="0">
                 <a:highlight>
                   <a:srgbClr val="FFFF00"/>
                 </a:highlight>
@@ -16774,7 +16796,7 @@
               <a:t>(</a:t>
             </a:r>
             <a:r>
-              <a:rPr lang="en-US" sz="1800" dirty="0" err="1">
+              <a:rPr lang="en-US" sz="2000" dirty="0" err="1">
                 <a:solidFill>
                   <a:srgbClr val="002060"/>
                 </a:solidFill>
@@ -16788,7 +16810,7 @@
               <a:t>req.body</a:t>
             </a:r>
             <a:r>
-              <a:rPr lang="en-US" sz="1800" dirty="0">
+              <a:rPr lang="en-US" sz="2000" dirty="0">
                 <a:solidFill>
                   <a:srgbClr val="002060"/>
                 </a:solidFill>
@@ -16802,7 +16824,7 @@
               <a:t>)</a:t>
             </a:r>
             <a:r>
-              <a:rPr lang="en-US" sz="1800" dirty="0">
+              <a:rPr lang="en-US" sz="2000" dirty="0">
                 <a:highlight>
                   <a:srgbClr val="FFFF00"/>
                 </a:highlight>
@@ -16821,7 +16843,7 @@
               <a:buNone/>
             </a:pPr>
             <a:r>
-              <a:rPr lang="en-US" sz="1800" dirty="0">
+              <a:rPr lang="en-US" sz="2000" dirty="0">
                 <a:highlight>
                   <a:srgbClr val="FFFF00"/>
                 </a:highlight>
@@ -16832,7 +16854,7 @@
               <a:t>  </a:t>
             </a:r>
             <a:r>
-              <a:rPr lang="en-US" sz="1800" dirty="0">
+              <a:rPr lang="en-US" sz="2000" dirty="0">
                 <a:solidFill>
                   <a:srgbClr val="AF00DB"/>
                 </a:solidFill>
@@ -16846,7 +16868,7 @@
               <a:t>if</a:t>
             </a:r>
             <a:r>
-              <a:rPr lang="en-US" sz="1800" dirty="0">
+              <a:rPr lang="en-US" sz="2000" dirty="0">
                 <a:highlight>
                   <a:srgbClr val="FFFF00"/>
                 </a:highlight>
@@ -16857,7 +16879,7 @@
               <a:t> (</a:t>
             </a:r>
             <a:r>
-              <a:rPr lang="en-US" sz="1800" dirty="0" err="1">
+              <a:rPr lang="en-US" sz="2000" dirty="0" err="1">
                 <a:solidFill>
                   <a:srgbClr val="002060"/>
                 </a:solidFill>
@@ -16871,7 +16893,7 @@
               <a:t>auth.error</a:t>
             </a:r>
             <a:r>
-              <a:rPr lang="en-US" sz="1800" dirty="0">
+              <a:rPr lang="en-US" sz="2000" dirty="0">
                 <a:highlight>
                   <a:srgbClr val="FFFF00"/>
                 </a:highlight>
@@ -16890,7 +16912,7 @@
               <a:buNone/>
             </a:pPr>
             <a:r>
-              <a:rPr lang="en-US" sz="1800" dirty="0">
+              <a:rPr lang="en-US" sz="2000" dirty="0">
                 <a:highlight>
                   <a:srgbClr val="FFFF00"/>
                 </a:highlight>
@@ -16901,7 +16923,7 @@
               <a:t>    </a:t>
             </a:r>
             <a:r>
-              <a:rPr lang="en-US" sz="1800" dirty="0" err="1">
+              <a:rPr lang="en-US" sz="2000" dirty="0" err="1">
                 <a:solidFill>
                   <a:srgbClr val="002060"/>
                 </a:solidFill>
@@ -16915,7 +16937,7 @@
               <a:t>res</a:t>
             </a:r>
             <a:r>
-              <a:rPr lang="en-US" sz="1800" dirty="0" err="1">
+              <a:rPr lang="en-US" sz="2000" dirty="0" err="1">
                 <a:highlight>
                   <a:srgbClr val="FFFF00"/>
                 </a:highlight>
@@ -16926,7 +16948,7 @@
               <a:t>.</a:t>
             </a:r>
             <a:r>
-              <a:rPr lang="en-US" sz="1800" dirty="0" err="1">
+              <a:rPr lang="en-US" sz="2000" dirty="0" err="1">
                 <a:solidFill>
                   <a:schemeClr val="accent4">
                     <a:lumMod val="50000"/>
@@ -16942,7 +16964,7 @@
               <a:t>status</a:t>
             </a:r>
             <a:r>
-              <a:rPr lang="en-US" sz="1800" dirty="0">
+              <a:rPr lang="en-US" sz="2000" dirty="0">
                 <a:highlight>
                   <a:srgbClr val="FFFF00"/>
                 </a:highlight>
@@ -16953,7 +16975,7 @@
               <a:t>(</a:t>
             </a:r>
             <a:r>
-              <a:rPr lang="en-US" sz="1800" dirty="0">
+              <a:rPr lang="en-US" sz="2000" dirty="0">
                 <a:solidFill>
                   <a:srgbClr val="0070C0"/>
                 </a:solidFill>
@@ -16967,7 +16989,7 @@
               <a:t>400</a:t>
             </a:r>
             <a:r>
-              <a:rPr lang="en-US" sz="1800" dirty="0">
+              <a:rPr lang="en-US" sz="2000" dirty="0">
                 <a:highlight>
                   <a:srgbClr val="FFFF00"/>
                 </a:highlight>
@@ -16978,7 +17000,7 @@
               <a:t>).</a:t>
             </a:r>
             <a:r>
-              <a:rPr lang="en-US" sz="1800" dirty="0">
+              <a:rPr lang="en-US" sz="2000" dirty="0">
                 <a:solidFill>
                   <a:schemeClr val="accent4">
                     <a:lumMod val="50000"/>
@@ -16994,7 +17016,7 @@
               <a:t>send</a:t>
             </a:r>
             <a:r>
-              <a:rPr lang="en-US" sz="1800" dirty="0">
+              <a:rPr lang="en-US" sz="2000" dirty="0">
                 <a:highlight>
                   <a:srgbClr val="FFFF00"/>
                 </a:highlight>
@@ -17005,7 +17027,7 @@
               <a:t>({ error: </a:t>
             </a:r>
             <a:r>
-              <a:rPr lang="en-US" sz="1800" dirty="0">
+              <a:rPr lang="en-US" sz="2000" dirty="0">
                 <a:solidFill>
                   <a:srgbClr val="C00000"/>
                 </a:solidFill>
@@ -17019,7 +17041,7 @@
               <a:t>'Unexpected message' </a:t>
             </a:r>
             <a:r>
-              <a:rPr lang="en-US" sz="1800" dirty="0">
+              <a:rPr lang="en-US" sz="2000" dirty="0">
                 <a:highlight>
                   <a:srgbClr val="FFFF00"/>
                 </a:highlight>
@@ -17030,14 +17052,14 @@
               <a:t>});  </a:t>
             </a:r>
             <a:br>
-              <a:rPr lang="en-US" sz="1800" dirty="0">
+              <a:rPr lang="en-US" sz="2000" dirty="0">
                 <a:latin typeface="Consolas" panose="020B0609020204030204" pitchFamily="49" charset="0"/>
                 <a:ea typeface="Menlo" panose="020B0609030804020204" pitchFamily="49" charset="0"/>
                 <a:cs typeface="Consolas" panose="020B0609020204030204" pitchFamily="49" charset="0"/>
               </a:rPr>
             </a:br>
             <a:r>
-              <a:rPr lang="en-US" sz="1800" dirty="0">
+              <a:rPr lang="en-US" sz="2000" dirty="0">
                 <a:highlight>
                   <a:srgbClr val="FFFF00"/>
                 </a:highlight>
@@ -17048,7 +17070,7 @@
               <a:t>  }</a:t>
             </a:r>
             <a:r>
-              <a:rPr lang="en-US" sz="1800" dirty="0">
+              <a:rPr lang="en-US" sz="2000" dirty="0">
                 <a:latin typeface="Consolas" panose="020B0609020204030204" pitchFamily="49" charset="0"/>
                 <a:ea typeface="Menlo" panose="020B0609030804020204" pitchFamily="49" charset="0"/>
                 <a:cs typeface="Consolas" panose="020B0609020204030204" pitchFamily="49" charset="0"/>
@@ -17056,7 +17078,7 @@
               <a:t> </a:t>
             </a:r>
             <a:r>
-              <a:rPr lang="en-US" sz="1800" dirty="0">
+              <a:rPr lang="en-US" sz="2000" dirty="0">
                 <a:solidFill>
                   <a:srgbClr val="AF00DB"/>
                 </a:solidFill>
@@ -17067,7 +17089,7 @@
               <a:t>else if</a:t>
             </a:r>
             <a:r>
-              <a:rPr lang="en-US" sz="1800" dirty="0">
+              <a:rPr lang="en-US" sz="2000" dirty="0">
                 <a:latin typeface="Consolas" panose="020B0609020204030204" pitchFamily="49" charset="0"/>
                 <a:ea typeface="Menlo" panose="020B0609030804020204" pitchFamily="49" charset="0"/>
                 <a:cs typeface="Consolas" panose="020B0609020204030204" pitchFamily="49" charset="0"/>
@@ -17075,7 +17097,7 @@
               <a:t> (</a:t>
             </a:r>
             <a:r>
-              <a:rPr lang="en-US" sz="1800" dirty="0" err="1">
+              <a:rPr lang="en-US" sz="2000" dirty="0" err="1">
                 <a:solidFill>
                   <a:srgbClr val="002060"/>
                 </a:solidFill>
@@ -17086,7 +17108,7 @@
               <a:t>auth.</a:t>
             </a:r>
             <a:r>
-              <a:rPr lang="en-US" sz="1800" dirty="0" err="1">
+              <a:rPr lang="en-US" sz="2000" dirty="0" err="1">
                 <a:solidFill>
                   <a:srgbClr val="002060"/>
                 </a:solidFill>
@@ -17100,7 +17122,7 @@
               <a:t>data</a:t>
             </a:r>
             <a:r>
-              <a:rPr lang="en-US" sz="1800" dirty="0" err="1">
+              <a:rPr lang="en-US" sz="2000" dirty="0" err="1">
                 <a:solidFill>
                   <a:srgbClr val="002060"/>
                 </a:solidFill>
@@ -17111,7 +17133,7 @@
               <a:t>.password</a:t>
             </a:r>
             <a:r>
-              <a:rPr lang="en-US" sz="1800" dirty="0">
+              <a:rPr lang="en-US" sz="2000" dirty="0">
                 <a:solidFill>
                   <a:srgbClr val="002060"/>
                 </a:solidFill>
@@ -17122,7 +17144,7 @@
               <a:t> </a:t>
             </a:r>
             <a:r>
-              <a:rPr lang="en-US" sz="1800" dirty="0">
+              <a:rPr lang="en-US" sz="2000" dirty="0">
                 <a:latin typeface="Consolas" panose="020B0609020204030204" pitchFamily="49" charset="0"/>
                 <a:ea typeface="Menlo" panose="020B0609030804020204" pitchFamily="49" charset="0"/>
                 <a:cs typeface="Consolas" panose="020B0609020204030204" pitchFamily="49" charset="0"/>
@@ -17130,7 +17152,7 @@
               <a:t>!== </a:t>
             </a:r>
             <a:r>
-              <a:rPr lang="en-US" sz="1800" dirty="0">
+              <a:rPr lang="en-US" sz="2000" dirty="0">
                 <a:solidFill>
                   <a:srgbClr val="C00000"/>
                 </a:solidFill>
@@ -17141,7 +17163,7 @@
               <a:t>'secret'</a:t>
             </a:r>
             <a:r>
-              <a:rPr lang="en-US" sz="1800" dirty="0">
+              <a:rPr lang="en-US" sz="2000" dirty="0">
                 <a:latin typeface="Consolas" panose="020B0609020204030204" pitchFamily="49" charset="0"/>
                 <a:ea typeface="Menlo" panose="020B0609030804020204" pitchFamily="49" charset="0"/>
                 <a:cs typeface="Consolas" panose="020B0609020204030204" pitchFamily="49" charset="0"/>
@@ -17157,7 +17179,7 @@
               <a:buNone/>
             </a:pPr>
             <a:r>
-              <a:rPr lang="en-US" sz="1800" dirty="0">
+              <a:rPr lang="en-US" sz="2000" dirty="0">
                 <a:latin typeface="Consolas" panose="020B0609020204030204" pitchFamily="49" charset="0"/>
                 <a:ea typeface="Menlo" panose="020B0609030804020204" pitchFamily="49" charset="0"/>
                 <a:cs typeface="Consolas" panose="020B0609020204030204" pitchFamily="49" charset="0"/>
@@ -17165,7 +17187,7 @@
               <a:t>    </a:t>
             </a:r>
             <a:r>
-              <a:rPr lang="en-US" sz="1800" dirty="0" err="1">
+              <a:rPr lang="en-US" sz="2000" dirty="0" err="1">
                 <a:solidFill>
                   <a:srgbClr val="002060"/>
                 </a:solidFill>
@@ -17176,7 +17198,7 @@
               <a:t>res</a:t>
             </a:r>
             <a:r>
-              <a:rPr lang="en-US" sz="1800" dirty="0" err="1">
+              <a:rPr lang="en-US" sz="2000" dirty="0" err="1">
                 <a:latin typeface="Consolas" panose="020B0609020204030204" pitchFamily="49" charset="0"/>
                 <a:ea typeface="Menlo" panose="020B0609030804020204" pitchFamily="49" charset="0"/>
                 <a:cs typeface="Consolas" panose="020B0609020204030204" pitchFamily="49" charset="0"/>
@@ -17184,7 +17206,7 @@
               <a:t>.</a:t>
             </a:r>
             <a:r>
-              <a:rPr lang="en-US" sz="1800" dirty="0" err="1">
+              <a:rPr lang="en-US" sz="2000" dirty="0" err="1">
                 <a:solidFill>
                   <a:schemeClr val="accent4">
                     <a:lumMod val="50000"/>
@@ -17197,7 +17219,7 @@
               <a:t>status</a:t>
             </a:r>
             <a:r>
-              <a:rPr lang="en-US" sz="1800" dirty="0">
+              <a:rPr lang="en-US" sz="2000" dirty="0">
                 <a:latin typeface="Consolas" panose="020B0609020204030204" pitchFamily="49" charset="0"/>
                 <a:ea typeface="Menlo" panose="020B0609030804020204" pitchFamily="49" charset="0"/>
                 <a:cs typeface="Consolas" panose="020B0609020204030204" pitchFamily="49" charset="0"/>
@@ -17205,7 +17227,7 @@
               <a:t>(</a:t>
             </a:r>
             <a:r>
-              <a:rPr lang="en-US" sz="1800" dirty="0">
+              <a:rPr lang="en-US" sz="2000" dirty="0">
                 <a:solidFill>
                   <a:srgbClr val="0070C0"/>
                 </a:solidFill>
@@ -17216,7 +17238,7 @@
               <a:t>403</a:t>
             </a:r>
             <a:r>
-              <a:rPr lang="en-US" sz="1800" dirty="0">
+              <a:rPr lang="en-US" sz="2000" dirty="0">
                 <a:latin typeface="Consolas" panose="020B0609020204030204" pitchFamily="49" charset="0"/>
                 <a:ea typeface="Menlo" panose="020B0609030804020204" pitchFamily="49" charset="0"/>
                 <a:cs typeface="Consolas" panose="020B0609020204030204" pitchFamily="49" charset="0"/>
@@ -17224,7 +17246,7 @@
               <a:t>).</a:t>
             </a:r>
             <a:r>
-              <a:rPr lang="en-US" sz="1800" dirty="0">
+              <a:rPr lang="en-US" sz="2000" dirty="0">
                 <a:solidFill>
                   <a:schemeClr val="accent4">
                     <a:lumMod val="50000"/>
@@ -17237,7 +17259,7 @@
               <a:t>send</a:t>
             </a:r>
             <a:r>
-              <a:rPr lang="en-US" sz="1800" dirty="0">
+              <a:rPr lang="en-US" sz="2000" dirty="0">
                 <a:latin typeface="Consolas" panose="020B0609020204030204" pitchFamily="49" charset="0"/>
                 <a:ea typeface="Menlo" panose="020B0609030804020204" pitchFamily="49" charset="0"/>
                 <a:cs typeface="Consolas" panose="020B0609020204030204" pitchFamily="49" charset="0"/>
@@ -17245,7 +17267,7 @@
               <a:t>({ error: </a:t>
             </a:r>
             <a:r>
-              <a:rPr lang="en-US" sz="1800" dirty="0">
+              <a:rPr lang="en-US" sz="2000" dirty="0">
                 <a:solidFill>
                   <a:srgbClr val="C00000"/>
                 </a:solidFill>
@@ -17256,7 +17278,7 @@
               <a:t>'Wrong password' </a:t>
             </a:r>
             <a:r>
-              <a:rPr lang="en-US" sz="1800" dirty="0">
+              <a:rPr lang="en-US" sz="2000" dirty="0">
                 <a:latin typeface="Consolas" panose="020B0609020204030204" pitchFamily="49" charset="0"/>
                 <a:ea typeface="Menlo" panose="020B0609030804020204" pitchFamily="49" charset="0"/>
                 <a:cs typeface="Consolas" panose="020B0609020204030204" pitchFamily="49" charset="0"/>
@@ -17272,7 +17294,7 @@
               <a:buNone/>
             </a:pPr>
             <a:r>
-              <a:rPr lang="en-US" sz="1800" dirty="0">
+              <a:rPr lang="en-US" sz="2000" dirty="0">
                 <a:latin typeface="Consolas" panose="020B0609020204030204" pitchFamily="49" charset="0"/>
                 <a:ea typeface="Menlo" panose="020B0609030804020204" pitchFamily="49" charset="0"/>
                 <a:cs typeface="Consolas" panose="020B0609020204030204" pitchFamily="49" charset="0"/>
@@ -17288,7 +17310,7 @@
               <a:buNone/>
             </a:pPr>
             <a:r>
-              <a:rPr lang="en-US" sz="1800" dirty="0">
+              <a:rPr lang="en-US" sz="2000" dirty="0">
                 <a:latin typeface="Consolas" panose="020B0609020204030204" pitchFamily="49" charset="0"/>
                 <a:ea typeface="Menlo" panose="020B0609030804020204" pitchFamily="49" charset="0"/>
                 <a:cs typeface="Consolas" panose="020B0609020204030204" pitchFamily="49" charset="0"/>
@@ -17296,7 +17318,7 @@
               <a:t>    </a:t>
             </a:r>
             <a:r>
-              <a:rPr lang="en-US" sz="1800" dirty="0" err="1">
+              <a:rPr lang="en-US" sz="2000" dirty="0" err="1">
                 <a:solidFill>
                   <a:srgbClr val="002060"/>
                 </a:solidFill>
@@ -17307,7 +17329,7 @@
               <a:t>res</a:t>
             </a:r>
             <a:r>
-              <a:rPr lang="en-US" sz="1800" dirty="0" err="1">
+              <a:rPr lang="en-US" sz="2000" dirty="0" err="1">
                 <a:latin typeface="Consolas" panose="020B0609020204030204" pitchFamily="49" charset="0"/>
                 <a:ea typeface="Menlo" panose="020B0609030804020204" pitchFamily="49" charset="0"/>
                 <a:cs typeface="Consolas" panose="020B0609020204030204" pitchFamily="49" charset="0"/>
@@ -17315,7 +17337,7 @@
               <a:t>.</a:t>
             </a:r>
             <a:r>
-              <a:rPr lang="en-US" sz="1800" dirty="0" err="1">
+              <a:rPr lang="en-US" sz="2000" dirty="0" err="1">
                 <a:solidFill>
                   <a:schemeClr val="accent4">
                     <a:lumMod val="50000"/>
@@ -17328,7 +17350,7 @@
               <a:t>send</a:t>
             </a:r>
             <a:r>
-              <a:rPr lang="en-US" sz="1800" dirty="0">
+              <a:rPr lang="en-US" sz="2000" dirty="0">
                 <a:latin typeface="Consolas" panose="020B0609020204030204" pitchFamily="49" charset="0"/>
                 <a:ea typeface="Menlo" panose="020B0609030804020204" pitchFamily="49" charset="0"/>
                 <a:cs typeface="Consolas" panose="020B0609020204030204" pitchFamily="49" charset="0"/>
@@ -17336,7 +17358,7 @@
               <a:t>({ </a:t>
             </a:r>
             <a:r>
-              <a:rPr lang="en-US" sz="1800" dirty="0">
+              <a:rPr lang="en-US" sz="2000" dirty="0">
                 <a:solidFill>
                   <a:srgbClr val="002060"/>
                 </a:solidFill>
@@ -17347,7 +17369,7 @@
               <a:t>message</a:t>
             </a:r>
             <a:r>
-              <a:rPr lang="en-US" sz="1800" dirty="0">
+              <a:rPr lang="en-US" sz="2000" dirty="0">
                 <a:latin typeface="Consolas" panose="020B0609020204030204" pitchFamily="49" charset="0"/>
                 <a:ea typeface="Menlo" panose="020B0609030804020204" pitchFamily="49" charset="0"/>
                 <a:cs typeface="Consolas" panose="020B0609020204030204" pitchFamily="49" charset="0"/>
@@ -17355,7 +17377,7 @@
               <a:t>: </a:t>
             </a:r>
             <a:r>
-              <a:rPr lang="en-US" sz="1800" dirty="0">
+              <a:rPr lang="en-US" sz="2000" dirty="0">
                 <a:solidFill>
                   <a:srgbClr val="C00000"/>
                 </a:solidFill>
@@ -17366,7 +17388,7 @@
               <a:t>`WELCOME,</a:t>
             </a:r>
             <a:r>
-              <a:rPr lang="en-US" sz="1800" dirty="0">
+              <a:rPr lang="en-US" sz="2000" dirty="0">
                 <a:latin typeface="Consolas" panose="020B0609020204030204" pitchFamily="49" charset="0"/>
                 <a:ea typeface="Menlo" panose="020B0609030804020204" pitchFamily="49" charset="0"/>
                 <a:cs typeface="Consolas" panose="020B0609020204030204" pitchFamily="49" charset="0"/>
@@ -17374,7 +17396,7 @@
               <a:t>${</a:t>
             </a:r>
             <a:r>
-              <a:rPr lang="en-US" sz="1800" dirty="0" err="1">
+              <a:rPr lang="en-US" sz="2000" dirty="0" err="1">
                 <a:solidFill>
                   <a:srgbClr val="002060"/>
                 </a:solidFill>
@@ -17385,7 +17407,7 @@
               <a:t>auth</a:t>
             </a:r>
             <a:r>
-              <a:rPr lang="en-US" sz="1800" dirty="0" err="1">
+              <a:rPr lang="en-US" sz="2000" dirty="0" err="1">
                 <a:latin typeface="Consolas" panose="020B0609020204030204" pitchFamily="49" charset="0"/>
                 <a:ea typeface="Menlo" panose="020B0609030804020204" pitchFamily="49" charset="0"/>
                 <a:cs typeface="Consolas" panose="020B0609020204030204" pitchFamily="49" charset="0"/>
@@ -17393,7 +17415,7 @@
               <a:t>.</a:t>
             </a:r>
             <a:r>
-              <a:rPr lang="en-US" sz="1800" dirty="0" err="1">
+              <a:rPr lang="en-US" sz="2000" dirty="0" err="1">
                 <a:solidFill>
                   <a:srgbClr val="002060"/>
                 </a:solidFill>
@@ -17407,7 +17429,7 @@
               <a:t>data</a:t>
             </a:r>
             <a:r>
-              <a:rPr lang="en-US" sz="1800" dirty="0" err="1">
+              <a:rPr lang="en-US" sz="2000" dirty="0" err="1">
                 <a:latin typeface="Consolas" panose="020B0609020204030204" pitchFamily="49" charset="0"/>
                 <a:ea typeface="Menlo" panose="020B0609030804020204" pitchFamily="49" charset="0"/>
                 <a:cs typeface="Consolas" panose="020B0609020204030204" pitchFamily="49" charset="0"/>
@@ -17415,7 +17437,7 @@
               <a:t>.</a:t>
             </a:r>
             <a:r>
-              <a:rPr lang="en-US" sz="1800" dirty="0" err="1">
+              <a:rPr lang="en-US" sz="2000" dirty="0" err="1">
                 <a:solidFill>
                   <a:srgbClr val="002060"/>
                 </a:solidFill>
@@ -17426,7 +17448,7 @@
               <a:t>username</a:t>
             </a:r>
             <a:r>
-              <a:rPr lang="en-US" sz="1800" dirty="0" err="1">
+              <a:rPr lang="en-US" sz="2000" dirty="0" err="1">
                 <a:latin typeface="Consolas" panose="020B0609020204030204" pitchFamily="49" charset="0"/>
                 <a:ea typeface="Menlo" panose="020B0609030804020204" pitchFamily="49" charset="0"/>
                 <a:cs typeface="Consolas" panose="020B0609020204030204" pitchFamily="49" charset="0"/>
@@ -17434,7 +17456,7 @@
               <a:t>.</a:t>
             </a:r>
             <a:r>
-              <a:rPr lang="en-US" sz="1800" dirty="0" err="1">
+              <a:rPr lang="en-US" sz="2000" dirty="0" err="1">
                 <a:solidFill>
                   <a:schemeClr val="accent4">
                     <a:lumMod val="50000"/>
@@ -17447,7 +17469,7 @@
               <a:t>toUpperCase</a:t>
             </a:r>
             <a:r>
-              <a:rPr lang="en-US" sz="1800" dirty="0">
+              <a:rPr lang="en-US" sz="2000" dirty="0">
                 <a:latin typeface="Consolas" panose="020B0609020204030204" pitchFamily="49" charset="0"/>
                 <a:ea typeface="Menlo" panose="020B0609030804020204" pitchFamily="49" charset="0"/>
                 <a:cs typeface="Consolas" panose="020B0609020204030204" pitchFamily="49" charset="0"/>
@@ -17455,7 +17477,7 @@
               <a:t>()}</a:t>
             </a:r>
             <a:r>
-              <a:rPr lang="en-US" sz="1800" dirty="0">
+              <a:rPr lang="en-US" sz="2000" dirty="0">
                 <a:solidFill>
                   <a:srgbClr val="C00000"/>
                 </a:solidFill>
@@ -17466,7 +17488,7 @@
               <a:t>`</a:t>
             </a:r>
             <a:r>
-              <a:rPr lang="en-US" sz="1800" dirty="0">
+              <a:rPr lang="en-US" sz="2000" dirty="0">
                 <a:latin typeface="Consolas" panose="020B0609020204030204" pitchFamily="49" charset="0"/>
                 <a:ea typeface="Menlo" panose="020B0609030804020204" pitchFamily="49" charset="0"/>
                 <a:cs typeface="Consolas" panose="020B0609020204030204" pitchFamily="49" charset="0"/>
@@ -17482,7 +17504,7 @@
               <a:buNone/>
             </a:pPr>
             <a:r>
-              <a:rPr lang="en-US" sz="1800" dirty="0">
+              <a:rPr lang="en-US" sz="2000" dirty="0">
                 <a:latin typeface="Consolas" panose="020B0609020204030204" pitchFamily="49" charset="0"/>
                 <a:ea typeface="Menlo" panose="020B0609030804020204" pitchFamily="49" charset="0"/>
                 <a:cs typeface="Consolas" panose="020B0609020204030204" pitchFamily="49" charset="0"/>
@@ -17498,7 +17520,7 @@
               <a:buNone/>
             </a:pPr>
             <a:r>
-              <a:rPr lang="en-US" sz="1800" dirty="0">
+              <a:rPr lang="en-US" sz="2000" dirty="0">
                 <a:latin typeface="Consolas" panose="020B0609020204030204" pitchFamily="49" charset="0"/>
                 <a:ea typeface="Menlo" panose="020B0609030804020204" pitchFamily="49" charset="0"/>
                 <a:cs typeface="Consolas" panose="020B0609020204030204" pitchFamily="49" charset="0"/>
@@ -17513,21 +17535,8 @@
               </a:spcBef>
               <a:buNone/>
             </a:pPr>
-            <a:endParaRPr lang="en-US" sz="1800" dirty="0">
-              <a:latin typeface="Consolas" panose="020B0609020204030204" pitchFamily="49" charset="0"/>
-              <a:ea typeface="Menlo" panose="020B0609030804020204" pitchFamily="49" charset="0"/>
-              <a:cs typeface="Consolas" panose="020B0609020204030204" pitchFamily="49" charset="0"/>
-            </a:endParaRPr>
-          </a:p>
-          <a:p>
-            <a:pPr marL="0" indent="0">
-              <a:spcBef>
-                <a:spcPts val="0"/>
-              </a:spcBef>
-              <a:buNone/>
-            </a:pPr>
-            <a:r>
-              <a:rPr lang="en-US" sz="1800" dirty="0" err="1">
+            <a:r>
+              <a:rPr lang="en-US" sz="2000" dirty="0" err="1">
                 <a:solidFill>
                   <a:srgbClr val="002060"/>
                 </a:solidFill>
@@ -17538,7 +17547,7 @@
               <a:t>app</a:t>
             </a:r>
             <a:r>
-              <a:rPr lang="en-US" sz="1800" dirty="0" err="1">
+              <a:rPr lang="en-US" sz="2000" dirty="0" err="1">
                 <a:latin typeface="Consolas" panose="020B0609020204030204" pitchFamily="49" charset="0"/>
                 <a:ea typeface="Menlo" panose="020B0609030804020204" pitchFamily="49" charset="0"/>
                 <a:cs typeface="Consolas" panose="020B0609020204030204" pitchFamily="49" charset="0"/>
@@ -17546,7 +17555,7 @@
               <a:t>.</a:t>
             </a:r>
             <a:r>
-              <a:rPr lang="en-US" sz="1800" dirty="0" err="1">
+              <a:rPr lang="en-US" sz="2000" dirty="0" err="1">
                 <a:solidFill>
                   <a:schemeClr val="accent4">
                     <a:lumMod val="50000"/>
@@ -17559,7 +17568,7 @@
               <a:t>listen</a:t>
             </a:r>
             <a:r>
-              <a:rPr lang="en-US" sz="1800" dirty="0">
+              <a:rPr lang="en-US" sz="2000" dirty="0">
                 <a:latin typeface="Consolas" panose="020B0609020204030204" pitchFamily="49" charset="0"/>
                 <a:ea typeface="Menlo" panose="020B0609030804020204" pitchFamily="49" charset="0"/>
                 <a:cs typeface="Consolas" panose="020B0609020204030204" pitchFamily="49" charset="0"/>
@@ -17567,7 +17576,7 @@
               <a:t>(</a:t>
             </a:r>
             <a:r>
-              <a:rPr lang="en-US" sz="1800" dirty="0">
+              <a:rPr lang="en-US" sz="2000" dirty="0">
                 <a:solidFill>
                   <a:srgbClr val="0070C0"/>
                 </a:solidFill>
@@ -17578,7 +17587,7 @@
               <a:t>8000</a:t>
             </a:r>
             <a:r>
-              <a:rPr lang="en-US" sz="1800" dirty="0">
+              <a:rPr lang="en-US" sz="2000" dirty="0">
                 <a:latin typeface="Consolas" panose="020B0609020204030204" pitchFamily="49" charset="0"/>
                 <a:ea typeface="Menlo" panose="020B0609030804020204" pitchFamily="49" charset="0"/>
                 <a:cs typeface="Consolas" panose="020B0609020204030204" pitchFamily="49" charset="0"/>
@@ -17586,7 +17595,7 @@
               <a:t>, () =&gt; </a:t>
             </a:r>
             <a:r>
-              <a:rPr lang="en-US" sz="1800" dirty="0" err="1">
+              <a:rPr lang="en-US" sz="2000" dirty="0" err="1">
                 <a:solidFill>
                   <a:srgbClr val="002060"/>
                 </a:solidFill>
@@ -17597,7 +17606,7 @@
               <a:t>console</a:t>
             </a:r>
             <a:r>
-              <a:rPr lang="en-US" sz="1800" dirty="0" err="1">
+              <a:rPr lang="en-US" sz="2000" dirty="0" err="1">
                 <a:latin typeface="Consolas" panose="020B0609020204030204" pitchFamily="49" charset="0"/>
                 <a:ea typeface="Menlo" panose="020B0609030804020204" pitchFamily="49" charset="0"/>
                 <a:cs typeface="Consolas" panose="020B0609020204030204" pitchFamily="49" charset="0"/>
@@ -17605,7 +17614,7 @@
               <a:t>.</a:t>
             </a:r>
             <a:r>
-              <a:rPr lang="en-US" sz="1800" dirty="0" err="1">
+              <a:rPr lang="en-US" sz="2000" dirty="0" err="1">
                 <a:solidFill>
                   <a:schemeClr val="accent4">
                     <a:lumMod val="50000"/>
@@ -17618,7 +17627,7 @@
               <a:t>log</a:t>
             </a:r>
             <a:r>
-              <a:rPr lang="en-US" sz="1800" dirty="0">
+              <a:rPr lang="en-US" sz="2000" dirty="0">
                 <a:latin typeface="Consolas" panose="020B0609020204030204" pitchFamily="49" charset="0"/>
                 <a:ea typeface="Menlo" panose="020B0609030804020204" pitchFamily="49" charset="0"/>
                 <a:cs typeface="Consolas" panose="020B0609020204030204" pitchFamily="49" charset="0"/>
@@ -17626,7 +17635,7 @@
               <a:t>(</a:t>
             </a:r>
             <a:r>
-              <a:rPr lang="en-US" sz="1800" dirty="0">
+              <a:rPr lang="en-US" sz="2000" dirty="0">
                 <a:solidFill>
                   <a:srgbClr val="C00000"/>
                 </a:solidFill>
@@ -17637,7 +17646,7 @@
               <a:t>`Listening on port 8000`</a:t>
             </a:r>
             <a:r>
-              <a:rPr lang="en-US" sz="1800" dirty="0">
+              <a:rPr lang="en-US" sz="2000" dirty="0">
                 <a:latin typeface="Consolas" panose="020B0609020204030204" pitchFamily="49" charset="0"/>
                 <a:ea typeface="Menlo" panose="020B0609030804020204" pitchFamily="49" charset="0"/>
                 <a:cs typeface="Consolas" panose="020B0609020204030204" pitchFamily="49" charset="0"/>
@@ -17653,13 +17662,13 @@
               <a:buNone/>
             </a:pPr>
             <a:br>
-              <a:rPr lang="en-US" sz="1800" dirty="0">
+              <a:rPr lang="en-US" sz="2000" dirty="0">
                 <a:latin typeface="Consolas" panose="020B0609020204030204" pitchFamily="49" charset="0"/>
                 <a:ea typeface="Menlo" panose="020B0609030804020204" pitchFamily="49" charset="0"/>
                 <a:cs typeface="Consolas" panose="020B0609020204030204" pitchFamily="49" charset="0"/>
               </a:rPr>
             </a:br>
-            <a:endParaRPr lang="en-US" sz="1800" dirty="0">
+            <a:endParaRPr lang="en-US" sz="2000" dirty="0">
               <a:latin typeface="Consolas" panose="020B0609020204030204" pitchFamily="49" charset="0"/>
               <a:ea typeface="Menlo" panose="020B0609030804020204" pitchFamily="49" charset="0"/>
               <a:cs typeface="Consolas" panose="020B0609020204030204" pitchFamily="49" charset="0"/>
@@ -17675,7 +17684,7 @@
               </a:spcBef>
               <a:buNone/>
             </a:pPr>
-            <a:endParaRPr lang="en-US" sz="1800" dirty="0">
+            <a:endParaRPr lang="en-US" sz="2000" dirty="0">
               <a:solidFill>
                 <a:srgbClr val="3B3B3B"/>
               </a:solidFill>
@@ -17691,7 +17700,7 @@
               </a:spcBef>
               <a:buNone/>
             </a:pPr>
-            <a:endParaRPr lang="en-US" sz="1800" dirty="0">
+            <a:endParaRPr lang="en-US" sz="2000" dirty="0">
               <a:latin typeface="Consolas" panose="020B0609020204030204" pitchFamily="49" charset="0"/>
               <a:ea typeface="Menlo" panose="020B0609030804020204" pitchFamily="49" charset="0"/>
               <a:cs typeface="Consolas" panose="020B0609020204030204" pitchFamily="49" charset="0"/>
@@ -17820,7 +17829,7 @@
         <p:spPr>
           <a:xfrm>
             <a:off x="744069" y="1984124"/>
-            <a:ext cx="11354146" cy="3731919"/>
+            <a:ext cx="11354146" cy="4136261"/>
           </a:xfrm>
           <a:prstGeom prst="rect">
             <a:avLst/>
@@ -17862,7 +17871,7 @@
               <a:buNone/>
             </a:pPr>
             <a:r>
-              <a:rPr lang="en-US" b="0" dirty="0">
+              <a:rPr lang="en-US" sz="2000" b="0" dirty="0">
                 <a:solidFill>
                   <a:srgbClr val="002060"/>
                 </a:solidFill>
@@ -17873,7 +17882,7 @@
               <a:t>const</a:t>
             </a:r>
             <a:r>
-              <a:rPr lang="en-US" b="0" dirty="0">
+              <a:rPr lang="en-US" sz="2000" b="0" dirty="0">
                 <a:solidFill>
                   <a:schemeClr val="tx1"/>
                 </a:solidFill>
@@ -17884,7 +17893,7 @@
               <a:t> </a:t>
             </a:r>
             <a:r>
-              <a:rPr lang="en-US" b="0" dirty="0" err="1">
+              <a:rPr lang="en-US" sz="2000" b="0" dirty="0" err="1">
                 <a:solidFill>
                   <a:srgbClr val="0070C0"/>
                 </a:solidFill>
@@ -17895,7 +17904,7 @@
               <a:t>zHelloInput</a:t>
             </a:r>
             <a:r>
-              <a:rPr lang="en-US" b="0" dirty="0">
+              <a:rPr lang="en-US" sz="2000" b="0" dirty="0">
                 <a:solidFill>
                   <a:schemeClr val="tx1"/>
                 </a:solidFill>
@@ -17906,7 +17915,7 @@
               <a:t> = </a:t>
             </a:r>
             <a:r>
-              <a:rPr lang="en-US" b="0" dirty="0" err="1">
+              <a:rPr lang="en-US" sz="2000" b="0" dirty="0" err="1">
                 <a:solidFill>
                   <a:srgbClr val="0070C0"/>
                 </a:solidFill>
@@ -17917,7 +17926,7 @@
               <a:t>z</a:t>
             </a:r>
             <a:r>
-              <a:rPr lang="en-US" b="0" dirty="0" err="1">
+              <a:rPr lang="en-US" sz="2000" b="0" dirty="0" err="1">
                 <a:solidFill>
                   <a:schemeClr val="tx1"/>
                 </a:solidFill>
@@ -17928,7 +17937,7 @@
               <a:t>.</a:t>
             </a:r>
             <a:r>
-              <a:rPr lang="en-US" b="0" dirty="0" err="1">
+              <a:rPr lang="en-US" sz="2000" b="0" dirty="0" err="1">
                 <a:solidFill>
                   <a:schemeClr val="accent4">
                     <a:lumMod val="50000"/>
@@ -17941,7 +17950,7 @@
               <a:t>int</a:t>
             </a:r>
             <a:r>
-              <a:rPr lang="en-US" b="0" dirty="0">
+              <a:rPr lang="en-US" sz="2000" b="0" dirty="0">
                 <a:solidFill>
                   <a:schemeClr val="tx1"/>
                 </a:solidFill>
@@ -17952,7 +17961,7 @@
               <a:t>().</a:t>
             </a:r>
             <a:r>
-              <a:rPr lang="en-US" b="0" dirty="0" err="1">
+              <a:rPr lang="en-US" sz="2000" b="0" dirty="0" err="1">
                 <a:solidFill>
                   <a:schemeClr val="accent4">
                     <a:lumMod val="50000"/>
@@ -17965,7 +17974,7 @@
               <a:t>gte</a:t>
             </a:r>
             <a:r>
-              <a:rPr lang="en-US" b="0" dirty="0">
+              <a:rPr lang="en-US" sz="2000" b="0" dirty="0">
                 <a:solidFill>
                   <a:schemeClr val="tx1"/>
                 </a:solidFill>
@@ -17976,7 +17985,7 @@
               <a:t>(</a:t>
             </a:r>
             <a:r>
-              <a:rPr lang="en-US" b="0" dirty="0">
+              <a:rPr lang="en-US" sz="2000" b="0" dirty="0">
                 <a:solidFill>
                   <a:srgbClr val="0070C0"/>
                 </a:solidFill>
@@ -17987,7 +17996,7 @@
               <a:t>0</a:t>
             </a:r>
             <a:r>
-              <a:rPr lang="en-US" b="0" dirty="0">
+              <a:rPr lang="en-US" sz="2000" b="0" dirty="0">
                 <a:solidFill>
                   <a:schemeClr val="tx1"/>
                 </a:solidFill>
@@ -18005,7 +18014,7 @@
               </a:lnSpc>
               <a:buNone/>
             </a:pPr>
-            <a:endParaRPr lang="en-US" b="0" dirty="0">
+            <a:endParaRPr lang="en-US" sz="2000" b="0" dirty="0">
               <a:solidFill>
                 <a:srgbClr val="008000"/>
               </a:solidFill>
@@ -18022,7 +18031,7 @@
               <a:buNone/>
             </a:pPr>
             <a:r>
-              <a:rPr lang="en-US" b="0" dirty="0">
+              <a:rPr lang="en-US" sz="2000" b="0" dirty="0">
                 <a:solidFill>
                   <a:srgbClr val="008000"/>
                 </a:solidFill>
@@ -18032,7 +18041,7 @@
               </a:rPr>
               <a:t>/**</a:t>
             </a:r>
-            <a:endParaRPr lang="en-US" b="0" dirty="0">
+            <a:endParaRPr lang="en-US" sz="2000" b="0" dirty="0">
               <a:solidFill>
                 <a:srgbClr val="3B3B3B"/>
               </a:solidFill>
@@ -18049,7 +18058,7 @@
               <a:buNone/>
             </a:pPr>
             <a:r>
-              <a:rPr lang="en-US" b="0" dirty="0">
+              <a:rPr lang="en-US" sz="2000" b="0" dirty="0">
                 <a:solidFill>
                   <a:srgbClr val="008000"/>
                 </a:solidFill>
@@ -18059,7 +18068,7 @@
               </a:rPr>
               <a:t> * Prints "hello" repeatedly</a:t>
             </a:r>
-            <a:endParaRPr lang="en-US" b="0" dirty="0">
+            <a:endParaRPr lang="en-US" sz="2000" b="0" dirty="0">
               <a:solidFill>
                 <a:srgbClr val="3B3B3B"/>
               </a:solidFill>
@@ -18076,7 +18085,7 @@
               <a:buNone/>
             </a:pPr>
             <a:r>
-              <a:rPr lang="en-US" b="0" dirty="0">
+              <a:rPr lang="en-US" sz="2000" b="0" dirty="0">
                 <a:solidFill>
                   <a:srgbClr val="008000"/>
                 </a:solidFill>
@@ -18086,7 +18095,7 @@
               </a:rPr>
               <a:t> *</a:t>
             </a:r>
-            <a:endParaRPr lang="en-US" b="0" dirty="0">
+            <a:endParaRPr lang="en-US" sz="2000" b="0" dirty="0">
               <a:solidFill>
                 <a:srgbClr val="3B3B3B"/>
               </a:solidFill>
@@ -18103,7 +18112,7 @@
               <a:buNone/>
             </a:pPr>
             <a:r>
-              <a:rPr lang="en-US" b="0" dirty="0">
+              <a:rPr lang="en-US" sz="2000" b="0" dirty="0">
                 <a:solidFill>
                   <a:srgbClr val="008000"/>
                 </a:solidFill>
@@ -18114,7 +18123,7 @@
               <a:t> * </a:t>
             </a:r>
             <a:r>
-              <a:rPr lang="en-US" b="0" dirty="0">
+              <a:rPr lang="en-US" sz="2000" b="0" dirty="0">
                 <a:solidFill>
                   <a:srgbClr val="0000FF"/>
                 </a:solidFill>
@@ -18125,7 +18134,7 @@
               <a:t>@param</a:t>
             </a:r>
             <a:r>
-              <a:rPr lang="en-US" b="0" dirty="0">
+              <a:rPr lang="en-US" sz="2000" b="0" dirty="0">
                 <a:solidFill>
                   <a:srgbClr val="008000"/>
                 </a:solidFill>
@@ -18136,7 +18145,7 @@
               <a:t> </a:t>
             </a:r>
             <a:r>
-              <a:rPr lang="en-US" b="0" dirty="0" err="1">
+              <a:rPr lang="en-US" sz="2000" b="0" dirty="0" err="1">
                 <a:solidFill>
                   <a:srgbClr val="001080"/>
                 </a:solidFill>
@@ -18147,7 +18156,7 @@
               <a:t>numHellos</a:t>
             </a:r>
             <a:r>
-              <a:rPr lang="en-US" b="0" dirty="0">
+              <a:rPr lang="en-US" sz="2000" b="0" dirty="0">
                 <a:solidFill>
                   <a:srgbClr val="008000"/>
                 </a:solidFill>
@@ -18166,7 +18175,7 @@
               <a:buNone/>
             </a:pPr>
             <a:r>
-              <a:rPr lang="en-US" dirty="0">
+              <a:rPr lang="en-US" sz="2000" dirty="0">
                 <a:solidFill>
                   <a:srgbClr val="008000"/>
                 </a:solidFill>
@@ -18176,7 +18185,7 @@
               <a:t> * </a:t>
             </a:r>
             <a:r>
-              <a:rPr lang="en-US" dirty="0">
+              <a:rPr lang="en-US" sz="2000" dirty="0">
                 <a:solidFill>
                   <a:srgbClr val="0000FF"/>
                 </a:solidFill>
@@ -18186,7 +18195,7 @@
               <a:t>@throws </a:t>
             </a:r>
             <a:r>
-              <a:rPr lang="en-US" dirty="0">
+              <a:rPr lang="en-US" sz="2000" dirty="0">
                 <a:solidFill>
                   <a:srgbClr val="008000"/>
                 </a:solidFill>
@@ -18195,7 +18204,7 @@
               </a:rPr>
               <a:t>if the input is not an integer &gt;= 0</a:t>
             </a:r>
-            <a:endParaRPr lang="en-US" b="0" dirty="0">
+            <a:endParaRPr lang="en-US" sz="2000" b="0" dirty="0">
               <a:solidFill>
                 <a:srgbClr val="3B3B3B"/>
               </a:solidFill>
@@ -18212,7 +18221,7 @@
               <a:buNone/>
             </a:pPr>
             <a:r>
-              <a:rPr lang="en-US" b="0" dirty="0">
+              <a:rPr lang="en-US" sz="2000" b="0" dirty="0">
                 <a:solidFill>
                   <a:srgbClr val="008000"/>
                 </a:solidFill>
@@ -18222,7 +18231,7 @@
               </a:rPr>
               <a:t> */</a:t>
             </a:r>
-            <a:endParaRPr lang="en-US" b="0" dirty="0">
+            <a:endParaRPr lang="en-US" sz="2000" b="0" dirty="0">
               <a:solidFill>
                 <a:srgbClr val="3B3B3B"/>
               </a:solidFill>
@@ -18239,7 +18248,7 @@
               <a:buNone/>
             </a:pPr>
             <a:r>
-              <a:rPr lang="en-US" b="0" dirty="0">
+              <a:rPr lang="en-US" sz="2000" b="0" dirty="0">
                 <a:solidFill>
                   <a:srgbClr val="0000FF"/>
                 </a:solidFill>
@@ -18250,7 +18259,7 @@
               <a:t>function</a:t>
             </a:r>
             <a:r>
-              <a:rPr lang="en-US" b="0" dirty="0">
+              <a:rPr lang="en-US" sz="2000" b="0" dirty="0">
                 <a:solidFill>
                   <a:srgbClr val="3B3B3B"/>
                 </a:solidFill>
@@ -18261,7 +18270,7 @@
               <a:t> </a:t>
             </a:r>
             <a:r>
-              <a:rPr lang="en-US" b="0" dirty="0" err="1">
+              <a:rPr lang="en-US" sz="2000" b="0" dirty="0" err="1">
                 <a:solidFill>
                   <a:srgbClr val="795E26"/>
                 </a:solidFill>
@@ -18272,7 +18281,7 @@
               <a:t>helloNTimes</a:t>
             </a:r>
             <a:r>
-              <a:rPr lang="en-US" b="0" dirty="0">
+              <a:rPr lang="en-US" sz="2000" b="0" dirty="0">
                 <a:solidFill>
                   <a:srgbClr val="3B3B3B"/>
                 </a:solidFill>
@@ -18283,7 +18292,7 @@
               <a:t>(</a:t>
             </a:r>
             <a:r>
-              <a:rPr lang="en-US" b="0" dirty="0" err="1">
+              <a:rPr lang="en-US" sz="2000" b="0" dirty="0" err="1">
                 <a:solidFill>
                   <a:srgbClr val="001080"/>
                 </a:solidFill>
@@ -18294,7 +18303,7 @@
               <a:t>numHellos</a:t>
             </a:r>
             <a:r>
-              <a:rPr lang="en-US" b="0" dirty="0">
+              <a:rPr lang="en-US" sz="2000" b="0" dirty="0">
                 <a:solidFill>
                   <a:srgbClr val="000000"/>
                 </a:solidFill>
@@ -18305,7 +18314,7 @@
               <a:t>:</a:t>
             </a:r>
             <a:r>
-              <a:rPr lang="en-US" b="0" dirty="0">
+              <a:rPr lang="en-US" sz="2000" b="0" dirty="0">
                 <a:solidFill>
                   <a:srgbClr val="3B3B3B"/>
                 </a:solidFill>
@@ -18316,7 +18325,7 @@
               <a:t> </a:t>
             </a:r>
             <a:r>
-              <a:rPr lang="en-US" b="0" dirty="0">
+              <a:rPr lang="en-US" sz="2000" b="0" dirty="0">
                 <a:solidFill>
                   <a:srgbClr val="267F99"/>
                 </a:solidFill>
@@ -18327,7 +18336,7 @@
               <a:t>unknown</a:t>
             </a:r>
             <a:r>
-              <a:rPr lang="en-US" b="0" dirty="0">
+              <a:rPr lang="en-US" sz="2000" b="0" dirty="0">
                 <a:solidFill>
                   <a:srgbClr val="3B3B3B"/>
                 </a:solidFill>
@@ -18346,7 +18355,7 @@
               <a:buNone/>
             </a:pPr>
             <a:r>
-              <a:rPr lang="en-US" b="0" dirty="0">
+              <a:rPr lang="en-US" sz="2000" b="0" dirty="0">
                 <a:solidFill>
                   <a:srgbClr val="3B3B3B"/>
                 </a:solidFill>
@@ -18357,7 +18366,7 @@
               <a:t>  </a:t>
             </a:r>
             <a:r>
-              <a:rPr lang="en-US" b="0" dirty="0">
+              <a:rPr lang="en-US" sz="2000" b="0" dirty="0">
                 <a:solidFill>
                   <a:srgbClr val="002060"/>
                 </a:solidFill>
@@ -18368,7 +18377,7 @@
               <a:t>const</a:t>
             </a:r>
             <a:r>
-              <a:rPr lang="en-US" b="0" dirty="0">
+              <a:rPr lang="en-US" sz="2000" b="0" dirty="0">
                 <a:solidFill>
                   <a:srgbClr val="3B3B3B"/>
                 </a:solidFill>
@@ -18379,7 +18388,7 @@
               <a:t> </a:t>
             </a:r>
             <a:r>
-              <a:rPr lang="en-US" b="0" dirty="0">
+              <a:rPr lang="en-US" sz="2000" b="0" dirty="0">
                 <a:solidFill>
                   <a:srgbClr val="0070C0"/>
                 </a:solidFill>
@@ -18390,7 +18399,7 @@
               <a:t>hellos</a:t>
             </a:r>
             <a:r>
-              <a:rPr lang="en-US" b="0" dirty="0">
+              <a:rPr lang="en-US" sz="2000" b="0" dirty="0">
                 <a:solidFill>
                   <a:srgbClr val="3B3B3B"/>
                 </a:solidFill>
@@ -18401,7 +18410,7 @@
               <a:t> = </a:t>
             </a:r>
             <a:r>
-              <a:rPr lang="en-US" b="0" dirty="0" err="1">
+              <a:rPr lang="en-US" sz="2000" b="0" dirty="0" err="1">
                 <a:solidFill>
                   <a:srgbClr val="002060"/>
                 </a:solidFill>
@@ -18412,7 +18421,7 @@
               <a:t>zHelloInput</a:t>
             </a:r>
             <a:r>
-              <a:rPr lang="en-US" b="0" dirty="0" err="1">
+              <a:rPr lang="en-US" sz="2000" b="0" dirty="0" err="1">
                 <a:solidFill>
                   <a:srgbClr val="3B3B3B"/>
                 </a:solidFill>
@@ -18423,7 +18432,7 @@
               <a:t>.</a:t>
             </a:r>
             <a:r>
-              <a:rPr lang="en-US" b="0" dirty="0" err="1">
+              <a:rPr lang="en-US" sz="2000" b="0" dirty="0" err="1">
                 <a:solidFill>
                   <a:schemeClr val="accent4">
                     <a:lumMod val="50000"/>
@@ -18436,7 +18445,7 @@
               <a:t>parse</a:t>
             </a:r>
             <a:r>
-              <a:rPr lang="en-US" b="0" dirty="0">
+              <a:rPr lang="en-US" sz="2000" b="0" dirty="0">
                 <a:solidFill>
                   <a:srgbClr val="3B3B3B"/>
                 </a:solidFill>
@@ -18447,7 +18456,7 @@
               <a:t>(</a:t>
             </a:r>
             <a:r>
-              <a:rPr lang="en-US" b="0" dirty="0" err="1">
+              <a:rPr lang="en-US" sz="2000" b="0" dirty="0" err="1">
                 <a:solidFill>
                   <a:srgbClr val="002060"/>
                 </a:solidFill>
@@ -18458,7 +18467,7 @@
               <a:t>numHellos</a:t>
             </a:r>
             <a:r>
-              <a:rPr lang="en-US" b="0" dirty="0">
+              <a:rPr lang="en-US" sz="2000" b="0" dirty="0">
                 <a:solidFill>
                   <a:srgbClr val="3B3B3B"/>
                 </a:solidFill>
@@ -18477,7 +18486,7 @@
               <a:buNone/>
             </a:pPr>
             <a:r>
-              <a:rPr lang="en-US" b="0" dirty="0">
+              <a:rPr lang="en-US" sz="2000" b="0" dirty="0">
                 <a:solidFill>
                   <a:srgbClr val="AF00DB"/>
                 </a:solidFill>
@@ -18488,7 +18497,7 @@
               <a:t>  for</a:t>
             </a:r>
             <a:r>
-              <a:rPr lang="en-US" b="0" dirty="0">
+              <a:rPr lang="en-US" sz="2000" b="0" dirty="0">
                 <a:solidFill>
                   <a:srgbClr val="3B3B3B"/>
                 </a:solidFill>
@@ -18499,7 +18508,7 @@
               <a:t> (</a:t>
             </a:r>
             <a:r>
-              <a:rPr lang="en-US" b="0" dirty="0">
+              <a:rPr lang="en-US" sz="2000" b="0" dirty="0">
                 <a:solidFill>
                   <a:srgbClr val="0000FF"/>
                 </a:solidFill>
@@ -18510,7 +18519,7 @@
               <a:t>let</a:t>
             </a:r>
             <a:r>
-              <a:rPr lang="en-US" b="0" dirty="0">
+              <a:rPr lang="en-US" sz="2000" b="0" dirty="0">
                 <a:solidFill>
                   <a:srgbClr val="3B3B3B"/>
                 </a:solidFill>
@@ -18521,7 +18530,7 @@
               <a:t> </a:t>
             </a:r>
             <a:r>
-              <a:rPr lang="en-US" b="0" dirty="0" err="1">
+              <a:rPr lang="en-US" sz="2000" b="0" dirty="0" err="1">
                 <a:solidFill>
                   <a:srgbClr val="001080"/>
                 </a:solidFill>
@@ -18532,7 +18541,7 @@
               <a:t>i</a:t>
             </a:r>
             <a:r>
-              <a:rPr lang="en-US" b="0" dirty="0">
+              <a:rPr lang="en-US" sz="2000" b="0" dirty="0">
                 <a:solidFill>
                   <a:srgbClr val="3B3B3B"/>
                 </a:solidFill>
@@ -18543,7 +18552,7 @@
               <a:t> </a:t>
             </a:r>
             <a:r>
-              <a:rPr lang="en-US" b="0" dirty="0">
+              <a:rPr lang="en-US" sz="2000" b="0" dirty="0">
                 <a:solidFill>
                   <a:srgbClr val="000000"/>
                 </a:solidFill>
@@ -18554,7 +18563,7 @@
               <a:t>=</a:t>
             </a:r>
             <a:r>
-              <a:rPr lang="en-US" b="0" dirty="0">
+              <a:rPr lang="en-US" sz="2000" b="0" dirty="0">
                 <a:solidFill>
                   <a:srgbClr val="3B3B3B"/>
                 </a:solidFill>
@@ -18565,7 +18574,7 @@
               <a:t> </a:t>
             </a:r>
             <a:r>
-              <a:rPr lang="en-US" b="0" dirty="0">
+              <a:rPr lang="en-US" sz="2000" b="0" dirty="0">
                 <a:solidFill>
                   <a:srgbClr val="001080"/>
                 </a:solidFill>
@@ -18576,7 +18585,7 @@
               <a:t>hellos</a:t>
             </a:r>
             <a:r>
-              <a:rPr lang="en-US" b="0" dirty="0">
+              <a:rPr lang="en-US" sz="2000" b="0" dirty="0">
                 <a:solidFill>
                   <a:srgbClr val="3B3B3B"/>
                 </a:solidFill>
@@ -18587,7 +18596,7 @@
               <a:t>; </a:t>
             </a:r>
             <a:r>
-              <a:rPr lang="en-US" b="0" dirty="0" err="1">
+              <a:rPr lang="en-US" sz="2000" b="0" dirty="0" err="1">
                 <a:solidFill>
                   <a:srgbClr val="001080"/>
                 </a:solidFill>
@@ -18598,7 +18607,7 @@
               <a:t>i</a:t>
             </a:r>
             <a:r>
-              <a:rPr lang="en-US" b="0" dirty="0">
+              <a:rPr lang="en-US" sz="2000" b="0" dirty="0">
                 <a:solidFill>
                   <a:srgbClr val="3B3B3B"/>
                 </a:solidFill>
@@ -18609,7 +18618,7 @@
               <a:t> </a:t>
             </a:r>
             <a:r>
-              <a:rPr lang="en-US" b="0" dirty="0">
+              <a:rPr lang="en-US" sz="2000" b="0" dirty="0">
                 <a:solidFill>
                   <a:srgbClr val="000000"/>
                 </a:solidFill>
@@ -18620,7 +18629,7 @@
               <a:t>!==</a:t>
             </a:r>
             <a:r>
-              <a:rPr lang="en-US" b="0" dirty="0">
+              <a:rPr lang="en-US" sz="2000" b="0" dirty="0">
                 <a:solidFill>
                   <a:srgbClr val="3B3B3B"/>
                 </a:solidFill>
@@ -18631,7 +18640,7 @@
               <a:t> </a:t>
             </a:r>
             <a:r>
-              <a:rPr lang="en-US" b="0" dirty="0">
+              <a:rPr lang="en-US" sz="2000" b="0" dirty="0">
                 <a:solidFill>
                   <a:srgbClr val="098658"/>
                 </a:solidFill>
@@ -18642,7 +18651,7 @@
               <a:t>0</a:t>
             </a:r>
             <a:r>
-              <a:rPr lang="en-US" b="0" dirty="0">
+              <a:rPr lang="en-US" sz="2000" b="0" dirty="0">
                 <a:solidFill>
                   <a:srgbClr val="3B3B3B"/>
                 </a:solidFill>
@@ -18653,7 +18662,7 @@
               <a:t>; </a:t>
             </a:r>
             <a:r>
-              <a:rPr lang="en-US" b="0" dirty="0" err="1">
+              <a:rPr lang="en-US" sz="2000" b="0" dirty="0" err="1">
                 <a:solidFill>
                   <a:srgbClr val="001080"/>
                 </a:solidFill>
@@ -18664,7 +18673,7 @@
               <a:t>i</a:t>
             </a:r>
             <a:r>
-              <a:rPr lang="en-US" b="0" dirty="0">
+              <a:rPr lang="en-US" sz="2000" b="0" dirty="0">
                 <a:solidFill>
                   <a:srgbClr val="000000"/>
                 </a:solidFill>
@@ -18675,7 +18684,7 @@
               <a:t>--</a:t>
             </a:r>
             <a:r>
-              <a:rPr lang="en-US" b="0" dirty="0">
+              <a:rPr lang="en-US" sz="2000" b="0" dirty="0">
                 <a:solidFill>
                   <a:srgbClr val="3B3B3B"/>
                 </a:solidFill>
@@ -18686,7 +18695,7 @@
               <a:t>) { </a:t>
             </a:r>
             <a:r>
-              <a:rPr lang="en-US" b="0" dirty="0" err="1">
+              <a:rPr lang="en-US" sz="2000" b="0" dirty="0" err="1">
                 <a:solidFill>
                   <a:srgbClr val="001080"/>
                 </a:solidFill>
@@ -18697,7 +18706,7 @@
               <a:t>console</a:t>
             </a:r>
             <a:r>
-              <a:rPr lang="en-US" b="0" dirty="0" err="1">
+              <a:rPr lang="en-US" sz="2000" b="0" dirty="0" err="1">
                 <a:solidFill>
                   <a:srgbClr val="3B3B3B"/>
                 </a:solidFill>
@@ -18708,7 +18717,7 @@
               <a:t>.</a:t>
             </a:r>
             <a:r>
-              <a:rPr lang="en-US" b="0" dirty="0" err="1">
+              <a:rPr lang="en-US" sz="2000" b="0" dirty="0" err="1">
                 <a:solidFill>
                   <a:srgbClr val="795E26"/>
                 </a:solidFill>
@@ -18719,7 +18728,7 @@
               <a:t>log</a:t>
             </a:r>
             <a:r>
-              <a:rPr lang="en-US" b="0" dirty="0">
+              <a:rPr lang="en-US" sz="2000" b="0" dirty="0">
                 <a:solidFill>
                   <a:srgbClr val="3B3B3B"/>
                 </a:solidFill>
@@ -18730,7 +18739,7 @@
               <a:t>(</a:t>
             </a:r>
             <a:r>
-              <a:rPr lang="en-US" dirty="0">
+              <a:rPr lang="en-US" sz="2000" dirty="0">
                 <a:solidFill>
                   <a:srgbClr val="A31515"/>
                 </a:solidFill>
@@ -18740,7 +18749,7 @@
               <a:t>'hello’</a:t>
             </a:r>
             <a:r>
-              <a:rPr lang="en-US" b="0" dirty="0">
+              <a:rPr lang="en-US" sz="2000" b="0" dirty="0">
                 <a:solidFill>
                   <a:srgbClr val="3B3B3B"/>
                 </a:solidFill>
@@ -18758,7 +18767,7 @@
               </a:lnSpc>
             </a:pPr>
             <a:r>
-              <a:rPr lang="en-US" b="0" dirty="0">
+              <a:rPr lang="en-US" sz="2000" b="0" dirty="0">
                 <a:solidFill>
                   <a:srgbClr val="3B3B3B"/>
                 </a:solidFill>
@@ -19212,7 +19221,7 @@
           <a:lstStyle/>
           <a:p>
             <a:r>
-              <a:rPr lang="en-US" dirty="0"/>
+              <a:rPr lang="en-US" b="1" dirty="0"/>
               <a:t>When I’ve described the valid inputs</a:t>
             </a:r>
           </a:p>
@@ -19720,7 +19729,7 @@
         <p:spPr>
           <a:xfrm>
             <a:off x="744069" y="4040177"/>
-            <a:ext cx="11354146" cy="2817823"/>
+            <a:ext cx="11354146" cy="2748188"/>
           </a:xfrm>
           <a:prstGeom prst="rect">
             <a:avLst/>
@@ -19772,7 +19781,7 @@
               </a:rPr>
               <a:t>/**</a:t>
             </a:r>
-            <a:endParaRPr lang="en-US" b="0" dirty="0">
+            <a:endParaRPr lang="en-US" sz="2000" b="0" dirty="0">
               <a:solidFill>
                 <a:srgbClr val="3B3B3B"/>
               </a:solidFill>
@@ -19789,7 +19798,7 @@
               <a:buNone/>
             </a:pPr>
             <a:r>
-              <a:rPr lang="en-US" b="0" dirty="0">
+              <a:rPr lang="en-US" sz="2000" b="0" dirty="0">
                 <a:solidFill>
                   <a:srgbClr val="008000"/>
                 </a:solidFill>
@@ -19799,7 +19808,7 @@
               </a:rPr>
               <a:t> * Prints "hello" repeatedly</a:t>
             </a:r>
-            <a:endParaRPr lang="en-US" b="0" dirty="0">
+            <a:endParaRPr lang="en-US" sz="2000" b="0" dirty="0">
               <a:solidFill>
                 <a:srgbClr val="3B3B3B"/>
               </a:solidFill>
@@ -19816,7 +19825,7 @@
               <a:buNone/>
             </a:pPr>
             <a:r>
-              <a:rPr lang="en-US" b="0" dirty="0">
+              <a:rPr lang="en-US" sz="2000" b="0" dirty="0">
                 <a:solidFill>
                   <a:srgbClr val="008000"/>
                 </a:solidFill>
@@ -19824,9 +19833,82 @@
                 <a:latin typeface="Consolas" panose="020B0609020204030204" pitchFamily="49" charset="0"/>
                 <a:cs typeface="Consolas" panose="020B0609020204030204" pitchFamily="49" charset="0"/>
               </a:rPr>
-              <a:t> *</a:t>
-            </a:r>
-            <a:endParaRPr lang="en-US" b="0" dirty="0">
+              <a:t> * </a:t>
+            </a:r>
+            <a:r>
+              <a:rPr lang="en-US" sz="2000" b="0" dirty="0">
+                <a:solidFill>
+                  <a:srgbClr val="0000FF"/>
+                </a:solidFill>
+                <a:effectLst/>
+                <a:latin typeface="Consolas" panose="020B0609020204030204" pitchFamily="49" charset="0"/>
+                <a:cs typeface="Consolas" panose="020B0609020204030204" pitchFamily="49" charset="0"/>
+              </a:rPr>
+              <a:t>@param</a:t>
+            </a:r>
+            <a:r>
+              <a:rPr lang="en-US" sz="2000" b="0" dirty="0">
+                <a:solidFill>
+                  <a:srgbClr val="008000"/>
+                </a:solidFill>
+                <a:effectLst/>
+                <a:latin typeface="Consolas" panose="020B0609020204030204" pitchFamily="49" charset="0"/>
+                <a:cs typeface="Consolas" panose="020B0609020204030204" pitchFamily="49" charset="0"/>
+              </a:rPr>
+              <a:t> </a:t>
+            </a:r>
+            <a:r>
+              <a:rPr lang="en-US" sz="2000" b="0" dirty="0" err="1">
+                <a:solidFill>
+                  <a:srgbClr val="001080"/>
+                </a:solidFill>
+                <a:effectLst/>
+                <a:latin typeface="Consolas" panose="020B0609020204030204" pitchFamily="49" charset="0"/>
+                <a:cs typeface="Consolas" panose="020B0609020204030204" pitchFamily="49" charset="0"/>
+              </a:rPr>
+              <a:t>numHellos</a:t>
+            </a:r>
+            <a:r>
+              <a:rPr lang="en-US" sz="2000" b="0" dirty="0">
+                <a:solidFill>
+                  <a:srgbClr val="008000"/>
+                </a:solidFill>
+                <a:effectLst/>
+                <a:latin typeface="Consolas" panose="020B0609020204030204" pitchFamily="49" charset="0"/>
+                <a:cs typeface="Consolas" panose="020B0609020204030204" pitchFamily="49" charset="0"/>
+              </a:rPr>
+              <a:t> - number of times to print “hello”, </a:t>
+            </a:r>
+          </a:p>
+          <a:p>
+            <a:pPr>
+              <a:lnSpc>
+                <a:spcPct val="110000"/>
+              </a:lnSpc>
+              <a:buNone/>
+            </a:pPr>
+            <a:r>
+              <a:rPr lang="en-US" sz="2000" dirty="0">
+                <a:solidFill>
+                  <a:srgbClr val="008000"/>
+                </a:solidFill>
+                <a:latin typeface="Consolas" panose="020B0609020204030204" pitchFamily="49" charset="0"/>
+                <a:cs typeface="Consolas" panose="020B0609020204030204" pitchFamily="49" charset="0"/>
+              </a:rPr>
+              <a:t> *   </a:t>
+            </a:r>
+            <a:r>
+              <a:rPr lang="en-US" sz="2000" b="0" dirty="0">
+                <a:solidFill>
+                  <a:srgbClr val="008000"/>
+                </a:solidFill>
+                <a:effectLst/>
+                <a:latin typeface="Consolas" panose="020B0609020204030204" pitchFamily="49" charset="0"/>
+                <a:cs typeface="Consolas" panose="020B0609020204030204" pitchFamily="49" charset="0"/>
+              </a:rPr>
+              <a:t>must be an integer &gt;= 0</a:t>
+            </a:r>
+            <a:endParaRPr lang="en-US" sz="2000" b="0" dirty="0">
               <a:solidFill>
                 <a:srgbClr val="3B3B3B"/>
               </a:solidFill>
@@ -19843,7 +19925,7 @@
               <a:buNone/>
             </a:pPr>
             <a:r>
-              <a:rPr lang="en-US" b="0" dirty="0">
+              <a:rPr lang="en-US" sz="2000" b="0" dirty="0">
                 <a:solidFill>
                   <a:srgbClr val="008000"/>
                 </a:solidFill>
@@ -19851,82 +19933,9 @@
                 <a:latin typeface="Consolas" panose="020B0609020204030204" pitchFamily="49" charset="0"/>
                 <a:cs typeface="Consolas" panose="020B0609020204030204" pitchFamily="49" charset="0"/>
               </a:rPr>
-              <a:t> * </a:t>
-            </a:r>
-            <a:r>
-              <a:rPr lang="en-US" b="0" dirty="0">
-                <a:solidFill>
-                  <a:srgbClr val="0000FF"/>
-                </a:solidFill>
-                <a:effectLst/>
-                <a:latin typeface="Consolas" panose="020B0609020204030204" pitchFamily="49" charset="0"/>
-                <a:cs typeface="Consolas" panose="020B0609020204030204" pitchFamily="49" charset="0"/>
-              </a:rPr>
-              <a:t>@param</a:t>
-            </a:r>
-            <a:r>
-              <a:rPr lang="en-US" b="0" dirty="0">
-                <a:solidFill>
-                  <a:srgbClr val="008000"/>
-                </a:solidFill>
-                <a:effectLst/>
-                <a:latin typeface="Consolas" panose="020B0609020204030204" pitchFamily="49" charset="0"/>
-                <a:cs typeface="Consolas" panose="020B0609020204030204" pitchFamily="49" charset="0"/>
-              </a:rPr>
-              <a:t> </a:t>
-            </a:r>
-            <a:r>
-              <a:rPr lang="en-US" b="0" dirty="0" err="1">
-                <a:solidFill>
-                  <a:srgbClr val="001080"/>
-                </a:solidFill>
-                <a:effectLst/>
-                <a:latin typeface="Consolas" panose="020B0609020204030204" pitchFamily="49" charset="0"/>
-                <a:cs typeface="Consolas" panose="020B0609020204030204" pitchFamily="49" charset="0"/>
-              </a:rPr>
-              <a:t>numHellos</a:t>
-            </a:r>
-            <a:r>
-              <a:rPr lang="en-US" b="0" dirty="0">
-                <a:solidFill>
-                  <a:srgbClr val="008000"/>
-                </a:solidFill>
-                <a:effectLst/>
-                <a:latin typeface="Consolas" panose="020B0609020204030204" pitchFamily="49" charset="0"/>
-                <a:cs typeface="Consolas" panose="020B0609020204030204" pitchFamily="49" charset="0"/>
-              </a:rPr>
-              <a:t> - number of times to print “hello”, </a:t>
-            </a:r>
-          </a:p>
-          <a:p>
-            <a:pPr>
-              <a:lnSpc>
-                <a:spcPct val="110000"/>
-              </a:lnSpc>
-              <a:buNone/>
-            </a:pPr>
-            <a:r>
-              <a:rPr lang="en-US" dirty="0">
-                <a:solidFill>
-                  <a:srgbClr val="008000"/>
-                </a:solidFill>
-                <a:latin typeface="Consolas" panose="020B0609020204030204" pitchFamily="49" charset="0"/>
-                <a:cs typeface="Consolas" panose="020B0609020204030204" pitchFamily="49" charset="0"/>
-              </a:rPr>
-              <a:t> *   </a:t>
-            </a:r>
-            <a:r>
-              <a:rPr lang="en-US" b="0" dirty="0">
-                <a:solidFill>
-                  <a:srgbClr val="008000"/>
-                </a:solidFill>
-                <a:effectLst/>
-                <a:latin typeface="Consolas" panose="020B0609020204030204" pitchFamily="49" charset="0"/>
-                <a:cs typeface="Consolas" panose="020B0609020204030204" pitchFamily="49" charset="0"/>
-              </a:rPr>
-              <a:t>must be an integer &gt;= 0</a:t>
-            </a:r>
-            <a:endParaRPr lang="en-US" b="0" dirty="0">
+              <a:t> */</a:t>
+            </a:r>
+            <a:endParaRPr lang="en-US" sz="2000" b="0" dirty="0">
               <a:solidFill>
                 <a:srgbClr val="3B3B3B"/>
               </a:solidFill>
@@ -19943,24 +19952,104 @@
               <a:buNone/>
             </a:pPr>
             <a:r>
-              <a:rPr lang="en-US" b="0" dirty="0">
-                <a:solidFill>
-                  <a:srgbClr val="008000"/>
+              <a:rPr lang="en-US" sz="2000" b="0" dirty="0">
+                <a:solidFill>
+                  <a:srgbClr val="0000FF"/>
                 </a:solidFill>
                 <a:effectLst/>
                 <a:latin typeface="Consolas" panose="020B0609020204030204" pitchFamily="49" charset="0"/>
                 <a:cs typeface="Consolas" panose="020B0609020204030204" pitchFamily="49" charset="0"/>
               </a:rPr>
-              <a:t> */</a:t>
-            </a:r>
-            <a:endParaRPr lang="en-US" b="0" dirty="0">
-              <a:solidFill>
-                <a:srgbClr val="3B3B3B"/>
-              </a:solidFill>
-              <a:effectLst/>
-              <a:latin typeface="Consolas" panose="020B0609020204030204" pitchFamily="49" charset="0"/>
-              <a:cs typeface="Consolas" panose="020B0609020204030204" pitchFamily="49" charset="0"/>
-            </a:endParaRPr>
+              <a:t>function</a:t>
+            </a:r>
+            <a:r>
+              <a:rPr lang="en-US" sz="2000" b="0" dirty="0">
+                <a:solidFill>
+                  <a:srgbClr val="3B3B3B"/>
+                </a:solidFill>
+                <a:effectLst/>
+                <a:latin typeface="Consolas" panose="020B0609020204030204" pitchFamily="49" charset="0"/>
+                <a:cs typeface="Consolas" panose="020B0609020204030204" pitchFamily="49" charset="0"/>
+              </a:rPr>
+              <a:t> </a:t>
+            </a:r>
+            <a:r>
+              <a:rPr lang="en-US" sz="2000" b="0" dirty="0" err="1">
+                <a:solidFill>
+                  <a:srgbClr val="795E26"/>
+                </a:solidFill>
+                <a:effectLst/>
+                <a:latin typeface="Consolas" panose="020B0609020204030204" pitchFamily="49" charset="0"/>
+                <a:cs typeface="Consolas" panose="020B0609020204030204" pitchFamily="49" charset="0"/>
+              </a:rPr>
+              <a:t>helloNTimes</a:t>
+            </a:r>
+            <a:r>
+              <a:rPr lang="en-US" sz="2000" b="0" dirty="0">
+                <a:solidFill>
+                  <a:srgbClr val="3B3B3B"/>
+                </a:solidFill>
+                <a:effectLst/>
+                <a:latin typeface="Consolas" panose="020B0609020204030204" pitchFamily="49" charset="0"/>
+                <a:cs typeface="Consolas" panose="020B0609020204030204" pitchFamily="49" charset="0"/>
+              </a:rPr>
+              <a:t>(</a:t>
+            </a:r>
+            <a:r>
+              <a:rPr lang="en-US" sz="2000" b="0" dirty="0" err="1">
+                <a:solidFill>
+                  <a:srgbClr val="001080"/>
+                </a:solidFill>
+                <a:effectLst/>
+                <a:latin typeface="Consolas" panose="020B0609020204030204" pitchFamily="49" charset="0"/>
+                <a:cs typeface="Consolas" panose="020B0609020204030204" pitchFamily="49" charset="0"/>
+              </a:rPr>
+              <a:t>numHellos</a:t>
+            </a:r>
+            <a:r>
+              <a:rPr lang="en-US" sz="2000" b="0" dirty="0">
+                <a:solidFill>
+                  <a:srgbClr val="000000"/>
+                </a:solidFill>
+                <a:effectLst/>
+                <a:latin typeface="Consolas" panose="020B0609020204030204" pitchFamily="49" charset="0"/>
+                <a:cs typeface="Consolas" panose="020B0609020204030204" pitchFamily="49" charset="0"/>
+              </a:rPr>
+              <a:t>:</a:t>
+            </a:r>
+            <a:r>
+              <a:rPr lang="en-US" sz="2000" b="0" dirty="0">
+                <a:solidFill>
+                  <a:srgbClr val="3B3B3B"/>
+                </a:solidFill>
+                <a:effectLst/>
+                <a:latin typeface="Consolas" panose="020B0609020204030204" pitchFamily="49" charset="0"/>
+                <a:cs typeface="Consolas" panose="020B0609020204030204" pitchFamily="49" charset="0"/>
+              </a:rPr>
+              <a:t> </a:t>
+            </a:r>
+            <a:r>
+              <a:rPr lang="en-US" sz="2000" b="0" dirty="0">
+                <a:solidFill>
+                  <a:srgbClr val="267F99"/>
+                </a:solidFill>
+                <a:effectLst/>
+                <a:latin typeface="Consolas" panose="020B0609020204030204" pitchFamily="49" charset="0"/>
+                <a:cs typeface="Consolas" panose="020B0609020204030204" pitchFamily="49" charset="0"/>
+              </a:rPr>
+              <a:t>number</a:t>
+            </a:r>
+            <a:r>
+              <a:rPr lang="en-US" sz="2000" b="0" dirty="0">
+                <a:solidFill>
+                  <a:srgbClr val="3B3B3B"/>
+                </a:solidFill>
+                <a:effectLst/>
+                <a:latin typeface="Consolas" panose="020B0609020204030204" pitchFamily="49" charset="0"/>
+                <a:cs typeface="Consolas" panose="020B0609020204030204" pitchFamily="49" charset="0"/>
+              </a:rPr>
+              <a:t>) {</a:t>
+            </a:r>
           </a:p>
           <a:p>
             <a:pPr>
@@ -19970,7 +20059,29 @@
               <a:buNone/>
             </a:pPr>
             <a:r>
-              <a:rPr lang="en-US" b="0" dirty="0">
+              <a:rPr lang="en-US" sz="2000" b="0" dirty="0">
+                <a:solidFill>
+                  <a:srgbClr val="AF00DB"/>
+                </a:solidFill>
+                <a:effectLst/>
+                <a:latin typeface="Consolas" panose="020B0609020204030204" pitchFamily="49" charset="0"/>
+                <a:cs typeface="Consolas" panose="020B0609020204030204" pitchFamily="49" charset="0"/>
+              </a:rPr>
+              <a:t>  for</a:t>
+            </a:r>
+            <a:r>
+              <a:rPr lang="en-US" sz="2000" b="0" dirty="0">
+                <a:solidFill>
+                  <a:srgbClr val="3B3B3B"/>
+                </a:solidFill>
+                <a:effectLst/>
+                <a:latin typeface="Consolas" panose="020B0609020204030204" pitchFamily="49" charset="0"/>
+                <a:cs typeface="Consolas" panose="020B0609020204030204" pitchFamily="49" charset="0"/>
+              </a:rPr>
+              <a:t> (</a:t>
+            </a:r>
+            <a:r>
+              <a:rPr lang="en-US" sz="2000" b="0" dirty="0">
                 <a:solidFill>
                   <a:srgbClr val="0000FF"/>
                 </a:solidFill>
@@ -19978,10 +20089,10 @@
                 <a:latin typeface="Consolas" panose="020B0609020204030204" pitchFamily="49" charset="0"/>
                 <a:cs typeface="Consolas" panose="020B0609020204030204" pitchFamily="49" charset="0"/>
               </a:rPr>
-              <a:t>function</a:t>
-            </a:r>
-            <a:r>
-              <a:rPr lang="en-US" b="0" dirty="0">
+              <a:t>let</a:t>
+            </a:r>
+            <a:r>
+              <a:rPr lang="en-US" sz="2000" b="0" dirty="0">
                 <a:solidFill>
                   <a:srgbClr val="3B3B3B"/>
                 </a:solidFill>
@@ -19992,7 +20103,194 @@
               <a:t> </a:t>
             </a:r>
             <a:r>
-              <a:rPr lang="en-US" b="0" dirty="0" err="1">
+              <a:rPr lang="en-US" sz="2000" b="0" dirty="0" err="1">
+                <a:solidFill>
+                  <a:srgbClr val="001080"/>
+                </a:solidFill>
+                <a:effectLst/>
+                <a:latin typeface="Consolas" panose="020B0609020204030204" pitchFamily="49" charset="0"/>
+                <a:cs typeface="Consolas" panose="020B0609020204030204" pitchFamily="49" charset="0"/>
+              </a:rPr>
+              <a:t>i</a:t>
+            </a:r>
+            <a:r>
+              <a:rPr lang="en-US" sz="2000" b="0" dirty="0">
+                <a:solidFill>
+                  <a:srgbClr val="3B3B3B"/>
+                </a:solidFill>
+                <a:effectLst/>
+                <a:latin typeface="Consolas" panose="020B0609020204030204" pitchFamily="49" charset="0"/>
+                <a:cs typeface="Consolas" panose="020B0609020204030204" pitchFamily="49" charset="0"/>
+              </a:rPr>
+              <a:t> </a:t>
+            </a:r>
+            <a:r>
+              <a:rPr lang="en-US" sz="2000" b="0" dirty="0">
+                <a:solidFill>
+                  <a:srgbClr val="000000"/>
+                </a:solidFill>
+                <a:effectLst/>
+                <a:latin typeface="Consolas" panose="020B0609020204030204" pitchFamily="49" charset="0"/>
+                <a:cs typeface="Consolas" panose="020B0609020204030204" pitchFamily="49" charset="0"/>
+              </a:rPr>
+              <a:t>=</a:t>
+            </a:r>
+            <a:r>
+              <a:rPr lang="en-US" sz="2000" b="0" dirty="0">
+                <a:solidFill>
+                  <a:srgbClr val="3B3B3B"/>
+                </a:solidFill>
+                <a:effectLst/>
+                <a:latin typeface="Consolas" panose="020B0609020204030204" pitchFamily="49" charset="0"/>
+                <a:cs typeface="Consolas" panose="020B0609020204030204" pitchFamily="49" charset="0"/>
+              </a:rPr>
+              <a:t> </a:t>
+            </a:r>
+            <a:r>
+              <a:rPr lang="en-US" sz="2000" b="0" dirty="0" err="1">
+                <a:solidFill>
+                  <a:srgbClr val="001080"/>
+                </a:solidFill>
+                <a:effectLst/>
+                <a:latin typeface="Consolas" panose="020B0609020204030204" pitchFamily="49" charset="0"/>
+                <a:cs typeface="Consolas" panose="020B0609020204030204" pitchFamily="49" charset="0"/>
+              </a:rPr>
+              <a:t>numHellos</a:t>
+            </a:r>
+            <a:r>
+              <a:rPr lang="en-US" sz="2000" b="0" dirty="0">
+                <a:solidFill>
+                  <a:srgbClr val="3B3B3B"/>
+                </a:solidFill>
+                <a:effectLst/>
+                <a:latin typeface="Consolas" panose="020B0609020204030204" pitchFamily="49" charset="0"/>
+                <a:cs typeface="Consolas" panose="020B0609020204030204" pitchFamily="49" charset="0"/>
+              </a:rPr>
+              <a:t>; </a:t>
+            </a:r>
+            <a:r>
+              <a:rPr lang="en-US" sz="2000" b="0" dirty="0" err="1">
+                <a:solidFill>
+                  <a:srgbClr val="001080"/>
+                </a:solidFill>
+                <a:effectLst/>
+                <a:latin typeface="Consolas" panose="020B0609020204030204" pitchFamily="49" charset="0"/>
+                <a:cs typeface="Consolas" panose="020B0609020204030204" pitchFamily="49" charset="0"/>
+              </a:rPr>
+              <a:t>i</a:t>
+            </a:r>
+            <a:r>
+              <a:rPr lang="en-US" sz="2000" b="0" dirty="0">
+                <a:solidFill>
+                  <a:srgbClr val="3B3B3B"/>
+                </a:solidFill>
+                <a:effectLst/>
+                <a:latin typeface="Consolas" panose="020B0609020204030204" pitchFamily="49" charset="0"/>
+                <a:cs typeface="Consolas" panose="020B0609020204030204" pitchFamily="49" charset="0"/>
+              </a:rPr>
+              <a:t> </a:t>
+            </a:r>
+            <a:r>
+              <a:rPr lang="en-US" sz="2000" b="0" dirty="0">
+                <a:solidFill>
+                  <a:srgbClr val="000000"/>
+                </a:solidFill>
+                <a:effectLst/>
+                <a:latin typeface="Consolas" panose="020B0609020204030204" pitchFamily="49" charset="0"/>
+                <a:cs typeface="Consolas" panose="020B0609020204030204" pitchFamily="49" charset="0"/>
+              </a:rPr>
+              <a:t>!==</a:t>
+            </a:r>
+            <a:r>
+              <a:rPr lang="en-US" sz="2000" b="0" dirty="0">
+                <a:solidFill>
+                  <a:srgbClr val="3B3B3B"/>
+                </a:solidFill>
+                <a:effectLst/>
+                <a:latin typeface="Consolas" panose="020B0609020204030204" pitchFamily="49" charset="0"/>
+                <a:cs typeface="Consolas" panose="020B0609020204030204" pitchFamily="49" charset="0"/>
+              </a:rPr>
+              <a:t> </a:t>
+            </a:r>
+            <a:r>
+              <a:rPr lang="en-US" sz="2000" b="0" dirty="0">
+                <a:solidFill>
+                  <a:srgbClr val="098658"/>
+                </a:solidFill>
+                <a:effectLst/>
+                <a:latin typeface="Consolas" panose="020B0609020204030204" pitchFamily="49" charset="0"/>
+                <a:cs typeface="Consolas" panose="020B0609020204030204" pitchFamily="49" charset="0"/>
+              </a:rPr>
+              <a:t>0</a:t>
+            </a:r>
+            <a:r>
+              <a:rPr lang="en-US" sz="2000" b="0" dirty="0">
+                <a:solidFill>
+                  <a:srgbClr val="3B3B3B"/>
+                </a:solidFill>
+                <a:effectLst/>
+                <a:latin typeface="Consolas" panose="020B0609020204030204" pitchFamily="49" charset="0"/>
+                <a:cs typeface="Consolas" panose="020B0609020204030204" pitchFamily="49" charset="0"/>
+              </a:rPr>
+              <a:t>; </a:t>
+            </a:r>
+            <a:r>
+              <a:rPr lang="en-US" sz="2000" b="0" dirty="0" err="1">
+                <a:solidFill>
+                  <a:srgbClr val="001080"/>
+                </a:solidFill>
+                <a:effectLst/>
+                <a:latin typeface="Consolas" panose="020B0609020204030204" pitchFamily="49" charset="0"/>
+                <a:cs typeface="Consolas" panose="020B0609020204030204" pitchFamily="49" charset="0"/>
+              </a:rPr>
+              <a:t>i</a:t>
+            </a:r>
+            <a:r>
+              <a:rPr lang="en-US" sz="2000" b="0" dirty="0">
+                <a:solidFill>
+                  <a:srgbClr val="000000"/>
+                </a:solidFill>
+                <a:effectLst/>
+                <a:latin typeface="Consolas" panose="020B0609020204030204" pitchFamily="49" charset="0"/>
+                <a:cs typeface="Consolas" panose="020B0609020204030204" pitchFamily="49" charset="0"/>
+              </a:rPr>
+              <a:t>--</a:t>
+            </a:r>
+            <a:r>
+              <a:rPr lang="en-US" sz="2000" b="0" dirty="0">
+                <a:solidFill>
+                  <a:srgbClr val="3B3B3B"/>
+                </a:solidFill>
+                <a:effectLst/>
+                <a:latin typeface="Consolas" panose="020B0609020204030204" pitchFamily="49" charset="0"/>
+                <a:cs typeface="Consolas" panose="020B0609020204030204" pitchFamily="49" charset="0"/>
+              </a:rPr>
+              <a:t>) { </a:t>
+            </a:r>
+            <a:r>
+              <a:rPr lang="en-US" sz="2000" b="0" dirty="0" err="1">
+                <a:solidFill>
+                  <a:srgbClr val="001080"/>
+                </a:solidFill>
+                <a:effectLst/>
+                <a:latin typeface="Consolas" panose="020B0609020204030204" pitchFamily="49" charset="0"/>
+                <a:cs typeface="Consolas" panose="020B0609020204030204" pitchFamily="49" charset="0"/>
+              </a:rPr>
+              <a:t>console</a:t>
+            </a:r>
+            <a:r>
+              <a:rPr lang="en-US" sz="2000" b="0" dirty="0" err="1">
+                <a:solidFill>
+                  <a:srgbClr val="3B3B3B"/>
+                </a:solidFill>
+                <a:effectLst/>
+                <a:latin typeface="Consolas" panose="020B0609020204030204" pitchFamily="49" charset="0"/>
+                <a:cs typeface="Consolas" panose="020B0609020204030204" pitchFamily="49" charset="0"/>
+              </a:rPr>
+              <a:t>.</a:t>
+            </a:r>
+            <a:r>
+              <a:rPr lang="en-US" sz="2000" b="0" dirty="0" err="1">
                 <a:solidFill>
                   <a:srgbClr val="795E26"/>
                 </a:solidFill>
@@ -20000,10 +20298,10 @@
                 <a:latin typeface="Consolas" panose="020B0609020204030204" pitchFamily="49" charset="0"/>
                 <a:cs typeface="Consolas" panose="020B0609020204030204" pitchFamily="49" charset="0"/>
               </a:rPr>
-              <a:t>helloNTimes</a:t>
-            </a:r>
-            <a:r>
-              <a:rPr lang="en-US" b="0" dirty="0">
+              <a:t>log</a:t>
+            </a:r>
+            <a:r>
+              <a:rPr lang="en-US" sz="2000" b="0" dirty="0">
                 <a:solidFill>
                   <a:srgbClr val="3B3B3B"/>
                 </a:solidFill>
@@ -20014,323 +20312,7 @@
               <a:t>(</a:t>
             </a:r>
             <a:r>
-              <a:rPr lang="en-US" b="0" dirty="0" err="1">
-                <a:solidFill>
-                  <a:srgbClr val="001080"/>
-                </a:solidFill>
-                <a:effectLst/>
-                <a:latin typeface="Consolas" panose="020B0609020204030204" pitchFamily="49" charset="0"/>
-                <a:cs typeface="Consolas" panose="020B0609020204030204" pitchFamily="49" charset="0"/>
-              </a:rPr>
-              <a:t>numHellos</a:t>
-            </a:r>
-            <a:r>
-              <a:rPr lang="en-US" b="0" dirty="0">
-                <a:solidFill>
-                  <a:srgbClr val="000000"/>
-                </a:solidFill>
-                <a:effectLst/>
-                <a:latin typeface="Consolas" panose="020B0609020204030204" pitchFamily="49" charset="0"/>
-                <a:cs typeface="Consolas" panose="020B0609020204030204" pitchFamily="49" charset="0"/>
-              </a:rPr>
-              <a:t>:</a:t>
-            </a:r>
-            <a:r>
-              <a:rPr lang="en-US" b="0" dirty="0">
-                <a:solidFill>
-                  <a:srgbClr val="3B3B3B"/>
-                </a:solidFill>
-                <a:effectLst/>
-                <a:latin typeface="Consolas" panose="020B0609020204030204" pitchFamily="49" charset="0"/>
-                <a:cs typeface="Consolas" panose="020B0609020204030204" pitchFamily="49" charset="0"/>
-              </a:rPr>
-              <a:t> </a:t>
-            </a:r>
-            <a:r>
-              <a:rPr lang="en-US" b="0" dirty="0">
-                <a:solidFill>
-                  <a:srgbClr val="267F99"/>
-                </a:solidFill>
-                <a:effectLst/>
-                <a:latin typeface="Consolas" panose="020B0609020204030204" pitchFamily="49" charset="0"/>
-                <a:cs typeface="Consolas" panose="020B0609020204030204" pitchFamily="49" charset="0"/>
-              </a:rPr>
-              <a:t>number</a:t>
-            </a:r>
-            <a:r>
-              <a:rPr lang="en-US" b="0" dirty="0">
-                <a:solidFill>
-                  <a:srgbClr val="3B3B3B"/>
-                </a:solidFill>
-                <a:effectLst/>
-                <a:latin typeface="Consolas" panose="020B0609020204030204" pitchFamily="49" charset="0"/>
-                <a:cs typeface="Consolas" panose="020B0609020204030204" pitchFamily="49" charset="0"/>
-              </a:rPr>
-              <a:t>) {</a:t>
-            </a:r>
-          </a:p>
-          <a:p>
-            <a:pPr>
-              <a:lnSpc>
-                <a:spcPct val="110000"/>
-              </a:lnSpc>
-              <a:buNone/>
-            </a:pPr>
-            <a:r>
-              <a:rPr lang="en-US" b="0" dirty="0">
-                <a:solidFill>
-                  <a:srgbClr val="AF00DB"/>
-                </a:solidFill>
-                <a:effectLst/>
-                <a:latin typeface="Consolas" panose="020B0609020204030204" pitchFamily="49" charset="0"/>
-                <a:cs typeface="Consolas" panose="020B0609020204030204" pitchFamily="49" charset="0"/>
-              </a:rPr>
-              <a:t>  for</a:t>
-            </a:r>
-            <a:r>
-              <a:rPr lang="en-US" b="0" dirty="0">
-                <a:solidFill>
-                  <a:srgbClr val="3B3B3B"/>
-                </a:solidFill>
-                <a:effectLst/>
-                <a:latin typeface="Consolas" panose="020B0609020204030204" pitchFamily="49" charset="0"/>
-                <a:cs typeface="Consolas" panose="020B0609020204030204" pitchFamily="49" charset="0"/>
-              </a:rPr>
-              <a:t> (</a:t>
-            </a:r>
-            <a:r>
-              <a:rPr lang="en-US" b="0" dirty="0">
-                <a:solidFill>
-                  <a:srgbClr val="0000FF"/>
-                </a:solidFill>
-                <a:effectLst/>
-                <a:latin typeface="Consolas" panose="020B0609020204030204" pitchFamily="49" charset="0"/>
-                <a:cs typeface="Consolas" panose="020B0609020204030204" pitchFamily="49" charset="0"/>
-              </a:rPr>
-              <a:t>let</a:t>
-            </a:r>
-            <a:r>
-              <a:rPr lang="en-US" b="0" dirty="0">
-                <a:solidFill>
-                  <a:srgbClr val="3B3B3B"/>
-                </a:solidFill>
-                <a:effectLst/>
-                <a:latin typeface="Consolas" panose="020B0609020204030204" pitchFamily="49" charset="0"/>
-                <a:cs typeface="Consolas" panose="020B0609020204030204" pitchFamily="49" charset="0"/>
-              </a:rPr>
-              <a:t> </a:t>
-            </a:r>
-            <a:r>
-              <a:rPr lang="en-US" b="0" dirty="0" err="1">
-                <a:solidFill>
-                  <a:srgbClr val="001080"/>
-                </a:solidFill>
-                <a:effectLst/>
-                <a:latin typeface="Consolas" panose="020B0609020204030204" pitchFamily="49" charset="0"/>
-                <a:cs typeface="Consolas" panose="020B0609020204030204" pitchFamily="49" charset="0"/>
-              </a:rPr>
-              <a:t>i</a:t>
-            </a:r>
-            <a:r>
-              <a:rPr lang="en-US" b="0" dirty="0">
-                <a:solidFill>
-                  <a:srgbClr val="3B3B3B"/>
-                </a:solidFill>
-                <a:effectLst/>
-                <a:latin typeface="Consolas" panose="020B0609020204030204" pitchFamily="49" charset="0"/>
-                <a:cs typeface="Consolas" panose="020B0609020204030204" pitchFamily="49" charset="0"/>
-              </a:rPr>
-              <a:t> </a:t>
-            </a:r>
-            <a:r>
-              <a:rPr lang="en-US" b="0" dirty="0">
-                <a:solidFill>
-                  <a:srgbClr val="000000"/>
-                </a:solidFill>
-                <a:effectLst/>
-                <a:latin typeface="Consolas" panose="020B0609020204030204" pitchFamily="49" charset="0"/>
-                <a:cs typeface="Consolas" panose="020B0609020204030204" pitchFamily="49" charset="0"/>
-              </a:rPr>
-              <a:t>=</a:t>
-            </a:r>
-            <a:r>
-              <a:rPr lang="en-US" b="0" dirty="0">
-                <a:solidFill>
-                  <a:srgbClr val="3B3B3B"/>
-                </a:solidFill>
-                <a:effectLst/>
-                <a:latin typeface="Consolas" panose="020B0609020204030204" pitchFamily="49" charset="0"/>
-                <a:cs typeface="Consolas" panose="020B0609020204030204" pitchFamily="49" charset="0"/>
-              </a:rPr>
-              <a:t> </a:t>
-            </a:r>
-            <a:r>
-              <a:rPr lang="en-US" b="0" dirty="0" err="1">
-                <a:solidFill>
-                  <a:srgbClr val="001080"/>
-                </a:solidFill>
-                <a:effectLst/>
-                <a:latin typeface="Consolas" panose="020B0609020204030204" pitchFamily="49" charset="0"/>
-                <a:cs typeface="Consolas" panose="020B0609020204030204" pitchFamily="49" charset="0"/>
-              </a:rPr>
-              <a:t>numHellos</a:t>
-            </a:r>
-            <a:r>
-              <a:rPr lang="en-US" b="0" dirty="0">
-                <a:solidFill>
-                  <a:srgbClr val="3B3B3B"/>
-                </a:solidFill>
-                <a:effectLst/>
-                <a:latin typeface="Consolas" panose="020B0609020204030204" pitchFamily="49" charset="0"/>
-                <a:cs typeface="Consolas" panose="020B0609020204030204" pitchFamily="49" charset="0"/>
-              </a:rPr>
-              <a:t>; </a:t>
-            </a:r>
-            <a:r>
-              <a:rPr lang="en-US" b="0" dirty="0" err="1">
-                <a:solidFill>
-                  <a:srgbClr val="001080"/>
-                </a:solidFill>
-                <a:effectLst/>
-                <a:latin typeface="Consolas" panose="020B0609020204030204" pitchFamily="49" charset="0"/>
-                <a:cs typeface="Consolas" panose="020B0609020204030204" pitchFamily="49" charset="0"/>
-              </a:rPr>
-              <a:t>i</a:t>
-            </a:r>
-            <a:r>
-              <a:rPr lang="en-US" b="0" dirty="0">
-                <a:solidFill>
-                  <a:srgbClr val="3B3B3B"/>
-                </a:solidFill>
-                <a:effectLst/>
-                <a:latin typeface="Consolas" panose="020B0609020204030204" pitchFamily="49" charset="0"/>
-                <a:cs typeface="Consolas" panose="020B0609020204030204" pitchFamily="49" charset="0"/>
-              </a:rPr>
-              <a:t> </a:t>
-            </a:r>
-            <a:r>
-              <a:rPr lang="en-US" b="0" dirty="0">
-                <a:solidFill>
-                  <a:srgbClr val="000000"/>
-                </a:solidFill>
-                <a:effectLst/>
-                <a:latin typeface="Consolas" panose="020B0609020204030204" pitchFamily="49" charset="0"/>
-                <a:cs typeface="Consolas" panose="020B0609020204030204" pitchFamily="49" charset="0"/>
-              </a:rPr>
-              <a:t>!==</a:t>
-            </a:r>
-            <a:r>
-              <a:rPr lang="en-US" b="0" dirty="0">
-                <a:solidFill>
-                  <a:srgbClr val="3B3B3B"/>
-                </a:solidFill>
-                <a:effectLst/>
-                <a:latin typeface="Consolas" panose="020B0609020204030204" pitchFamily="49" charset="0"/>
-                <a:cs typeface="Consolas" panose="020B0609020204030204" pitchFamily="49" charset="0"/>
-              </a:rPr>
-              <a:t> </a:t>
-            </a:r>
-            <a:r>
-              <a:rPr lang="en-US" b="0" dirty="0">
-                <a:solidFill>
-                  <a:srgbClr val="098658"/>
-                </a:solidFill>
-                <a:effectLst/>
-                <a:latin typeface="Consolas" panose="020B0609020204030204" pitchFamily="49" charset="0"/>
-                <a:cs typeface="Consolas" panose="020B0609020204030204" pitchFamily="49" charset="0"/>
-              </a:rPr>
-              <a:t>0</a:t>
-            </a:r>
-            <a:r>
-              <a:rPr lang="en-US" b="0" dirty="0">
-                <a:solidFill>
-                  <a:srgbClr val="3B3B3B"/>
-                </a:solidFill>
-                <a:effectLst/>
-                <a:latin typeface="Consolas" panose="020B0609020204030204" pitchFamily="49" charset="0"/>
-                <a:cs typeface="Consolas" panose="020B0609020204030204" pitchFamily="49" charset="0"/>
-              </a:rPr>
-              <a:t>; </a:t>
-            </a:r>
-            <a:r>
-              <a:rPr lang="en-US" b="0" dirty="0" err="1">
-                <a:solidFill>
-                  <a:srgbClr val="001080"/>
-                </a:solidFill>
-                <a:effectLst/>
-                <a:latin typeface="Consolas" panose="020B0609020204030204" pitchFamily="49" charset="0"/>
-                <a:cs typeface="Consolas" panose="020B0609020204030204" pitchFamily="49" charset="0"/>
-              </a:rPr>
-              <a:t>i</a:t>
-            </a:r>
-            <a:r>
-              <a:rPr lang="en-US" b="0" dirty="0">
-                <a:solidFill>
-                  <a:srgbClr val="000000"/>
-                </a:solidFill>
-                <a:effectLst/>
-                <a:latin typeface="Consolas" panose="020B0609020204030204" pitchFamily="49" charset="0"/>
-                <a:cs typeface="Consolas" panose="020B0609020204030204" pitchFamily="49" charset="0"/>
-              </a:rPr>
-              <a:t>--</a:t>
-            </a:r>
-            <a:r>
-              <a:rPr lang="en-US" b="0" dirty="0">
-                <a:solidFill>
-                  <a:srgbClr val="3B3B3B"/>
-                </a:solidFill>
-                <a:effectLst/>
-                <a:latin typeface="Consolas" panose="020B0609020204030204" pitchFamily="49" charset="0"/>
-                <a:cs typeface="Consolas" panose="020B0609020204030204" pitchFamily="49" charset="0"/>
-              </a:rPr>
-              <a:t>) { </a:t>
-            </a:r>
-            <a:r>
-              <a:rPr lang="en-US" b="0" dirty="0" err="1">
-                <a:solidFill>
-                  <a:srgbClr val="001080"/>
-                </a:solidFill>
-                <a:effectLst/>
-                <a:latin typeface="Consolas" panose="020B0609020204030204" pitchFamily="49" charset="0"/>
-                <a:cs typeface="Consolas" panose="020B0609020204030204" pitchFamily="49" charset="0"/>
-              </a:rPr>
-              <a:t>console</a:t>
-            </a:r>
-            <a:r>
-              <a:rPr lang="en-US" b="0" dirty="0" err="1">
-                <a:solidFill>
-                  <a:srgbClr val="3B3B3B"/>
-                </a:solidFill>
-                <a:effectLst/>
-                <a:latin typeface="Consolas" panose="020B0609020204030204" pitchFamily="49" charset="0"/>
-                <a:cs typeface="Consolas" panose="020B0609020204030204" pitchFamily="49" charset="0"/>
-              </a:rPr>
-              <a:t>.</a:t>
-            </a:r>
-            <a:r>
-              <a:rPr lang="en-US" b="0" dirty="0" err="1">
-                <a:solidFill>
-                  <a:srgbClr val="795E26"/>
-                </a:solidFill>
-                <a:effectLst/>
-                <a:latin typeface="Consolas" panose="020B0609020204030204" pitchFamily="49" charset="0"/>
-                <a:cs typeface="Consolas" panose="020B0609020204030204" pitchFamily="49" charset="0"/>
-              </a:rPr>
-              <a:t>log</a:t>
-            </a:r>
-            <a:r>
-              <a:rPr lang="en-US" b="0" dirty="0">
-                <a:solidFill>
-                  <a:srgbClr val="3B3B3B"/>
-                </a:solidFill>
-                <a:effectLst/>
-                <a:latin typeface="Consolas" panose="020B0609020204030204" pitchFamily="49" charset="0"/>
-                <a:cs typeface="Consolas" panose="020B0609020204030204" pitchFamily="49" charset="0"/>
-              </a:rPr>
-              <a:t>(</a:t>
-            </a:r>
-            <a:r>
-              <a:rPr lang="en-US" dirty="0">
+              <a:rPr lang="en-US" sz="2000" dirty="0">
                 <a:solidFill>
                   <a:srgbClr val="A31515"/>
                 </a:solidFill>
@@ -20340,7 +20322,7 @@
               <a:t>'hello’</a:t>
             </a:r>
             <a:r>
-              <a:rPr lang="en-US" b="0" dirty="0">
+              <a:rPr lang="en-US" sz="2000" b="0" dirty="0">
                 <a:solidFill>
                   <a:srgbClr val="3B3B3B"/>
                 </a:solidFill>
@@ -20358,7 +20340,7 @@
               </a:lnSpc>
             </a:pPr>
             <a:r>
-              <a:rPr lang="en-US" b="0" dirty="0">
+              <a:rPr lang="en-US" sz="2000" b="0" dirty="0">
                 <a:solidFill>
                   <a:srgbClr val="3B3B3B"/>
                 </a:solidFill>
@@ -20640,7 +20622,7 @@
             </a:r>
             <a:r>
               <a:rPr lang="en-US" dirty="0"/>
-              <a:t>functions of the respect our function’s contracts.</a:t>
+              <a:t>functions respect our function’s contracts.</a:t>
             </a:r>
           </a:p>
         </p:txBody>
@@ -20695,7 +20677,7 @@
         <p:spPr>
           <a:xfrm>
             <a:off x="744069" y="4040177"/>
-            <a:ext cx="11354146" cy="2817823"/>
+            <a:ext cx="11354146" cy="2782044"/>
           </a:xfrm>
           <a:prstGeom prst="rect">
             <a:avLst/>
@@ -20737,7 +20719,7 @@
               <a:buNone/>
             </a:pPr>
             <a:r>
-              <a:rPr lang="en-US" b="0" dirty="0">
+              <a:rPr lang="en-US" sz="2000" b="0" dirty="0">
                 <a:solidFill>
                   <a:srgbClr val="008000"/>
                 </a:solidFill>
@@ -20747,7 +20729,7 @@
               </a:rPr>
               <a:t>/**</a:t>
             </a:r>
-            <a:endParaRPr lang="en-US" b="0" dirty="0">
+            <a:endParaRPr lang="en-US" sz="2000" b="0" dirty="0">
               <a:solidFill>
                 <a:srgbClr val="3B3B3B"/>
               </a:solidFill>
@@ -20764,7 +20746,7 @@
               <a:buNone/>
             </a:pPr>
             <a:r>
-              <a:rPr lang="en-US" b="0" dirty="0">
+              <a:rPr lang="en-US" sz="2000" b="0" dirty="0">
                 <a:solidFill>
                   <a:srgbClr val="008000"/>
                 </a:solidFill>
@@ -20774,7 +20756,7 @@
               </a:rPr>
               <a:t> * Prints "hello" repeatedly</a:t>
             </a:r>
-            <a:endParaRPr lang="en-US" b="0" dirty="0">
+            <a:endParaRPr lang="en-US" sz="2000" b="0" dirty="0">
               <a:solidFill>
                 <a:srgbClr val="3B3B3B"/>
               </a:solidFill>
@@ -20791,7 +20773,7 @@
               <a:buNone/>
             </a:pPr>
             <a:r>
-              <a:rPr lang="en-US" b="0" dirty="0">
+              <a:rPr lang="en-US" sz="2000" b="0" dirty="0">
                 <a:solidFill>
                   <a:srgbClr val="008000"/>
                 </a:solidFill>
@@ -20799,9 +20781,82 @@
                 <a:latin typeface="Consolas" panose="020B0609020204030204" pitchFamily="49" charset="0"/>
                 <a:cs typeface="Consolas" panose="020B0609020204030204" pitchFamily="49" charset="0"/>
               </a:rPr>
-              <a:t> *</a:t>
-            </a:r>
-            <a:endParaRPr lang="en-US" b="0" dirty="0">
+              <a:t> * </a:t>
+            </a:r>
+            <a:r>
+              <a:rPr lang="en-US" sz="2000" b="0" dirty="0">
+                <a:solidFill>
+                  <a:srgbClr val="0000FF"/>
+                </a:solidFill>
+                <a:effectLst/>
+                <a:latin typeface="Consolas" panose="020B0609020204030204" pitchFamily="49" charset="0"/>
+                <a:cs typeface="Consolas" panose="020B0609020204030204" pitchFamily="49" charset="0"/>
+              </a:rPr>
+              <a:t>@param</a:t>
+            </a:r>
+            <a:r>
+              <a:rPr lang="en-US" sz="2000" b="0" dirty="0">
+                <a:solidFill>
+                  <a:srgbClr val="008000"/>
+                </a:solidFill>
+                <a:effectLst/>
+                <a:latin typeface="Consolas" panose="020B0609020204030204" pitchFamily="49" charset="0"/>
+                <a:cs typeface="Consolas" panose="020B0609020204030204" pitchFamily="49" charset="0"/>
+              </a:rPr>
+              <a:t> </a:t>
+            </a:r>
+            <a:r>
+              <a:rPr lang="en-US" sz="2000" b="0" dirty="0" err="1">
+                <a:solidFill>
+                  <a:srgbClr val="001080"/>
+                </a:solidFill>
+                <a:effectLst/>
+                <a:latin typeface="Consolas" panose="020B0609020204030204" pitchFamily="49" charset="0"/>
+                <a:cs typeface="Consolas" panose="020B0609020204030204" pitchFamily="49" charset="0"/>
+              </a:rPr>
+              <a:t>numHellos</a:t>
+            </a:r>
+            <a:r>
+              <a:rPr lang="en-US" sz="2000" b="0" dirty="0">
+                <a:solidFill>
+                  <a:srgbClr val="008000"/>
+                </a:solidFill>
+                <a:effectLst/>
+                <a:latin typeface="Consolas" panose="020B0609020204030204" pitchFamily="49" charset="0"/>
+                <a:cs typeface="Consolas" panose="020B0609020204030204" pitchFamily="49" charset="0"/>
+              </a:rPr>
+              <a:t> - number of times to print “hello”, </a:t>
+            </a:r>
+          </a:p>
+          <a:p>
+            <a:pPr>
+              <a:lnSpc>
+                <a:spcPct val="110000"/>
+              </a:lnSpc>
+              <a:buNone/>
+            </a:pPr>
+            <a:r>
+              <a:rPr lang="en-US" sz="2000" dirty="0">
+                <a:solidFill>
+                  <a:srgbClr val="008000"/>
+                </a:solidFill>
+                <a:latin typeface="Consolas" panose="020B0609020204030204" pitchFamily="49" charset="0"/>
+                <a:cs typeface="Consolas" panose="020B0609020204030204" pitchFamily="49" charset="0"/>
+              </a:rPr>
+              <a:t> *   </a:t>
+            </a:r>
+            <a:r>
+              <a:rPr lang="en-US" sz="2000" b="0" dirty="0">
+                <a:solidFill>
+                  <a:srgbClr val="008000"/>
+                </a:solidFill>
+                <a:effectLst/>
+                <a:latin typeface="Consolas" panose="020B0609020204030204" pitchFamily="49" charset="0"/>
+                <a:cs typeface="Consolas" panose="020B0609020204030204" pitchFamily="49" charset="0"/>
+              </a:rPr>
+              <a:t>must be an integer &gt;= 0</a:t>
+            </a:r>
+            <a:endParaRPr lang="en-US" sz="2000" b="0" dirty="0">
               <a:solidFill>
                 <a:srgbClr val="3B3B3B"/>
               </a:solidFill>
@@ -20818,7 +20873,7 @@
               <a:buNone/>
             </a:pPr>
             <a:r>
-              <a:rPr lang="en-US" b="0" dirty="0">
+              <a:rPr lang="en-US" sz="2000" b="0" dirty="0">
                 <a:solidFill>
                   <a:srgbClr val="008000"/>
                 </a:solidFill>
@@ -20826,82 +20881,9 @@
                 <a:latin typeface="Consolas" panose="020B0609020204030204" pitchFamily="49" charset="0"/>
                 <a:cs typeface="Consolas" panose="020B0609020204030204" pitchFamily="49" charset="0"/>
               </a:rPr>
-              <a:t> * </a:t>
-            </a:r>
-            <a:r>
-              <a:rPr lang="en-US" b="0" dirty="0">
-                <a:solidFill>
-                  <a:srgbClr val="0000FF"/>
-                </a:solidFill>
-                <a:effectLst/>
-                <a:latin typeface="Consolas" panose="020B0609020204030204" pitchFamily="49" charset="0"/>
-                <a:cs typeface="Consolas" panose="020B0609020204030204" pitchFamily="49" charset="0"/>
-              </a:rPr>
-              <a:t>@param</a:t>
-            </a:r>
-            <a:r>
-              <a:rPr lang="en-US" b="0" dirty="0">
-                <a:solidFill>
-                  <a:srgbClr val="008000"/>
-                </a:solidFill>
-                <a:effectLst/>
-                <a:latin typeface="Consolas" panose="020B0609020204030204" pitchFamily="49" charset="0"/>
-                <a:cs typeface="Consolas" panose="020B0609020204030204" pitchFamily="49" charset="0"/>
-              </a:rPr>
-              <a:t> </a:t>
-            </a:r>
-            <a:r>
-              <a:rPr lang="en-US" b="0" dirty="0" err="1">
-                <a:solidFill>
-                  <a:srgbClr val="001080"/>
-                </a:solidFill>
-                <a:effectLst/>
-                <a:latin typeface="Consolas" panose="020B0609020204030204" pitchFamily="49" charset="0"/>
-                <a:cs typeface="Consolas" panose="020B0609020204030204" pitchFamily="49" charset="0"/>
-              </a:rPr>
-              <a:t>numHellos</a:t>
-            </a:r>
-            <a:r>
-              <a:rPr lang="en-US" b="0" dirty="0">
-                <a:solidFill>
-                  <a:srgbClr val="008000"/>
-                </a:solidFill>
-                <a:effectLst/>
-                <a:latin typeface="Consolas" panose="020B0609020204030204" pitchFamily="49" charset="0"/>
-                <a:cs typeface="Consolas" panose="020B0609020204030204" pitchFamily="49" charset="0"/>
-              </a:rPr>
-              <a:t> - number of times to print “hello”, </a:t>
-            </a:r>
-          </a:p>
-          <a:p>
-            <a:pPr>
-              <a:lnSpc>
-                <a:spcPct val="110000"/>
-              </a:lnSpc>
-              <a:buNone/>
-            </a:pPr>
-            <a:r>
-              <a:rPr lang="en-US" dirty="0">
-                <a:solidFill>
-                  <a:srgbClr val="008000"/>
-                </a:solidFill>
-                <a:latin typeface="Consolas" panose="020B0609020204030204" pitchFamily="49" charset="0"/>
-                <a:cs typeface="Consolas" panose="020B0609020204030204" pitchFamily="49" charset="0"/>
-              </a:rPr>
-              <a:t> *   </a:t>
-            </a:r>
-            <a:r>
-              <a:rPr lang="en-US" b="0" dirty="0">
-                <a:solidFill>
-                  <a:srgbClr val="008000"/>
-                </a:solidFill>
-                <a:effectLst/>
-                <a:latin typeface="Consolas" panose="020B0609020204030204" pitchFamily="49" charset="0"/>
-                <a:cs typeface="Consolas" panose="020B0609020204030204" pitchFamily="49" charset="0"/>
-              </a:rPr>
-              <a:t>must be an integer &gt;= 0</a:t>
-            </a:r>
-            <a:endParaRPr lang="en-US" b="0" dirty="0">
+              <a:t> */</a:t>
+            </a:r>
+            <a:endParaRPr lang="en-US" sz="2000" b="0" dirty="0">
               <a:solidFill>
                 <a:srgbClr val="3B3B3B"/>
               </a:solidFill>
@@ -20918,24 +20900,104 @@
               <a:buNone/>
             </a:pPr>
             <a:r>
-              <a:rPr lang="en-US" b="0" dirty="0">
-                <a:solidFill>
-                  <a:srgbClr val="008000"/>
+              <a:rPr lang="en-US" sz="2000" b="0" dirty="0">
+                <a:solidFill>
+                  <a:srgbClr val="0000FF"/>
                 </a:solidFill>
                 <a:effectLst/>
                 <a:latin typeface="Consolas" panose="020B0609020204030204" pitchFamily="49" charset="0"/>
                 <a:cs typeface="Consolas" panose="020B0609020204030204" pitchFamily="49" charset="0"/>
               </a:rPr>
-              <a:t> */</a:t>
-            </a:r>
-            <a:endParaRPr lang="en-US" b="0" dirty="0">
-              <a:solidFill>
-                <a:srgbClr val="3B3B3B"/>
-              </a:solidFill>
-              <a:effectLst/>
-              <a:latin typeface="Consolas" panose="020B0609020204030204" pitchFamily="49" charset="0"/>
-              <a:cs typeface="Consolas" panose="020B0609020204030204" pitchFamily="49" charset="0"/>
-            </a:endParaRPr>
+              <a:t>function</a:t>
+            </a:r>
+            <a:r>
+              <a:rPr lang="en-US" sz="2000" b="0" dirty="0">
+                <a:solidFill>
+                  <a:srgbClr val="3B3B3B"/>
+                </a:solidFill>
+                <a:effectLst/>
+                <a:latin typeface="Consolas" panose="020B0609020204030204" pitchFamily="49" charset="0"/>
+                <a:cs typeface="Consolas" panose="020B0609020204030204" pitchFamily="49" charset="0"/>
+              </a:rPr>
+              <a:t> </a:t>
+            </a:r>
+            <a:r>
+              <a:rPr lang="en-US" sz="2000" b="0" dirty="0" err="1">
+                <a:solidFill>
+                  <a:srgbClr val="795E26"/>
+                </a:solidFill>
+                <a:effectLst/>
+                <a:latin typeface="Consolas" panose="020B0609020204030204" pitchFamily="49" charset="0"/>
+                <a:cs typeface="Consolas" panose="020B0609020204030204" pitchFamily="49" charset="0"/>
+              </a:rPr>
+              <a:t>helloNTimes</a:t>
+            </a:r>
+            <a:r>
+              <a:rPr lang="en-US" sz="2000" b="0" dirty="0">
+                <a:solidFill>
+                  <a:srgbClr val="3B3B3B"/>
+                </a:solidFill>
+                <a:effectLst/>
+                <a:latin typeface="Consolas" panose="020B0609020204030204" pitchFamily="49" charset="0"/>
+                <a:cs typeface="Consolas" panose="020B0609020204030204" pitchFamily="49" charset="0"/>
+              </a:rPr>
+              <a:t>(</a:t>
+            </a:r>
+            <a:r>
+              <a:rPr lang="en-US" sz="2000" b="0" dirty="0" err="1">
+                <a:solidFill>
+                  <a:srgbClr val="001080"/>
+                </a:solidFill>
+                <a:effectLst/>
+                <a:latin typeface="Consolas" panose="020B0609020204030204" pitchFamily="49" charset="0"/>
+                <a:cs typeface="Consolas" panose="020B0609020204030204" pitchFamily="49" charset="0"/>
+              </a:rPr>
+              <a:t>numHellos</a:t>
+            </a:r>
+            <a:r>
+              <a:rPr lang="en-US" sz="2000" b="0" dirty="0">
+                <a:solidFill>
+                  <a:srgbClr val="000000"/>
+                </a:solidFill>
+                <a:effectLst/>
+                <a:latin typeface="Consolas" panose="020B0609020204030204" pitchFamily="49" charset="0"/>
+                <a:cs typeface="Consolas" panose="020B0609020204030204" pitchFamily="49" charset="0"/>
+              </a:rPr>
+              <a:t>:</a:t>
+            </a:r>
+            <a:r>
+              <a:rPr lang="en-US" sz="2000" b="0" dirty="0">
+                <a:solidFill>
+                  <a:srgbClr val="3B3B3B"/>
+                </a:solidFill>
+                <a:effectLst/>
+                <a:latin typeface="Consolas" panose="020B0609020204030204" pitchFamily="49" charset="0"/>
+                <a:cs typeface="Consolas" panose="020B0609020204030204" pitchFamily="49" charset="0"/>
+              </a:rPr>
+              <a:t> </a:t>
+            </a:r>
+            <a:r>
+              <a:rPr lang="en-US" sz="2000" b="0" dirty="0">
+                <a:solidFill>
+                  <a:srgbClr val="267F99"/>
+                </a:solidFill>
+                <a:effectLst/>
+                <a:latin typeface="Consolas" panose="020B0609020204030204" pitchFamily="49" charset="0"/>
+                <a:cs typeface="Consolas" panose="020B0609020204030204" pitchFamily="49" charset="0"/>
+              </a:rPr>
+              <a:t>number</a:t>
+            </a:r>
+            <a:r>
+              <a:rPr lang="en-US" sz="2000" b="0" dirty="0">
+                <a:solidFill>
+                  <a:srgbClr val="3B3B3B"/>
+                </a:solidFill>
+                <a:effectLst/>
+                <a:latin typeface="Consolas" panose="020B0609020204030204" pitchFamily="49" charset="0"/>
+                <a:cs typeface="Consolas" panose="020B0609020204030204" pitchFamily="49" charset="0"/>
+              </a:rPr>
+              <a:t>) {</a:t>
+            </a:r>
           </a:p>
           <a:p>
             <a:pPr>
@@ -20945,7 +21007,29 @@
               <a:buNone/>
             </a:pPr>
             <a:r>
-              <a:rPr lang="en-US" b="0" dirty="0">
+              <a:rPr lang="en-US" sz="2000" b="0" dirty="0">
+                <a:solidFill>
+                  <a:srgbClr val="AF00DB"/>
+                </a:solidFill>
+                <a:effectLst/>
+                <a:latin typeface="Consolas" panose="020B0609020204030204" pitchFamily="49" charset="0"/>
+                <a:cs typeface="Consolas" panose="020B0609020204030204" pitchFamily="49" charset="0"/>
+              </a:rPr>
+              <a:t>  for</a:t>
+            </a:r>
+            <a:r>
+              <a:rPr lang="en-US" sz="2000" b="0" dirty="0">
+                <a:solidFill>
+                  <a:srgbClr val="3B3B3B"/>
+                </a:solidFill>
+                <a:effectLst/>
+                <a:latin typeface="Consolas" panose="020B0609020204030204" pitchFamily="49" charset="0"/>
+                <a:cs typeface="Consolas" panose="020B0609020204030204" pitchFamily="49" charset="0"/>
+              </a:rPr>
+              <a:t> (</a:t>
+            </a:r>
+            <a:r>
+              <a:rPr lang="en-US" sz="2000" b="0" dirty="0">
                 <a:solidFill>
                   <a:srgbClr val="0000FF"/>
                 </a:solidFill>
@@ -20953,10 +21037,10 @@
                 <a:latin typeface="Consolas" panose="020B0609020204030204" pitchFamily="49" charset="0"/>
                 <a:cs typeface="Consolas" panose="020B0609020204030204" pitchFamily="49" charset="0"/>
               </a:rPr>
-              <a:t>function</a:t>
-            </a:r>
-            <a:r>
-              <a:rPr lang="en-US" b="0" dirty="0">
+              <a:t>let</a:t>
+            </a:r>
+            <a:r>
+              <a:rPr lang="en-US" sz="2000" b="0" dirty="0">
                 <a:solidFill>
                   <a:srgbClr val="3B3B3B"/>
                 </a:solidFill>
@@ -20967,7 +21051,194 @@
               <a:t> </a:t>
             </a:r>
             <a:r>
-              <a:rPr lang="en-US" b="0" dirty="0" err="1">
+              <a:rPr lang="en-US" sz="2000" b="0" dirty="0" err="1">
+                <a:solidFill>
+                  <a:srgbClr val="001080"/>
+                </a:solidFill>
+                <a:effectLst/>
+                <a:latin typeface="Consolas" panose="020B0609020204030204" pitchFamily="49" charset="0"/>
+                <a:cs typeface="Consolas" panose="020B0609020204030204" pitchFamily="49" charset="0"/>
+              </a:rPr>
+              <a:t>i</a:t>
+            </a:r>
+            <a:r>
+              <a:rPr lang="en-US" sz="2000" b="0" dirty="0">
+                <a:solidFill>
+                  <a:srgbClr val="3B3B3B"/>
+                </a:solidFill>
+                <a:effectLst/>
+                <a:latin typeface="Consolas" panose="020B0609020204030204" pitchFamily="49" charset="0"/>
+                <a:cs typeface="Consolas" panose="020B0609020204030204" pitchFamily="49" charset="0"/>
+              </a:rPr>
+              <a:t> </a:t>
+            </a:r>
+            <a:r>
+              <a:rPr lang="en-US" sz="2000" b="0" dirty="0">
+                <a:solidFill>
+                  <a:srgbClr val="000000"/>
+                </a:solidFill>
+                <a:effectLst/>
+                <a:latin typeface="Consolas" panose="020B0609020204030204" pitchFamily="49" charset="0"/>
+                <a:cs typeface="Consolas" panose="020B0609020204030204" pitchFamily="49" charset="0"/>
+              </a:rPr>
+              <a:t>=</a:t>
+            </a:r>
+            <a:r>
+              <a:rPr lang="en-US" sz="2000" b="0" dirty="0">
+                <a:solidFill>
+                  <a:srgbClr val="3B3B3B"/>
+                </a:solidFill>
+                <a:effectLst/>
+                <a:latin typeface="Consolas" panose="020B0609020204030204" pitchFamily="49" charset="0"/>
+                <a:cs typeface="Consolas" panose="020B0609020204030204" pitchFamily="49" charset="0"/>
+              </a:rPr>
+              <a:t> </a:t>
+            </a:r>
+            <a:r>
+              <a:rPr lang="en-US" sz="2000" b="0" dirty="0" err="1">
+                <a:solidFill>
+                  <a:srgbClr val="001080"/>
+                </a:solidFill>
+                <a:effectLst/>
+                <a:latin typeface="Consolas" panose="020B0609020204030204" pitchFamily="49" charset="0"/>
+                <a:cs typeface="Consolas" panose="020B0609020204030204" pitchFamily="49" charset="0"/>
+              </a:rPr>
+              <a:t>numHellos</a:t>
+            </a:r>
+            <a:r>
+              <a:rPr lang="en-US" sz="2000" b="0" dirty="0">
+                <a:solidFill>
+                  <a:srgbClr val="3B3B3B"/>
+                </a:solidFill>
+                <a:effectLst/>
+                <a:latin typeface="Consolas" panose="020B0609020204030204" pitchFamily="49" charset="0"/>
+                <a:cs typeface="Consolas" panose="020B0609020204030204" pitchFamily="49" charset="0"/>
+              </a:rPr>
+              <a:t>; </a:t>
+            </a:r>
+            <a:r>
+              <a:rPr lang="en-US" sz="2000" b="0" dirty="0" err="1">
+                <a:solidFill>
+                  <a:srgbClr val="001080"/>
+                </a:solidFill>
+                <a:effectLst/>
+                <a:latin typeface="Consolas" panose="020B0609020204030204" pitchFamily="49" charset="0"/>
+                <a:cs typeface="Consolas" panose="020B0609020204030204" pitchFamily="49" charset="0"/>
+              </a:rPr>
+              <a:t>i</a:t>
+            </a:r>
+            <a:r>
+              <a:rPr lang="en-US" sz="2000" b="0" dirty="0">
+                <a:solidFill>
+                  <a:srgbClr val="3B3B3B"/>
+                </a:solidFill>
+                <a:effectLst/>
+                <a:latin typeface="Consolas" panose="020B0609020204030204" pitchFamily="49" charset="0"/>
+                <a:cs typeface="Consolas" panose="020B0609020204030204" pitchFamily="49" charset="0"/>
+              </a:rPr>
+              <a:t> </a:t>
+            </a:r>
+            <a:r>
+              <a:rPr lang="en-US" sz="2000" b="0" dirty="0">
+                <a:solidFill>
+                  <a:srgbClr val="000000"/>
+                </a:solidFill>
+                <a:effectLst/>
+                <a:latin typeface="Consolas" panose="020B0609020204030204" pitchFamily="49" charset="0"/>
+                <a:cs typeface="Consolas" panose="020B0609020204030204" pitchFamily="49" charset="0"/>
+              </a:rPr>
+              <a:t>!==</a:t>
+            </a:r>
+            <a:r>
+              <a:rPr lang="en-US" sz="2000" b="0" dirty="0">
+                <a:solidFill>
+                  <a:srgbClr val="3B3B3B"/>
+                </a:solidFill>
+                <a:effectLst/>
+                <a:latin typeface="Consolas" panose="020B0609020204030204" pitchFamily="49" charset="0"/>
+                <a:cs typeface="Consolas" panose="020B0609020204030204" pitchFamily="49" charset="0"/>
+              </a:rPr>
+              <a:t> </a:t>
+            </a:r>
+            <a:r>
+              <a:rPr lang="en-US" sz="2000" b="0" dirty="0">
+                <a:solidFill>
+                  <a:srgbClr val="098658"/>
+                </a:solidFill>
+                <a:effectLst/>
+                <a:latin typeface="Consolas" panose="020B0609020204030204" pitchFamily="49" charset="0"/>
+                <a:cs typeface="Consolas" panose="020B0609020204030204" pitchFamily="49" charset="0"/>
+              </a:rPr>
+              <a:t>0</a:t>
+            </a:r>
+            <a:r>
+              <a:rPr lang="en-US" sz="2000" b="0" dirty="0">
+                <a:solidFill>
+                  <a:srgbClr val="3B3B3B"/>
+                </a:solidFill>
+                <a:effectLst/>
+                <a:latin typeface="Consolas" panose="020B0609020204030204" pitchFamily="49" charset="0"/>
+                <a:cs typeface="Consolas" panose="020B0609020204030204" pitchFamily="49" charset="0"/>
+              </a:rPr>
+              <a:t>; </a:t>
+            </a:r>
+            <a:r>
+              <a:rPr lang="en-US" sz="2000" b="0" dirty="0" err="1">
+                <a:solidFill>
+                  <a:srgbClr val="001080"/>
+                </a:solidFill>
+                <a:effectLst/>
+                <a:latin typeface="Consolas" panose="020B0609020204030204" pitchFamily="49" charset="0"/>
+                <a:cs typeface="Consolas" panose="020B0609020204030204" pitchFamily="49" charset="0"/>
+              </a:rPr>
+              <a:t>i</a:t>
+            </a:r>
+            <a:r>
+              <a:rPr lang="en-US" sz="2000" b="0" dirty="0">
+                <a:solidFill>
+                  <a:srgbClr val="000000"/>
+                </a:solidFill>
+                <a:effectLst/>
+                <a:latin typeface="Consolas" panose="020B0609020204030204" pitchFamily="49" charset="0"/>
+                <a:cs typeface="Consolas" panose="020B0609020204030204" pitchFamily="49" charset="0"/>
+              </a:rPr>
+              <a:t>--</a:t>
+            </a:r>
+            <a:r>
+              <a:rPr lang="en-US" sz="2000" b="0" dirty="0">
+                <a:solidFill>
+                  <a:srgbClr val="3B3B3B"/>
+                </a:solidFill>
+                <a:effectLst/>
+                <a:latin typeface="Consolas" panose="020B0609020204030204" pitchFamily="49" charset="0"/>
+                <a:cs typeface="Consolas" panose="020B0609020204030204" pitchFamily="49" charset="0"/>
+              </a:rPr>
+              <a:t>) { </a:t>
+            </a:r>
+            <a:r>
+              <a:rPr lang="en-US" sz="2000" b="0" dirty="0" err="1">
+                <a:solidFill>
+                  <a:srgbClr val="001080"/>
+                </a:solidFill>
+                <a:effectLst/>
+                <a:latin typeface="Consolas" panose="020B0609020204030204" pitchFamily="49" charset="0"/>
+                <a:cs typeface="Consolas" panose="020B0609020204030204" pitchFamily="49" charset="0"/>
+              </a:rPr>
+              <a:t>console</a:t>
+            </a:r>
+            <a:r>
+              <a:rPr lang="en-US" sz="2000" b="0" dirty="0" err="1">
+                <a:solidFill>
+                  <a:srgbClr val="3B3B3B"/>
+                </a:solidFill>
+                <a:effectLst/>
+                <a:latin typeface="Consolas" panose="020B0609020204030204" pitchFamily="49" charset="0"/>
+                <a:cs typeface="Consolas" panose="020B0609020204030204" pitchFamily="49" charset="0"/>
+              </a:rPr>
+              <a:t>.</a:t>
+            </a:r>
+            <a:r>
+              <a:rPr lang="en-US" sz="2000" b="0" dirty="0" err="1">
                 <a:solidFill>
                   <a:srgbClr val="795E26"/>
                 </a:solidFill>
@@ -20975,10 +21246,10 @@
                 <a:latin typeface="Consolas" panose="020B0609020204030204" pitchFamily="49" charset="0"/>
                 <a:cs typeface="Consolas" panose="020B0609020204030204" pitchFamily="49" charset="0"/>
               </a:rPr>
-              <a:t>helloNTimes</a:t>
-            </a:r>
-            <a:r>
-              <a:rPr lang="en-US" b="0" dirty="0">
+              <a:t>log</a:t>
+            </a:r>
+            <a:r>
+              <a:rPr lang="en-US" sz="2000" b="0" dirty="0">
                 <a:solidFill>
                   <a:srgbClr val="3B3B3B"/>
                 </a:solidFill>
@@ -20989,323 +21260,7 @@
               <a:t>(</a:t>
             </a:r>
             <a:r>
-              <a:rPr lang="en-US" b="0" dirty="0" err="1">
-                <a:solidFill>
-                  <a:srgbClr val="001080"/>
-                </a:solidFill>
-                <a:effectLst/>
-                <a:latin typeface="Consolas" panose="020B0609020204030204" pitchFamily="49" charset="0"/>
-                <a:cs typeface="Consolas" panose="020B0609020204030204" pitchFamily="49" charset="0"/>
-              </a:rPr>
-              <a:t>numHellos</a:t>
-            </a:r>
-            <a:r>
-              <a:rPr lang="en-US" b="0" dirty="0">
-                <a:solidFill>
-                  <a:srgbClr val="000000"/>
-                </a:solidFill>
-                <a:effectLst/>
-                <a:latin typeface="Consolas" panose="020B0609020204030204" pitchFamily="49" charset="0"/>
-                <a:cs typeface="Consolas" panose="020B0609020204030204" pitchFamily="49" charset="0"/>
-              </a:rPr>
-              <a:t>:</a:t>
-            </a:r>
-            <a:r>
-              <a:rPr lang="en-US" b="0" dirty="0">
-                <a:solidFill>
-                  <a:srgbClr val="3B3B3B"/>
-                </a:solidFill>
-                <a:effectLst/>
-                <a:latin typeface="Consolas" panose="020B0609020204030204" pitchFamily="49" charset="0"/>
-                <a:cs typeface="Consolas" panose="020B0609020204030204" pitchFamily="49" charset="0"/>
-              </a:rPr>
-              <a:t> </a:t>
-            </a:r>
-            <a:r>
-              <a:rPr lang="en-US" b="0" dirty="0">
-                <a:solidFill>
-                  <a:srgbClr val="267F99"/>
-                </a:solidFill>
-                <a:effectLst/>
-                <a:latin typeface="Consolas" panose="020B0609020204030204" pitchFamily="49" charset="0"/>
-                <a:cs typeface="Consolas" panose="020B0609020204030204" pitchFamily="49" charset="0"/>
-              </a:rPr>
-              <a:t>number</a:t>
-            </a:r>
-            <a:r>
-              <a:rPr lang="en-US" b="0" dirty="0">
-                <a:solidFill>
-                  <a:srgbClr val="3B3B3B"/>
-                </a:solidFill>
-                <a:effectLst/>
-                <a:latin typeface="Consolas" panose="020B0609020204030204" pitchFamily="49" charset="0"/>
-                <a:cs typeface="Consolas" panose="020B0609020204030204" pitchFamily="49" charset="0"/>
-              </a:rPr>
-              <a:t>) {</a:t>
-            </a:r>
-          </a:p>
-          <a:p>
-            <a:pPr>
-              <a:lnSpc>
-                <a:spcPct val="110000"/>
-              </a:lnSpc>
-              <a:buNone/>
-            </a:pPr>
-            <a:r>
-              <a:rPr lang="en-US" b="0" dirty="0">
-                <a:solidFill>
-                  <a:srgbClr val="AF00DB"/>
-                </a:solidFill>
-                <a:effectLst/>
-                <a:latin typeface="Consolas" panose="020B0609020204030204" pitchFamily="49" charset="0"/>
-                <a:cs typeface="Consolas" panose="020B0609020204030204" pitchFamily="49" charset="0"/>
-              </a:rPr>
-              <a:t>  for</a:t>
-            </a:r>
-            <a:r>
-              <a:rPr lang="en-US" b="0" dirty="0">
-                <a:solidFill>
-                  <a:srgbClr val="3B3B3B"/>
-                </a:solidFill>
-                <a:effectLst/>
-                <a:latin typeface="Consolas" panose="020B0609020204030204" pitchFamily="49" charset="0"/>
-                <a:cs typeface="Consolas" panose="020B0609020204030204" pitchFamily="49" charset="0"/>
-              </a:rPr>
-              <a:t> (</a:t>
-            </a:r>
-            <a:r>
-              <a:rPr lang="en-US" b="0" dirty="0">
-                <a:solidFill>
-                  <a:srgbClr val="0000FF"/>
-                </a:solidFill>
-                <a:effectLst/>
-                <a:latin typeface="Consolas" panose="020B0609020204030204" pitchFamily="49" charset="0"/>
-                <a:cs typeface="Consolas" panose="020B0609020204030204" pitchFamily="49" charset="0"/>
-              </a:rPr>
-              <a:t>let</a:t>
-            </a:r>
-            <a:r>
-              <a:rPr lang="en-US" b="0" dirty="0">
-                <a:solidFill>
-                  <a:srgbClr val="3B3B3B"/>
-                </a:solidFill>
-                <a:effectLst/>
-                <a:latin typeface="Consolas" panose="020B0609020204030204" pitchFamily="49" charset="0"/>
-                <a:cs typeface="Consolas" panose="020B0609020204030204" pitchFamily="49" charset="0"/>
-              </a:rPr>
-              <a:t> </a:t>
-            </a:r>
-            <a:r>
-              <a:rPr lang="en-US" b="0" dirty="0" err="1">
-                <a:solidFill>
-                  <a:srgbClr val="001080"/>
-                </a:solidFill>
-                <a:effectLst/>
-                <a:latin typeface="Consolas" panose="020B0609020204030204" pitchFamily="49" charset="0"/>
-                <a:cs typeface="Consolas" panose="020B0609020204030204" pitchFamily="49" charset="0"/>
-              </a:rPr>
-              <a:t>i</a:t>
-            </a:r>
-            <a:r>
-              <a:rPr lang="en-US" b="0" dirty="0">
-                <a:solidFill>
-                  <a:srgbClr val="3B3B3B"/>
-                </a:solidFill>
-                <a:effectLst/>
-                <a:latin typeface="Consolas" panose="020B0609020204030204" pitchFamily="49" charset="0"/>
-                <a:cs typeface="Consolas" panose="020B0609020204030204" pitchFamily="49" charset="0"/>
-              </a:rPr>
-              <a:t> </a:t>
-            </a:r>
-            <a:r>
-              <a:rPr lang="en-US" b="0" dirty="0">
-                <a:solidFill>
-                  <a:srgbClr val="000000"/>
-                </a:solidFill>
-                <a:effectLst/>
-                <a:latin typeface="Consolas" panose="020B0609020204030204" pitchFamily="49" charset="0"/>
-                <a:cs typeface="Consolas" panose="020B0609020204030204" pitchFamily="49" charset="0"/>
-              </a:rPr>
-              <a:t>=</a:t>
-            </a:r>
-            <a:r>
-              <a:rPr lang="en-US" b="0" dirty="0">
-                <a:solidFill>
-                  <a:srgbClr val="3B3B3B"/>
-                </a:solidFill>
-                <a:effectLst/>
-                <a:latin typeface="Consolas" panose="020B0609020204030204" pitchFamily="49" charset="0"/>
-                <a:cs typeface="Consolas" panose="020B0609020204030204" pitchFamily="49" charset="0"/>
-              </a:rPr>
-              <a:t> </a:t>
-            </a:r>
-            <a:r>
-              <a:rPr lang="en-US" b="0" dirty="0" err="1">
-                <a:solidFill>
-                  <a:srgbClr val="001080"/>
-                </a:solidFill>
-                <a:effectLst/>
-                <a:latin typeface="Consolas" panose="020B0609020204030204" pitchFamily="49" charset="0"/>
-                <a:cs typeface="Consolas" panose="020B0609020204030204" pitchFamily="49" charset="0"/>
-              </a:rPr>
-              <a:t>numHellos</a:t>
-            </a:r>
-            <a:r>
-              <a:rPr lang="en-US" b="0" dirty="0">
-                <a:solidFill>
-                  <a:srgbClr val="3B3B3B"/>
-                </a:solidFill>
-                <a:effectLst/>
-                <a:latin typeface="Consolas" panose="020B0609020204030204" pitchFamily="49" charset="0"/>
-                <a:cs typeface="Consolas" panose="020B0609020204030204" pitchFamily="49" charset="0"/>
-              </a:rPr>
-              <a:t>; </a:t>
-            </a:r>
-            <a:r>
-              <a:rPr lang="en-US" b="0" dirty="0" err="1">
-                <a:solidFill>
-                  <a:srgbClr val="001080"/>
-                </a:solidFill>
-                <a:effectLst/>
-                <a:latin typeface="Consolas" panose="020B0609020204030204" pitchFamily="49" charset="0"/>
-                <a:cs typeface="Consolas" panose="020B0609020204030204" pitchFamily="49" charset="0"/>
-              </a:rPr>
-              <a:t>i</a:t>
-            </a:r>
-            <a:r>
-              <a:rPr lang="en-US" b="0" dirty="0">
-                <a:solidFill>
-                  <a:srgbClr val="3B3B3B"/>
-                </a:solidFill>
-                <a:effectLst/>
-                <a:latin typeface="Consolas" panose="020B0609020204030204" pitchFamily="49" charset="0"/>
-                <a:cs typeface="Consolas" panose="020B0609020204030204" pitchFamily="49" charset="0"/>
-              </a:rPr>
-              <a:t> </a:t>
-            </a:r>
-            <a:r>
-              <a:rPr lang="en-US" b="0" dirty="0">
-                <a:solidFill>
-                  <a:srgbClr val="000000"/>
-                </a:solidFill>
-                <a:effectLst/>
-                <a:latin typeface="Consolas" panose="020B0609020204030204" pitchFamily="49" charset="0"/>
-                <a:cs typeface="Consolas" panose="020B0609020204030204" pitchFamily="49" charset="0"/>
-              </a:rPr>
-              <a:t>!==</a:t>
-            </a:r>
-            <a:r>
-              <a:rPr lang="en-US" b="0" dirty="0">
-                <a:solidFill>
-                  <a:srgbClr val="3B3B3B"/>
-                </a:solidFill>
-                <a:effectLst/>
-                <a:latin typeface="Consolas" panose="020B0609020204030204" pitchFamily="49" charset="0"/>
-                <a:cs typeface="Consolas" panose="020B0609020204030204" pitchFamily="49" charset="0"/>
-              </a:rPr>
-              <a:t> </a:t>
-            </a:r>
-            <a:r>
-              <a:rPr lang="en-US" b="0" dirty="0">
-                <a:solidFill>
-                  <a:srgbClr val="098658"/>
-                </a:solidFill>
-                <a:effectLst/>
-                <a:latin typeface="Consolas" panose="020B0609020204030204" pitchFamily="49" charset="0"/>
-                <a:cs typeface="Consolas" panose="020B0609020204030204" pitchFamily="49" charset="0"/>
-              </a:rPr>
-              <a:t>0</a:t>
-            </a:r>
-            <a:r>
-              <a:rPr lang="en-US" b="0" dirty="0">
-                <a:solidFill>
-                  <a:srgbClr val="3B3B3B"/>
-                </a:solidFill>
-                <a:effectLst/>
-                <a:latin typeface="Consolas" panose="020B0609020204030204" pitchFamily="49" charset="0"/>
-                <a:cs typeface="Consolas" panose="020B0609020204030204" pitchFamily="49" charset="0"/>
-              </a:rPr>
-              <a:t>; </a:t>
-            </a:r>
-            <a:r>
-              <a:rPr lang="en-US" b="0" dirty="0" err="1">
-                <a:solidFill>
-                  <a:srgbClr val="001080"/>
-                </a:solidFill>
-                <a:effectLst/>
-                <a:latin typeface="Consolas" panose="020B0609020204030204" pitchFamily="49" charset="0"/>
-                <a:cs typeface="Consolas" panose="020B0609020204030204" pitchFamily="49" charset="0"/>
-              </a:rPr>
-              <a:t>i</a:t>
-            </a:r>
-            <a:r>
-              <a:rPr lang="en-US" b="0" dirty="0">
-                <a:solidFill>
-                  <a:srgbClr val="000000"/>
-                </a:solidFill>
-                <a:effectLst/>
-                <a:latin typeface="Consolas" panose="020B0609020204030204" pitchFamily="49" charset="0"/>
-                <a:cs typeface="Consolas" panose="020B0609020204030204" pitchFamily="49" charset="0"/>
-              </a:rPr>
-              <a:t>--</a:t>
-            </a:r>
-            <a:r>
-              <a:rPr lang="en-US" b="0" dirty="0">
-                <a:solidFill>
-                  <a:srgbClr val="3B3B3B"/>
-                </a:solidFill>
-                <a:effectLst/>
-                <a:latin typeface="Consolas" panose="020B0609020204030204" pitchFamily="49" charset="0"/>
-                <a:cs typeface="Consolas" panose="020B0609020204030204" pitchFamily="49" charset="0"/>
-              </a:rPr>
-              <a:t>) { </a:t>
-            </a:r>
-            <a:r>
-              <a:rPr lang="en-US" b="0" dirty="0" err="1">
-                <a:solidFill>
-                  <a:srgbClr val="001080"/>
-                </a:solidFill>
-                <a:effectLst/>
-                <a:latin typeface="Consolas" panose="020B0609020204030204" pitchFamily="49" charset="0"/>
-                <a:cs typeface="Consolas" panose="020B0609020204030204" pitchFamily="49" charset="0"/>
-              </a:rPr>
-              <a:t>console</a:t>
-            </a:r>
-            <a:r>
-              <a:rPr lang="en-US" b="0" dirty="0" err="1">
-                <a:solidFill>
-                  <a:srgbClr val="3B3B3B"/>
-                </a:solidFill>
-                <a:effectLst/>
-                <a:latin typeface="Consolas" panose="020B0609020204030204" pitchFamily="49" charset="0"/>
-                <a:cs typeface="Consolas" panose="020B0609020204030204" pitchFamily="49" charset="0"/>
-              </a:rPr>
-              <a:t>.</a:t>
-            </a:r>
-            <a:r>
-              <a:rPr lang="en-US" b="0" dirty="0" err="1">
-                <a:solidFill>
-                  <a:srgbClr val="795E26"/>
-                </a:solidFill>
-                <a:effectLst/>
-                <a:latin typeface="Consolas" panose="020B0609020204030204" pitchFamily="49" charset="0"/>
-                <a:cs typeface="Consolas" panose="020B0609020204030204" pitchFamily="49" charset="0"/>
-              </a:rPr>
-              <a:t>log</a:t>
-            </a:r>
-            <a:r>
-              <a:rPr lang="en-US" b="0" dirty="0">
-                <a:solidFill>
-                  <a:srgbClr val="3B3B3B"/>
-                </a:solidFill>
-                <a:effectLst/>
-                <a:latin typeface="Consolas" panose="020B0609020204030204" pitchFamily="49" charset="0"/>
-                <a:cs typeface="Consolas" panose="020B0609020204030204" pitchFamily="49" charset="0"/>
-              </a:rPr>
-              <a:t>(</a:t>
-            </a:r>
-            <a:r>
-              <a:rPr lang="en-US" dirty="0">
+              <a:rPr lang="en-US" sz="2000" dirty="0">
                 <a:solidFill>
                   <a:srgbClr val="A31515"/>
                 </a:solidFill>
@@ -21315,7 +21270,7 @@
               <a:t>'hello’</a:t>
             </a:r>
             <a:r>
-              <a:rPr lang="en-US" b="0" dirty="0">
+              <a:rPr lang="en-US" sz="2000" b="0" dirty="0">
                 <a:solidFill>
                   <a:srgbClr val="3B3B3B"/>
                 </a:solidFill>
@@ -21333,7 +21288,7 @@
               </a:lnSpc>
             </a:pPr>
             <a:r>
-              <a:rPr lang="en-US" b="0" dirty="0">
+              <a:rPr lang="en-US" sz="2000" b="0" dirty="0">
                 <a:solidFill>
                   <a:srgbClr val="3B3B3B"/>
                 </a:solidFill>
@@ -21497,7 +21452,7 @@
             </a:r>
             <a:r>
               <a:rPr lang="en-US" dirty="0"/>
-              <a:t> with -3, but not with a string or </a:t>
+              <a:t> with -3: calling the function with a string or </a:t>
             </a:r>
             <a:r>
               <a:rPr lang="en-US" sz="2400" dirty="0">
@@ -21514,7 +21469,7 @@
             </a:r>
             <a:r>
               <a:rPr lang="en-US" dirty="0"/>
-              <a:t>.</a:t>
+              <a:t> is a compiler error.</a:t>
             </a:r>
           </a:p>
           <a:p>
@@ -21540,7 +21495,7 @@
         <p:spPr>
           <a:xfrm>
             <a:off x="744069" y="4040177"/>
-            <a:ext cx="11354146" cy="2817823"/>
+            <a:ext cx="11354146" cy="2782044"/>
           </a:xfrm>
           <a:prstGeom prst="rect">
             <a:avLst/>
@@ -21582,7 +21537,7 @@
               <a:buNone/>
             </a:pPr>
             <a:r>
-              <a:rPr lang="en-US" b="0" dirty="0">
+              <a:rPr lang="en-US" sz="2000" b="0" dirty="0">
                 <a:solidFill>
                   <a:srgbClr val="008000"/>
                 </a:solidFill>
@@ -21592,7 +21547,7 @@
               </a:rPr>
               <a:t>/**</a:t>
             </a:r>
-            <a:endParaRPr lang="en-US" b="0" dirty="0">
+            <a:endParaRPr lang="en-US" sz="2000" b="0" dirty="0">
               <a:solidFill>
                 <a:srgbClr val="3B3B3B"/>
               </a:solidFill>
@@ -21609,7 +21564,7 @@
               <a:buNone/>
             </a:pPr>
             <a:r>
-              <a:rPr lang="en-US" b="0" dirty="0">
+              <a:rPr lang="en-US" sz="2000" b="0" dirty="0">
                 <a:solidFill>
                   <a:srgbClr val="008000"/>
                 </a:solidFill>
@@ -21619,7 +21574,7 @@
               </a:rPr>
               <a:t> * Prints "hello" repeatedly</a:t>
             </a:r>
-            <a:endParaRPr lang="en-US" b="0" dirty="0">
+            <a:endParaRPr lang="en-US" sz="2000" b="0" dirty="0">
               <a:solidFill>
                 <a:srgbClr val="3B3B3B"/>
               </a:solidFill>
@@ -21636,7 +21591,7 @@
               <a:buNone/>
             </a:pPr>
             <a:r>
-              <a:rPr lang="en-US" b="0" dirty="0">
+              <a:rPr lang="en-US" sz="2000" b="0" dirty="0">
                 <a:solidFill>
                   <a:srgbClr val="008000"/>
                 </a:solidFill>
@@ -21644,9 +21599,82 @@
                 <a:latin typeface="Consolas" panose="020B0609020204030204" pitchFamily="49" charset="0"/>
                 <a:cs typeface="Consolas" panose="020B0609020204030204" pitchFamily="49" charset="0"/>
               </a:rPr>
-              <a:t> *</a:t>
-            </a:r>
-            <a:endParaRPr lang="en-US" b="0" dirty="0">
+              <a:t> * </a:t>
+            </a:r>
+            <a:r>
+              <a:rPr lang="en-US" sz="2000" b="0" dirty="0">
+                <a:solidFill>
+                  <a:srgbClr val="0000FF"/>
+                </a:solidFill>
+                <a:effectLst/>
+                <a:latin typeface="Consolas" panose="020B0609020204030204" pitchFamily="49" charset="0"/>
+                <a:cs typeface="Consolas" panose="020B0609020204030204" pitchFamily="49" charset="0"/>
+              </a:rPr>
+              <a:t>@param</a:t>
+            </a:r>
+            <a:r>
+              <a:rPr lang="en-US" sz="2000" b="0" dirty="0">
+                <a:solidFill>
+                  <a:srgbClr val="008000"/>
+                </a:solidFill>
+                <a:effectLst/>
+                <a:latin typeface="Consolas" panose="020B0609020204030204" pitchFamily="49" charset="0"/>
+                <a:cs typeface="Consolas" panose="020B0609020204030204" pitchFamily="49" charset="0"/>
+              </a:rPr>
+              <a:t> </a:t>
+            </a:r>
+            <a:r>
+              <a:rPr lang="en-US" sz="2000" b="0" dirty="0" err="1">
+                <a:solidFill>
+                  <a:srgbClr val="001080"/>
+                </a:solidFill>
+                <a:effectLst/>
+                <a:latin typeface="Consolas" panose="020B0609020204030204" pitchFamily="49" charset="0"/>
+                <a:cs typeface="Consolas" panose="020B0609020204030204" pitchFamily="49" charset="0"/>
+              </a:rPr>
+              <a:t>numHellos</a:t>
+            </a:r>
+            <a:r>
+              <a:rPr lang="en-US" sz="2000" b="0" dirty="0">
+                <a:solidFill>
+                  <a:srgbClr val="008000"/>
+                </a:solidFill>
+                <a:effectLst/>
+                <a:latin typeface="Consolas" panose="020B0609020204030204" pitchFamily="49" charset="0"/>
+                <a:cs typeface="Consolas" panose="020B0609020204030204" pitchFamily="49" charset="0"/>
+              </a:rPr>
+              <a:t> - number of times to print “hello”, </a:t>
+            </a:r>
+          </a:p>
+          <a:p>
+            <a:pPr>
+              <a:lnSpc>
+                <a:spcPct val="110000"/>
+              </a:lnSpc>
+              <a:buNone/>
+            </a:pPr>
+            <a:r>
+              <a:rPr lang="en-US" sz="2000" dirty="0">
+                <a:solidFill>
+                  <a:srgbClr val="008000"/>
+                </a:solidFill>
+                <a:latin typeface="Consolas" panose="020B0609020204030204" pitchFamily="49" charset="0"/>
+                <a:cs typeface="Consolas" panose="020B0609020204030204" pitchFamily="49" charset="0"/>
+              </a:rPr>
+              <a:t> *   </a:t>
+            </a:r>
+            <a:r>
+              <a:rPr lang="en-US" sz="2000" b="0" dirty="0">
+                <a:solidFill>
+                  <a:srgbClr val="008000"/>
+                </a:solidFill>
+                <a:effectLst/>
+                <a:latin typeface="Consolas" panose="020B0609020204030204" pitchFamily="49" charset="0"/>
+                <a:cs typeface="Consolas" panose="020B0609020204030204" pitchFamily="49" charset="0"/>
+              </a:rPr>
+              <a:t>must be an integer &gt;= 0</a:t>
+            </a:r>
+            <a:endParaRPr lang="en-US" sz="2000" b="0" dirty="0">
               <a:solidFill>
                 <a:srgbClr val="3B3B3B"/>
               </a:solidFill>
@@ -21663,7 +21691,7 @@
               <a:buNone/>
             </a:pPr>
             <a:r>
-              <a:rPr lang="en-US" b="0" dirty="0">
+              <a:rPr lang="en-US" sz="2000" b="0" dirty="0">
                 <a:solidFill>
                   <a:srgbClr val="008000"/>
                 </a:solidFill>
@@ -21671,82 +21699,9 @@
                 <a:latin typeface="Consolas" panose="020B0609020204030204" pitchFamily="49" charset="0"/>
                 <a:cs typeface="Consolas" panose="020B0609020204030204" pitchFamily="49" charset="0"/>
               </a:rPr>
-              <a:t> * </a:t>
-            </a:r>
-            <a:r>
-              <a:rPr lang="en-US" b="0" dirty="0">
-                <a:solidFill>
-                  <a:srgbClr val="0000FF"/>
-                </a:solidFill>
-                <a:effectLst/>
-                <a:latin typeface="Consolas" panose="020B0609020204030204" pitchFamily="49" charset="0"/>
-                <a:cs typeface="Consolas" panose="020B0609020204030204" pitchFamily="49" charset="0"/>
-              </a:rPr>
-              <a:t>@param</a:t>
-            </a:r>
-            <a:r>
-              <a:rPr lang="en-US" b="0" dirty="0">
-                <a:solidFill>
-                  <a:srgbClr val="008000"/>
-                </a:solidFill>
-                <a:effectLst/>
-                <a:latin typeface="Consolas" panose="020B0609020204030204" pitchFamily="49" charset="0"/>
-                <a:cs typeface="Consolas" panose="020B0609020204030204" pitchFamily="49" charset="0"/>
-              </a:rPr>
-              <a:t> </a:t>
-            </a:r>
-            <a:r>
-              <a:rPr lang="en-US" b="0" dirty="0" err="1">
-                <a:solidFill>
-                  <a:srgbClr val="001080"/>
-                </a:solidFill>
-                <a:effectLst/>
-                <a:latin typeface="Consolas" panose="020B0609020204030204" pitchFamily="49" charset="0"/>
-                <a:cs typeface="Consolas" panose="020B0609020204030204" pitchFamily="49" charset="0"/>
-              </a:rPr>
-              <a:t>numHellos</a:t>
-            </a:r>
-            <a:r>
-              <a:rPr lang="en-US" b="0" dirty="0">
-                <a:solidFill>
-                  <a:srgbClr val="008000"/>
-                </a:solidFill>
-                <a:effectLst/>
-                <a:latin typeface="Consolas" panose="020B0609020204030204" pitchFamily="49" charset="0"/>
-                <a:cs typeface="Consolas" panose="020B0609020204030204" pitchFamily="49" charset="0"/>
-              </a:rPr>
-              <a:t> - number of times to print “hello”, </a:t>
-            </a:r>
-          </a:p>
-          <a:p>
-            <a:pPr>
-              <a:lnSpc>
-                <a:spcPct val="110000"/>
-              </a:lnSpc>
-              <a:buNone/>
-            </a:pPr>
-            <a:r>
-              <a:rPr lang="en-US" dirty="0">
-                <a:solidFill>
-                  <a:srgbClr val="008000"/>
-                </a:solidFill>
-                <a:latin typeface="Consolas" panose="020B0609020204030204" pitchFamily="49" charset="0"/>
-                <a:cs typeface="Consolas" panose="020B0609020204030204" pitchFamily="49" charset="0"/>
-              </a:rPr>
-              <a:t> *   </a:t>
-            </a:r>
-            <a:r>
-              <a:rPr lang="en-US" b="0" dirty="0">
-                <a:solidFill>
-                  <a:srgbClr val="008000"/>
-                </a:solidFill>
-                <a:effectLst/>
-                <a:latin typeface="Consolas" panose="020B0609020204030204" pitchFamily="49" charset="0"/>
-                <a:cs typeface="Consolas" panose="020B0609020204030204" pitchFamily="49" charset="0"/>
-              </a:rPr>
-              <a:t>must be an integer &gt;= 0</a:t>
-            </a:r>
-            <a:endParaRPr lang="en-US" b="0" dirty="0">
+              <a:t> */</a:t>
+            </a:r>
+            <a:endParaRPr lang="en-US" sz="2000" b="0" dirty="0">
               <a:solidFill>
                 <a:srgbClr val="3B3B3B"/>
               </a:solidFill>
@@ -21763,24 +21718,104 @@
               <a:buNone/>
             </a:pPr>
             <a:r>
-              <a:rPr lang="en-US" b="0" dirty="0">
-                <a:solidFill>
-                  <a:srgbClr val="008000"/>
+              <a:rPr lang="en-US" sz="2000" b="0" dirty="0">
+                <a:solidFill>
+                  <a:srgbClr val="0000FF"/>
                 </a:solidFill>
                 <a:effectLst/>
                 <a:latin typeface="Consolas" panose="020B0609020204030204" pitchFamily="49" charset="0"/>
                 <a:cs typeface="Consolas" panose="020B0609020204030204" pitchFamily="49" charset="0"/>
               </a:rPr>
-              <a:t> */</a:t>
-            </a:r>
-            <a:endParaRPr lang="en-US" b="0" dirty="0">
-              <a:solidFill>
-                <a:srgbClr val="3B3B3B"/>
-              </a:solidFill>
-              <a:effectLst/>
-              <a:latin typeface="Consolas" panose="020B0609020204030204" pitchFamily="49" charset="0"/>
-              <a:cs typeface="Consolas" panose="020B0609020204030204" pitchFamily="49" charset="0"/>
-            </a:endParaRPr>
+              <a:t>function</a:t>
+            </a:r>
+            <a:r>
+              <a:rPr lang="en-US" sz="2000" b="0" dirty="0">
+                <a:solidFill>
+                  <a:srgbClr val="3B3B3B"/>
+                </a:solidFill>
+                <a:effectLst/>
+                <a:latin typeface="Consolas" panose="020B0609020204030204" pitchFamily="49" charset="0"/>
+                <a:cs typeface="Consolas" panose="020B0609020204030204" pitchFamily="49" charset="0"/>
+              </a:rPr>
+              <a:t> </a:t>
+            </a:r>
+            <a:r>
+              <a:rPr lang="en-US" sz="2000" b="0" dirty="0" err="1">
+                <a:solidFill>
+                  <a:srgbClr val="795E26"/>
+                </a:solidFill>
+                <a:effectLst/>
+                <a:latin typeface="Consolas" panose="020B0609020204030204" pitchFamily="49" charset="0"/>
+                <a:cs typeface="Consolas" panose="020B0609020204030204" pitchFamily="49" charset="0"/>
+              </a:rPr>
+              <a:t>helloNTimes</a:t>
+            </a:r>
+            <a:r>
+              <a:rPr lang="en-US" sz="2000" b="0" dirty="0">
+                <a:solidFill>
+                  <a:srgbClr val="3B3B3B"/>
+                </a:solidFill>
+                <a:effectLst/>
+                <a:latin typeface="Consolas" panose="020B0609020204030204" pitchFamily="49" charset="0"/>
+                <a:cs typeface="Consolas" panose="020B0609020204030204" pitchFamily="49" charset="0"/>
+              </a:rPr>
+              <a:t>(</a:t>
+            </a:r>
+            <a:r>
+              <a:rPr lang="en-US" sz="2000" b="0" dirty="0" err="1">
+                <a:solidFill>
+                  <a:srgbClr val="001080"/>
+                </a:solidFill>
+                <a:effectLst/>
+                <a:latin typeface="Consolas" panose="020B0609020204030204" pitchFamily="49" charset="0"/>
+                <a:cs typeface="Consolas" panose="020B0609020204030204" pitchFamily="49" charset="0"/>
+              </a:rPr>
+              <a:t>numHellos</a:t>
+            </a:r>
+            <a:r>
+              <a:rPr lang="en-US" sz="2000" b="0" dirty="0">
+                <a:solidFill>
+                  <a:srgbClr val="000000"/>
+                </a:solidFill>
+                <a:effectLst/>
+                <a:latin typeface="Consolas" panose="020B0609020204030204" pitchFamily="49" charset="0"/>
+                <a:cs typeface="Consolas" panose="020B0609020204030204" pitchFamily="49" charset="0"/>
+              </a:rPr>
+              <a:t>:</a:t>
+            </a:r>
+            <a:r>
+              <a:rPr lang="en-US" sz="2000" b="0" dirty="0">
+                <a:solidFill>
+                  <a:srgbClr val="3B3B3B"/>
+                </a:solidFill>
+                <a:effectLst/>
+                <a:latin typeface="Consolas" panose="020B0609020204030204" pitchFamily="49" charset="0"/>
+                <a:cs typeface="Consolas" panose="020B0609020204030204" pitchFamily="49" charset="0"/>
+              </a:rPr>
+              <a:t> </a:t>
+            </a:r>
+            <a:r>
+              <a:rPr lang="en-US" sz="2000" b="0" dirty="0">
+                <a:solidFill>
+                  <a:srgbClr val="267F99"/>
+                </a:solidFill>
+                <a:effectLst/>
+                <a:latin typeface="Consolas" panose="020B0609020204030204" pitchFamily="49" charset="0"/>
+                <a:cs typeface="Consolas" panose="020B0609020204030204" pitchFamily="49" charset="0"/>
+              </a:rPr>
+              <a:t>number</a:t>
+            </a:r>
+            <a:r>
+              <a:rPr lang="en-US" sz="2000" b="0" dirty="0">
+                <a:solidFill>
+                  <a:srgbClr val="3B3B3B"/>
+                </a:solidFill>
+                <a:effectLst/>
+                <a:latin typeface="Consolas" panose="020B0609020204030204" pitchFamily="49" charset="0"/>
+                <a:cs typeface="Consolas" panose="020B0609020204030204" pitchFamily="49" charset="0"/>
+              </a:rPr>
+              <a:t>) {</a:t>
+            </a:r>
           </a:p>
           <a:p>
             <a:pPr>
@@ -21790,7 +21825,29 @@
               <a:buNone/>
             </a:pPr>
             <a:r>
-              <a:rPr lang="en-US" b="0" dirty="0">
+              <a:rPr lang="en-US" sz="2000" b="0" dirty="0">
+                <a:solidFill>
+                  <a:srgbClr val="AF00DB"/>
+                </a:solidFill>
+                <a:effectLst/>
+                <a:latin typeface="Consolas" panose="020B0609020204030204" pitchFamily="49" charset="0"/>
+                <a:cs typeface="Consolas" panose="020B0609020204030204" pitchFamily="49" charset="0"/>
+              </a:rPr>
+              <a:t>  for</a:t>
+            </a:r>
+            <a:r>
+              <a:rPr lang="en-US" sz="2000" b="0" dirty="0">
+                <a:solidFill>
+                  <a:srgbClr val="3B3B3B"/>
+                </a:solidFill>
+                <a:effectLst/>
+                <a:latin typeface="Consolas" panose="020B0609020204030204" pitchFamily="49" charset="0"/>
+                <a:cs typeface="Consolas" panose="020B0609020204030204" pitchFamily="49" charset="0"/>
+              </a:rPr>
+              <a:t> (</a:t>
+            </a:r>
+            <a:r>
+              <a:rPr lang="en-US" sz="2000" b="0" dirty="0">
                 <a:solidFill>
                   <a:srgbClr val="0000FF"/>
                 </a:solidFill>
@@ -21798,10 +21855,10 @@
                 <a:latin typeface="Consolas" panose="020B0609020204030204" pitchFamily="49" charset="0"/>
                 <a:cs typeface="Consolas" panose="020B0609020204030204" pitchFamily="49" charset="0"/>
               </a:rPr>
-              <a:t>function</a:t>
-            </a:r>
-            <a:r>
-              <a:rPr lang="en-US" b="0" dirty="0">
+              <a:t>let</a:t>
+            </a:r>
+            <a:r>
+              <a:rPr lang="en-US" sz="2000" b="0" dirty="0">
                 <a:solidFill>
                   <a:srgbClr val="3B3B3B"/>
                 </a:solidFill>
@@ -21812,7 +21869,194 @@
               <a:t> </a:t>
             </a:r>
             <a:r>
-              <a:rPr lang="en-US" b="0" dirty="0" err="1">
+              <a:rPr lang="en-US" sz="2000" b="0" dirty="0" err="1">
+                <a:solidFill>
+                  <a:srgbClr val="001080"/>
+                </a:solidFill>
+                <a:effectLst/>
+                <a:latin typeface="Consolas" panose="020B0609020204030204" pitchFamily="49" charset="0"/>
+                <a:cs typeface="Consolas" panose="020B0609020204030204" pitchFamily="49" charset="0"/>
+              </a:rPr>
+              <a:t>i</a:t>
+            </a:r>
+            <a:r>
+              <a:rPr lang="en-US" sz="2000" b="0" dirty="0">
+                <a:solidFill>
+                  <a:srgbClr val="3B3B3B"/>
+                </a:solidFill>
+                <a:effectLst/>
+                <a:latin typeface="Consolas" panose="020B0609020204030204" pitchFamily="49" charset="0"/>
+                <a:cs typeface="Consolas" panose="020B0609020204030204" pitchFamily="49" charset="0"/>
+              </a:rPr>
+              <a:t> </a:t>
+            </a:r>
+            <a:r>
+              <a:rPr lang="en-US" sz="2000" b="0" dirty="0">
+                <a:solidFill>
+                  <a:srgbClr val="000000"/>
+                </a:solidFill>
+                <a:effectLst/>
+                <a:latin typeface="Consolas" panose="020B0609020204030204" pitchFamily="49" charset="0"/>
+                <a:cs typeface="Consolas" panose="020B0609020204030204" pitchFamily="49" charset="0"/>
+              </a:rPr>
+              <a:t>=</a:t>
+            </a:r>
+            <a:r>
+              <a:rPr lang="en-US" sz="2000" b="0" dirty="0">
+                <a:solidFill>
+                  <a:srgbClr val="3B3B3B"/>
+                </a:solidFill>
+                <a:effectLst/>
+                <a:latin typeface="Consolas" panose="020B0609020204030204" pitchFamily="49" charset="0"/>
+                <a:cs typeface="Consolas" panose="020B0609020204030204" pitchFamily="49" charset="0"/>
+              </a:rPr>
+              <a:t> </a:t>
+            </a:r>
+            <a:r>
+              <a:rPr lang="en-US" sz="2000" b="0" dirty="0" err="1">
+                <a:solidFill>
+                  <a:srgbClr val="001080"/>
+                </a:solidFill>
+                <a:effectLst/>
+                <a:latin typeface="Consolas" panose="020B0609020204030204" pitchFamily="49" charset="0"/>
+                <a:cs typeface="Consolas" panose="020B0609020204030204" pitchFamily="49" charset="0"/>
+              </a:rPr>
+              <a:t>numHellos</a:t>
+            </a:r>
+            <a:r>
+              <a:rPr lang="en-US" sz="2000" b="0" dirty="0">
+                <a:solidFill>
+                  <a:srgbClr val="3B3B3B"/>
+                </a:solidFill>
+                <a:effectLst/>
+                <a:latin typeface="Consolas" panose="020B0609020204030204" pitchFamily="49" charset="0"/>
+                <a:cs typeface="Consolas" panose="020B0609020204030204" pitchFamily="49" charset="0"/>
+              </a:rPr>
+              <a:t>; </a:t>
+            </a:r>
+            <a:r>
+              <a:rPr lang="en-US" sz="2000" b="0" dirty="0" err="1">
+                <a:solidFill>
+                  <a:srgbClr val="001080"/>
+                </a:solidFill>
+                <a:effectLst/>
+                <a:latin typeface="Consolas" panose="020B0609020204030204" pitchFamily="49" charset="0"/>
+                <a:cs typeface="Consolas" panose="020B0609020204030204" pitchFamily="49" charset="0"/>
+              </a:rPr>
+              <a:t>i</a:t>
+            </a:r>
+            <a:r>
+              <a:rPr lang="en-US" sz="2000" b="0" dirty="0">
+                <a:solidFill>
+                  <a:srgbClr val="3B3B3B"/>
+                </a:solidFill>
+                <a:effectLst/>
+                <a:latin typeface="Consolas" panose="020B0609020204030204" pitchFamily="49" charset="0"/>
+                <a:cs typeface="Consolas" panose="020B0609020204030204" pitchFamily="49" charset="0"/>
+              </a:rPr>
+              <a:t> </a:t>
+            </a:r>
+            <a:r>
+              <a:rPr lang="en-US" sz="2000" b="0" dirty="0">
+                <a:solidFill>
+                  <a:srgbClr val="000000"/>
+                </a:solidFill>
+                <a:effectLst/>
+                <a:latin typeface="Consolas" panose="020B0609020204030204" pitchFamily="49" charset="0"/>
+                <a:cs typeface="Consolas" panose="020B0609020204030204" pitchFamily="49" charset="0"/>
+              </a:rPr>
+              <a:t>!==</a:t>
+            </a:r>
+            <a:r>
+              <a:rPr lang="en-US" sz="2000" b="0" dirty="0">
+                <a:solidFill>
+                  <a:srgbClr val="3B3B3B"/>
+                </a:solidFill>
+                <a:effectLst/>
+                <a:latin typeface="Consolas" panose="020B0609020204030204" pitchFamily="49" charset="0"/>
+                <a:cs typeface="Consolas" panose="020B0609020204030204" pitchFamily="49" charset="0"/>
+              </a:rPr>
+              <a:t> </a:t>
+            </a:r>
+            <a:r>
+              <a:rPr lang="en-US" sz="2000" b="0" dirty="0">
+                <a:solidFill>
+                  <a:srgbClr val="098658"/>
+                </a:solidFill>
+                <a:effectLst/>
+                <a:latin typeface="Consolas" panose="020B0609020204030204" pitchFamily="49" charset="0"/>
+                <a:cs typeface="Consolas" panose="020B0609020204030204" pitchFamily="49" charset="0"/>
+              </a:rPr>
+              <a:t>0</a:t>
+            </a:r>
+            <a:r>
+              <a:rPr lang="en-US" sz="2000" b="0" dirty="0">
+                <a:solidFill>
+                  <a:srgbClr val="3B3B3B"/>
+                </a:solidFill>
+                <a:effectLst/>
+                <a:latin typeface="Consolas" panose="020B0609020204030204" pitchFamily="49" charset="0"/>
+                <a:cs typeface="Consolas" panose="020B0609020204030204" pitchFamily="49" charset="0"/>
+              </a:rPr>
+              <a:t>; </a:t>
+            </a:r>
+            <a:r>
+              <a:rPr lang="en-US" sz="2000" b="0" dirty="0" err="1">
+                <a:solidFill>
+                  <a:srgbClr val="001080"/>
+                </a:solidFill>
+                <a:effectLst/>
+                <a:latin typeface="Consolas" panose="020B0609020204030204" pitchFamily="49" charset="0"/>
+                <a:cs typeface="Consolas" panose="020B0609020204030204" pitchFamily="49" charset="0"/>
+              </a:rPr>
+              <a:t>i</a:t>
+            </a:r>
+            <a:r>
+              <a:rPr lang="en-US" sz="2000" b="0" dirty="0">
+                <a:solidFill>
+                  <a:srgbClr val="000000"/>
+                </a:solidFill>
+                <a:effectLst/>
+                <a:latin typeface="Consolas" panose="020B0609020204030204" pitchFamily="49" charset="0"/>
+                <a:cs typeface="Consolas" panose="020B0609020204030204" pitchFamily="49" charset="0"/>
+              </a:rPr>
+              <a:t>--</a:t>
+            </a:r>
+            <a:r>
+              <a:rPr lang="en-US" sz="2000" b="0" dirty="0">
+                <a:solidFill>
+                  <a:srgbClr val="3B3B3B"/>
+                </a:solidFill>
+                <a:effectLst/>
+                <a:latin typeface="Consolas" panose="020B0609020204030204" pitchFamily="49" charset="0"/>
+                <a:cs typeface="Consolas" panose="020B0609020204030204" pitchFamily="49" charset="0"/>
+              </a:rPr>
+              <a:t>) { </a:t>
+            </a:r>
+            <a:r>
+              <a:rPr lang="en-US" sz="2000" b="0" dirty="0" err="1">
+                <a:solidFill>
+                  <a:srgbClr val="001080"/>
+                </a:solidFill>
+                <a:effectLst/>
+                <a:latin typeface="Consolas" panose="020B0609020204030204" pitchFamily="49" charset="0"/>
+                <a:cs typeface="Consolas" panose="020B0609020204030204" pitchFamily="49" charset="0"/>
+              </a:rPr>
+              <a:t>console</a:t>
+            </a:r>
+            <a:r>
+              <a:rPr lang="en-US" sz="2000" b="0" dirty="0" err="1">
+                <a:solidFill>
+                  <a:srgbClr val="3B3B3B"/>
+                </a:solidFill>
+                <a:effectLst/>
+                <a:latin typeface="Consolas" panose="020B0609020204030204" pitchFamily="49" charset="0"/>
+                <a:cs typeface="Consolas" panose="020B0609020204030204" pitchFamily="49" charset="0"/>
+              </a:rPr>
+              <a:t>.</a:t>
+            </a:r>
+            <a:r>
+              <a:rPr lang="en-US" sz="2000" b="0" dirty="0" err="1">
                 <a:solidFill>
                   <a:srgbClr val="795E26"/>
                 </a:solidFill>
@@ -21820,10 +22064,10 @@
                 <a:latin typeface="Consolas" panose="020B0609020204030204" pitchFamily="49" charset="0"/>
                 <a:cs typeface="Consolas" panose="020B0609020204030204" pitchFamily="49" charset="0"/>
               </a:rPr>
-              <a:t>helloNTimes</a:t>
-            </a:r>
-            <a:r>
-              <a:rPr lang="en-US" b="0" dirty="0">
+              <a:t>log</a:t>
+            </a:r>
+            <a:r>
+              <a:rPr lang="en-US" sz="2000" b="0" dirty="0">
                 <a:solidFill>
                   <a:srgbClr val="3B3B3B"/>
                 </a:solidFill>
@@ -21834,323 +22078,7 @@
               <a:t>(</a:t>
             </a:r>
             <a:r>
-              <a:rPr lang="en-US" b="0" dirty="0" err="1">
-                <a:solidFill>
-                  <a:srgbClr val="001080"/>
-                </a:solidFill>
-                <a:effectLst/>
-                <a:latin typeface="Consolas" panose="020B0609020204030204" pitchFamily="49" charset="0"/>
-                <a:cs typeface="Consolas" panose="020B0609020204030204" pitchFamily="49" charset="0"/>
-              </a:rPr>
-              <a:t>numHellos</a:t>
-            </a:r>
-            <a:r>
-              <a:rPr lang="en-US" b="0" dirty="0">
-                <a:solidFill>
-                  <a:srgbClr val="000000"/>
-                </a:solidFill>
-                <a:effectLst/>
-                <a:latin typeface="Consolas" panose="020B0609020204030204" pitchFamily="49" charset="0"/>
-                <a:cs typeface="Consolas" panose="020B0609020204030204" pitchFamily="49" charset="0"/>
-              </a:rPr>
-              <a:t>:</a:t>
-            </a:r>
-            <a:r>
-              <a:rPr lang="en-US" b="0" dirty="0">
-                <a:solidFill>
-                  <a:srgbClr val="3B3B3B"/>
-                </a:solidFill>
-                <a:effectLst/>
-                <a:latin typeface="Consolas" panose="020B0609020204030204" pitchFamily="49" charset="0"/>
-                <a:cs typeface="Consolas" panose="020B0609020204030204" pitchFamily="49" charset="0"/>
-              </a:rPr>
-              <a:t> </a:t>
-            </a:r>
-            <a:r>
-              <a:rPr lang="en-US" b="0" dirty="0">
-                <a:solidFill>
-                  <a:srgbClr val="267F99"/>
-                </a:solidFill>
-                <a:effectLst/>
-                <a:latin typeface="Consolas" panose="020B0609020204030204" pitchFamily="49" charset="0"/>
-                <a:cs typeface="Consolas" panose="020B0609020204030204" pitchFamily="49" charset="0"/>
-              </a:rPr>
-              <a:t>number</a:t>
-            </a:r>
-            <a:r>
-              <a:rPr lang="en-US" b="0" dirty="0">
-                <a:solidFill>
-                  <a:srgbClr val="3B3B3B"/>
-                </a:solidFill>
-                <a:effectLst/>
-                <a:latin typeface="Consolas" panose="020B0609020204030204" pitchFamily="49" charset="0"/>
-                <a:cs typeface="Consolas" panose="020B0609020204030204" pitchFamily="49" charset="0"/>
-              </a:rPr>
-              <a:t>) {</a:t>
-            </a:r>
-          </a:p>
-          <a:p>
-            <a:pPr>
-              <a:lnSpc>
-                <a:spcPct val="110000"/>
-              </a:lnSpc>
-              <a:buNone/>
-            </a:pPr>
-            <a:r>
-              <a:rPr lang="en-US" b="0" dirty="0">
-                <a:solidFill>
-                  <a:srgbClr val="AF00DB"/>
-                </a:solidFill>
-                <a:effectLst/>
-                <a:latin typeface="Consolas" panose="020B0609020204030204" pitchFamily="49" charset="0"/>
-                <a:cs typeface="Consolas" panose="020B0609020204030204" pitchFamily="49" charset="0"/>
-              </a:rPr>
-              <a:t>  for</a:t>
-            </a:r>
-            <a:r>
-              <a:rPr lang="en-US" b="0" dirty="0">
-                <a:solidFill>
-                  <a:srgbClr val="3B3B3B"/>
-                </a:solidFill>
-                <a:effectLst/>
-                <a:latin typeface="Consolas" panose="020B0609020204030204" pitchFamily="49" charset="0"/>
-                <a:cs typeface="Consolas" panose="020B0609020204030204" pitchFamily="49" charset="0"/>
-              </a:rPr>
-              <a:t> (</a:t>
-            </a:r>
-            <a:r>
-              <a:rPr lang="en-US" b="0" dirty="0">
-                <a:solidFill>
-                  <a:srgbClr val="0000FF"/>
-                </a:solidFill>
-                <a:effectLst/>
-                <a:latin typeface="Consolas" panose="020B0609020204030204" pitchFamily="49" charset="0"/>
-                <a:cs typeface="Consolas" panose="020B0609020204030204" pitchFamily="49" charset="0"/>
-              </a:rPr>
-              <a:t>let</a:t>
-            </a:r>
-            <a:r>
-              <a:rPr lang="en-US" b="0" dirty="0">
-                <a:solidFill>
-                  <a:srgbClr val="3B3B3B"/>
-                </a:solidFill>
-                <a:effectLst/>
-                <a:latin typeface="Consolas" panose="020B0609020204030204" pitchFamily="49" charset="0"/>
-                <a:cs typeface="Consolas" panose="020B0609020204030204" pitchFamily="49" charset="0"/>
-              </a:rPr>
-              <a:t> </a:t>
-            </a:r>
-            <a:r>
-              <a:rPr lang="en-US" b="0" dirty="0" err="1">
-                <a:solidFill>
-                  <a:srgbClr val="001080"/>
-                </a:solidFill>
-                <a:effectLst/>
-                <a:latin typeface="Consolas" panose="020B0609020204030204" pitchFamily="49" charset="0"/>
-                <a:cs typeface="Consolas" panose="020B0609020204030204" pitchFamily="49" charset="0"/>
-              </a:rPr>
-              <a:t>i</a:t>
-            </a:r>
-            <a:r>
-              <a:rPr lang="en-US" b="0" dirty="0">
-                <a:solidFill>
-                  <a:srgbClr val="3B3B3B"/>
-                </a:solidFill>
-                <a:effectLst/>
-                <a:latin typeface="Consolas" panose="020B0609020204030204" pitchFamily="49" charset="0"/>
-                <a:cs typeface="Consolas" panose="020B0609020204030204" pitchFamily="49" charset="0"/>
-              </a:rPr>
-              <a:t> </a:t>
-            </a:r>
-            <a:r>
-              <a:rPr lang="en-US" b="0" dirty="0">
-                <a:solidFill>
-                  <a:srgbClr val="000000"/>
-                </a:solidFill>
-                <a:effectLst/>
-                <a:latin typeface="Consolas" panose="020B0609020204030204" pitchFamily="49" charset="0"/>
-                <a:cs typeface="Consolas" panose="020B0609020204030204" pitchFamily="49" charset="0"/>
-              </a:rPr>
-              <a:t>=</a:t>
-            </a:r>
-            <a:r>
-              <a:rPr lang="en-US" b="0" dirty="0">
-                <a:solidFill>
-                  <a:srgbClr val="3B3B3B"/>
-                </a:solidFill>
-                <a:effectLst/>
-                <a:latin typeface="Consolas" panose="020B0609020204030204" pitchFamily="49" charset="0"/>
-                <a:cs typeface="Consolas" panose="020B0609020204030204" pitchFamily="49" charset="0"/>
-              </a:rPr>
-              <a:t> </a:t>
-            </a:r>
-            <a:r>
-              <a:rPr lang="en-US" b="0" dirty="0" err="1">
-                <a:solidFill>
-                  <a:srgbClr val="001080"/>
-                </a:solidFill>
-                <a:effectLst/>
-                <a:latin typeface="Consolas" panose="020B0609020204030204" pitchFamily="49" charset="0"/>
-                <a:cs typeface="Consolas" panose="020B0609020204030204" pitchFamily="49" charset="0"/>
-              </a:rPr>
-              <a:t>numHellos</a:t>
-            </a:r>
-            <a:r>
-              <a:rPr lang="en-US" b="0" dirty="0">
-                <a:solidFill>
-                  <a:srgbClr val="3B3B3B"/>
-                </a:solidFill>
-                <a:effectLst/>
-                <a:latin typeface="Consolas" panose="020B0609020204030204" pitchFamily="49" charset="0"/>
-                <a:cs typeface="Consolas" panose="020B0609020204030204" pitchFamily="49" charset="0"/>
-              </a:rPr>
-              <a:t>; </a:t>
-            </a:r>
-            <a:r>
-              <a:rPr lang="en-US" b="0" dirty="0" err="1">
-                <a:solidFill>
-                  <a:srgbClr val="001080"/>
-                </a:solidFill>
-                <a:effectLst/>
-                <a:latin typeface="Consolas" panose="020B0609020204030204" pitchFamily="49" charset="0"/>
-                <a:cs typeface="Consolas" panose="020B0609020204030204" pitchFamily="49" charset="0"/>
-              </a:rPr>
-              <a:t>i</a:t>
-            </a:r>
-            <a:r>
-              <a:rPr lang="en-US" b="0" dirty="0">
-                <a:solidFill>
-                  <a:srgbClr val="3B3B3B"/>
-                </a:solidFill>
-                <a:effectLst/>
-                <a:latin typeface="Consolas" panose="020B0609020204030204" pitchFamily="49" charset="0"/>
-                <a:cs typeface="Consolas" panose="020B0609020204030204" pitchFamily="49" charset="0"/>
-              </a:rPr>
-              <a:t> </a:t>
-            </a:r>
-            <a:r>
-              <a:rPr lang="en-US" b="0" dirty="0">
-                <a:solidFill>
-                  <a:srgbClr val="000000"/>
-                </a:solidFill>
-                <a:effectLst/>
-                <a:latin typeface="Consolas" panose="020B0609020204030204" pitchFamily="49" charset="0"/>
-                <a:cs typeface="Consolas" panose="020B0609020204030204" pitchFamily="49" charset="0"/>
-              </a:rPr>
-              <a:t>!==</a:t>
-            </a:r>
-            <a:r>
-              <a:rPr lang="en-US" b="0" dirty="0">
-                <a:solidFill>
-                  <a:srgbClr val="3B3B3B"/>
-                </a:solidFill>
-                <a:effectLst/>
-                <a:latin typeface="Consolas" panose="020B0609020204030204" pitchFamily="49" charset="0"/>
-                <a:cs typeface="Consolas" panose="020B0609020204030204" pitchFamily="49" charset="0"/>
-              </a:rPr>
-              <a:t> </a:t>
-            </a:r>
-            <a:r>
-              <a:rPr lang="en-US" b="0" dirty="0">
-                <a:solidFill>
-                  <a:srgbClr val="098658"/>
-                </a:solidFill>
-                <a:effectLst/>
-                <a:latin typeface="Consolas" panose="020B0609020204030204" pitchFamily="49" charset="0"/>
-                <a:cs typeface="Consolas" panose="020B0609020204030204" pitchFamily="49" charset="0"/>
-              </a:rPr>
-              <a:t>0</a:t>
-            </a:r>
-            <a:r>
-              <a:rPr lang="en-US" b="0" dirty="0">
-                <a:solidFill>
-                  <a:srgbClr val="3B3B3B"/>
-                </a:solidFill>
-                <a:effectLst/>
-                <a:latin typeface="Consolas" panose="020B0609020204030204" pitchFamily="49" charset="0"/>
-                <a:cs typeface="Consolas" panose="020B0609020204030204" pitchFamily="49" charset="0"/>
-              </a:rPr>
-              <a:t>; </a:t>
-            </a:r>
-            <a:r>
-              <a:rPr lang="en-US" b="0" dirty="0" err="1">
-                <a:solidFill>
-                  <a:srgbClr val="001080"/>
-                </a:solidFill>
-                <a:effectLst/>
-                <a:latin typeface="Consolas" panose="020B0609020204030204" pitchFamily="49" charset="0"/>
-                <a:cs typeface="Consolas" panose="020B0609020204030204" pitchFamily="49" charset="0"/>
-              </a:rPr>
-              <a:t>i</a:t>
-            </a:r>
-            <a:r>
-              <a:rPr lang="en-US" b="0" dirty="0">
-                <a:solidFill>
-                  <a:srgbClr val="000000"/>
-                </a:solidFill>
-                <a:effectLst/>
-                <a:latin typeface="Consolas" panose="020B0609020204030204" pitchFamily="49" charset="0"/>
-                <a:cs typeface="Consolas" panose="020B0609020204030204" pitchFamily="49" charset="0"/>
-              </a:rPr>
-              <a:t>--</a:t>
-            </a:r>
-            <a:r>
-              <a:rPr lang="en-US" b="0" dirty="0">
-                <a:solidFill>
-                  <a:srgbClr val="3B3B3B"/>
-                </a:solidFill>
-                <a:effectLst/>
-                <a:latin typeface="Consolas" panose="020B0609020204030204" pitchFamily="49" charset="0"/>
-                <a:cs typeface="Consolas" panose="020B0609020204030204" pitchFamily="49" charset="0"/>
-              </a:rPr>
-              <a:t>) { </a:t>
-            </a:r>
-            <a:r>
-              <a:rPr lang="en-US" b="0" dirty="0" err="1">
-                <a:solidFill>
-                  <a:srgbClr val="001080"/>
-                </a:solidFill>
-                <a:effectLst/>
-                <a:latin typeface="Consolas" panose="020B0609020204030204" pitchFamily="49" charset="0"/>
-                <a:cs typeface="Consolas" panose="020B0609020204030204" pitchFamily="49" charset="0"/>
-              </a:rPr>
-              <a:t>console</a:t>
-            </a:r>
-            <a:r>
-              <a:rPr lang="en-US" b="0" dirty="0" err="1">
-                <a:solidFill>
-                  <a:srgbClr val="3B3B3B"/>
-                </a:solidFill>
-                <a:effectLst/>
-                <a:latin typeface="Consolas" panose="020B0609020204030204" pitchFamily="49" charset="0"/>
-                <a:cs typeface="Consolas" panose="020B0609020204030204" pitchFamily="49" charset="0"/>
-              </a:rPr>
-              <a:t>.</a:t>
-            </a:r>
-            <a:r>
-              <a:rPr lang="en-US" b="0" dirty="0" err="1">
-                <a:solidFill>
-                  <a:srgbClr val="795E26"/>
-                </a:solidFill>
-                <a:effectLst/>
-                <a:latin typeface="Consolas" panose="020B0609020204030204" pitchFamily="49" charset="0"/>
-                <a:cs typeface="Consolas" panose="020B0609020204030204" pitchFamily="49" charset="0"/>
-              </a:rPr>
-              <a:t>log</a:t>
-            </a:r>
-            <a:r>
-              <a:rPr lang="en-US" b="0" dirty="0">
-                <a:solidFill>
-                  <a:srgbClr val="3B3B3B"/>
-                </a:solidFill>
-                <a:effectLst/>
-                <a:latin typeface="Consolas" panose="020B0609020204030204" pitchFamily="49" charset="0"/>
-                <a:cs typeface="Consolas" panose="020B0609020204030204" pitchFamily="49" charset="0"/>
-              </a:rPr>
-              <a:t>(</a:t>
-            </a:r>
-            <a:r>
-              <a:rPr lang="en-US" dirty="0">
+              <a:rPr lang="en-US" sz="2000" dirty="0">
                 <a:solidFill>
                   <a:srgbClr val="A31515"/>
                 </a:solidFill>
@@ -22160,7 +22088,7 @@
               <a:t>'hello’</a:t>
             </a:r>
             <a:r>
-              <a:rPr lang="en-US" b="0" dirty="0">
+              <a:rPr lang="en-US" sz="2000" b="0" dirty="0">
                 <a:solidFill>
                   <a:srgbClr val="3B3B3B"/>
                 </a:solidFill>
@@ -22178,7 +22106,7 @@
               </a:lnSpc>
             </a:pPr>
             <a:r>
-              <a:rPr lang="en-US" b="0" dirty="0">
+              <a:rPr lang="en-US" sz="2000" b="0" dirty="0">
                 <a:solidFill>
                   <a:srgbClr val="3B3B3B"/>
                 </a:solidFill>
@@ -22342,7 +22270,7 @@
             </a:r>
             <a:r>
               <a:rPr lang="en-US" dirty="0"/>
-              <a:t> with -3, but not with a string or </a:t>
+              <a:t> with -3: calling the function with a string or </a:t>
             </a:r>
             <a:r>
               <a:rPr lang="en-US" sz="2400" dirty="0">
@@ -22359,7 +22287,7 @@
             </a:r>
             <a:r>
               <a:rPr lang="en-US" dirty="0"/>
-              <a:t>.</a:t>
+              <a:t> is a compiler error.</a:t>
             </a:r>
           </a:p>
           <a:p>
@@ -22390,7 +22318,7 @@
               <a:buNone/>
             </a:pPr>
             <a:r>
-              <a:rPr lang="en-US" sz="1600" b="0" dirty="0" err="1">
+              <a:rPr lang="en-US" sz="2000" b="0" dirty="0" err="1">
                 <a:solidFill>
                   <a:srgbClr val="795E26"/>
                 </a:solidFill>
@@ -22401,7 +22329,7 @@
               <a:t>helloNTimes</a:t>
             </a:r>
             <a:r>
-              <a:rPr lang="en-US" sz="1600" b="0" dirty="0">
+              <a:rPr lang="en-US" sz="2000" b="0" dirty="0">
                 <a:solidFill>
                   <a:srgbClr val="3B3B3B"/>
                 </a:solidFill>
@@ -22412,7 +22340,7 @@
               <a:t>({ </a:t>
             </a:r>
             <a:r>
-              <a:rPr lang="en-US" sz="1600" b="0" dirty="0">
+              <a:rPr lang="en-US" sz="2000" b="0" dirty="0">
                 <a:solidFill>
                   <a:srgbClr val="001080"/>
                 </a:solidFill>
@@ -22423,7 +22351,7 @@
               <a:t>lol:</a:t>
             </a:r>
             <a:r>
-              <a:rPr lang="en-US" sz="1600" b="0" dirty="0">
+              <a:rPr lang="en-US" sz="2000" b="0" dirty="0">
                 <a:solidFill>
                   <a:srgbClr val="3B3B3B"/>
                 </a:solidFill>
@@ -22434,7 +22362,7 @@
               <a:t> </a:t>
             </a:r>
             <a:r>
-              <a:rPr lang="en-US" sz="1600" b="0" dirty="0">
+              <a:rPr lang="en-US" sz="2000" b="0" dirty="0">
                 <a:solidFill>
                   <a:srgbClr val="A31515"/>
                 </a:solidFill>
@@ -22445,7 +22373,7 @@
               <a:t>'owned '</a:t>
             </a:r>
             <a:r>
-              <a:rPr lang="en-US" sz="1600" b="0" dirty="0">
+              <a:rPr lang="en-US" sz="2000" b="0" dirty="0">
                 <a:solidFill>
                   <a:srgbClr val="3B3B3B"/>
                 </a:solidFill>
@@ -22456,7 +22384,7 @@
               <a:t> } </a:t>
             </a:r>
             <a:r>
-              <a:rPr lang="en-US" sz="1600" b="0" dirty="0">
+              <a:rPr lang="en-US" sz="2000" b="0" dirty="0">
                 <a:solidFill>
                   <a:srgbClr val="AF00DB"/>
                 </a:solidFill>
@@ -22467,7 +22395,7 @@
               <a:t>as</a:t>
             </a:r>
             <a:r>
-              <a:rPr lang="en-US" sz="1600" b="0" dirty="0">
+              <a:rPr lang="en-US" sz="2000" b="0" dirty="0">
                 <a:solidFill>
                   <a:srgbClr val="3B3B3B"/>
                 </a:solidFill>
@@ -22478,7 +22406,7 @@
               <a:t> </a:t>
             </a:r>
             <a:r>
-              <a:rPr lang="en-US" sz="1600" b="0" dirty="0">
+              <a:rPr lang="en-US" sz="2000" b="0" dirty="0">
                 <a:solidFill>
                   <a:srgbClr val="267F99"/>
                 </a:solidFill>
@@ -22489,7 +22417,7 @@
               <a:t>unknown</a:t>
             </a:r>
             <a:r>
-              <a:rPr lang="en-US" sz="1600" b="0" dirty="0">
+              <a:rPr lang="en-US" sz="2000" b="0" dirty="0">
                 <a:solidFill>
                   <a:srgbClr val="3B3B3B"/>
                 </a:solidFill>
@@ -22500,7 +22428,7 @@
               <a:t> </a:t>
             </a:r>
             <a:r>
-              <a:rPr lang="en-US" sz="1600" b="0" dirty="0">
+              <a:rPr lang="en-US" sz="2000" b="0" dirty="0">
                 <a:solidFill>
                   <a:srgbClr val="AF00DB"/>
                 </a:solidFill>
@@ -22511,7 +22439,7 @@
               <a:t>as</a:t>
             </a:r>
             <a:r>
-              <a:rPr lang="en-US" sz="1600" b="0" dirty="0">
+              <a:rPr lang="en-US" sz="2000" b="0" dirty="0">
                 <a:solidFill>
                   <a:srgbClr val="3B3B3B"/>
                 </a:solidFill>
@@ -22522,7 +22450,7 @@
               <a:t> </a:t>
             </a:r>
             <a:r>
-              <a:rPr lang="en-US" sz="1600" b="0" dirty="0">
+              <a:rPr lang="en-US" sz="2000" b="0" dirty="0">
                 <a:solidFill>
                   <a:srgbClr val="267F99"/>
                 </a:solidFill>
@@ -22533,7 +22461,7 @@
               <a:t>number</a:t>
             </a:r>
             <a:r>
-              <a:rPr lang="en-US" sz="1600" b="0" dirty="0">
+              <a:rPr lang="en-US" sz="2000" b="0" dirty="0">
                 <a:solidFill>
                   <a:srgbClr val="3B3B3B"/>
                 </a:solidFill>
@@ -22571,6 +22499,64 @@
               <a:rPr lang="en-US" dirty="0"/>
               <a:t> + TypeScript work together to do even more</a:t>
             </a:r>
+          </a:p>
+        </p:txBody>
+      </p:sp>
+      <p:sp>
+        <p:nvSpPr>
+          <p:cNvPr id="3" name="Rectangle 2">
+            <a:extLst>
+              <a:ext uri="{FF2B5EF4-FFF2-40B4-BE49-F238E27FC236}">
+                <a16:creationId xmlns:a16="http://schemas.microsoft.com/office/drawing/2014/main" id="{8C515898-7B55-2148-17B6-1A5CFEC4C5E7}"/>
+              </a:ext>
+            </a:extLst>
+          </p:cNvPr>
+          <p:cNvSpPr/>
+          <p:nvPr/>
+        </p:nvSpPr>
+        <p:spPr>
+          <a:xfrm>
+            <a:off x="494675" y="1618938"/>
+            <a:ext cx="9713627" cy="1810062"/>
+          </a:xfrm>
+          <a:prstGeom prst="rect">
+            <a:avLst/>
+          </a:prstGeom>
+          <a:solidFill>
+            <a:srgbClr val="FFFFFF">
+              <a:alpha val="72157"/>
+            </a:srgbClr>
+          </a:solidFill>
+          <a:ln>
+            <a:noFill/>
+          </a:ln>
+        </p:spPr>
+        <p:style>
+          <a:lnRef idx="2">
+            <a:schemeClr val="accent1">
+              <a:shade val="50000"/>
+            </a:schemeClr>
+          </a:lnRef>
+          <a:fillRef idx="1">
+            <a:schemeClr val="accent1"/>
+          </a:fillRef>
+          <a:effectRef idx="0">
+            <a:schemeClr val="accent1"/>
+          </a:effectRef>
+          <a:fontRef idx="minor">
+            <a:schemeClr val="lt1"/>
+          </a:fontRef>
+        </p:style>
+        <p:txBody>
+          <a:bodyPr rtlCol="0" anchor="ctr"/>
+          <a:lstStyle/>
+          <a:p>
+            <a:pPr algn="l"/>
+            <a:endParaRPr lang="en-US" dirty="0">
+              <a:solidFill>
+                <a:schemeClr val="tx1"/>
+              </a:solidFill>
+            </a:endParaRPr>
           </a:p>
         </p:txBody>
       </p:sp>

--- a/Slides/Module 03.1 Trusting TypeScript.pptx
+++ b/Slides/Module 03.1 Trusting TypeScript.pptx
@@ -264,7 +264,7 @@
           <a:p>
             <a:fld id="{7C7E5181-6CF5-45F7-A87A-E0E0B1FD7549}" type="datetimeFigureOut">
               <a:rPr lang="en-US" smtClean="0"/>
-              <a:t>1/10/26</a:t>
+              <a:t>1/12/26</a:t>
             </a:fld>
             <a:endParaRPr lang="en-US"/>
           </a:p>
@@ -1572,15 +1572,15 @@
           <a:p>
             <a:r>
               <a:rPr lang="en-US" dirty="0"/>
-              <a:t>The third line (where the first arrow is pointing) covers an enormous amount of validation — it ensures that our web server will only respond to specific requests that send JSON data (we’ll be using JSON data a lot in the class, there’s an article about it in the </a:t>
+              <a:t>The third line where we “use” </a:t>
             </a:r>
             <a:r>
               <a:rPr lang="en-US" dirty="0" err="1"/>
-              <a:t>resoures</a:t>
+              <a:t>express.json</a:t>
             </a:r>
             <a:r>
               <a:rPr lang="en-US" dirty="0"/>
-              <a:t> for this lecture)</a:t>
+              <a:t>() covers an enormous amount of validation — it ensures that our web server will only respond to specific requests that send JSON data (we’ll be using JSON data a lot in the class, there’s an article about it in the resources for this lecture)</a:t>
             </a:r>
           </a:p>
           <a:p>
@@ -3646,7 +3646,7 @@
           <a:p>
             <a:fld id="{5D2A64DE-480B-420F-9649-4F8E696E08E0}" type="datetime1">
               <a:rPr lang="en-US" smtClean="0"/>
-              <a:t>1/10/26</a:t>
+              <a:t>1/12/26</a:t>
             </a:fld>
             <a:endParaRPr lang="en-US"/>
           </a:p>
@@ -3970,7 +3970,7 @@
           <a:p>
             <a:fld id="{EA476A42-A091-4468-A075-64A31BE59948}" type="datetime1">
               <a:rPr lang="en-US" smtClean="0"/>
-              <a:t>1/10/26</a:t>
+              <a:t>1/12/26</a:t>
             </a:fld>
             <a:endParaRPr lang="en-US"/>
           </a:p>
@@ -4168,7 +4168,7 @@
           <a:p>
             <a:fld id="{0D3616D0-8311-4107-9726-6B805E7D05BA}" type="datetime1">
               <a:rPr lang="en-US" smtClean="0"/>
-              <a:t>1/10/26</a:t>
+              <a:t>1/12/26</a:t>
             </a:fld>
             <a:endParaRPr lang="en-US"/>
           </a:p>
@@ -4376,7 +4376,7 @@
           <a:p>
             <a:fld id="{3BC2557A-5C88-417A-A763-5AC779462A5F}" type="datetime1">
               <a:rPr lang="en-US" smtClean="0"/>
-              <a:t>1/10/26</a:t>
+              <a:t>1/12/26</a:t>
             </a:fld>
             <a:endParaRPr lang="en-US"/>
           </a:p>
@@ -4798,7 +4798,7 @@
           <a:p>
             <a:fld id="{07C7BFD4-467E-4EDE-93EA-052F5B39A4E5}" type="datetime1">
               <a:rPr lang="en-US" smtClean="0"/>
-              <a:t>1/10/26</a:t>
+              <a:t>1/12/26</a:t>
             </a:fld>
             <a:endParaRPr lang="en-US"/>
           </a:p>
@@ -5048,7 +5048,7 @@
           <a:p>
             <a:fld id="{07C7BFD4-467E-4EDE-93EA-052F5B39A4E5}" type="datetime1">
               <a:rPr lang="en-US" smtClean="0"/>
-              <a:t>1/10/26</a:t>
+              <a:t>1/12/26</a:t>
             </a:fld>
             <a:endParaRPr lang="en-US"/>
           </a:p>
@@ -5230,7 +5230,7 @@
           <a:p>
             <a:fld id="{109E55A0-C911-4F03-82FC-7E5926047D46}" type="datetime1">
               <a:rPr lang="en-US" smtClean="0"/>
-              <a:t>1/10/26</a:t>
+              <a:t>1/12/26</a:t>
             </a:fld>
             <a:endParaRPr lang="en-US"/>
           </a:p>
@@ -5543,7 +5543,7 @@
           <a:p>
             <a:fld id="{A533CBE2-D5BE-47AC-ADC2-9CDFC1D0CF90}" type="datetime1">
               <a:rPr lang="en-US" smtClean="0"/>
-              <a:t>1/10/26</a:t>
+              <a:t>1/12/26</a:t>
             </a:fld>
             <a:endParaRPr lang="en-US"/>
           </a:p>
@@ -5844,7 +5844,7 @@
           <a:p>
             <a:fld id="{39B7EDB1-CE74-4951-85A2-0B01C2128E28}" type="datetime1">
               <a:rPr lang="en-US" smtClean="0"/>
-              <a:t>1/10/26</a:t>
+              <a:t>1/12/26</a:t>
             </a:fld>
             <a:endParaRPr lang="en-US"/>
           </a:p>
@@ -6292,7 +6292,7 @@
           <a:p>
             <a:fld id="{2BC7EB92-A5C2-4807-A9DC-9EDE6CBFB241}" type="datetime1">
               <a:rPr lang="en-US" smtClean="0"/>
-              <a:t>1/10/26</a:t>
+              <a:t>1/12/26</a:t>
             </a:fld>
             <a:endParaRPr lang="en-US"/>
           </a:p>
@@ -6405,7 +6405,7 @@
           <a:p>
             <a:fld id="{2B7B7EE0-7771-4CD5-9B2B-3550753A54A1}" type="datetime1">
               <a:rPr lang="en-US" smtClean="0"/>
-              <a:t>1/10/26</a:t>
+              <a:t>1/12/26</a:t>
             </a:fld>
             <a:endParaRPr lang="en-US"/>
           </a:p>
@@ -6716,7 +6716,7 @@
           <a:p>
             <a:fld id="{F8B318B3-0E87-4416-A9B8-D891968C2727}" type="datetime1">
               <a:rPr lang="en-US" smtClean="0"/>
-              <a:t>1/10/26</a:t>
+              <a:t>1/12/26</a:t>
             </a:fld>
             <a:endParaRPr lang="en-US"/>
           </a:p>
@@ -6957,7 +6957,7 @@
           <a:p>
             <a:fld id="{54D997E8-DDEE-43F1-8D9B-F8A1E11DE488}" type="datetime1">
               <a:rPr lang="en-US" smtClean="0"/>
-              <a:t>1/10/26</a:t>
+              <a:t>1/12/26</a:t>
             </a:fld>
             <a:endParaRPr lang="en-US"/>
           </a:p>
@@ -8748,7 +8748,7 @@
           <a:p>
             <a:r>
               <a:rPr lang="en-US" dirty="0"/>
-              <a:t>Untrusted Inputs Should Have </a:t>
+              <a:t>Untrusted Inputs Should Have Type </a:t>
             </a:r>
             <a:r>
               <a:rPr lang="en-US" dirty="0">
@@ -8759,20 +8759,8 @@
                 <a:ea typeface="Menlo" panose="020B0609030804020204" pitchFamily="49" charset="0"/>
                 <a:cs typeface="Consolas" panose="020B0609020204030204" pitchFamily="49" charset="0"/>
               </a:rPr>
-              <a:t>unknown </a:t>
-            </a:r>
-            <a:r>
-              <a:rPr lang="en-US" dirty="0"/>
-              <a:t>Type </a:t>
-            </a:r>
-            <a:endParaRPr lang="en-US" dirty="0">
-              <a:solidFill>
-                <a:srgbClr val="FF0000"/>
-              </a:solidFill>
-              <a:latin typeface="Consolas" panose="020B0609020204030204" pitchFamily="49" charset="0"/>
-              <a:ea typeface="Menlo" panose="020B0609030804020204" pitchFamily="49" charset="0"/>
-              <a:cs typeface="Consolas" panose="020B0609020204030204" pitchFamily="49" charset="0"/>
-            </a:endParaRPr>
+              <a:t>unknown</a:t>
+            </a:r>
           </a:p>
         </p:txBody>
       </p:sp>
@@ -9865,6 +9853,65 @@
               <a:ea typeface="Helvetica" panose="020B0604020202020204" pitchFamily="34" charset="0"/>
               <a:cs typeface="Calibri" panose="020F0502020204030204" pitchFamily="34" charset="0"/>
               <a:sym typeface="Helvetica" panose="020B0604020202020204" pitchFamily="34" charset="0"/>
+            </a:endParaRPr>
+          </a:p>
+        </p:txBody>
+      </p:sp>
+      <p:sp>
+        <p:nvSpPr>
+          <p:cNvPr id="5" name="TextBox 4">
+            <a:extLst>
+              <a:ext uri="{FF2B5EF4-FFF2-40B4-BE49-F238E27FC236}">
+                <a16:creationId xmlns:a16="http://schemas.microsoft.com/office/drawing/2014/main" id="{0A1FF862-8A7D-3FBB-64E0-B244D7C4022C}"/>
+              </a:ext>
+            </a:extLst>
+          </p:cNvPr>
+          <p:cNvSpPr txBox="1"/>
+          <p:nvPr/>
+        </p:nvSpPr>
+        <p:spPr>
+          <a:xfrm>
+            <a:off x="10621108" y="773723"/>
+            <a:ext cx="0" cy="0"/>
+          </a:xfrm>
+          <a:prstGeom prst="rect">
+            <a:avLst/>
+          </a:prstGeom>
+          <a:noFill/>
+          <a:ln>
+            <a:noFill/>
+          </a:ln>
+        </p:spPr>
+        <p:style>
+          <a:lnRef idx="2">
+            <a:schemeClr val="accent1">
+              <a:shade val="50000"/>
+            </a:schemeClr>
+          </a:lnRef>
+          <a:fillRef idx="1">
+            <a:schemeClr val="accent1"/>
+          </a:fillRef>
+          <a:effectRef idx="0">
+            <a:schemeClr val="accent1"/>
+          </a:effectRef>
+          <a:fontRef idx="minor">
+            <a:schemeClr val="lt1"/>
+          </a:fontRef>
+        </p:style>
+        <p:txBody>
+          <a:bodyPr rot="0" spcFirstLastPara="0" vertOverflow="overflow" horzOverflow="overflow" vert="horz" wrap="none" lIns="91440" tIns="45720" rIns="91440" bIns="45720" numCol="1" spcCol="0" rtlCol="0" fromWordArt="0" anchor="ctr" anchorCtr="0" forceAA="0" compatLnSpc="1">
+            <a:prstTxWarp prst="textNoShape">
+              <a:avLst/>
+            </a:prstTxWarp>
+            <a:noAutofit/>
+          </a:bodyPr>
+          <a:lstStyle/>
+          <a:p>
+            <a:pPr algn="l"/>
+            <a:endParaRPr lang="en-US" dirty="0">
+              <a:solidFill>
+                <a:schemeClr val="tx1"/>
+              </a:solidFill>
             </a:endParaRPr>
           </a:p>
         </p:txBody>
@@ -18660,7 +18707,7 @@
           <a:p>
             <a:r>
               <a:rPr lang="en-US" dirty="0"/>
-              <a:t>Zod Can Check Even More than TypeScript</a:t>
+              <a:t>Zod Can Check Conditions Even Finer than TypeScript Types</a:t>
             </a:r>
           </a:p>
         </p:txBody>
